--- a/ShenhavLabMeeting10.29.pptx
+++ b/ShenhavLabMeeting10.29.pptx
@@ -5,7 +5,7 @@
     <p:sldMasterId id="2147483648" r:id="rId1"/>
   </p:sldMasterIdLst>
   <p:notesMasterIdLst>
-    <p:notesMasterId r:id="rId17"/>
+    <p:notesMasterId r:id="rId28"/>
   </p:notesMasterIdLst>
   <p:sldIdLst>
     <p:sldId id="256" r:id="rId2"/>
@@ -20,9 +20,20 @@
     <p:sldId id="264" r:id="rId11"/>
     <p:sldId id="267" r:id="rId12"/>
     <p:sldId id="268" r:id="rId13"/>
-    <p:sldId id="269" r:id="rId14"/>
-    <p:sldId id="270" r:id="rId15"/>
-    <p:sldId id="271" r:id="rId16"/>
+    <p:sldId id="270" r:id="rId14"/>
+    <p:sldId id="260" r:id="rId15"/>
+    <p:sldId id="272" r:id="rId16"/>
+    <p:sldId id="273" r:id="rId17"/>
+    <p:sldId id="274" r:id="rId18"/>
+    <p:sldId id="275" r:id="rId19"/>
+    <p:sldId id="276" r:id="rId20"/>
+    <p:sldId id="277" r:id="rId21"/>
+    <p:sldId id="278" r:id="rId22"/>
+    <p:sldId id="282" r:id="rId23"/>
+    <p:sldId id="284" r:id="rId24"/>
+    <p:sldId id="285" r:id="rId25"/>
+    <p:sldId id="269" r:id="rId26"/>
+    <p:sldId id="271" r:id="rId27"/>
   </p:sldIdLst>
   <p:sldSz cx="12192000" cy="6858000"/>
   <p:notesSz cx="6858000" cy="9144000"/>
@@ -121,6 +132,11 @@
       </a:defRPr>
     </a:lvl9pPr>
   </p:defaultTextStyle>
+  <p:extLst>
+    <p:ext uri="{EFAFB233-063F-42B5-8137-9DF3F51BA10A}">
+      <p15:sldGuideLst xmlns:p15="http://schemas.microsoft.com/office/powerpoint/2012/main"/>
+    </p:ext>
+  </p:extLst>
 </p:presentation>
 </file>
 
@@ -206,7 +222,7 @@
           <a:p>
             <a:fld id="{E534A8AF-726B-4E5B-8C1C-EBADF88DE912}" type="datetimeFigureOut">
               <a:rPr lang="en-US" smtClean="0"/>
-              <a:t>10/26/2018</a:t>
+              <a:t>10/27/2018</a:t>
             </a:fld>
             <a:endParaRPr lang="en-US"/>
           </a:p>
@@ -1036,7 +1052,7 @@
           <a:p>
             <a:fld id="{DBC524C0-7FB7-4DC8-A982-E6468AA02D2A}" type="datetimeFigureOut">
               <a:rPr lang="en-US" smtClean="0"/>
-              <a:t>10/26/2018</a:t>
+              <a:t>10/27/2018</a:t>
             </a:fld>
             <a:endParaRPr lang="en-US"/>
           </a:p>
@@ -1234,7 +1250,7 @@
           <a:p>
             <a:fld id="{DBC524C0-7FB7-4DC8-A982-E6468AA02D2A}" type="datetimeFigureOut">
               <a:rPr lang="en-US" smtClean="0"/>
-              <a:t>10/26/2018</a:t>
+              <a:t>10/27/2018</a:t>
             </a:fld>
             <a:endParaRPr lang="en-US"/>
           </a:p>
@@ -1442,7 +1458,7 @@
           <a:p>
             <a:fld id="{DBC524C0-7FB7-4DC8-A982-E6468AA02D2A}" type="datetimeFigureOut">
               <a:rPr lang="en-US" smtClean="0"/>
-              <a:t>10/26/2018</a:t>
+              <a:t>10/27/2018</a:t>
             </a:fld>
             <a:endParaRPr lang="en-US"/>
           </a:p>
@@ -1640,7 +1656,7 @@
           <a:p>
             <a:fld id="{DBC524C0-7FB7-4DC8-A982-E6468AA02D2A}" type="datetimeFigureOut">
               <a:rPr lang="en-US" smtClean="0"/>
-              <a:t>10/26/2018</a:t>
+              <a:t>10/27/2018</a:t>
             </a:fld>
             <a:endParaRPr lang="en-US"/>
           </a:p>
@@ -1915,7 +1931,7 @@
           <a:p>
             <a:fld id="{DBC524C0-7FB7-4DC8-A982-E6468AA02D2A}" type="datetimeFigureOut">
               <a:rPr lang="en-US" smtClean="0"/>
-              <a:t>10/26/2018</a:t>
+              <a:t>10/27/2018</a:t>
             </a:fld>
             <a:endParaRPr lang="en-US"/>
           </a:p>
@@ -2180,7 +2196,7 @@
           <a:p>
             <a:fld id="{DBC524C0-7FB7-4DC8-A982-E6468AA02D2A}" type="datetimeFigureOut">
               <a:rPr lang="en-US" smtClean="0"/>
-              <a:t>10/26/2018</a:t>
+              <a:t>10/27/2018</a:t>
             </a:fld>
             <a:endParaRPr lang="en-US"/>
           </a:p>
@@ -2592,7 +2608,7 @@
           <a:p>
             <a:fld id="{DBC524C0-7FB7-4DC8-A982-E6468AA02D2A}" type="datetimeFigureOut">
               <a:rPr lang="en-US" smtClean="0"/>
-              <a:t>10/26/2018</a:t>
+              <a:t>10/27/2018</a:t>
             </a:fld>
             <a:endParaRPr lang="en-US"/>
           </a:p>
@@ -2733,7 +2749,7 @@
           <a:p>
             <a:fld id="{DBC524C0-7FB7-4DC8-A982-E6468AA02D2A}" type="datetimeFigureOut">
               <a:rPr lang="en-US" smtClean="0"/>
-              <a:t>10/26/2018</a:t>
+              <a:t>10/27/2018</a:t>
             </a:fld>
             <a:endParaRPr lang="en-US"/>
           </a:p>
@@ -2846,7 +2862,7 @@
           <a:p>
             <a:fld id="{DBC524C0-7FB7-4DC8-A982-E6468AA02D2A}" type="datetimeFigureOut">
               <a:rPr lang="en-US" smtClean="0"/>
-              <a:t>10/26/2018</a:t>
+              <a:t>10/27/2018</a:t>
             </a:fld>
             <a:endParaRPr lang="en-US"/>
           </a:p>
@@ -3157,7 +3173,7 @@
           <a:p>
             <a:fld id="{DBC524C0-7FB7-4DC8-A982-E6468AA02D2A}" type="datetimeFigureOut">
               <a:rPr lang="en-US" smtClean="0"/>
-              <a:t>10/26/2018</a:t>
+              <a:t>10/27/2018</a:t>
             </a:fld>
             <a:endParaRPr lang="en-US"/>
           </a:p>
@@ -3445,7 +3461,7 @@
           <a:p>
             <a:fld id="{DBC524C0-7FB7-4DC8-A982-E6468AA02D2A}" type="datetimeFigureOut">
               <a:rPr lang="en-US" smtClean="0"/>
-              <a:t>10/26/2018</a:t>
+              <a:t>10/27/2018</a:t>
             </a:fld>
             <a:endParaRPr lang="en-US"/>
           </a:p>
@@ -3686,7 +3702,7 @@
           <a:p>
             <a:fld id="{DBC524C0-7FB7-4DC8-A982-E6468AA02D2A}" type="datetimeFigureOut">
               <a:rPr lang="en-US" smtClean="0"/>
-              <a:t>10/26/2018</a:t>
+              <a:t>10/27/2018</a:t>
             </a:fld>
             <a:endParaRPr lang="en-US"/>
           </a:p>
@@ -4721,7 +4737,7 @@
           <a:p>
             <a:r>
               <a:rPr lang="en-US" sz="2400" dirty="0"/>
-              <a:t>Task specifications and participants</a:t>
+              <a:t>Current task specifications and participants</a:t>
             </a:r>
           </a:p>
         </p:txBody>
@@ -5294,13 +5310,20 @@
             <p:ph type="title"/>
           </p:nvPr>
         </p:nvSpPr>
-        <p:spPr/>
+        <p:spPr>
+          <a:xfrm>
+            <a:off x="161564" y="127479"/>
+            <a:ext cx="2981446" cy="653447"/>
+          </a:xfrm>
+        </p:spPr>
         <p:txBody>
-          <a:bodyPr/>
+          <a:bodyPr>
+            <a:normAutofit/>
+          </a:bodyPr>
           <a:lstStyle/>
           <a:p>
             <a:r>
-              <a:rPr lang="en-US" dirty="0"/>
+              <a:rPr lang="en-US" sz="2400" dirty="0"/>
               <a:t>First order analyses</a:t>
             </a:r>
           </a:p>
@@ -5328,8 +5351,8 @@
         </p:blipFill>
         <p:spPr>
           <a:xfrm>
-            <a:off x="647700" y="2011176"/>
-            <a:ext cx="4285712" cy="3208524"/>
+            <a:off x="776894" y="578213"/>
+            <a:ext cx="3615375" cy="2706672"/>
           </a:xfrm>
           <a:prstGeom prst="rect">
             <a:avLst/>
@@ -5358,8 +5381,68 @@
         </p:blipFill>
         <p:spPr>
           <a:xfrm>
-            <a:off x="6639367" y="2011176"/>
-            <a:ext cx="4285712" cy="3208524"/>
+            <a:off x="7420849" y="578213"/>
+            <a:ext cx="3615375" cy="2706672"/>
+          </a:xfrm>
+          <a:prstGeom prst="rect">
+            <a:avLst/>
+          </a:prstGeom>
+        </p:spPr>
+      </p:pic>
+      <p:pic>
+        <p:nvPicPr>
+          <p:cNvPr id="6" name="Picture 5">
+            <a:extLst>
+              <a:ext uri="{FF2B5EF4-FFF2-40B4-BE49-F238E27FC236}">
+                <a16:creationId xmlns:a16="http://schemas.microsoft.com/office/drawing/2014/main" id="{2AE6A695-AFE5-420F-8EE1-C6B8F06CF95A}"/>
+              </a:ext>
+            </a:extLst>
+          </p:cNvPr>
+          <p:cNvPicPr>
+            <a:picLocks noChangeAspect="1"/>
+          </p:cNvPicPr>
+          <p:nvPr/>
+        </p:nvPicPr>
+        <p:blipFill>
+          <a:blip r:embed="rId4"/>
+          <a:stretch>
+            <a:fillRect/>
+          </a:stretch>
+        </p:blipFill>
+        <p:spPr>
+          <a:xfrm>
+            <a:off x="398012" y="3454824"/>
+            <a:ext cx="4373140" cy="3273977"/>
+          </a:xfrm>
+          <a:prstGeom prst="rect">
+            <a:avLst/>
+          </a:prstGeom>
+        </p:spPr>
+      </p:pic>
+      <p:pic>
+        <p:nvPicPr>
+          <p:cNvPr id="7" name="Picture 6">
+            <a:extLst>
+              <a:ext uri="{FF2B5EF4-FFF2-40B4-BE49-F238E27FC236}">
+                <a16:creationId xmlns:a16="http://schemas.microsoft.com/office/drawing/2014/main" id="{30256BD1-2DD1-4B43-9A11-B63CCD18537F}"/>
+              </a:ext>
+            </a:extLst>
+          </p:cNvPr>
+          <p:cNvPicPr>
+            <a:picLocks noChangeAspect="1"/>
+          </p:cNvPicPr>
+          <p:nvPr/>
+        </p:nvPicPr>
+        <p:blipFill>
+          <a:blip r:embed="rId5"/>
+          <a:stretch>
+            <a:fillRect/>
+          </a:stretch>
+        </p:blipFill>
+        <p:spPr>
+          <a:xfrm>
+            <a:off x="7193857" y="3369854"/>
+            <a:ext cx="4600131" cy="3443916"/>
           </a:xfrm>
           <a:prstGeom prst="rect">
             <a:avLst/>
@@ -5398,10 +5481,10 @@
       </p:grpSpPr>
       <p:pic>
         <p:nvPicPr>
-          <p:cNvPr id="4" name="Picture 3">
-            <a:extLst>
-              <a:ext uri="{FF2B5EF4-FFF2-40B4-BE49-F238E27FC236}">
-                <a16:creationId xmlns:a16="http://schemas.microsoft.com/office/drawing/2014/main" id="{B88EAAD3-6C10-442F-9BCF-17D8D5B3F02C}"/>
+          <p:cNvPr id="10" name="Picture 9">
+            <a:extLst>
+              <a:ext uri="{FF2B5EF4-FFF2-40B4-BE49-F238E27FC236}">
+                <a16:creationId xmlns:a16="http://schemas.microsoft.com/office/drawing/2014/main" id="{C4DF81C4-31E0-4E09-B63E-E0ECC6A37AF9}"/>
               </a:ext>
             </a:extLst>
           </p:cNvPr>
@@ -5418,8 +5501,8 @@
         </p:blipFill>
         <p:spPr>
           <a:xfrm>
-            <a:off x="448118" y="1316493"/>
-            <a:ext cx="4600132" cy="3443916"/>
+            <a:off x="4205988" y="2586041"/>
+            <a:ext cx="4934838" cy="4167433"/>
           </a:xfrm>
           <a:prstGeom prst="rect">
             <a:avLst/>
@@ -5428,10 +5511,10 @@
       </p:pic>
       <p:pic>
         <p:nvPicPr>
-          <p:cNvPr id="5" name="Picture 4">
-            <a:extLst>
-              <a:ext uri="{FF2B5EF4-FFF2-40B4-BE49-F238E27FC236}">
-                <a16:creationId xmlns:a16="http://schemas.microsoft.com/office/drawing/2014/main" id="{15DD454F-6C0F-4FC8-901B-6BD5B9C46CF7}"/>
+          <p:cNvPr id="7" name="Picture 6">
+            <a:extLst>
+              <a:ext uri="{FF2B5EF4-FFF2-40B4-BE49-F238E27FC236}">
+                <a16:creationId xmlns:a16="http://schemas.microsoft.com/office/drawing/2014/main" id="{F70EB19A-D045-4AC7-8548-93347167EB17}"/>
               </a:ext>
             </a:extLst>
           </p:cNvPr>
@@ -5448,8 +5531,38 @@
         </p:blipFill>
         <p:spPr>
           <a:xfrm>
-            <a:off x="6715124" y="1316493"/>
-            <a:ext cx="4600131" cy="3443916"/>
+            <a:off x="122495" y="104526"/>
+            <a:ext cx="4325327" cy="3238182"/>
+          </a:xfrm>
+          <a:prstGeom prst="rect">
+            <a:avLst/>
+          </a:prstGeom>
+        </p:spPr>
+      </p:pic>
+      <p:pic>
+        <p:nvPicPr>
+          <p:cNvPr id="9" name="Picture 8">
+            <a:extLst>
+              <a:ext uri="{FF2B5EF4-FFF2-40B4-BE49-F238E27FC236}">
+                <a16:creationId xmlns:a16="http://schemas.microsoft.com/office/drawing/2014/main" id="{E05855B0-B849-478E-B465-EBFD11993A2B}"/>
+              </a:ext>
+            </a:extLst>
+          </p:cNvPr>
+          <p:cNvPicPr>
+            <a:picLocks noChangeAspect="1"/>
+          </p:cNvPicPr>
+          <p:nvPr/>
+        </p:nvPicPr>
+        <p:blipFill>
+          <a:blip r:embed="rId4"/>
+          <a:stretch>
+            <a:fillRect/>
+          </a:stretch>
+        </p:blipFill>
+        <p:spPr>
+          <a:xfrm>
+            <a:off x="8098902" y="104526"/>
+            <a:ext cx="3970603" cy="2972615"/>
           </a:xfrm>
           <a:prstGeom prst="rect">
             <a:avLst/>
@@ -5459,7 +5572,7 @@
     </p:spTree>
     <p:extLst>
       <p:ext uri="{BB962C8B-B14F-4D97-AF65-F5344CB8AC3E}">
-        <p14:creationId xmlns:p14="http://schemas.microsoft.com/office/powerpoint/2010/main" val="3547526465"/>
+        <p14:creationId xmlns:p14="http://schemas.microsoft.com/office/powerpoint/2010/main" val="146570327"/>
       </p:ext>
     </p:extLst>
   </p:cSld>
@@ -5486,12 +5599,48 @@
           <a:chExt cx="0" cy="0"/>
         </a:xfrm>
       </p:grpSpPr>
+      <p:sp>
+        <p:nvSpPr>
+          <p:cNvPr id="4" name="Title 1">
+            <a:extLst>
+              <a:ext uri="{FF2B5EF4-FFF2-40B4-BE49-F238E27FC236}">
+                <a16:creationId xmlns:a16="http://schemas.microsoft.com/office/drawing/2014/main" id="{F90A0724-B0F6-4615-A9A9-B38E3C20CF20}"/>
+              </a:ext>
+            </a:extLst>
+          </p:cNvPr>
+          <p:cNvSpPr>
+            <a:spLocks noGrp="1"/>
+          </p:cNvSpPr>
+          <p:nvPr>
+            <p:ph type="title"/>
+          </p:nvPr>
+        </p:nvSpPr>
+        <p:spPr>
+          <a:xfrm>
+            <a:off x="175470" y="0"/>
+            <a:ext cx="9169866" cy="977114"/>
+          </a:xfrm>
+        </p:spPr>
+        <p:txBody>
+          <a:bodyPr>
+            <a:normAutofit/>
+          </a:bodyPr>
+          <a:lstStyle/>
+          <a:p>
+            <a:r>
+              <a:rPr lang="en-US" sz="2400"/>
+              <a:t>Low Mag</a:t>
+            </a:r>
+            <a:endParaRPr lang="en-US" sz="2400" dirty="0"/>
+          </a:p>
+        </p:txBody>
+      </p:sp>
       <p:pic>
         <p:nvPicPr>
-          <p:cNvPr id="10" name="Picture 9">
-            <a:extLst>
-              <a:ext uri="{FF2B5EF4-FFF2-40B4-BE49-F238E27FC236}">
-                <a16:creationId xmlns:a16="http://schemas.microsoft.com/office/drawing/2014/main" id="{C4DF81C4-31E0-4E09-B63E-E0ECC6A37AF9}"/>
+          <p:cNvPr id="7" name="Picture 6">
+            <a:extLst>
+              <a:ext uri="{FF2B5EF4-FFF2-40B4-BE49-F238E27FC236}">
+                <a16:creationId xmlns:a16="http://schemas.microsoft.com/office/drawing/2014/main" id="{38A03516-2418-4447-8DBF-D189F46654D2}"/>
               </a:ext>
             </a:extLst>
           </p:cNvPr>
@@ -5508,8 +5657,8 @@
         </p:blipFill>
         <p:spPr>
           <a:xfrm>
-            <a:off x="4322051" y="2224218"/>
-            <a:ext cx="4325327" cy="3652706"/>
+            <a:off x="3030628" y="1294363"/>
+            <a:ext cx="2517634" cy="1817387"/>
           </a:xfrm>
           <a:prstGeom prst="rect">
             <a:avLst/>
@@ -5518,10 +5667,10 @@
       </p:pic>
       <p:pic>
         <p:nvPicPr>
-          <p:cNvPr id="7" name="Picture 6">
-            <a:extLst>
-              <a:ext uri="{FF2B5EF4-FFF2-40B4-BE49-F238E27FC236}">
-                <a16:creationId xmlns:a16="http://schemas.microsoft.com/office/drawing/2014/main" id="{F70EB19A-D045-4AC7-8548-93347167EB17}"/>
+          <p:cNvPr id="9" name="Picture 8">
+            <a:extLst>
+              <a:ext uri="{FF2B5EF4-FFF2-40B4-BE49-F238E27FC236}">
+                <a16:creationId xmlns:a16="http://schemas.microsoft.com/office/drawing/2014/main" id="{4C4B028E-7048-458E-B0FF-20DBB76B506B}"/>
               </a:ext>
             </a:extLst>
           </p:cNvPr>
@@ -5538,8 +5687,8 @@
         </p:blipFill>
         <p:spPr>
           <a:xfrm>
-            <a:off x="246673" y="190818"/>
-            <a:ext cx="4325327" cy="3238182"/>
+            <a:off x="934622" y="4071153"/>
+            <a:ext cx="3343867" cy="2413813"/>
           </a:xfrm>
           <a:prstGeom prst="rect">
             <a:avLst/>
@@ -5548,10 +5697,10 @@
       </p:pic>
       <p:pic>
         <p:nvPicPr>
-          <p:cNvPr id="9" name="Picture 8">
-            <a:extLst>
-              <a:ext uri="{FF2B5EF4-FFF2-40B4-BE49-F238E27FC236}">
-                <a16:creationId xmlns:a16="http://schemas.microsoft.com/office/drawing/2014/main" id="{E05855B0-B849-478E-B465-EBFD11993A2B}"/>
+          <p:cNvPr id="2" name="Picture 1">
+            <a:extLst>
+              <a:ext uri="{FF2B5EF4-FFF2-40B4-BE49-F238E27FC236}">
+                <a16:creationId xmlns:a16="http://schemas.microsoft.com/office/drawing/2014/main" id="{10A18BF8-9637-400F-8307-71604FE2D485}"/>
               </a:ext>
             </a:extLst>
           </p:cNvPr>
@@ -5568,8 +5717,8 @@
         </p:blipFill>
         <p:spPr>
           <a:xfrm>
-            <a:off x="7974724" y="237310"/>
-            <a:ext cx="3970603" cy="2972615"/>
+            <a:off x="6581423" y="3378046"/>
+            <a:ext cx="4334933" cy="2307907"/>
           </a:xfrm>
           <a:prstGeom prst="rect">
             <a:avLst/>
@@ -5579,7 +5728,7 @@
     </p:spTree>
     <p:extLst>
       <p:ext uri="{BB962C8B-B14F-4D97-AF65-F5344CB8AC3E}">
-        <p14:creationId xmlns:p14="http://schemas.microsoft.com/office/powerpoint/2010/main" val="146570327"/>
+        <p14:creationId xmlns:p14="http://schemas.microsoft.com/office/powerpoint/2010/main" val="1556551016"/>
       </p:ext>
     </p:extLst>
   </p:cSld>
@@ -5608,10 +5757,10 @@
       </p:grpSpPr>
       <p:sp>
         <p:nvSpPr>
-          <p:cNvPr id="2" name="Title 1">
-            <a:extLst>
-              <a:ext uri="{FF2B5EF4-FFF2-40B4-BE49-F238E27FC236}">
-                <a16:creationId xmlns:a16="http://schemas.microsoft.com/office/drawing/2014/main" id="{14784096-A879-4BC2-9E51-9D1C8927841D}"/>
+          <p:cNvPr id="4" name="Title 1">
+            <a:extLst>
+              <a:ext uri="{FF2B5EF4-FFF2-40B4-BE49-F238E27FC236}">
+                <a16:creationId xmlns:a16="http://schemas.microsoft.com/office/drawing/2014/main" id="{F90A0724-B0F6-4615-A9A9-B38E3C20CF20}"/>
               </a:ext>
             </a:extLst>
           </p:cNvPr>
@@ -5622,21 +5771,181 @@
             <p:ph type="title"/>
           </p:nvPr>
         </p:nvSpPr>
-        <p:spPr/>
+        <p:spPr>
+          <a:xfrm>
+            <a:off x="175470" y="0"/>
+            <a:ext cx="9169866" cy="977114"/>
+          </a:xfrm>
+        </p:spPr>
         <p:txBody>
-          <a:bodyPr/>
+          <a:bodyPr>
+            <a:normAutofit/>
+          </a:bodyPr>
           <a:lstStyle/>
           <a:p>
-            <a:endParaRPr lang="en-US"/>
+            <a:r>
+              <a:rPr lang="en-US" sz="2400" dirty="0"/>
+              <a:t>Mid Mag</a:t>
+            </a:r>
           </a:p>
         </p:txBody>
       </p:sp>
+      <p:pic>
+        <p:nvPicPr>
+          <p:cNvPr id="7" name="Picture 6">
+            <a:extLst>
+              <a:ext uri="{FF2B5EF4-FFF2-40B4-BE49-F238E27FC236}">
+                <a16:creationId xmlns:a16="http://schemas.microsoft.com/office/drawing/2014/main" id="{6B72BD26-86E7-479A-8A48-32C62023E55E}"/>
+              </a:ext>
+            </a:extLst>
+          </p:cNvPr>
+          <p:cNvPicPr>
+            <a:picLocks noChangeAspect="1"/>
+          </p:cNvPicPr>
+          <p:nvPr/>
+        </p:nvPicPr>
+        <p:blipFill>
+          <a:blip r:embed="rId2"/>
+          <a:stretch>
+            <a:fillRect/>
+          </a:stretch>
+        </p:blipFill>
+        <p:spPr>
+          <a:xfrm>
+            <a:off x="541643" y="721446"/>
+            <a:ext cx="3461646" cy="2498834"/>
+          </a:xfrm>
+          <a:prstGeom prst="rect">
+            <a:avLst/>
+          </a:prstGeom>
+        </p:spPr>
+      </p:pic>
+      <p:pic>
+        <p:nvPicPr>
+          <p:cNvPr id="8" name="Picture 7">
+            <a:extLst>
+              <a:ext uri="{FF2B5EF4-FFF2-40B4-BE49-F238E27FC236}">
+                <a16:creationId xmlns:a16="http://schemas.microsoft.com/office/drawing/2014/main" id="{CDC0A11E-5F98-48D9-97E1-40C90767226E}"/>
+              </a:ext>
+            </a:extLst>
+          </p:cNvPr>
+          <p:cNvPicPr>
+            <a:picLocks noChangeAspect="1"/>
+          </p:cNvPicPr>
+          <p:nvPr/>
+        </p:nvPicPr>
+        <p:blipFill>
+          <a:blip r:embed="rId3"/>
+          <a:stretch>
+            <a:fillRect/>
+          </a:stretch>
+        </p:blipFill>
+        <p:spPr>
+          <a:xfrm>
+            <a:off x="6674813" y="592081"/>
+            <a:ext cx="3929997" cy="2836919"/>
+          </a:xfrm>
+          <a:prstGeom prst="rect">
+            <a:avLst/>
+          </a:prstGeom>
+        </p:spPr>
+      </p:pic>
+      <p:pic>
+        <p:nvPicPr>
+          <p:cNvPr id="9" name="Picture 8">
+            <a:extLst>
+              <a:ext uri="{FF2B5EF4-FFF2-40B4-BE49-F238E27FC236}">
+                <a16:creationId xmlns:a16="http://schemas.microsoft.com/office/drawing/2014/main" id="{6144FC08-2B4B-4C83-B67A-45E438116DC1}"/>
+              </a:ext>
+            </a:extLst>
+          </p:cNvPr>
+          <p:cNvPicPr>
+            <a:picLocks noChangeAspect="1"/>
+          </p:cNvPicPr>
+          <p:nvPr/>
+        </p:nvPicPr>
+        <p:blipFill>
+          <a:blip r:embed="rId4"/>
+          <a:stretch>
+            <a:fillRect/>
+          </a:stretch>
+        </p:blipFill>
+        <p:spPr>
+          <a:xfrm>
+            <a:off x="431989" y="3941726"/>
+            <a:ext cx="3680953" cy="2657143"/>
+          </a:xfrm>
+          <a:prstGeom prst="rect">
+            <a:avLst/>
+          </a:prstGeom>
+        </p:spPr>
+      </p:pic>
+      <p:pic>
+        <p:nvPicPr>
+          <p:cNvPr id="10" name="Picture 9">
+            <a:extLst>
+              <a:ext uri="{FF2B5EF4-FFF2-40B4-BE49-F238E27FC236}">
+                <a16:creationId xmlns:a16="http://schemas.microsoft.com/office/drawing/2014/main" id="{BE44261A-7066-4C7E-B105-069F126D3B6D}"/>
+              </a:ext>
+            </a:extLst>
+          </p:cNvPr>
+          <p:cNvPicPr>
+            <a:picLocks noChangeAspect="1"/>
+          </p:cNvPicPr>
+          <p:nvPr/>
+        </p:nvPicPr>
+        <p:blipFill>
+          <a:blip r:embed="rId5"/>
+          <a:stretch>
+            <a:fillRect/>
+          </a:stretch>
+        </p:blipFill>
+        <p:spPr>
+          <a:xfrm>
+            <a:off x="6674813" y="4021081"/>
+            <a:ext cx="3680953" cy="2657143"/>
+          </a:xfrm>
+          <a:prstGeom prst="rect">
+            <a:avLst/>
+          </a:prstGeom>
+        </p:spPr>
+      </p:pic>
+    </p:spTree>
+    <p:extLst>
+      <p:ext uri="{BB962C8B-B14F-4D97-AF65-F5344CB8AC3E}">
+        <p14:creationId xmlns:p14="http://schemas.microsoft.com/office/powerpoint/2010/main" val="111594888"/>
+      </p:ext>
+    </p:extLst>
+  </p:cSld>
+  <p:clrMapOvr>
+    <a:masterClrMapping/>
+  </p:clrMapOvr>
+</p:sld>
+</file>
+
+<file path=ppt/slides/slide16.xml><?xml version="1.0" encoding="utf-8"?>
+<p:sld xmlns:a="http://schemas.openxmlformats.org/drawingml/2006/main" xmlns:r="http://schemas.openxmlformats.org/officeDocument/2006/relationships" xmlns:p="http://schemas.openxmlformats.org/presentationml/2006/main">
+  <p:cSld>
+    <p:spTree>
+      <p:nvGrpSpPr>
+        <p:cNvPr id="1" name=""/>
+        <p:cNvGrpSpPr/>
+        <p:nvPr/>
+      </p:nvGrpSpPr>
+      <p:grpSpPr>
+        <a:xfrm>
+          <a:off x="0" y="0"/>
+          <a:ext cx="0" cy="0"/>
+          <a:chOff x="0" y="0"/>
+          <a:chExt cx="0" cy="0"/>
+        </a:xfrm>
+      </p:grpSpPr>
       <p:sp>
         <p:nvSpPr>
-          <p:cNvPr id="3" name="Content Placeholder 2">
-            <a:extLst>
-              <a:ext uri="{FF2B5EF4-FFF2-40B4-BE49-F238E27FC236}">
-                <a16:creationId xmlns:a16="http://schemas.microsoft.com/office/drawing/2014/main" id="{6004D9D8-86B4-4BF6-BA09-D238D837B2CB}"/>
+          <p:cNvPr id="4" name="Title 1">
+            <a:extLst>
+              <a:ext uri="{FF2B5EF4-FFF2-40B4-BE49-F238E27FC236}">
+                <a16:creationId xmlns:a16="http://schemas.microsoft.com/office/drawing/2014/main" id="{F90A0724-B0F6-4615-A9A9-B38E3C20CF20}"/>
               </a:ext>
             </a:extLst>
           </p:cNvPr>
@@ -5644,22 +5953,707 @@
             <a:spLocks noGrp="1"/>
           </p:cNvSpPr>
           <p:nvPr>
-            <p:ph idx="1"/>
+            <p:ph type="title"/>
           </p:nvPr>
         </p:nvSpPr>
-        <p:spPr/>
+        <p:spPr>
+          <a:xfrm>
+            <a:off x="175470" y="0"/>
+            <a:ext cx="9169866" cy="977114"/>
+          </a:xfrm>
+        </p:spPr>
         <p:txBody>
-          <a:bodyPr/>
+          <a:bodyPr>
+            <a:normAutofit/>
+          </a:bodyPr>
           <a:lstStyle/>
           <a:p>
-            <a:endParaRPr lang="en-US"/>
+            <a:r>
+              <a:rPr lang="en-US" sz="2400" dirty="0"/>
+              <a:t>High Mag</a:t>
+            </a:r>
           </a:p>
         </p:txBody>
       </p:sp>
+      <p:pic>
+        <p:nvPicPr>
+          <p:cNvPr id="7" name="Picture 6">
+            <a:extLst>
+              <a:ext uri="{FF2B5EF4-FFF2-40B4-BE49-F238E27FC236}">
+                <a16:creationId xmlns:a16="http://schemas.microsoft.com/office/drawing/2014/main" id="{07429A77-84AB-4A6E-AB05-2671FDC57EC8}"/>
+              </a:ext>
+            </a:extLst>
+          </p:cNvPr>
+          <p:cNvPicPr>
+            <a:picLocks noChangeAspect="1"/>
+          </p:cNvPicPr>
+          <p:nvPr/>
+        </p:nvPicPr>
+        <p:blipFill>
+          <a:blip r:embed="rId2"/>
+          <a:stretch>
+            <a:fillRect/>
+          </a:stretch>
+        </p:blipFill>
+        <p:spPr>
+          <a:xfrm>
+            <a:off x="530491" y="796099"/>
+            <a:ext cx="4331441" cy="3126707"/>
+          </a:xfrm>
+          <a:prstGeom prst="rect">
+            <a:avLst/>
+          </a:prstGeom>
+        </p:spPr>
+      </p:pic>
+      <p:pic>
+        <p:nvPicPr>
+          <p:cNvPr id="8" name="Picture 7">
+            <a:extLst>
+              <a:ext uri="{FF2B5EF4-FFF2-40B4-BE49-F238E27FC236}">
+                <a16:creationId xmlns:a16="http://schemas.microsoft.com/office/drawing/2014/main" id="{BEB71185-BF77-4A3D-8838-2FF75E2C5783}"/>
+              </a:ext>
+            </a:extLst>
+          </p:cNvPr>
+          <p:cNvPicPr>
+            <a:picLocks noChangeAspect="1"/>
+          </p:cNvPicPr>
+          <p:nvPr/>
+        </p:nvPicPr>
+        <p:blipFill>
+          <a:blip r:embed="rId3"/>
+          <a:stretch>
+            <a:fillRect/>
+          </a:stretch>
+        </p:blipFill>
+        <p:spPr>
+          <a:xfrm>
+            <a:off x="6563301" y="936703"/>
+            <a:ext cx="4059425" cy="2930348"/>
+          </a:xfrm>
+          <a:prstGeom prst="rect">
+            <a:avLst/>
+          </a:prstGeom>
+        </p:spPr>
+      </p:pic>
+      <p:pic>
+        <p:nvPicPr>
+          <p:cNvPr id="9" name="Picture 8">
+            <a:extLst>
+              <a:ext uri="{FF2B5EF4-FFF2-40B4-BE49-F238E27FC236}">
+                <a16:creationId xmlns:a16="http://schemas.microsoft.com/office/drawing/2014/main" id="{7DE92401-21B0-4818-8B02-2860BA8B07DC}"/>
+              </a:ext>
+            </a:extLst>
+          </p:cNvPr>
+          <p:cNvPicPr>
+            <a:picLocks noChangeAspect="1"/>
+          </p:cNvPicPr>
+          <p:nvPr/>
+        </p:nvPicPr>
+        <p:blipFill>
+          <a:blip r:embed="rId4"/>
+          <a:stretch>
+            <a:fillRect/>
+          </a:stretch>
+        </p:blipFill>
+        <p:spPr>
+          <a:xfrm>
+            <a:off x="709462" y="3927651"/>
+            <a:ext cx="4059426" cy="2930349"/>
+          </a:xfrm>
+          <a:prstGeom prst="rect">
+            <a:avLst/>
+          </a:prstGeom>
+        </p:spPr>
+      </p:pic>
+      <p:pic>
+        <p:nvPicPr>
+          <p:cNvPr id="10" name="Picture 9">
+            <a:extLst>
+              <a:ext uri="{FF2B5EF4-FFF2-40B4-BE49-F238E27FC236}">
+                <a16:creationId xmlns:a16="http://schemas.microsoft.com/office/drawing/2014/main" id="{4F161B5D-8F37-40B3-949B-8C1AAEC2F460}"/>
+              </a:ext>
+            </a:extLst>
+          </p:cNvPr>
+          <p:cNvPicPr>
+            <a:picLocks noChangeAspect="1"/>
+          </p:cNvPicPr>
+          <p:nvPr/>
+        </p:nvPicPr>
+        <p:blipFill>
+          <a:blip r:embed="rId5"/>
+          <a:stretch>
+            <a:fillRect/>
+          </a:stretch>
+        </p:blipFill>
+        <p:spPr>
+          <a:xfrm>
+            <a:off x="6941773" y="4064253"/>
+            <a:ext cx="3680953" cy="2657143"/>
+          </a:xfrm>
+          <a:prstGeom prst="rect">
+            <a:avLst/>
+          </a:prstGeom>
+        </p:spPr>
+      </p:pic>
     </p:spTree>
     <p:extLst>
       <p:ext uri="{BB962C8B-B14F-4D97-AF65-F5344CB8AC3E}">
-        <p14:creationId xmlns:p14="http://schemas.microsoft.com/office/powerpoint/2010/main" val="2704169296"/>
+        <p14:creationId xmlns:p14="http://schemas.microsoft.com/office/powerpoint/2010/main" val="864770650"/>
+      </p:ext>
+    </p:extLst>
+  </p:cSld>
+  <p:clrMapOvr>
+    <a:masterClrMapping/>
+  </p:clrMapOvr>
+</p:sld>
+</file>
+
+<file path=ppt/slides/slide17.xml><?xml version="1.0" encoding="utf-8"?>
+<p:sld xmlns:a="http://schemas.openxmlformats.org/drawingml/2006/main" xmlns:r="http://schemas.openxmlformats.org/officeDocument/2006/relationships" xmlns:p="http://schemas.openxmlformats.org/presentationml/2006/main">
+  <p:cSld>
+    <p:spTree>
+      <p:nvGrpSpPr>
+        <p:cNvPr id="1" name=""/>
+        <p:cNvGrpSpPr/>
+        <p:nvPr/>
+      </p:nvGrpSpPr>
+      <p:grpSpPr>
+        <a:xfrm>
+          <a:off x="0" y="0"/>
+          <a:ext cx="0" cy="0"/>
+          <a:chOff x="0" y="0"/>
+          <a:chExt cx="0" cy="0"/>
+        </a:xfrm>
+      </p:grpSpPr>
+      <p:sp>
+        <p:nvSpPr>
+          <p:cNvPr id="4" name="Title 1">
+            <a:extLst>
+              <a:ext uri="{FF2B5EF4-FFF2-40B4-BE49-F238E27FC236}">
+                <a16:creationId xmlns:a16="http://schemas.microsoft.com/office/drawing/2014/main" id="{F90A0724-B0F6-4615-A9A9-B38E3C20CF20}"/>
+              </a:ext>
+            </a:extLst>
+          </p:cNvPr>
+          <p:cNvSpPr>
+            <a:spLocks noGrp="1"/>
+          </p:cNvSpPr>
+          <p:nvPr>
+            <p:ph type="title"/>
+          </p:nvPr>
+        </p:nvSpPr>
+        <p:spPr>
+          <a:xfrm>
+            <a:off x="175470" y="0"/>
+            <a:ext cx="9169866" cy="977114"/>
+          </a:xfrm>
+        </p:spPr>
+        <p:txBody>
+          <a:bodyPr>
+            <a:normAutofit/>
+          </a:bodyPr>
+          <a:lstStyle/>
+          <a:p>
+            <a:r>
+              <a:rPr lang="en-US" sz="2400" dirty="0"/>
+              <a:t>Low value (previously called odds)</a:t>
+            </a:r>
+          </a:p>
+        </p:txBody>
+      </p:sp>
+      <p:pic>
+        <p:nvPicPr>
+          <p:cNvPr id="7" name="Picture 6">
+            <a:extLst>
+              <a:ext uri="{FF2B5EF4-FFF2-40B4-BE49-F238E27FC236}">
+                <a16:creationId xmlns:a16="http://schemas.microsoft.com/office/drawing/2014/main" id="{358139DC-364B-49FE-A3E0-C96A73CA6754}"/>
+              </a:ext>
+            </a:extLst>
+          </p:cNvPr>
+          <p:cNvPicPr>
+            <a:picLocks noChangeAspect="1"/>
+          </p:cNvPicPr>
+          <p:nvPr/>
+        </p:nvPicPr>
+        <p:blipFill>
+          <a:blip r:embed="rId2"/>
+          <a:stretch>
+            <a:fillRect/>
+          </a:stretch>
+        </p:blipFill>
+        <p:spPr>
+          <a:xfrm>
+            <a:off x="809271" y="1065878"/>
+            <a:ext cx="3417041" cy="2466635"/>
+          </a:xfrm>
+          <a:prstGeom prst="rect">
+            <a:avLst/>
+          </a:prstGeom>
+        </p:spPr>
+      </p:pic>
+      <p:pic>
+        <p:nvPicPr>
+          <p:cNvPr id="8" name="Picture 7">
+            <a:extLst>
+              <a:ext uri="{FF2B5EF4-FFF2-40B4-BE49-F238E27FC236}">
+                <a16:creationId xmlns:a16="http://schemas.microsoft.com/office/drawing/2014/main" id="{74C8A2DA-6E49-4A49-9269-A7DEBCD8CCBB}"/>
+              </a:ext>
+            </a:extLst>
+          </p:cNvPr>
+          <p:cNvPicPr>
+            <a:picLocks noChangeAspect="1"/>
+          </p:cNvPicPr>
+          <p:nvPr/>
+        </p:nvPicPr>
+        <p:blipFill>
+          <a:blip r:embed="rId3"/>
+          <a:stretch>
+            <a:fillRect/>
+          </a:stretch>
+        </p:blipFill>
+        <p:spPr>
+          <a:xfrm>
+            <a:off x="7132013" y="933058"/>
+            <a:ext cx="3785031" cy="2732273"/>
+          </a:xfrm>
+          <a:prstGeom prst="rect">
+            <a:avLst/>
+          </a:prstGeom>
+        </p:spPr>
+      </p:pic>
+      <p:pic>
+        <p:nvPicPr>
+          <p:cNvPr id="9" name="Picture 8">
+            <a:extLst>
+              <a:ext uri="{FF2B5EF4-FFF2-40B4-BE49-F238E27FC236}">
+                <a16:creationId xmlns:a16="http://schemas.microsoft.com/office/drawing/2014/main" id="{2BED8C28-BE10-467E-804A-38272FDAA364}"/>
+              </a:ext>
+            </a:extLst>
+          </p:cNvPr>
+          <p:cNvPicPr>
+            <a:picLocks noChangeAspect="1"/>
+          </p:cNvPicPr>
+          <p:nvPr/>
+        </p:nvPicPr>
+        <p:blipFill>
+          <a:blip r:embed="rId4"/>
+          <a:stretch>
+            <a:fillRect/>
+          </a:stretch>
+        </p:blipFill>
+        <p:spPr>
+          <a:xfrm>
+            <a:off x="524914" y="3777688"/>
+            <a:ext cx="3985753" cy="2877167"/>
+          </a:xfrm>
+          <a:prstGeom prst="rect">
+            <a:avLst/>
+          </a:prstGeom>
+        </p:spPr>
+      </p:pic>
+      <p:pic>
+        <p:nvPicPr>
+          <p:cNvPr id="10" name="Picture 9">
+            <a:extLst>
+              <a:ext uri="{FF2B5EF4-FFF2-40B4-BE49-F238E27FC236}">
+                <a16:creationId xmlns:a16="http://schemas.microsoft.com/office/drawing/2014/main" id="{DC2F3777-822A-42F0-859C-949753CD2544}"/>
+              </a:ext>
+            </a:extLst>
+          </p:cNvPr>
+          <p:cNvPicPr>
+            <a:picLocks noChangeAspect="1"/>
+          </p:cNvPicPr>
+          <p:nvPr/>
+        </p:nvPicPr>
+        <p:blipFill>
+          <a:blip r:embed="rId5"/>
+          <a:stretch>
+            <a:fillRect/>
+          </a:stretch>
+        </p:blipFill>
+        <p:spPr>
+          <a:xfrm>
+            <a:off x="6931291" y="3777688"/>
+            <a:ext cx="3985753" cy="2877167"/>
+          </a:xfrm>
+          <a:prstGeom prst="rect">
+            <a:avLst/>
+          </a:prstGeom>
+        </p:spPr>
+      </p:pic>
+    </p:spTree>
+    <p:extLst>
+      <p:ext uri="{BB962C8B-B14F-4D97-AF65-F5344CB8AC3E}">
+        <p14:creationId xmlns:p14="http://schemas.microsoft.com/office/powerpoint/2010/main" val="4138266969"/>
+      </p:ext>
+    </p:extLst>
+  </p:cSld>
+  <p:clrMapOvr>
+    <a:masterClrMapping/>
+  </p:clrMapOvr>
+</p:sld>
+</file>
+
+<file path=ppt/slides/slide18.xml><?xml version="1.0" encoding="utf-8"?>
+<p:sld xmlns:a="http://schemas.openxmlformats.org/drawingml/2006/main" xmlns:r="http://schemas.openxmlformats.org/officeDocument/2006/relationships" xmlns:p="http://schemas.openxmlformats.org/presentationml/2006/main">
+  <p:cSld>
+    <p:spTree>
+      <p:nvGrpSpPr>
+        <p:cNvPr id="1" name=""/>
+        <p:cNvGrpSpPr/>
+        <p:nvPr/>
+      </p:nvGrpSpPr>
+      <p:grpSpPr>
+        <a:xfrm>
+          <a:off x="0" y="0"/>
+          <a:ext cx="0" cy="0"/>
+          <a:chOff x="0" y="0"/>
+          <a:chExt cx="0" cy="0"/>
+        </a:xfrm>
+      </p:grpSpPr>
+      <p:sp>
+        <p:nvSpPr>
+          <p:cNvPr id="4" name="Title 1">
+            <a:extLst>
+              <a:ext uri="{FF2B5EF4-FFF2-40B4-BE49-F238E27FC236}">
+                <a16:creationId xmlns:a16="http://schemas.microsoft.com/office/drawing/2014/main" id="{F90A0724-B0F6-4615-A9A9-B38E3C20CF20}"/>
+              </a:ext>
+            </a:extLst>
+          </p:cNvPr>
+          <p:cNvSpPr>
+            <a:spLocks noGrp="1"/>
+          </p:cNvSpPr>
+          <p:nvPr>
+            <p:ph type="title"/>
+          </p:nvPr>
+        </p:nvSpPr>
+        <p:spPr>
+          <a:xfrm>
+            <a:off x="175470" y="0"/>
+            <a:ext cx="9169866" cy="977114"/>
+          </a:xfrm>
+        </p:spPr>
+        <p:txBody>
+          <a:bodyPr>
+            <a:normAutofit/>
+          </a:bodyPr>
+          <a:lstStyle/>
+          <a:p>
+            <a:r>
+              <a:rPr lang="en-US" sz="2400" dirty="0"/>
+              <a:t>Mid value (odds)</a:t>
+            </a:r>
+          </a:p>
+        </p:txBody>
+      </p:sp>
+      <p:pic>
+        <p:nvPicPr>
+          <p:cNvPr id="7" name="Picture 6">
+            <a:extLst>
+              <a:ext uri="{FF2B5EF4-FFF2-40B4-BE49-F238E27FC236}">
+                <a16:creationId xmlns:a16="http://schemas.microsoft.com/office/drawing/2014/main" id="{1BA46DF3-EE19-4A60-8A55-648C88AB2015}"/>
+              </a:ext>
+            </a:extLst>
+          </p:cNvPr>
+          <p:cNvPicPr>
+            <a:picLocks noChangeAspect="1"/>
+          </p:cNvPicPr>
+          <p:nvPr/>
+        </p:nvPicPr>
+        <p:blipFill>
+          <a:blip r:embed="rId2"/>
+          <a:stretch>
+            <a:fillRect/>
+          </a:stretch>
+        </p:blipFill>
+        <p:spPr>
+          <a:xfrm>
+            <a:off x="809271" y="1098394"/>
+            <a:ext cx="3680953" cy="2657143"/>
+          </a:xfrm>
+          <a:prstGeom prst="rect">
+            <a:avLst/>
+          </a:prstGeom>
+        </p:spPr>
+      </p:pic>
+      <p:pic>
+        <p:nvPicPr>
+          <p:cNvPr id="8" name="Picture 7">
+            <a:extLst>
+              <a:ext uri="{FF2B5EF4-FFF2-40B4-BE49-F238E27FC236}">
+                <a16:creationId xmlns:a16="http://schemas.microsoft.com/office/drawing/2014/main" id="{5D61FE8E-FDB7-472B-A53F-844C623A9CE6}"/>
+              </a:ext>
+            </a:extLst>
+          </p:cNvPr>
+          <p:cNvPicPr>
+            <a:picLocks noChangeAspect="1"/>
+          </p:cNvPicPr>
+          <p:nvPr/>
+        </p:nvPicPr>
+        <p:blipFill>
+          <a:blip r:embed="rId3"/>
+          <a:stretch>
+            <a:fillRect/>
+          </a:stretch>
+        </p:blipFill>
+        <p:spPr>
+          <a:xfrm>
+            <a:off x="6719418" y="956182"/>
+            <a:ext cx="4074963" cy="2941565"/>
+          </a:xfrm>
+          <a:prstGeom prst="rect">
+            <a:avLst/>
+          </a:prstGeom>
+        </p:spPr>
+      </p:pic>
+      <p:pic>
+        <p:nvPicPr>
+          <p:cNvPr id="9" name="Picture 8">
+            <a:extLst>
+              <a:ext uri="{FF2B5EF4-FFF2-40B4-BE49-F238E27FC236}">
+                <a16:creationId xmlns:a16="http://schemas.microsoft.com/office/drawing/2014/main" id="{740C46CB-5619-425D-BCAB-CFB779DB453A}"/>
+              </a:ext>
+            </a:extLst>
+          </p:cNvPr>
+          <p:cNvPicPr>
+            <a:picLocks noChangeAspect="1"/>
+          </p:cNvPicPr>
+          <p:nvPr/>
+        </p:nvPicPr>
+        <p:blipFill>
+          <a:blip r:embed="rId4"/>
+          <a:stretch>
+            <a:fillRect/>
+          </a:stretch>
+        </p:blipFill>
+        <p:spPr>
+          <a:xfrm>
+            <a:off x="508190" y="3897747"/>
+            <a:ext cx="3863090" cy="2788621"/>
+          </a:xfrm>
+          <a:prstGeom prst="rect">
+            <a:avLst/>
+          </a:prstGeom>
+        </p:spPr>
+      </p:pic>
+      <p:pic>
+        <p:nvPicPr>
+          <p:cNvPr id="10" name="Picture 9">
+            <a:extLst>
+              <a:ext uri="{FF2B5EF4-FFF2-40B4-BE49-F238E27FC236}">
+                <a16:creationId xmlns:a16="http://schemas.microsoft.com/office/drawing/2014/main" id="{0CDD72B6-C879-4C0F-8474-80A65A7D71BC}"/>
+              </a:ext>
+            </a:extLst>
+          </p:cNvPr>
+          <p:cNvPicPr>
+            <a:picLocks noChangeAspect="1"/>
+          </p:cNvPicPr>
+          <p:nvPr/>
+        </p:nvPicPr>
+        <p:blipFill>
+          <a:blip r:embed="rId5"/>
+          <a:stretch>
+            <a:fillRect/>
+          </a:stretch>
+        </p:blipFill>
+        <p:spPr>
+          <a:xfrm>
+            <a:off x="6719417" y="3897747"/>
+            <a:ext cx="3796183" cy="2740324"/>
+          </a:xfrm>
+          <a:prstGeom prst="rect">
+            <a:avLst/>
+          </a:prstGeom>
+        </p:spPr>
+      </p:pic>
+    </p:spTree>
+    <p:extLst>
+      <p:ext uri="{BB962C8B-B14F-4D97-AF65-F5344CB8AC3E}">
+        <p14:creationId xmlns:p14="http://schemas.microsoft.com/office/powerpoint/2010/main" val="2130673036"/>
+      </p:ext>
+    </p:extLst>
+  </p:cSld>
+  <p:clrMapOvr>
+    <a:masterClrMapping/>
+  </p:clrMapOvr>
+</p:sld>
+</file>
+
+<file path=ppt/slides/slide19.xml><?xml version="1.0" encoding="utf-8"?>
+<p:sld xmlns:a="http://schemas.openxmlformats.org/drawingml/2006/main" xmlns:r="http://schemas.openxmlformats.org/officeDocument/2006/relationships" xmlns:p="http://schemas.openxmlformats.org/presentationml/2006/main">
+  <p:cSld>
+    <p:spTree>
+      <p:nvGrpSpPr>
+        <p:cNvPr id="1" name=""/>
+        <p:cNvGrpSpPr/>
+        <p:nvPr/>
+      </p:nvGrpSpPr>
+      <p:grpSpPr>
+        <a:xfrm>
+          <a:off x="0" y="0"/>
+          <a:ext cx="0" cy="0"/>
+          <a:chOff x="0" y="0"/>
+          <a:chExt cx="0" cy="0"/>
+        </a:xfrm>
+      </p:grpSpPr>
+      <p:sp>
+        <p:nvSpPr>
+          <p:cNvPr id="4" name="Title 1">
+            <a:extLst>
+              <a:ext uri="{FF2B5EF4-FFF2-40B4-BE49-F238E27FC236}">
+                <a16:creationId xmlns:a16="http://schemas.microsoft.com/office/drawing/2014/main" id="{F90A0724-B0F6-4615-A9A9-B38E3C20CF20}"/>
+              </a:ext>
+            </a:extLst>
+          </p:cNvPr>
+          <p:cNvSpPr>
+            <a:spLocks noGrp="1"/>
+          </p:cNvSpPr>
+          <p:nvPr>
+            <p:ph type="title"/>
+          </p:nvPr>
+        </p:nvSpPr>
+        <p:spPr>
+          <a:xfrm>
+            <a:off x="175470" y="0"/>
+            <a:ext cx="9169866" cy="977114"/>
+          </a:xfrm>
+        </p:spPr>
+        <p:txBody>
+          <a:bodyPr>
+            <a:normAutofit/>
+          </a:bodyPr>
+          <a:lstStyle/>
+          <a:p>
+            <a:r>
+              <a:rPr lang="en-US" sz="2400" dirty="0"/>
+              <a:t>High odds </a:t>
+            </a:r>
+          </a:p>
+        </p:txBody>
+      </p:sp>
+      <p:pic>
+        <p:nvPicPr>
+          <p:cNvPr id="7" name="Picture 6">
+            <a:extLst>
+              <a:ext uri="{FF2B5EF4-FFF2-40B4-BE49-F238E27FC236}">
+                <a16:creationId xmlns:a16="http://schemas.microsoft.com/office/drawing/2014/main" id="{9D62B0B1-BDBC-49D5-94A6-D0D72D57FE9D}"/>
+              </a:ext>
+            </a:extLst>
+          </p:cNvPr>
+          <p:cNvPicPr>
+            <a:picLocks noChangeAspect="1"/>
+          </p:cNvPicPr>
+          <p:nvPr/>
+        </p:nvPicPr>
+        <p:blipFill>
+          <a:blip r:embed="rId2"/>
+          <a:stretch>
+            <a:fillRect/>
+          </a:stretch>
+        </p:blipFill>
+        <p:spPr>
+          <a:xfrm>
+            <a:off x="786880" y="933277"/>
+            <a:ext cx="4119568" cy="2973763"/>
+          </a:xfrm>
+          <a:prstGeom prst="rect">
+            <a:avLst/>
+          </a:prstGeom>
+        </p:spPr>
+      </p:pic>
+      <p:pic>
+        <p:nvPicPr>
+          <p:cNvPr id="9" name="Picture 8">
+            <a:extLst>
+              <a:ext uri="{FF2B5EF4-FFF2-40B4-BE49-F238E27FC236}">
+                <a16:creationId xmlns:a16="http://schemas.microsoft.com/office/drawing/2014/main" id="{B12001C6-3DD1-4944-9301-89D84AD68659}"/>
+              </a:ext>
+            </a:extLst>
+          </p:cNvPr>
+          <p:cNvPicPr>
+            <a:picLocks noChangeAspect="1"/>
+          </p:cNvPicPr>
+          <p:nvPr/>
+        </p:nvPicPr>
+        <p:blipFill>
+          <a:blip r:embed="rId3"/>
+          <a:stretch>
+            <a:fillRect/>
+          </a:stretch>
+        </p:blipFill>
+        <p:spPr>
+          <a:xfrm>
+            <a:off x="6510169" y="933277"/>
+            <a:ext cx="3642642" cy="2629488"/>
+          </a:xfrm>
+          <a:prstGeom prst="rect">
+            <a:avLst/>
+          </a:prstGeom>
+        </p:spPr>
+      </p:pic>
+      <p:pic>
+        <p:nvPicPr>
+          <p:cNvPr id="10" name="Picture 9">
+            <a:extLst>
+              <a:ext uri="{FF2B5EF4-FFF2-40B4-BE49-F238E27FC236}">
+                <a16:creationId xmlns:a16="http://schemas.microsoft.com/office/drawing/2014/main" id="{D78E0757-478C-4375-A856-E39610F650C8}"/>
+              </a:ext>
+            </a:extLst>
+          </p:cNvPr>
+          <p:cNvPicPr>
+            <a:picLocks noChangeAspect="1"/>
+          </p:cNvPicPr>
+          <p:nvPr/>
+        </p:nvPicPr>
+        <p:blipFill>
+          <a:blip r:embed="rId4"/>
+          <a:stretch>
+            <a:fillRect/>
+          </a:stretch>
+        </p:blipFill>
+        <p:spPr>
+          <a:xfrm>
+            <a:off x="1209548" y="3907040"/>
+            <a:ext cx="3550855" cy="2563230"/>
+          </a:xfrm>
+          <a:prstGeom prst="rect">
+            <a:avLst/>
+          </a:prstGeom>
+        </p:spPr>
+      </p:pic>
+      <p:pic>
+        <p:nvPicPr>
+          <p:cNvPr id="11" name="Picture 10">
+            <a:extLst>
+              <a:ext uri="{FF2B5EF4-FFF2-40B4-BE49-F238E27FC236}">
+                <a16:creationId xmlns:a16="http://schemas.microsoft.com/office/drawing/2014/main" id="{4A36AE45-6163-40B2-88FC-B904D45053DA}"/>
+              </a:ext>
+            </a:extLst>
+          </p:cNvPr>
+          <p:cNvPicPr>
+            <a:picLocks noChangeAspect="1"/>
+          </p:cNvPicPr>
+          <p:nvPr/>
+        </p:nvPicPr>
+        <p:blipFill>
+          <a:blip r:embed="rId5"/>
+          <a:stretch>
+            <a:fillRect/>
+          </a:stretch>
+        </p:blipFill>
+        <p:spPr>
+          <a:xfrm>
+            <a:off x="6518937" y="3907040"/>
+            <a:ext cx="3796182" cy="2740323"/>
+          </a:xfrm>
+          <a:prstGeom prst="rect">
+            <a:avLst/>
+          </a:prstGeom>
+        </p:spPr>
+      </p:pic>
+    </p:spTree>
+    <p:extLst>
+      <p:ext uri="{BB962C8B-B14F-4D97-AF65-F5344CB8AC3E}">
+        <p14:creationId xmlns:p14="http://schemas.microsoft.com/office/powerpoint/2010/main" val="4077936452"/>
       </p:ext>
     </p:extLst>
   </p:cSld>
@@ -6791,6 +7785,1248 @@
 </p:sld>
 </file>
 
+<file path=ppt/slides/slide20.xml><?xml version="1.0" encoding="utf-8"?>
+<p:sld xmlns:a="http://schemas.openxmlformats.org/drawingml/2006/main" xmlns:r="http://schemas.openxmlformats.org/officeDocument/2006/relationships" xmlns:p="http://schemas.openxmlformats.org/presentationml/2006/main">
+  <p:cSld>
+    <p:spTree>
+      <p:nvGrpSpPr>
+        <p:cNvPr id="1" name=""/>
+        <p:cNvGrpSpPr/>
+        <p:nvPr/>
+      </p:nvGrpSpPr>
+      <p:grpSpPr>
+        <a:xfrm>
+          <a:off x="0" y="0"/>
+          <a:ext cx="0" cy="0"/>
+          <a:chOff x="0" y="0"/>
+          <a:chExt cx="0" cy="0"/>
+        </a:xfrm>
+      </p:grpSpPr>
+      <p:sp>
+        <p:nvSpPr>
+          <p:cNvPr id="4" name="Title 1">
+            <a:extLst>
+              <a:ext uri="{FF2B5EF4-FFF2-40B4-BE49-F238E27FC236}">
+                <a16:creationId xmlns:a16="http://schemas.microsoft.com/office/drawing/2014/main" id="{F90A0724-B0F6-4615-A9A9-B38E3C20CF20}"/>
+              </a:ext>
+            </a:extLst>
+          </p:cNvPr>
+          <p:cNvSpPr>
+            <a:spLocks noGrp="1"/>
+          </p:cNvSpPr>
+          <p:nvPr>
+            <p:ph type="title"/>
+          </p:nvPr>
+        </p:nvSpPr>
+        <p:spPr>
+          <a:xfrm>
+            <a:off x="175470" y="0"/>
+            <a:ext cx="9169866" cy="977114"/>
+          </a:xfrm>
+        </p:spPr>
+        <p:txBody>
+          <a:bodyPr>
+            <a:normAutofit/>
+          </a:bodyPr>
+          <a:lstStyle/>
+          <a:p>
+            <a:r>
+              <a:rPr lang="en-US" sz="2400" dirty="0"/>
+              <a:t>High RPE trials only </a:t>
+            </a:r>
+          </a:p>
+        </p:txBody>
+      </p:sp>
+      <p:pic>
+        <p:nvPicPr>
+          <p:cNvPr id="2" name="Picture 1">
+            <a:extLst>
+              <a:ext uri="{FF2B5EF4-FFF2-40B4-BE49-F238E27FC236}">
+                <a16:creationId xmlns:a16="http://schemas.microsoft.com/office/drawing/2014/main" id="{20E07F94-E5F3-4B85-9025-C60C7722B5BB}"/>
+              </a:ext>
+            </a:extLst>
+          </p:cNvPr>
+          <p:cNvPicPr>
+            <a:picLocks noChangeAspect="1"/>
+          </p:cNvPicPr>
+          <p:nvPr/>
+        </p:nvPicPr>
+        <p:blipFill>
+          <a:blip r:embed="rId2"/>
+          <a:stretch>
+            <a:fillRect/>
+          </a:stretch>
+        </p:blipFill>
+        <p:spPr>
+          <a:xfrm>
+            <a:off x="1436875" y="973853"/>
+            <a:ext cx="3680953" cy="2657143"/>
+          </a:xfrm>
+          <a:prstGeom prst="rect">
+            <a:avLst/>
+          </a:prstGeom>
+        </p:spPr>
+      </p:pic>
+      <p:pic>
+        <p:nvPicPr>
+          <p:cNvPr id="3" name="Picture 2">
+            <a:extLst>
+              <a:ext uri="{FF2B5EF4-FFF2-40B4-BE49-F238E27FC236}">
+                <a16:creationId xmlns:a16="http://schemas.microsoft.com/office/drawing/2014/main" id="{BE759ABB-FE96-4AD8-83B9-2DE407145B45}"/>
+              </a:ext>
+            </a:extLst>
+          </p:cNvPr>
+          <p:cNvPicPr>
+            <a:picLocks noChangeAspect="1"/>
+          </p:cNvPicPr>
+          <p:nvPr/>
+        </p:nvPicPr>
+        <p:blipFill>
+          <a:blip r:embed="rId3"/>
+          <a:stretch>
+            <a:fillRect/>
+          </a:stretch>
+        </p:blipFill>
+        <p:spPr>
+          <a:xfrm>
+            <a:off x="6916425" y="1143687"/>
+            <a:ext cx="3472796" cy="2506882"/>
+          </a:xfrm>
+          <a:prstGeom prst="rect">
+            <a:avLst/>
+          </a:prstGeom>
+        </p:spPr>
+      </p:pic>
+      <p:pic>
+        <p:nvPicPr>
+          <p:cNvPr id="5" name="Picture 4">
+            <a:extLst>
+              <a:ext uri="{FF2B5EF4-FFF2-40B4-BE49-F238E27FC236}">
+                <a16:creationId xmlns:a16="http://schemas.microsoft.com/office/drawing/2014/main" id="{71ADC1AC-464C-41C0-89EC-673B58DA1E4E}"/>
+              </a:ext>
+            </a:extLst>
+          </p:cNvPr>
+          <p:cNvPicPr>
+            <a:picLocks noChangeAspect="1"/>
+          </p:cNvPicPr>
+          <p:nvPr/>
+        </p:nvPicPr>
+        <p:blipFill>
+          <a:blip r:embed="rId4"/>
+          <a:stretch>
+            <a:fillRect/>
+          </a:stretch>
+        </p:blipFill>
+        <p:spPr>
+          <a:xfrm>
+            <a:off x="1483147" y="3934108"/>
+            <a:ext cx="3562007" cy="2571281"/>
+          </a:xfrm>
+          <a:prstGeom prst="rect">
+            <a:avLst/>
+          </a:prstGeom>
+        </p:spPr>
+      </p:pic>
+      <p:pic>
+        <p:nvPicPr>
+          <p:cNvPr id="6" name="Picture 5">
+            <a:extLst>
+              <a:ext uri="{FF2B5EF4-FFF2-40B4-BE49-F238E27FC236}">
+                <a16:creationId xmlns:a16="http://schemas.microsoft.com/office/drawing/2014/main" id="{062C0601-2713-48A5-93F5-196A03829EAF}"/>
+              </a:ext>
+            </a:extLst>
+          </p:cNvPr>
+          <p:cNvPicPr>
+            <a:picLocks noChangeAspect="1"/>
+          </p:cNvPicPr>
+          <p:nvPr/>
+        </p:nvPicPr>
+        <p:blipFill>
+          <a:blip r:embed="rId5"/>
+          <a:stretch>
+            <a:fillRect/>
+          </a:stretch>
+        </p:blipFill>
+        <p:spPr>
+          <a:xfrm>
+            <a:off x="6498254" y="3650569"/>
+            <a:ext cx="4309138" cy="3110607"/>
+          </a:xfrm>
+          <a:prstGeom prst="rect">
+            <a:avLst/>
+          </a:prstGeom>
+        </p:spPr>
+      </p:pic>
+    </p:spTree>
+    <p:extLst>
+      <p:ext uri="{BB962C8B-B14F-4D97-AF65-F5344CB8AC3E}">
+        <p14:creationId xmlns:p14="http://schemas.microsoft.com/office/powerpoint/2010/main" val="512671512"/>
+      </p:ext>
+    </p:extLst>
+  </p:cSld>
+  <p:clrMapOvr>
+    <a:masterClrMapping/>
+  </p:clrMapOvr>
+</p:sld>
+</file>
+
+<file path=ppt/slides/slide21.xml><?xml version="1.0" encoding="utf-8"?>
+<p:sld xmlns:a="http://schemas.openxmlformats.org/drawingml/2006/main" xmlns:r="http://schemas.openxmlformats.org/officeDocument/2006/relationships" xmlns:p="http://schemas.openxmlformats.org/presentationml/2006/main">
+  <p:cSld>
+    <p:spTree>
+      <p:nvGrpSpPr>
+        <p:cNvPr id="1" name=""/>
+        <p:cNvGrpSpPr/>
+        <p:nvPr/>
+      </p:nvGrpSpPr>
+      <p:grpSpPr>
+        <a:xfrm>
+          <a:off x="0" y="0"/>
+          <a:ext cx="0" cy="0"/>
+          <a:chOff x="0" y="0"/>
+          <a:chExt cx="0" cy="0"/>
+        </a:xfrm>
+      </p:grpSpPr>
+      <p:sp>
+        <p:nvSpPr>
+          <p:cNvPr id="2" name="Title 1">
+            <a:extLst>
+              <a:ext uri="{FF2B5EF4-FFF2-40B4-BE49-F238E27FC236}">
+                <a16:creationId xmlns:a16="http://schemas.microsoft.com/office/drawing/2014/main" id="{AD584A5A-8240-4177-827B-788B43A7CF95}"/>
+              </a:ext>
+            </a:extLst>
+          </p:cNvPr>
+          <p:cNvSpPr>
+            <a:spLocks noGrp="1"/>
+          </p:cNvSpPr>
+          <p:nvPr>
+            <p:ph type="title"/>
+          </p:nvPr>
+        </p:nvSpPr>
+        <p:spPr>
+          <a:xfrm>
+            <a:off x="410362" y="180567"/>
+            <a:ext cx="11334225" cy="868057"/>
+          </a:xfrm>
+        </p:spPr>
+        <p:txBody>
+          <a:bodyPr>
+            <a:normAutofit/>
+          </a:bodyPr>
+          <a:lstStyle/>
+          <a:p>
+            <a:r>
+              <a:rPr lang="en-US" sz="2400" dirty="0"/>
+              <a:t>Participants who showed downwards decreasing RT slope, p&lt; .1 (n= 37)</a:t>
+            </a:r>
+          </a:p>
+        </p:txBody>
+      </p:sp>
+      <p:pic>
+        <p:nvPicPr>
+          <p:cNvPr id="7" name="Picture 6">
+            <a:extLst>
+              <a:ext uri="{FF2B5EF4-FFF2-40B4-BE49-F238E27FC236}">
+                <a16:creationId xmlns:a16="http://schemas.microsoft.com/office/drawing/2014/main" id="{35FF3203-E55F-4BD7-8282-2B24B68AA4B8}"/>
+              </a:ext>
+            </a:extLst>
+          </p:cNvPr>
+          <p:cNvPicPr>
+            <a:picLocks noChangeAspect="1"/>
+          </p:cNvPicPr>
+          <p:nvPr/>
+        </p:nvPicPr>
+        <p:blipFill>
+          <a:blip r:embed="rId2"/>
+          <a:stretch>
+            <a:fillRect/>
+          </a:stretch>
+        </p:blipFill>
+        <p:spPr>
+          <a:xfrm>
+            <a:off x="8052487" y="3323780"/>
+            <a:ext cx="3102088" cy="3534220"/>
+          </a:xfrm>
+          <a:prstGeom prst="rect">
+            <a:avLst/>
+          </a:prstGeom>
+        </p:spPr>
+      </p:pic>
+      <p:pic>
+        <p:nvPicPr>
+          <p:cNvPr id="8" name="Picture 7">
+            <a:extLst>
+              <a:ext uri="{FF2B5EF4-FFF2-40B4-BE49-F238E27FC236}">
+                <a16:creationId xmlns:a16="http://schemas.microsoft.com/office/drawing/2014/main" id="{2B912295-D0F3-4EED-B580-E523F0E12331}"/>
+              </a:ext>
+            </a:extLst>
+          </p:cNvPr>
+          <p:cNvPicPr>
+            <a:picLocks noChangeAspect="1"/>
+          </p:cNvPicPr>
+          <p:nvPr/>
+        </p:nvPicPr>
+        <p:blipFill>
+          <a:blip r:embed="rId3"/>
+          <a:stretch>
+            <a:fillRect/>
+          </a:stretch>
+        </p:blipFill>
+        <p:spPr>
+          <a:xfrm>
+            <a:off x="321658" y="3642792"/>
+            <a:ext cx="2807715" cy="3198839"/>
+          </a:xfrm>
+          <a:prstGeom prst="rect">
+            <a:avLst/>
+          </a:prstGeom>
+        </p:spPr>
+      </p:pic>
+      <p:pic>
+        <p:nvPicPr>
+          <p:cNvPr id="9" name="Picture 8">
+            <a:extLst>
+              <a:ext uri="{FF2B5EF4-FFF2-40B4-BE49-F238E27FC236}">
+                <a16:creationId xmlns:a16="http://schemas.microsoft.com/office/drawing/2014/main" id="{ACDEE80C-C5CA-41C9-8402-6456D97ECCD6}"/>
+              </a:ext>
+            </a:extLst>
+          </p:cNvPr>
+          <p:cNvPicPr>
+            <a:picLocks noChangeAspect="1"/>
+          </p:cNvPicPr>
+          <p:nvPr/>
+        </p:nvPicPr>
+        <p:blipFill>
+          <a:blip r:embed="rId4"/>
+          <a:stretch>
+            <a:fillRect/>
+          </a:stretch>
+        </p:blipFill>
+        <p:spPr>
+          <a:xfrm>
+            <a:off x="410363" y="1344021"/>
+            <a:ext cx="3865076" cy="2003374"/>
+          </a:xfrm>
+          <a:prstGeom prst="rect">
+            <a:avLst/>
+          </a:prstGeom>
+        </p:spPr>
+      </p:pic>
+      <p:pic>
+        <p:nvPicPr>
+          <p:cNvPr id="14" name="Picture 13">
+            <a:extLst>
+              <a:ext uri="{FF2B5EF4-FFF2-40B4-BE49-F238E27FC236}">
+                <a16:creationId xmlns:a16="http://schemas.microsoft.com/office/drawing/2014/main" id="{F98DCF5F-45E8-40E5-9F70-D47CB5E1C5A6}"/>
+              </a:ext>
+            </a:extLst>
+          </p:cNvPr>
+          <p:cNvPicPr>
+            <a:picLocks noChangeAspect="1"/>
+          </p:cNvPicPr>
+          <p:nvPr/>
+        </p:nvPicPr>
+        <p:blipFill>
+          <a:blip r:embed="rId5"/>
+          <a:stretch>
+            <a:fillRect/>
+          </a:stretch>
+        </p:blipFill>
+        <p:spPr>
+          <a:xfrm>
+            <a:off x="4089545" y="3044666"/>
+            <a:ext cx="3188586" cy="3632767"/>
+          </a:xfrm>
+          <a:prstGeom prst="rect">
+            <a:avLst/>
+          </a:prstGeom>
+        </p:spPr>
+      </p:pic>
+      <p:pic>
+        <p:nvPicPr>
+          <p:cNvPr id="19" name="Picture 18">
+            <a:extLst>
+              <a:ext uri="{FF2B5EF4-FFF2-40B4-BE49-F238E27FC236}">
+                <a16:creationId xmlns:a16="http://schemas.microsoft.com/office/drawing/2014/main" id="{1469F246-558E-43B3-BD9D-2BCD79A5F1DB}"/>
+              </a:ext>
+            </a:extLst>
+          </p:cNvPr>
+          <p:cNvPicPr>
+            <a:picLocks noChangeAspect="1"/>
+          </p:cNvPicPr>
+          <p:nvPr/>
+        </p:nvPicPr>
+        <p:blipFill>
+          <a:blip r:embed="rId6"/>
+          <a:stretch>
+            <a:fillRect/>
+          </a:stretch>
+        </p:blipFill>
+        <p:spPr>
+          <a:xfrm>
+            <a:off x="7954621" y="839530"/>
+            <a:ext cx="3102088" cy="2589470"/>
+          </a:xfrm>
+          <a:prstGeom prst="rect">
+            <a:avLst/>
+          </a:prstGeom>
+        </p:spPr>
+      </p:pic>
+    </p:spTree>
+    <p:extLst>
+      <p:ext uri="{BB962C8B-B14F-4D97-AF65-F5344CB8AC3E}">
+        <p14:creationId xmlns:p14="http://schemas.microsoft.com/office/powerpoint/2010/main" val="528269178"/>
+      </p:ext>
+    </p:extLst>
+  </p:cSld>
+  <p:clrMapOvr>
+    <a:masterClrMapping/>
+  </p:clrMapOvr>
+</p:sld>
+</file>
+
+<file path=ppt/slides/slide22.xml><?xml version="1.0" encoding="utf-8"?>
+<p:sld xmlns:a="http://schemas.openxmlformats.org/drawingml/2006/main" xmlns:r="http://schemas.openxmlformats.org/officeDocument/2006/relationships" xmlns:p="http://schemas.openxmlformats.org/presentationml/2006/main">
+  <p:cSld>
+    <p:spTree>
+      <p:nvGrpSpPr>
+        <p:cNvPr id="1" name=""/>
+        <p:cNvGrpSpPr/>
+        <p:nvPr/>
+      </p:nvGrpSpPr>
+      <p:grpSpPr>
+        <a:xfrm>
+          <a:off x="0" y="0"/>
+          <a:ext cx="0" cy="0"/>
+          <a:chOff x="0" y="0"/>
+          <a:chExt cx="0" cy="0"/>
+        </a:xfrm>
+      </p:grpSpPr>
+      <p:sp>
+        <p:nvSpPr>
+          <p:cNvPr id="2" name="Title 1">
+            <a:extLst>
+              <a:ext uri="{FF2B5EF4-FFF2-40B4-BE49-F238E27FC236}">
+                <a16:creationId xmlns:a16="http://schemas.microsoft.com/office/drawing/2014/main" id="{AD584A5A-8240-4177-827B-788B43A7CF95}"/>
+              </a:ext>
+            </a:extLst>
+          </p:cNvPr>
+          <p:cNvSpPr>
+            <a:spLocks noGrp="1"/>
+          </p:cNvSpPr>
+          <p:nvPr>
+            <p:ph type="title"/>
+          </p:nvPr>
+        </p:nvSpPr>
+        <p:spPr>
+          <a:xfrm>
+            <a:off x="410362" y="180567"/>
+            <a:ext cx="11334225" cy="868057"/>
+          </a:xfrm>
+        </p:spPr>
+        <p:txBody>
+          <a:bodyPr>
+            <a:normAutofit/>
+          </a:bodyPr>
+          <a:lstStyle/>
+          <a:p>
+            <a:r>
+              <a:rPr lang="en-US" sz="2400" dirty="0"/>
+              <a:t>Participants who showed </a:t>
+            </a:r>
+            <a:r>
+              <a:rPr lang="en-US" sz="2400" dirty="0" err="1"/>
+              <a:t>gambleRamp</a:t>
+            </a:r>
+            <a:r>
+              <a:rPr lang="en-US" sz="2400" dirty="0"/>
+              <a:t> p&lt;.1 (n=18)</a:t>
+            </a:r>
+          </a:p>
+        </p:txBody>
+      </p:sp>
+      <p:pic>
+        <p:nvPicPr>
+          <p:cNvPr id="3" name="Picture 2">
+            <a:extLst>
+              <a:ext uri="{FF2B5EF4-FFF2-40B4-BE49-F238E27FC236}">
+                <a16:creationId xmlns:a16="http://schemas.microsoft.com/office/drawing/2014/main" id="{D0AAAB2F-662F-481D-9151-AA552DE835EF}"/>
+              </a:ext>
+            </a:extLst>
+          </p:cNvPr>
+          <p:cNvPicPr>
+            <a:picLocks noChangeAspect="1"/>
+          </p:cNvPicPr>
+          <p:nvPr/>
+        </p:nvPicPr>
+        <p:blipFill>
+          <a:blip r:embed="rId2"/>
+          <a:stretch>
+            <a:fillRect/>
+          </a:stretch>
+        </p:blipFill>
+        <p:spPr>
+          <a:xfrm>
+            <a:off x="8513876" y="518984"/>
+            <a:ext cx="3230711" cy="2696839"/>
+          </a:xfrm>
+          <a:prstGeom prst="rect">
+            <a:avLst/>
+          </a:prstGeom>
+        </p:spPr>
+      </p:pic>
+      <p:pic>
+        <p:nvPicPr>
+          <p:cNvPr id="5" name="Picture 4">
+            <a:extLst>
+              <a:ext uri="{FF2B5EF4-FFF2-40B4-BE49-F238E27FC236}">
+                <a16:creationId xmlns:a16="http://schemas.microsoft.com/office/drawing/2014/main" id="{2B7EBEDB-0C69-4619-93F9-F5FF44E456C0}"/>
+              </a:ext>
+            </a:extLst>
+          </p:cNvPr>
+          <p:cNvPicPr>
+            <a:picLocks noChangeAspect="1"/>
+          </p:cNvPicPr>
+          <p:nvPr/>
+        </p:nvPicPr>
+        <p:blipFill>
+          <a:blip r:embed="rId3"/>
+          <a:stretch>
+            <a:fillRect/>
+          </a:stretch>
+        </p:blipFill>
+        <p:spPr>
+          <a:xfrm>
+            <a:off x="8009343" y="3554240"/>
+            <a:ext cx="3630724" cy="3030750"/>
+          </a:xfrm>
+          <a:prstGeom prst="rect">
+            <a:avLst/>
+          </a:prstGeom>
+        </p:spPr>
+      </p:pic>
+      <p:pic>
+        <p:nvPicPr>
+          <p:cNvPr id="6" name="Picture 5">
+            <a:extLst>
+              <a:ext uri="{FF2B5EF4-FFF2-40B4-BE49-F238E27FC236}">
+                <a16:creationId xmlns:a16="http://schemas.microsoft.com/office/drawing/2014/main" id="{5F3B3290-CD8C-4268-9977-4D981B1A85D4}"/>
+              </a:ext>
+            </a:extLst>
+          </p:cNvPr>
+          <p:cNvPicPr>
+            <a:picLocks noChangeAspect="1"/>
+          </p:cNvPicPr>
+          <p:nvPr/>
+        </p:nvPicPr>
+        <p:blipFill>
+          <a:blip r:embed="rId4"/>
+          <a:stretch>
+            <a:fillRect/>
+          </a:stretch>
+        </p:blipFill>
+        <p:spPr>
+          <a:xfrm>
+            <a:off x="659483" y="3827249"/>
+            <a:ext cx="3630724" cy="3030751"/>
+          </a:xfrm>
+          <a:prstGeom prst="rect">
+            <a:avLst/>
+          </a:prstGeom>
+        </p:spPr>
+      </p:pic>
+      <p:pic>
+        <p:nvPicPr>
+          <p:cNvPr id="7" name="Picture 6">
+            <a:extLst>
+              <a:ext uri="{FF2B5EF4-FFF2-40B4-BE49-F238E27FC236}">
+                <a16:creationId xmlns:a16="http://schemas.microsoft.com/office/drawing/2014/main" id="{D98027C0-1E2A-4F14-8E6D-C3379E05D6AC}"/>
+              </a:ext>
+            </a:extLst>
+          </p:cNvPr>
+          <p:cNvPicPr>
+            <a:picLocks noChangeAspect="1"/>
+          </p:cNvPicPr>
+          <p:nvPr/>
+        </p:nvPicPr>
+        <p:blipFill>
+          <a:blip r:embed="rId5"/>
+          <a:stretch>
+            <a:fillRect/>
+          </a:stretch>
+        </p:blipFill>
+        <p:spPr>
+          <a:xfrm>
+            <a:off x="783051" y="990572"/>
+            <a:ext cx="3383588" cy="2824453"/>
+          </a:xfrm>
+          <a:prstGeom prst="rect">
+            <a:avLst/>
+          </a:prstGeom>
+        </p:spPr>
+      </p:pic>
+      <p:pic>
+        <p:nvPicPr>
+          <p:cNvPr id="8" name="Picture 7">
+            <a:extLst>
+              <a:ext uri="{FF2B5EF4-FFF2-40B4-BE49-F238E27FC236}">
+                <a16:creationId xmlns:a16="http://schemas.microsoft.com/office/drawing/2014/main" id="{C92C6883-D8A9-4AB8-8B6C-A6B7F7C93B90}"/>
+              </a:ext>
+            </a:extLst>
+          </p:cNvPr>
+          <p:cNvPicPr>
+            <a:picLocks noChangeAspect="1"/>
+          </p:cNvPicPr>
+          <p:nvPr/>
+        </p:nvPicPr>
+        <p:blipFill>
+          <a:blip r:embed="rId6"/>
+          <a:stretch>
+            <a:fillRect/>
+          </a:stretch>
+        </p:blipFill>
+        <p:spPr>
+          <a:xfrm>
+            <a:off x="4648463" y="889205"/>
+            <a:ext cx="3383589" cy="2824454"/>
+          </a:xfrm>
+          <a:prstGeom prst="rect">
+            <a:avLst/>
+          </a:prstGeom>
+        </p:spPr>
+      </p:pic>
+    </p:spTree>
+    <p:extLst>
+      <p:ext uri="{BB962C8B-B14F-4D97-AF65-F5344CB8AC3E}">
+        <p14:creationId xmlns:p14="http://schemas.microsoft.com/office/powerpoint/2010/main" val="283925598"/>
+      </p:ext>
+    </p:extLst>
+  </p:cSld>
+  <p:clrMapOvr>
+    <a:masterClrMapping/>
+  </p:clrMapOvr>
+</p:sld>
+</file>
+
+<file path=ppt/slides/slide23.xml><?xml version="1.0" encoding="utf-8"?>
+<p:sld xmlns:a="http://schemas.openxmlformats.org/drawingml/2006/main" xmlns:r="http://schemas.openxmlformats.org/officeDocument/2006/relationships" xmlns:p="http://schemas.openxmlformats.org/presentationml/2006/main">
+  <p:cSld>
+    <p:spTree>
+      <p:nvGrpSpPr>
+        <p:cNvPr id="1" name=""/>
+        <p:cNvGrpSpPr/>
+        <p:nvPr/>
+      </p:nvGrpSpPr>
+      <p:grpSpPr>
+        <a:xfrm>
+          <a:off x="0" y="0"/>
+          <a:ext cx="0" cy="0"/>
+          <a:chOff x="0" y="0"/>
+          <a:chExt cx="0" cy="0"/>
+        </a:xfrm>
+      </p:grpSpPr>
+      <p:sp>
+        <p:nvSpPr>
+          <p:cNvPr id="2" name="Title 1">
+            <a:extLst>
+              <a:ext uri="{FF2B5EF4-FFF2-40B4-BE49-F238E27FC236}">
+                <a16:creationId xmlns:a16="http://schemas.microsoft.com/office/drawing/2014/main" id="{AD584A5A-8240-4177-827B-788B43A7CF95}"/>
+              </a:ext>
+            </a:extLst>
+          </p:cNvPr>
+          <p:cNvSpPr>
+            <a:spLocks noGrp="1"/>
+          </p:cNvSpPr>
+          <p:nvPr>
+            <p:ph type="title"/>
+          </p:nvPr>
+        </p:nvSpPr>
+        <p:spPr>
+          <a:xfrm>
+            <a:off x="410362" y="180567"/>
+            <a:ext cx="11334225" cy="868057"/>
+          </a:xfrm>
+        </p:spPr>
+        <p:txBody>
+          <a:bodyPr>
+            <a:normAutofit/>
+          </a:bodyPr>
+          <a:lstStyle/>
+          <a:p>
+            <a:r>
+              <a:rPr lang="en-US" sz="2400" dirty="0"/>
+              <a:t>Upper quartile of logical gamblers split (n=38)</a:t>
+            </a:r>
+          </a:p>
+        </p:txBody>
+      </p:sp>
+      <p:pic>
+        <p:nvPicPr>
+          <p:cNvPr id="4" name="Picture 3">
+            <a:extLst>
+              <a:ext uri="{FF2B5EF4-FFF2-40B4-BE49-F238E27FC236}">
+                <a16:creationId xmlns:a16="http://schemas.microsoft.com/office/drawing/2014/main" id="{EB96B643-AFA2-4263-A54B-E56DB5EDFB3B}"/>
+              </a:ext>
+            </a:extLst>
+          </p:cNvPr>
+          <p:cNvPicPr>
+            <a:picLocks noChangeAspect="1"/>
+          </p:cNvPicPr>
+          <p:nvPr/>
+        </p:nvPicPr>
+        <p:blipFill>
+          <a:blip r:embed="rId2"/>
+          <a:stretch>
+            <a:fillRect/>
+          </a:stretch>
+        </p:blipFill>
+        <p:spPr>
+          <a:xfrm>
+            <a:off x="3978876" y="3918849"/>
+            <a:ext cx="3371232" cy="2814139"/>
+          </a:xfrm>
+          <a:prstGeom prst="rect">
+            <a:avLst/>
+          </a:prstGeom>
+        </p:spPr>
+      </p:pic>
+      <p:pic>
+        <p:nvPicPr>
+          <p:cNvPr id="9" name="Picture 8">
+            <a:extLst>
+              <a:ext uri="{FF2B5EF4-FFF2-40B4-BE49-F238E27FC236}">
+                <a16:creationId xmlns:a16="http://schemas.microsoft.com/office/drawing/2014/main" id="{31101A62-2A06-4EE5-9CE8-A1F1D9F331D7}"/>
+              </a:ext>
+            </a:extLst>
+          </p:cNvPr>
+          <p:cNvPicPr>
+            <a:picLocks noChangeAspect="1"/>
+          </p:cNvPicPr>
+          <p:nvPr/>
+        </p:nvPicPr>
+        <p:blipFill>
+          <a:blip r:embed="rId3"/>
+          <a:stretch>
+            <a:fillRect/>
+          </a:stretch>
+        </p:blipFill>
+        <p:spPr>
+          <a:xfrm>
+            <a:off x="545862" y="920667"/>
+            <a:ext cx="3371232" cy="2814139"/>
+          </a:xfrm>
+          <a:prstGeom prst="rect">
+            <a:avLst/>
+          </a:prstGeom>
+        </p:spPr>
+      </p:pic>
+      <p:pic>
+        <p:nvPicPr>
+          <p:cNvPr id="10" name="Picture 9">
+            <a:extLst>
+              <a:ext uri="{FF2B5EF4-FFF2-40B4-BE49-F238E27FC236}">
+                <a16:creationId xmlns:a16="http://schemas.microsoft.com/office/drawing/2014/main" id="{5D4022FC-076F-4028-B98E-3CDC69EBAB41}"/>
+              </a:ext>
+            </a:extLst>
+          </p:cNvPr>
+          <p:cNvPicPr>
+            <a:picLocks noChangeAspect="1"/>
+          </p:cNvPicPr>
+          <p:nvPr/>
+        </p:nvPicPr>
+        <p:blipFill>
+          <a:blip r:embed="rId4"/>
+          <a:stretch>
+            <a:fillRect/>
+          </a:stretch>
+        </p:blipFill>
+        <p:spPr>
+          <a:xfrm>
+            <a:off x="545862" y="3886289"/>
+            <a:ext cx="3371233" cy="2814140"/>
+          </a:xfrm>
+          <a:prstGeom prst="rect">
+            <a:avLst/>
+          </a:prstGeom>
+        </p:spPr>
+      </p:pic>
+      <p:pic>
+        <p:nvPicPr>
+          <p:cNvPr id="11" name="Picture 10">
+            <a:extLst>
+              <a:ext uri="{FF2B5EF4-FFF2-40B4-BE49-F238E27FC236}">
+                <a16:creationId xmlns:a16="http://schemas.microsoft.com/office/drawing/2014/main" id="{F05C16EC-D8AD-4F65-8B98-41498364B9DC}"/>
+              </a:ext>
+            </a:extLst>
+          </p:cNvPr>
+          <p:cNvPicPr>
+            <a:picLocks noChangeAspect="1"/>
+          </p:cNvPicPr>
+          <p:nvPr/>
+        </p:nvPicPr>
+        <p:blipFill>
+          <a:blip r:embed="rId5"/>
+          <a:stretch>
+            <a:fillRect/>
+          </a:stretch>
+        </p:blipFill>
+        <p:spPr>
+          <a:xfrm>
+            <a:off x="3808044" y="940485"/>
+            <a:ext cx="3544226" cy="2958546"/>
+          </a:xfrm>
+          <a:prstGeom prst="rect">
+            <a:avLst/>
+          </a:prstGeom>
+        </p:spPr>
+      </p:pic>
+      <p:pic>
+        <p:nvPicPr>
+          <p:cNvPr id="12" name="Picture 11">
+            <a:extLst>
+              <a:ext uri="{FF2B5EF4-FFF2-40B4-BE49-F238E27FC236}">
+                <a16:creationId xmlns:a16="http://schemas.microsoft.com/office/drawing/2014/main" id="{3ED014A5-ABF1-42A9-A873-31D6DF7AC6AB}"/>
+              </a:ext>
+            </a:extLst>
+          </p:cNvPr>
+          <p:cNvPicPr>
+            <a:picLocks noChangeAspect="1"/>
+          </p:cNvPicPr>
+          <p:nvPr/>
+        </p:nvPicPr>
+        <p:blipFill>
+          <a:blip r:embed="rId6"/>
+          <a:stretch>
+            <a:fillRect/>
+          </a:stretch>
+        </p:blipFill>
+        <p:spPr>
+          <a:xfrm>
+            <a:off x="8071126" y="309055"/>
+            <a:ext cx="3371232" cy="2814139"/>
+          </a:xfrm>
+          <a:prstGeom prst="rect">
+            <a:avLst/>
+          </a:prstGeom>
+        </p:spPr>
+      </p:pic>
+      <p:pic>
+        <p:nvPicPr>
+          <p:cNvPr id="13" name="Picture 12">
+            <a:extLst>
+              <a:ext uri="{FF2B5EF4-FFF2-40B4-BE49-F238E27FC236}">
+                <a16:creationId xmlns:a16="http://schemas.microsoft.com/office/drawing/2014/main" id="{5EC3CF61-798A-4681-99AB-D42C784EBB70}"/>
+              </a:ext>
+            </a:extLst>
+          </p:cNvPr>
+          <p:cNvPicPr>
+            <a:picLocks noChangeAspect="1"/>
+          </p:cNvPicPr>
+          <p:nvPr/>
+        </p:nvPicPr>
+        <p:blipFill>
+          <a:blip r:embed="rId7"/>
+          <a:stretch>
+            <a:fillRect/>
+          </a:stretch>
+        </p:blipFill>
+        <p:spPr>
+          <a:xfrm>
+            <a:off x="8132908" y="3123194"/>
+            <a:ext cx="3371232" cy="2814139"/>
+          </a:xfrm>
+          <a:prstGeom prst="rect">
+            <a:avLst/>
+          </a:prstGeom>
+        </p:spPr>
+      </p:pic>
+      <p:sp>
+        <p:nvSpPr>
+          <p:cNvPr id="14" name="TextBox 13">
+            <a:extLst>
+              <a:ext uri="{FF2B5EF4-FFF2-40B4-BE49-F238E27FC236}">
+                <a16:creationId xmlns:a16="http://schemas.microsoft.com/office/drawing/2014/main" id="{57218FB8-E4C4-4B0D-8830-CD95572FE4A4}"/>
+              </a:ext>
+            </a:extLst>
+          </p:cNvPr>
+          <p:cNvSpPr txBox="1"/>
+          <p:nvPr/>
+        </p:nvSpPr>
+        <p:spPr>
+          <a:xfrm>
+            <a:off x="8071126" y="5937333"/>
+            <a:ext cx="3527184" cy="646331"/>
+          </a:xfrm>
+          <a:prstGeom prst="rect">
+            <a:avLst/>
+          </a:prstGeom>
+          <a:noFill/>
+        </p:spPr>
+        <p:txBody>
+          <a:bodyPr wrap="none" rtlCol="0">
+            <a:spAutoFit/>
+          </a:bodyPr>
+          <a:lstStyle/>
+          <a:p>
+            <a:r>
+              <a:rPr lang="en-US" dirty="0"/>
+              <a:t>This plot shows only </a:t>
+            </a:r>
+            <a:r>
+              <a:rPr lang="en-US" dirty="0" err="1"/>
+              <a:t>midValue</a:t>
+            </a:r>
+            <a:r>
+              <a:rPr lang="en-US" dirty="0"/>
+              <a:t> trials</a:t>
+            </a:r>
+          </a:p>
+          <a:p>
+            <a:r>
+              <a:rPr lang="en-US" dirty="0"/>
+              <a:t>for logical gamblers</a:t>
+            </a:r>
+          </a:p>
+        </p:txBody>
+      </p:sp>
+    </p:spTree>
+    <p:extLst>
+      <p:ext uri="{BB962C8B-B14F-4D97-AF65-F5344CB8AC3E}">
+        <p14:creationId xmlns:p14="http://schemas.microsoft.com/office/powerpoint/2010/main" val="2088590608"/>
+      </p:ext>
+    </p:extLst>
+  </p:cSld>
+  <p:clrMapOvr>
+    <a:masterClrMapping/>
+  </p:clrMapOvr>
+</p:sld>
+</file>
+
+<file path=ppt/slides/slide24.xml><?xml version="1.0" encoding="utf-8"?>
+<p:sld xmlns:a="http://schemas.openxmlformats.org/drawingml/2006/main" xmlns:r="http://schemas.openxmlformats.org/officeDocument/2006/relationships" xmlns:p="http://schemas.openxmlformats.org/presentationml/2006/main">
+  <p:cSld>
+    <p:spTree>
+      <p:nvGrpSpPr>
+        <p:cNvPr id="1" name=""/>
+        <p:cNvGrpSpPr/>
+        <p:nvPr/>
+      </p:nvGrpSpPr>
+      <p:grpSpPr>
+        <a:xfrm>
+          <a:off x="0" y="0"/>
+          <a:ext cx="0" cy="0"/>
+          <a:chOff x="0" y="0"/>
+          <a:chExt cx="0" cy="0"/>
+        </a:xfrm>
+      </p:grpSpPr>
+      <p:sp>
+        <p:nvSpPr>
+          <p:cNvPr id="2" name="Title 1">
+            <a:extLst>
+              <a:ext uri="{FF2B5EF4-FFF2-40B4-BE49-F238E27FC236}">
+                <a16:creationId xmlns:a16="http://schemas.microsoft.com/office/drawing/2014/main" id="{AD584A5A-8240-4177-827B-788B43A7CF95}"/>
+              </a:ext>
+            </a:extLst>
+          </p:cNvPr>
+          <p:cNvSpPr>
+            <a:spLocks noGrp="1"/>
+          </p:cNvSpPr>
+          <p:nvPr>
+            <p:ph type="title"/>
+          </p:nvPr>
+        </p:nvSpPr>
+        <p:spPr>
+          <a:xfrm>
+            <a:off x="410362" y="180567"/>
+            <a:ext cx="11334225" cy="868057"/>
+          </a:xfrm>
+        </p:spPr>
+        <p:txBody>
+          <a:bodyPr>
+            <a:normAutofit/>
+          </a:bodyPr>
+          <a:lstStyle/>
+          <a:p>
+            <a:r>
+              <a:rPr lang="en-US" sz="2400" dirty="0"/>
+              <a:t>Participants who gambled more than 60% of time (n=45)</a:t>
+            </a:r>
+          </a:p>
+        </p:txBody>
+      </p:sp>
+      <p:pic>
+        <p:nvPicPr>
+          <p:cNvPr id="3" name="Picture 2">
+            <a:extLst>
+              <a:ext uri="{FF2B5EF4-FFF2-40B4-BE49-F238E27FC236}">
+                <a16:creationId xmlns:a16="http://schemas.microsoft.com/office/drawing/2014/main" id="{9544E859-DAD6-43E7-97CF-175C5D69DA7F}"/>
+              </a:ext>
+            </a:extLst>
+          </p:cNvPr>
+          <p:cNvPicPr>
+            <a:picLocks noChangeAspect="1"/>
+          </p:cNvPicPr>
+          <p:nvPr/>
+        </p:nvPicPr>
+        <p:blipFill>
+          <a:blip r:embed="rId2"/>
+          <a:stretch>
+            <a:fillRect/>
+          </a:stretch>
+        </p:blipFill>
+        <p:spPr>
+          <a:xfrm>
+            <a:off x="867137" y="1048624"/>
+            <a:ext cx="3148810" cy="2628472"/>
+          </a:xfrm>
+          <a:prstGeom prst="rect">
+            <a:avLst/>
+          </a:prstGeom>
+        </p:spPr>
+      </p:pic>
+      <p:pic>
+        <p:nvPicPr>
+          <p:cNvPr id="5" name="Picture 4">
+            <a:extLst>
+              <a:ext uri="{FF2B5EF4-FFF2-40B4-BE49-F238E27FC236}">
+                <a16:creationId xmlns:a16="http://schemas.microsoft.com/office/drawing/2014/main" id="{D40BF60A-1058-4AA3-82E7-2004C2143134}"/>
+              </a:ext>
+            </a:extLst>
+          </p:cNvPr>
+          <p:cNvPicPr>
+            <a:picLocks noChangeAspect="1"/>
+          </p:cNvPicPr>
+          <p:nvPr/>
+        </p:nvPicPr>
+        <p:blipFill>
+          <a:blip r:embed="rId3"/>
+          <a:stretch>
+            <a:fillRect/>
+          </a:stretch>
+        </p:blipFill>
+        <p:spPr>
+          <a:xfrm>
+            <a:off x="620002" y="3677096"/>
+            <a:ext cx="3395945" cy="2834768"/>
+          </a:xfrm>
+          <a:prstGeom prst="rect">
+            <a:avLst/>
+          </a:prstGeom>
+        </p:spPr>
+      </p:pic>
+      <p:pic>
+        <p:nvPicPr>
+          <p:cNvPr id="6" name="Picture 5">
+            <a:extLst>
+              <a:ext uri="{FF2B5EF4-FFF2-40B4-BE49-F238E27FC236}">
+                <a16:creationId xmlns:a16="http://schemas.microsoft.com/office/drawing/2014/main" id="{19DAA57E-C190-4576-9A9A-4077ADD37CD3}"/>
+              </a:ext>
+            </a:extLst>
+          </p:cNvPr>
+          <p:cNvPicPr>
+            <a:picLocks noChangeAspect="1"/>
+          </p:cNvPicPr>
+          <p:nvPr/>
+        </p:nvPicPr>
+        <p:blipFill>
+          <a:blip r:embed="rId4"/>
+          <a:stretch>
+            <a:fillRect/>
+          </a:stretch>
+        </p:blipFill>
+        <p:spPr>
+          <a:xfrm>
+            <a:off x="8331188" y="3677096"/>
+            <a:ext cx="3395945" cy="2834768"/>
+          </a:xfrm>
+          <a:prstGeom prst="rect">
+            <a:avLst/>
+          </a:prstGeom>
+        </p:spPr>
+      </p:pic>
+      <p:pic>
+        <p:nvPicPr>
+          <p:cNvPr id="7" name="Picture 6">
+            <a:extLst>
+              <a:ext uri="{FF2B5EF4-FFF2-40B4-BE49-F238E27FC236}">
+                <a16:creationId xmlns:a16="http://schemas.microsoft.com/office/drawing/2014/main" id="{A443DE67-BBE7-47F0-AA60-4830261F59BD}"/>
+              </a:ext>
+            </a:extLst>
+          </p:cNvPr>
+          <p:cNvPicPr>
+            <a:picLocks noChangeAspect="1"/>
+          </p:cNvPicPr>
+          <p:nvPr/>
+        </p:nvPicPr>
+        <p:blipFill>
+          <a:blip r:embed="rId5"/>
+          <a:stretch>
+            <a:fillRect/>
+          </a:stretch>
+        </p:blipFill>
+        <p:spPr>
+          <a:xfrm>
+            <a:off x="4015947" y="842328"/>
+            <a:ext cx="3395945" cy="2834768"/>
+          </a:xfrm>
+          <a:prstGeom prst="rect">
+            <a:avLst/>
+          </a:prstGeom>
+        </p:spPr>
+      </p:pic>
+      <p:pic>
+        <p:nvPicPr>
+          <p:cNvPr id="8" name="Picture 7">
+            <a:extLst>
+              <a:ext uri="{FF2B5EF4-FFF2-40B4-BE49-F238E27FC236}">
+                <a16:creationId xmlns:a16="http://schemas.microsoft.com/office/drawing/2014/main" id="{67C53899-77FE-4060-AE21-CF72B0947D28}"/>
+              </a:ext>
+            </a:extLst>
+          </p:cNvPr>
+          <p:cNvPicPr>
+            <a:picLocks noChangeAspect="1"/>
+          </p:cNvPicPr>
+          <p:nvPr/>
+        </p:nvPicPr>
+        <p:blipFill>
+          <a:blip r:embed="rId6"/>
+          <a:stretch>
+            <a:fillRect/>
+          </a:stretch>
+        </p:blipFill>
+        <p:spPr>
+          <a:xfrm>
+            <a:off x="8103037" y="389213"/>
+            <a:ext cx="3641550" cy="3039787"/>
+          </a:xfrm>
+          <a:prstGeom prst="rect">
+            <a:avLst/>
+          </a:prstGeom>
+        </p:spPr>
+      </p:pic>
+    </p:spTree>
+    <p:extLst>
+      <p:ext uri="{BB962C8B-B14F-4D97-AF65-F5344CB8AC3E}">
+        <p14:creationId xmlns:p14="http://schemas.microsoft.com/office/powerpoint/2010/main" val="922448665"/>
+      </p:ext>
+    </p:extLst>
+  </p:cSld>
+  <p:clrMapOvr>
+    <a:masterClrMapping/>
+  </p:clrMapOvr>
+</p:sld>
+</file>
+
+<file path=ppt/slides/slide25.xml><?xml version="1.0" encoding="utf-8"?>
+<p:sld xmlns:a="http://schemas.openxmlformats.org/drawingml/2006/main" xmlns:r="http://schemas.openxmlformats.org/officeDocument/2006/relationships" xmlns:p="http://schemas.openxmlformats.org/presentationml/2006/main">
+  <p:cSld>
+    <p:spTree>
+      <p:nvGrpSpPr>
+        <p:cNvPr id="1" name=""/>
+        <p:cNvGrpSpPr/>
+        <p:nvPr/>
+      </p:nvGrpSpPr>
+      <p:grpSpPr>
+        <a:xfrm>
+          <a:off x="0" y="0"/>
+          <a:ext cx="0" cy="0"/>
+          <a:chOff x="0" y="0"/>
+          <a:chExt cx="0" cy="0"/>
+        </a:xfrm>
+      </p:grpSpPr>
+    </p:spTree>
+    <p:extLst>
+      <p:ext uri="{BB962C8B-B14F-4D97-AF65-F5344CB8AC3E}">
+        <p14:creationId xmlns:p14="http://schemas.microsoft.com/office/powerpoint/2010/main" val="3547526465"/>
+      </p:ext>
+    </p:extLst>
+  </p:cSld>
+  <p:clrMapOvr>
+    <a:masterClrMapping/>
+  </p:clrMapOvr>
+</p:sld>
+</file>
+
+<file path=ppt/slides/slide26.xml><?xml version="1.0" encoding="utf-8"?>
+<p:sld xmlns:a="http://schemas.openxmlformats.org/drawingml/2006/main" xmlns:r="http://schemas.openxmlformats.org/officeDocument/2006/relationships" xmlns:p="http://schemas.openxmlformats.org/presentationml/2006/main">
+  <p:cSld>
+    <p:spTree>
+      <p:nvGrpSpPr>
+        <p:cNvPr id="1" name=""/>
+        <p:cNvGrpSpPr/>
+        <p:nvPr/>
+      </p:nvGrpSpPr>
+      <p:grpSpPr>
+        <a:xfrm>
+          <a:off x="0" y="0"/>
+          <a:ext cx="0" cy="0"/>
+          <a:chOff x="0" y="0"/>
+          <a:chExt cx="0" cy="0"/>
+        </a:xfrm>
+      </p:grpSpPr>
+      <p:sp>
+        <p:nvSpPr>
+          <p:cNvPr id="2" name="Title 1">
+            <a:extLst>
+              <a:ext uri="{FF2B5EF4-FFF2-40B4-BE49-F238E27FC236}">
+                <a16:creationId xmlns:a16="http://schemas.microsoft.com/office/drawing/2014/main" id="{14784096-A879-4BC2-9E51-9D1C8927841D}"/>
+              </a:ext>
+            </a:extLst>
+          </p:cNvPr>
+          <p:cNvSpPr>
+            <a:spLocks noGrp="1"/>
+          </p:cNvSpPr>
+          <p:nvPr>
+            <p:ph type="title"/>
+          </p:nvPr>
+        </p:nvSpPr>
+        <p:spPr/>
+        <p:txBody>
+          <a:bodyPr/>
+          <a:lstStyle/>
+          <a:p>
+            <a:endParaRPr lang="en-US"/>
+          </a:p>
+        </p:txBody>
+      </p:sp>
+      <p:sp>
+        <p:nvSpPr>
+          <p:cNvPr id="3" name="Content Placeholder 2">
+            <a:extLst>
+              <a:ext uri="{FF2B5EF4-FFF2-40B4-BE49-F238E27FC236}">
+                <a16:creationId xmlns:a16="http://schemas.microsoft.com/office/drawing/2014/main" id="{6004D9D8-86B4-4BF6-BA09-D238D837B2CB}"/>
+              </a:ext>
+            </a:extLst>
+          </p:cNvPr>
+          <p:cNvSpPr>
+            <a:spLocks noGrp="1"/>
+          </p:cNvSpPr>
+          <p:nvPr>
+            <p:ph idx="1"/>
+          </p:nvPr>
+        </p:nvSpPr>
+        <p:spPr/>
+        <p:txBody>
+          <a:bodyPr/>
+          <a:lstStyle/>
+          <a:p>
+            <a:endParaRPr lang="en-US"/>
+          </a:p>
+        </p:txBody>
+      </p:sp>
+    </p:spTree>
+    <p:extLst>
+      <p:ext uri="{BB962C8B-B14F-4D97-AF65-F5344CB8AC3E}">
+        <p14:creationId xmlns:p14="http://schemas.microsoft.com/office/powerpoint/2010/main" val="2704169296"/>
+      </p:ext>
+    </p:extLst>
+  </p:cSld>
+  <p:clrMapOvr>
+    <a:masterClrMapping/>
+  </p:clrMapOvr>
+</p:sld>
+</file>
+
 <file path=ppt/slides/slide3.xml><?xml version="1.0" encoding="utf-8"?>
 <p:sld xmlns:a="http://schemas.openxmlformats.org/drawingml/2006/main" xmlns:r="http://schemas.openxmlformats.org/officeDocument/2006/relationships" xmlns:p="http://schemas.openxmlformats.org/presentationml/2006/main">
   <p:cSld>
@@ -7283,7 +9519,7 @@
         </p:blipFill>
         <p:spPr>
           <a:xfrm>
-            <a:off x="1543399" y="2402298"/>
+            <a:off x="1543399" y="2448598"/>
             <a:ext cx="6286500" cy="781050"/>
           </a:xfrm>
           <a:prstGeom prst="rect">

--- a/ShenhavLabMeeting10.29.pptx
+++ b/ShenhavLabMeeting10.29.pptx
@@ -222,7 +222,7 @@
           <a:p>
             <a:fld id="{E534A8AF-726B-4E5B-8C1C-EBADF88DE912}" type="datetimeFigureOut">
               <a:rPr lang="en-US" smtClean="0"/>
-              <a:t>10/27/2018</a:t>
+              <a:t>10/28/2018</a:t>
             </a:fld>
             <a:endParaRPr lang="en-US"/>
           </a:p>
@@ -1052,7 +1052,7 @@
           <a:p>
             <a:fld id="{DBC524C0-7FB7-4DC8-A982-E6468AA02D2A}" type="datetimeFigureOut">
               <a:rPr lang="en-US" smtClean="0"/>
-              <a:t>10/27/2018</a:t>
+              <a:t>10/28/2018</a:t>
             </a:fld>
             <a:endParaRPr lang="en-US"/>
           </a:p>
@@ -1250,7 +1250,7 @@
           <a:p>
             <a:fld id="{DBC524C0-7FB7-4DC8-A982-E6468AA02D2A}" type="datetimeFigureOut">
               <a:rPr lang="en-US" smtClean="0"/>
-              <a:t>10/27/2018</a:t>
+              <a:t>10/28/2018</a:t>
             </a:fld>
             <a:endParaRPr lang="en-US"/>
           </a:p>
@@ -1458,7 +1458,7 @@
           <a:p>
             <a:fld id="{DBC524C0-7FB7-4DC8-A982-E6468AA02D2A}" type="datetimeFigureOut">
               <a:rPr lang="en-US" smtClean="0"/>
-              <a:t>10/27/2018</a:t>
+              <a:t>10/28/2018</a:t>
             </a:fld>
             <a:endParaRPr lang="en-US"/>
           </a:p>
@@ -1656,7 +1656,7 @@
           <a:p>
             <a:fld id="{DBC524C0-7FB7-4DC8-A982-E6468AA02D2A}" type="datetimeFigureOut">
               <a:rPr lang="en-US" smtClean="0"/>
-              <a:t>10/27/2018</a:t>
+              <a:t>10/28/2018</a:t>
             </a:fld>
             <a:endParaRPr lang="en-US"/>
           </a:p>
@@ -1931,7 +1931,7 @@
           <a:p>
             <a:fld id="{DBC524C0-7FB7-4DC8-A982-E6468AA02D2A}" type="datetimeFigureOut">
               <a:rPr lang="en-US" smtClean="0"/>
-              <a:t>10/27/2018</a:t>
+              <a:t>10/28/2018</a:t>
             </a:fld>
             <a:endParaRPr lang="en-US"/>
           </a:p>
@@ -2196,7 +2196,7 @@
           <a:p>
             <a:fld id="{DBC524C0-7FB7-4DC8-A982-E6468AA02D2A}" type="datetimeFigureOut">
               <a:rPr lang="en-US" smtClean="0"/>
-              <a:t>10/27/2018</a:t>
+              <a:t>10/28/2018</a:t>
             </a:fld>
             <a:endParaRPr lang="en-US"/>
           </a:p>
@@ -2608,7 +2608,7 @@
           <a:p>
             <a:fld id="{DBC524C0-7FB7-4DC8-A982-E6468AA02D2A}" type="datetimeFigureOut">
               <a:rPr lang="en-US" smtClean="0"/>
-              <a:t>10/27/2018</a:t>
+              <a:t>10/28/2018</a:t>
             </a:fld>
             <a:endParaRPr lang="en-US"/>
           </a:p>
@@ -2749,7 +2749,7 @@
           <a:p>
             <a:fld id="{DBC524C0-7FB7-4DC8-A982-E6468AA02D2A}" type="datetimeFigureOut">
               <a:rPr lang="en-US" smtClean="0"/>
-              <a:t>10/27/2018</a:t>
+              <a:t>10/28/2018</a:t>
             </a:fld>
             <a:endParaRPr lang="en-US"/>
           </a:p>
@@ -2862,7 +2862,7 @@
           <a:p>
             <a:fld id="{DBC524C0-7FB7-4DC8-A982-E6468AA02D2A}" type="datetimeFigureOut">
               <a:rPr lang="en-US" smtClean="0"/>
-              <a:t>10/27/2018</a:t>
+              <a:t>10/28/2018</a:t>
             </a:fld>
             <a:endParaRPr lang="en-US"/>
           </a:p>
@@ -3173,7 +3173,7 @@
           <a:p>
             <a:fld id="{DBC524C0-7FB7-4DC8-A982-E6468AA02D2A}" type="datetimeFigureOut">
               <a:rPr lang="en-US" smtClean="0"/>
-              <a:t>10/27/2018</a:t>
+              <a:t>10/28/2018</a:t>
             </a:fld>
             <a:endParaRPr lang="en-US"/>
           </a:p>
@@ -3461,7 +3461,7 @@
           <a:p>
             <a:fld id="{DBC524C0-7FB7-4DC8-A982-E6468AA02D2A}" type="datetimeFigureOut">
               <a:rPr lang="en-US" smtClean="0"/>
-              <a:t>10/27/2018</a:t>
+              <a:t>10/28/2018</a:t>
             </a:fld>
             <a:endParaRPr lang="en-US"/>
           </a:p>
@@ -3702,7 +3702,7 @@
           <a:p>
             <a:fld id="{DBC524C0-7FB7-4DC8-A982-E6468AA02D2A}" type="datetimeFigureOut">
               <a:rPr lang="en-US" smtClean="0"/>
-              <a:t>10/27/2018</a:t>
+              <a:t>10/28/2018</a:t>
             </a:fld>
             <a:endParaRPr lang="en-US"/>
           </a:p>
@@ -10714,16 +10714,15 @@
           </p:cNvPicPr>
           <p:nvPr/>
         </p:nvPicPr>
-        <p:blipFill>
+        <p:blipFill rotWithShape="1">
           <a:blip r:embed="rId2"/>
-          <a:stretch>
-            <a:fillRect/>
-          </a:stretch>
+          <a:srcRect l="13996" t="16416" r="13522" b="15922"/>
+          <a:stretch/>
         </p:blipFill>
         <p:spPr>
           <a:xfrm>
-            <a:off x="51298" y="734564"/>
-            <a:ext cx="3527527" cy="2251199"/>
+            <a:off x="864030" y="2137402"/>
+            <a:ext cx="3145832" cy="1874112"/>
           </a:xfrm>
           <a:prstGeom prst="rect">
             <a:avLst/>
@@ -10744,10 +10743,10 @@
         </p:nvGrpSpPr>
         <p:grpSpPr>
           <a:xfrm>
-            <a:off x="3048620" y="2378953"/>
-            <a:ext cx="3659405" cy="2569522"/>
-            <a:chOff x="819618" y="3498113"/>
-            <a:chExt cx="1501629" cy="1054398"/>
+            <a:off x="586368" y="1961276"/>
+            <a:ext cx="7535735" cy="2315132"/>
+            <a:chOff x="705461" y="3485765"/>
+            <a:chExt cx="3151414" cy="968179"/>
           </a:xfrm>
         </p:grpSpPr>
         <p:pic>
@@ -10764,16 +10763,15 @@
             </p:cNvPicPr>
             <p:nvPr/>
           </p:nvPicPr>
-          <p:blipFill>
+          <p:blipFill rotWithShape="1">
             <a:blip r:embed="rId3"/>
-            <a:stretch>
-              <a:fillRect/>
-            </a:stretch>
+            <a:srcRect l="807" t="-1264" r="-807" b="82482"/>
+            <a:stretch/>
           </p:blipFill>
           <p:spPr>
             <a:xfrm>
-              <a:off x="904810" y="3584332"/>
-              <a:ext cx="1331246" cy="968179"/>
+              <a:off x="2264169" y="3488556"/>
+              <a:ext cx="1592706" cy="217562"/>
             </a:xfrm>
             <a:prstGeom prst="rect">
               <a:avLst/>
@@ -10794,7 +10792,7 @@
           </p:nvSpPr>
           <p:spPr>
             <a:xfrm>
-              <a:off x="819618" y="3498113"/>
+              <a:off x="705461" y="3485765"/>
               <a:ext cx="1501629" cy="968179"/>
             </a:xfrm>
             <a:prstGeom prst="rect">
@@ -10826,102 +10824,166 @@
           </p:txBody>
         </p:sp>
       </p:grpSp>
-      <p:grpSp>
-        <p:nvGrpSpPr>
-          <p:cNvPr id="33" name="Group 32">
-            <a:extLst>
-              <a:ext uri="{FF2B5EF4-FFF2-40B4-BE49-F238E27FC236}">
-                <a16:creationId xmlns:a16="http://schemas.microsoft.com/office/drawing/2014/main" id="{82CA466F-170F-4FEC-8D8D-80179D84AB74}"/>
-              </a:ext>
-            </a:extLst>
-          </p:cNvPr>
-          <p:cNvGrpSpPr/>
+      <p:sp>
+        <p:nvSpPr>
+          <p:cNvPr id="35" name="Rectangle 34">
+            <a:extLst>
+              <a:ext uri="{FF2B5EF4-FFF2-40B4-BE49-F238E27FC236}">
+                <a16:creationId xmlns:a16="http://schemas.microsoft.com/office/drawing/2014/main" id="{5505F2F6-9D0F-436C-BCB3-886FF2F78FA0}"/>
+              </a:ext>
+            </a:extLst>
+          </p:cNvPr>
+          <p:cNvSpPr/>
           <p:nvPr/>
-        </p:nvGrpSpPr>
-        <p:grpSpPr>
-          <a:xfrm>
-            <a:off x="5148630" y="3558658"/>
-            <a:ext cx="5100270" cy="3707245"/>
-            <a:chOff x="6844536" y="5592929"/>
-            <a:chExt cx="1951362" cy="1418391"/>
-          </a:xfrm>
-        </p:grpSpPr>
-        <p:pic>
-          <p:nvPicPr>
-            <p:cNvPr id="34" name="Picture 33">
-              <a:extLst>
-                <a:ext uri="{FF2B5EF4-FFF2-40B4-BE49-F238E27FC236}">
-                  <a16:creationId xmlns:a16="http://schemas.microsoft.com/office/drawing/2014/main" id="{61990F0B-FCF2-4820-8151-F9E97C8F2D56}"/>
-                </a:ext>
-              </a:extLst>
-            </p:cNvPr>
-            <p:cNvPicPr>
-              <a:picLocks noChangeAspect="1"/>
-            </p:cNvPicPr>
-            <p:nvPr/>
-          </p:nvPicPr>
-          <p:blipFill>
-            <a:blip r:embed="rId4"/>
-            <a:stretch>
-              <a:fillRect/>
-            </a:stretch>
-          </p:blipFill>
-          <p:spPr>
-            <a:xfrm>
-              <a:off x="6844536" y="5592929"/>
-              <a:ext cx="1951362" cy="1418391"/>
-            </a:xfrm>
-            <a:prstGeom prst="rect">
-              <a:avLst/>
-            </a:prstGeom>
-          </p:spPr>
-        </p:pic>
-        <p:sp>
-          <p:nvSpPr>
-            <p:cNvPr id="35" name="Rectangle 34">
-              <a:extLst>
-                <a:ext uri="{FF2B5EF4-FFF2-40B4-BE49-F238E27FC236}">
-                  <a16:creationId xmlns:a16="http://schemas.microsoft.com/office/drawing/2014/main" id="{5505F2F6-9D0F-436C-BCB3-886FF2F78FA0}"/>
-                </a:ext>
-              </a:extLst>
-            </p:cNvPr>
-            <p:cNvSpPr/>
-            <p:nvPr/>
-          </p:nvSpPr>
-          <p:spPr>
-            <a:xfrm>
-              <a:off x="7069403" y="5604993"/>
-              <a:ext cx="1501629" cy="968179"/>
-            </a:xfrm>
-            <a:prstGeom prst="rect">
-              <a:avLst/>
-            </a:prstGeom>
-            <a:noFill/>
-          </p:spPr>
-          <p:style>
-            <a:lnRef idx="2">
-              <a:schemeClr val="dk1"/>
-            </a:lnRef>
-            <a:fillRef idx="1">
-              <a:schemeClr val="lt1"/>
-            </a:fillRef>
-            <a:effectRef idx="0">
-              <a:schemeClr val="dk1"/>
-            </a:effectRef>
-            <a:fontRef idx="minor">
-              <a:schemeClr val="dk1"/>
-            </a:fontRef>
-          </p:style>
-          <p:txBody>
-            <a:bodyPr rtlCol="0" anchor="ctr"/>
-            <a:lstStyle/>
-            <a:p>
-              <a:pPr algn="ctr"/>
-              <a:endParaRPr lang="en-US"/>
-            </a:p>
-          </p:txBody>
-        </p:sp>
-      </p:grpSp>
+        </p:nvSpPr>
+        <p:spPr>
+          <a:xfrm>
+            <a:off x="4422480" y="1985339"/>
+            <a:ext cx="3590730" cy="2315132"/>
+          </a:xfrm>
+          <a:prstGeom prst="rect">
+            <a:avLst/>
+          </a:prstGeom>
+          <a:noFill/>
+        </p:spPr>
+        <p:style>
+          <a:lnRef idx="2">
+            <a:schemeClr val="dk1"/>
+          </a:lnRef>
+          <a:fillRef idx="1">
+            <a:schemeClr val="lt1"/>
+          </a:fillRef>
+          <a:effectRef idx="0">
+            <a:schemeClr val="dk1"/>
+          </a:effectRef>
+          <a:fontRef idx="minor">
+            <a:schemeClr val="dk1"/>
+          </a:fontRef>
+        </p:style>
+        <p:txBody>
+          <a:bodyPr rtlCol="0" anchor="ctr"/>
+          <a:lstStyle/>
+          <a:p>
+            <a:pPr algn="ctr"/>
+            <a:endParaRPr lang="en-US"/>
+          </a:p>
+        </p:txBody>
+      </p:sp>
+      <p:pic>
+        <p:nvPicPr>
+          <p:cNvPr id="10" name="Picture 9">
+            <a:extLst>
+              <a:ext uri="{FF2B5EF4-FFF2-40B4-BE49-F238E27FC236}">
+                <a16:creationId xmlns:a16="http://schemas.microsoft.com/office/drawing/2014/main" id="{CA5B4033-9541-4AF1-87ED-29051A8E0F64}"/>
+              </a:ext>
+            </a:extLst>
+          </p:cNvPr>
+          <p:cNvPicPr>
+            <a:picLocks noChangeAspect="1"/>
+          </p:cNvPicPr>
+          <p:nvPr/>
+        </p:nvPicPr>
+        <p:blipFill rotWithShape="1">
+          <a:blip r:embed="rId4"/>
+          <a:srcRect l="25273" t="10470" r="25684" b="46312"/>
+          <a:stretch/>
+        </p:blipFill>
+        <p:spPr>
+          <a:xfrm>
+            <a:off x="8935629" y="2228069"/>
+            <a:ext cx="2454442" cy="1572126"/>
+          </a:xfrm>
+          <a:prstGeom prst="rect">
+            <a:avLst/>
+          </a:prstGeom>
+        </p:spPr>
+      </p:pic>
+      <p:sp>
+        <p:nvSpPr>
+          <p:cNvPr id="11" name="Rectangle 10">
+            <a:extLst>
+              <a:ext uri="{FF2B5EF4-FFF2-40B4-BE49-F238E27FC236}">
+                <a16:creationId xmlns:a16="http://schemas.microsoft.com/office/drawing/2014/main" id="{23BEC34E-A000-463C-BAB7-818C4352327E}"/>
+              </a:ext>
+            </a:extLst>
+          </p:cNvPr>
+          <p:cNvSpPr/>
+          <p:nvPr/>
+        </p:nvSpPr>
+        <p:spPr>
+          <a:xfrm>
+            <a:off x="8367485" y="1961276"/>
+            <a:ext cx="3590730" cy="2291069"/>
+          </a:xfrm>
+          <a:prstGeom prst="rect">
+            <a:avLst/>
+          </a:prstGeom>
+          <a:noFill/>
+        </p:spPr>
+        <p:style>
+          <a:lnRef idx="2">
+            <a:schemeClr val="dk1"/>
+          </a:lnRef>
+          <a:fillRef idx="1">
+            <a:schemeClr val="lt1"/>
+          </a:fillRef>
+          <a:effectRef idx="0">
+            <a:schemeClr val="dk1"/>
+          </a:effectRef>
+          <a:fontRef idx="minor">
+            <a:schemeClr val="dk1"/>
+          </a:fontRef>
+        </p:style>
+        <p:txBody>
+          <a:bodyPr rtlCol="0" anchor="ctr"/>
+          <a:lstStyle/>
+          <a:p>
+            <a:pPr algn="ctr"/>
+            <a:endParaRPr lang="en-US"/>
+          </a:p>
+        </p:txBody>
+      </p:sp>
+      <p:cxnSp>
+        <p:nvCxnSpPr>
+          <p:cNvPr id="4" name="Straight Arrow Connector 3">
+            <a:extLst>
+              <a:ext uri="{FF2B5EF4-FFF2-40B4-BE49-F238E27FC236}">
+                <a16:creationId xmlns:a16="http://schemas.microsoft.com/office/drawing/2014/main" id="{986AC12E-1290-4BB8-8629-C441BD898CFA}"/>
+              </a:ext>
+            </a:extLst>
+          </p:cNvPr>
+          <p:cNvCxnSpPr>
+            <a:cxnSpLocks/>
+          </p:cNvCxnSpPr>
+          <p:nvPr/>
+        </p:nvCxnSpPr>
+        <p:spPr>
+          <a:xfrm>
+            <a:off x="4838224" y="4940969"/>
+            <a:ext cx="2759242" cy="0"/>
+          </a:xfrm>
+          <a:prstGeom prst="straightConnector1">
+            <a:avLst/>
+          </a:prstGeom>
+          <a:ln>
+            <a:tailEnd type="triangle"/>
+          </a:ln>
+        </p:spPr>
+        <p:style>
+          <a:lnRef idx="3">
+            <a:schemeClr val="dk1"/>
+          </a:lnRef>
+          <a:fillRef idx="0">
+            <a:schemeClr val="dk1"/>
+          </a:fillRef>
+          <a:effectRef idx="2">
+            <a:schemeClr val="dk1"/>
+          </a:effectRef>
+          <a:fontRef idx="minor">
+            <a:schemeClr val="tx1"/>
+          </a:fontRef>
+        </p:style>
+      </p:cxnSp>
     </p:spTree>
     <p:extLst>
       <p:ext uri="{BB962C8B-B14F-4D97-AF65-F5344CB8AC3E}">
@@ -10974,7 +11036,7 @@
         </p:blipFill>
         <p:spPr>
           <a:xfrm>
-            <a:off x="174559" y="668587"/>
+            <a:off x="95392" y="1447436"/>
             <a:ext cx="3527527" cy="2251199"/>
           </a:xfrm>
           <a:prstGeom prst="rect">
@@ -10996,7 +11058,7 @@
         </p:nvGrpSpPr>
         <p:grpSpPr>
           <a:xfrm>
-            <a:off x="2720805" y="2261557"/>
+            <a:off x="3362058" y="1838952"/>
             <a:ext cx="2485405" cy="1745175"/>
             <a:chOff x="819618" y="3498113"/>
             <a:chExt cx="1501629" cy="1054398"/>
@@ -11092,7 +11154,7 @@
         </p:nvGrpSpPr>
         <p:grpSpPr>
           <a:xfrm>
-            <a:off x="4534478" y="4941994"/>
+            <a:off x="9213660" y="1995418"/>
             <a:ext cx="2890470" cy="2101003"/>
             <a:chOff x="6844536" y="5592929"/>
             <a:chExt cx="1951362" cy="1418391"/>
@@ -11188,7 +11250,7 @@
         </p:nvGrpSpPr>
         <p:grpSpPr>
           <a:xfrm>
-            <a:off x="4685912" y="3172789"/>
+            <a:off x="6339428" y="1942480"/>
             <a:ext cx="2485405" cy="1602471"/>
             <a:chOff x="5193079" y="4397282"/>
             <a:chExt cx="1501629" cy="968179"/>
@@ -11284,7 +11346,7 @@
         </p:nvGrpSpPr>
         <p:grpSpPr>
           <a:xfrm>
-            <a:off x="8421534" y="3021268"/>
+            <a:off x="6186144" y="4364597"/>
             <a:ext cx="3027516" cy="1999408"/>
             <a:chOff x="3284310" y="5592929"/>
             <a:chExt cx="1684588" cy="1112522"/>

--- a/ShenhavLabMeeting10.29.pptx
+++ b/ShenhavLabMeeting10.29.pptx
@@ -5,35 +5,44 @@
     <p:sldMasterId id="2147483648" r:id="rId1"/>
   </p:sldMasterIdLst>
   <p:notesMasterIdLst>
-    <p:notesMasterId r:id="rId28"/>
+    <p:notesMasterId r:id="rId37"/>
   </p:notesMasterIdLst>
   <p:sldIdLst>
     <p:sldId id="256" r:id="rId2"/>
-    <p:sldId id="257" r:id="rId3"/>
-    <p:sldId id="258" r:id="rId4"/>
-    <p:sldId id="259" r:id="rId5"/>
-    <p:sldId id="261" r:id="rId6"/>
-    <p:sldId id="262" r:id="rId7"/>
-    <p:sldId id="263" r:id="rId8"/>
-    <p:sldId id="265" r:id="rId9"/>
-    <p:sldId id="266" r:id="rId10"/>
-    <p:sldId id="264" r:id="rId11"/>
-    <p:sldId id="267" r:id="rId12"/>
-    <p:sldId id="268" r:id="rId13"/>
-    <p:sldId id="270" r:id="rId14"/>
-    <p:sldId id="260" r:id="rId15"/>
-    <p:sldId id="272" r:id="rId16"/>
-    <p:sldId id="273" r:id="rId17"/>
-    <p:sldId id="274" r:id="rId18"/>
-    <p:sldId id="275" r:id="rId19"/>
-    <p:sldId id="276" r:id="rId20"/>
-    <p:sldId id="277" r:id="rId21"/>
-    <p:sldId id="278" r:id="rId22"/>
-    <p:sldId id="282" r:id="rId23"/>
-    <p:sldId id="284" r:id="rId24"/>
-    <p:sldId id="285" r:id="rId25"/>
-    <p:sldId id="269" r:id="rId26"/>
-    <p:sldId id="271" r:id="rId27"/>
+    <p:sldId id="288" r:id="rId3"/>
+    <p:sldId id="257" r:id="rId4"/>
+    <p:sldId id="258" r:id="rId5"/>
+    <p:sldId id="259" r:id="rId6"/>
+    <p:sldId id="261" r:id="rId7"/>
+    <p:sldId id="262" r:id="rId8"/>
+    <p:sldId id="289" r:id="rId9"/>
+    <p:sldId id="263" r:id="rId10"/>
+    <p:sldId id="265" r:id="rId11"/>
+    <p:sldId id="266" r:id="rId12"/>
+    <p:sldId id="264" r:id="rId13"/>
+    <p:sldId id="267" r:id="rId14"/>
+    <p:sldId id="291" r:id="rId15"/>
+    <p:sldId id="268" r:id="rId16"/>
+    <p:sldId id="270" r:id="rId17"/>
+    <p:sldId id="260" r:id="rId18"/>
+    <p:sldId id="272" r:id="rId19"/>
+    <p:sldId id="273" r:id="rId20"/>
+    <p:sldId id="274" r:id="rId21"/>
+    <p:sldId id="275" r:id="rId22"/>
+    <p:sldId id="276" r:id="rId23"/>
+    <p:sldId id="277" r:id="rId24"/>
+    <p:sldId id="286" r:id="rId25"/>
+    <p:sldId id="292" r:id="rId26"/>
+    <p:sldId id="287" r:id="rId27"/>
+    <p:sldId id="278" r:id="rId28"/>
+    <p:sldId id="282" r:id="rId29"/>
+    <p:sldId id="284" r:id="rId30"/>
+    <p:sldId id="285" r:id="rId31"/>
+    <p:sldId id="293" r:id="rId32"/>
+    <p:sldId id="269" r:id="rId33"/>
+    <p:sldId id="294" r:id="rId34"/>
+    <p:sldId id="295" r:id="rId35"/>
+    <p:sldId id="271" r:id="rId36"/>
   </p:sldIdLst>
   <p:sldSz cx="12192000" cy="6858000"/>
   <p:notesSz cx="6858000" cy="9144000"/>
@@ -886,7 +895,7 @@
           <a:p>
             <a:fld id="{46B30BCE-83B5-4D36-8240-34FC3A2779A8}" type="slidenum">
               <a:rPr lang="en-US" smtClean="0"/>
-              <a:t>3</a:t>
+              <a:t>4</a:t>
             </a:fld>
             <a:endParaRPr lang="en-US"/>
           </a:p>
@@ -896,6 +905,99 @@
     <p:extLst>
       <p:ext uri="{BB962C8B-B14F-4D97-AF65-F5344CB8AC3E}">
         <p14:creationId xmlns:p14="http://schemas.microsoft.com/office/powerpoint/2010/main" val="3088010145"/>
+      </p:ext>
+    </p:extLst>
+  </p:cSld>
+  <p:clrMapOvr>
+    <a:masterClrMapping/>
+  </p:clrMapOvr>
+</p:notes>
+</file>
+
+<file path=ppt/notesSlides/notesSlide2.xml><?xml version="1.0" encoding="utf-8"?>
+<p:notes xmlns:a="http://schemas.openxmlformats.org/drawingml/2006/main" xmlns:r="http://schemas.openxmlformats.org/officeDocument/2006/relationships" xmlns:p="http://schemas.openxmlformats.org/presentationml/2006/main">
+  <p:cSld>
+    <p:spTree>
+      <p:nvGrpSpPr>
+        <p:cNvPr id="1" name=""/>
+        <p:cNvGrpSpPr/>
+        <p:nvPr/>
+      </p:nvGrpSpPr>
+      <p:grpSpPr>
+        <a:xfrm>
+          <a:off x="0" y="0"/>
+          <a:ext cx="0" cy="0"/>
+          <a:chOff x="0" y="0"/>
+          <a:chExt cx="0" cy="0"/>
+        </a:xfrm>
+      </p:grpSpPr>
+      <p:sp>
+        <p:nvSpPr>
+          <p:cNvPr id="2" name="Slide Image Placeholder 1"/>
+          <p:cNvSpPr>
+            <a:spLocks noGrp="1" noRot="1" noChangeAspect="1"/>
+          </p:cNvSpPr>
+          <p:nvPr>
+            <p:ph type="sldImg"/>
+          </p:nvPr>
+        </p:nvSpPr>
+        <p:spPr/>
+      </p:sp>
+      <p:sp>
+        <p:nvSpPr>
+          <p:cNvPr id="3" name="Notes Placeholder 2"/>
+          <p:cNvSpPr>
+            <a:spLocks noGrp="1"/>
+          </p:cNvSpPr>
+          <p:nvPr>
+            <p:ph type="body" idx="1"/>
+          </p:nvPr>
+        </p:nvSpPr>
+        <p:spPr/>
+        <p:txBody>
+          <a:bodyPr/>
+          <a:lstStyle/>
+          <a:p>
+            <a:r>
+              <a:rPr lang="en-US" dirty="0"/>
+              <a:t>Collect version is to not bias any participant towards a specific response. </a:t>
+            </a:r>
+          </a:p>
+          <a:p>
+            <a:r>
+              <a:rPr lang="en-US" dirty="0"/>
+              <a:t>Instrumental is to see if ramp affects value without any vigor</a:t>
+            </a:r>
+          </a:p>
+        </p:txBody>
+      </p:sp>
+      <p:sp>
+        <p:nvSpPr>
+          <p:cNvPr id="4" name="Slide Number Placeholder 3"/>
+          <p:cNvSpPr>
+            <a:spLocks noGrp="1"/>
+          </p:cNvSpPr>
+          <p:nvPr>
+            <p:ph type="sldNum" sz="quarter" idx="5"/>
+          </p:nvPr>
+        </p:nvSpPr>
+        <p:spPr/>
+        <p:txBody>
+          <a:bodyPr/>
+          <a:lstStyle/>
+          <a:p>
+            <a:fld id="{46B30BCE-83B5-4D36-8240-34FC3A2779A8}" type="slidenum">
+              <a:rPr lang="en-US" smtClean="0"/>
+              <a:t>33</a:t>
+            </a:fld>
+            <a:endParaRPr lang="en-US"/>
+          </a:p>
+        </p:txBody>
+      </p:sp>
+    </p:spTree>
+    <p:extLst>
+      <p:ext uri="{BB962C8B-B14F-4D97-AF65-F5344CB8AC3E}">
+        <p14:creationId xmlns:p14="http://schemas.microsoft.com/office/powerpoint/2010/main" val="3305597426"/>
       </p:ext>
     </p:extLst>
   </p:cSld>
@@ -4230,10 +4332,10 @@
       </p:grpSpPr>
       <p:pic>
         <p:nvPicPr>
-          <p:cNvPr id="7" name="Picture 6">
-            <a:extLst>
-              <a:ext uri="{FF2B5EF4-FFF2-40B4-BE49-F238E27FC236}">
-                <a16:creationId xmlns:a16="http://schemas.microsoft.com/office/drawing/2014/main" id="{0AE3F8CF-2488-4F3E-9699-B1033E6D99A0}"/>
+          <p:cNvPr id="29" name="Picture 28">
+            <a:extLst>
+              <a:ext uri="{FF2B5EF4-FFF2-40B4-BE49-F238E27FC236}">
+                <a16:creationId xmlns:a16="http://schemas.microsoft.com/office/drawing/2014/main" id="{933663D9-5E6E-4BAB-9B20-84C4618A5A51}"/>
               </a:ext>
             </a:extLst>
           </p:cNvPr>
@@ -4242,16 +4344,15 @@
           </p:cNvPicPr>
           <p:nvPr/>
         </p:nvPicPr>
-        <p:blipFill>
+        <p:blipFill rotWithShape="1">
           <a:blip r:embed="rId2"/>
-          <a:stretch>
-            <a:fillRect/>
-          </a:stretch>
+          <a:srcRect l="13996" t="16416" r="13522" b="15922"/>
+          <a:stretch/>
         </p:blipFill>
         <p:spPr>
           <a:xfrm>
-            <a:off x="292923" y="2288658"/>
-            <a:ext cx="2000323" cy="1276567"/>
+            <a:off x="864030" y="2137402"/>
+            <a:ext cx="3145832" cy="1874112"/>
           </a:xfrm>
           <a:prstGeom prst="rect">
             <a:avLst/>
@@ -4260,10 +4361,10 @@
       </p:pic>
       <p:grpSp>
         <p:nvGrpSpPr>
-          <p:cNvPr id="8" name="Group 7">
-            <a:extLst>
-              <a:ext uri="{FF2B5EF4-FFF2-40B4-BE49-F238E27FC236}">
-                <a16:creationId xmlns:a16="http://schemas.microsoft.com/office/drawing/2014/main" id="{68A7CCD5-2B02-459A-9583-98F0B4DD93F0}"/>
+          <p:cNvPr id="30" name="Group 29">
+            <a:extLst>
+              <a:ext uri="{FF2B5EF4-FFF2-40B4-BE49-F238E27FC236}">
+                <a16:creationId xmlns:a16="http://schemas.microsoft.com/office/drawing/2014/main" id="{545A01BF-74AE-4D49-9E91-176247E4A275}"/>
               </a:ext>
             </a:extLst>
           </p:cNvPr>
@@ -4272,18 +4373,483 @@
         </p:nvGrpSpPr>
         <p:grpSpPr>
           <a:xfrm>
-            <a:off x="5718322" y="2597046"/>
-            <a:ext cx="1501629" cy="968179"/>
-            <a:chOff x="5193079" y="4397282"/>
-            <a:chExt cx="1501629" cy="968179"/>
+            <a:off x="586368" y="1961276"/>
+            <a:ext cx="7535735" cy="2315132"/>
+            <a:chOff x="705461" y="3485765"/>
+            <a:chExt cx="3151414" cy="968179"/>
           </a:xfrm>
         </p:grpSpPr>
         <p:pic>
           <p:nvPicPr>
-            <p:cNvPr id="9" name="Picture 8">
+            <p:cNvPr id="31" name="Picture 30">
               <a:extLst>
                 <a:ext uri="{FF2B5EF4-FFF2-40B4-BE49-F238E27FC236}">
-                  <a16:creationId xmlns:a16="http://schemas.microsoft.com/office/drawing/2014/main" id="{BE01FFAA-520A-48AE-8BE0-C89FBCE31CC8}"/>
+                  <a16:creationId xmlns:a16="http://schemas.microsoft.com/office/drawing/2014/main" id="{2BCC0E4C-408F-436F-888A-5A012BF44B0D}"/>
+                </a:ext>
+              </a:extLst>
+            </p:cNvPr>
+            <p:cNvPicPr>
+              <a:picLocks noChangeAspect="1"/>
+            </p:cNvPicPr>
+            <p:nvPr/>
+          </p:nvPicPr>
+          <p:blipFill rotWithShape="1">
+            <a:blip r:embed="rId3"/>
+            <a:srcRect l="807" t="-1264" r="-807" b="82482"/>
+            <a:stretch/>
+          </p:blipFill>
+          <p:spPr>
+            <a:xfrm>
+              <a:off x="2264169" y="3488556"/>
+              <a:ext cx="1592706" cy="217562"/>
+            </a:xfrm>
+            <a:prstGeom prst="rect">
+              <a:avLst/>
+            </a:prstGeom>
+          </p:spPr>
+        </p:pic>
+        <p:sp>
+          <p:nvSpPr>
+            <p:cNvPr id="32" name="Rectangle 31">
+              <a:extLst>
+                <a:ext uri="{FF2B5EF4-FFF2-40B4-BE49-F238E27FC236}">
+                  <a16:creationId xmlns:a16="http://schemas.microsoft.com/office/drawing/2014/main" id="{B1D42CC8-6612-4EB9-A7C3-567007DB797C}"/>
+                </a:ext>
+              </a:extLst>
+            </p:cNvPr>
+            <p:cNvSpPr/>
+            <p:nvPr/>
+          </p:nvSpPr>
+          <p:spPr>
+            <a:xfrm>
+              <a:off x="705461" y="3485765"/>
+              <a:ext cx="1501629" cy="968179"/>
+            </a:xfrm>
+            <a:prstGeom prst="rect">
+              <a:avLst/>
+            </a:prstGeom>
+            <a:noFill/>
+          </p:spPr>
+          <p:style>
+            <a:lnRef idx="2">
+              <a:schemeClr val="dk1"/>
+            </a:lnRef>
+            <a:fillRef idx="1">
+              <a:schemeClr val="lt1"/>
+            </a:fillRef>
+            <a:effectRef idx="0">
+              <a:schemeClr val="dk1"/>
+            </a:effectRef>
+            <a:fontRef idx="minor">
+              <a:schemeClr val="dk1"/>
+            </a:fontRef>
+          </p:style>
+          <p:txBody>
+            <a:bodyPr rtlCol="0" anchor="ctr"/>
+            <a:lstStyle/>
+            <a:p>
+              <a:pPr algn="ctr"/>
+              <a:endParaRPr lang="en-US"/>
+            </a:p>
+          </p:txBody>
+        </p:sp>
+      </p:grpSp>
+      <p:sp>
+        <p:nvSpPr>
+          <p:cNvPr id="35" name="Rectangle 34">
+            <a:extLst>
+              <a:ext uri="{FF2B5EF4-FFF2-40B4-BE49-F238E27FC236}">
+                <a16:creationId xmlns:a16="http://schemas.microsoft.com/office/drawing/2014/main" id="{5505F2F6-9D0F-436C-BCB3-886FF2F78FA0}"/>
+              </a:ext>
+            </a:extLst>
+          </p:cNvPr>
+          <p:cNvSpPr/>
+          <p:nvPr/>
+        </p:nvSpPr>
+        <p:spPr>
+          <a:xfrm>
+            <a:off x="4422480" y="1985339"/>
+            <a:ext cx="3590730" cy="2315132"/>
+          </a:xfrm>
+          <a:prstGeom prst="rect">
+            <a:avLst/>
+          </a:prstGeom>
+          <a:noFill/>
+        </p:spPr>
+        <p:style>
+          <a:lnRef idx="2">
+            <a:schemeClr val="dk1"/>
+          </a:lnRef>
+          <a:fillRef idx="1">
+            <a:schemeClr val="lt1"/>
+          </a:fillRef>
+          <a:effectRef idx="0">
+            <a:schemeClr val="dk1"/>
+          </a:effectRef>
+          <a:fontRef idx="minor">
+            <a:schemeClr val="dk1"/>
+          </a:fontRef>
+        </p:style>
+        <p:txBody>
+          <a:bodyPr rtlCol="0" anchor="ctr"/>
+          <a:lstStyle/>
+          <a:p>
+            <a:pPr algn="ctr"/>
+            <a:endParaRPr lang="en-US"/>
+          </a:p>
+        </p:txBody>
+      </p:sp>
+      <p:pic>
+        <p:nvPicPr>
+          <p:cNvPr id="10" name="Picture 9">
+            <a:extLst>
+              <a:ext uri="{FF2B5EF4-FFF2-40B4-BE49-F238E27FC236}">
+                <a16:creationId xmlns:a16="http://schemas.microsoft.com/office/drawing/2014/main" id="{CA5B4033-9541-4AF1-87ED-29051A8E0F64}"/>
+              </a:ext>
+            </a:extLst>
+          </p:cNvPr>
+          <p:cNvPicPr>
+            <a:picLocks noChangeAspect="1"/>
+          </p:cNvPicPr>
+          <p:nvPr/>
+        </p:nvPicPr>
+        <p:blipFill rotWithShape="1">
+          <a:blip r:embed="rId4"/>
+          <a:srcRect l="25273" t="10470" r="25684" b="46312"/>
+          <a:stretch/>
+        </p:blipFill>
+        <p:spPr>
+          <a:xfrm>
+            <a:off x="8856606" y="2228069"/>
+            <a:ext cx="2454442" cy="1572126"/>
+          </a:xfrm>
+          <a:prstGeom prst="rect">
+            <a:avLst/>
+          </a:prstGeom>
+        </p:spPr>
+      </p:pic>
+      <p:sp>
+        <p:nvSpPr>
+          <p:cNvPr id="11" name="Rectangle 10">
+            <a:extLst>
+              <a:ext uri="{FF2B5EF4-FFF2-40B4-BE49-F238E27FC236}">
+                <a16:creationId xmlns:a16="http://schemas.microsoft.com/office/drawing/2014/main" id="{23BEC34E-A000-463C-BAB7-818C4352327E}"/>
+              </a:ext>
+            </a:extLst>
+          </p:cNvPr>
+          <p:cNvSpPr/>
+          <p:nvPr/>
+        </p:nvSpPr>
+        <p:spPr>
+          <a:xfrm>
+            <a:off x="8288462" y="1961276"/>
+            <a:ext cx="3590730" cy="2291069"/>
+          </a:xfrm>
+          <a:prstGeom prst="rect">
+            <a:avLst/>
+          </a:prstGeom>
+          <a:noFill/>
+        </p:spPr>
+        <p:style>
+          <a:lnRef idx="2">
+            <a:schemeClr val="dk1"/>
+          </a:lnRef>
+          <a:fillRef idx="1">
+            <a:schemeClr val="lt1"/>
+          </a:fillRef>
+          <a:effectRef idx="0">
+            <a:schemeClr val="dk1"/>
+          </a:effectRef>
+          <a:fontRef idx="minor">
+            <a:schemeClr val="dk1"/>
+          </a:fontRef>
+        </p:style>
+        <p:txBody>
+          <a:bodyPr rtlCol="0" anchor="ctr"/>
+          <a:lstStyle/>
+          <a:p>
+            <a:pPr algn="ctr"/>
+            <a:endParaRPr lang="en-US"/>
+          </a:p>
+        </p:txBody>
+      </p:sp>
+      <p:cxnSp>
+        <p:nvCxnSpPr>
+          <p:cNvPr id="4" name="Straight Arrow Connector 3">
+            <a:extLst>
+              <a:ext uri="{FF2B5EF4-FFF2-40B4-BE49-F238E27FC236}">
+                <a16:creationId xmlns:a16="http://schemas.microsoft.com/office/drawing/2014/main" id="{986AC12E-1290-4BB8-8629-C441BD898CFA}"/>
+              </a:ext>
+            </a:extLst>
+          </p:cNvPr>
+          <p:cNvCxnSpPr>
+            <a:cxnSpLocks/>
+          </p:cNvCxnSpPr>
+          <p:nvPr/>
+        </p:nvCxnSpPr>
+        <p:spPr>
+          <a:xfrm>
+            <a:off x="4838224" y="4940969"/>
+            <a:ext cx="2759242" cy="0"/>
+          </a:xfrm>
+          <a:prstGeom prst="straightConnector1">
+            <a:avLst/>
+          </a:prstGeom>
+          <a:ln>
+            <a:tailEnd type="triangle"/>
+          </a:ln>
+        </p:spPr>
+        <p:style>
+          <a:lnRef idx="3">
+            <a:schemeClr val="dk1"/>
+          </a:lnRef>
+          <a:fillRef idx="0">
+            <a:schemeClr val="dk1"/>
+          </a:fillRef>
+          <a:effectRef idx="2">
+            <a:schemeClr val="dk1"/>
+          </a:effectRef>
+          <a:fontRef idx="minor">
+            <a:schemeClr val="tx1"/>
+          </a:fontRef>
+        </p:style>
+      </p:cxnSp>
+    </p:spTree>
+    <p:extLst>
+      <p:ext uri="{BB962C8B-B14F-4D97-AF65-F5344CB8AC3E}">
+        <p14:creationId xmlns:p14="http://schemas.microsoft.com/office/powerpoint/2010/main" val="1625339211"/>
+      </p:ext>
+    </p:extLst>
+  </p:cSld>
+  <p:clrMapOvr>
+    <a:masterClrMapping/>
+  </p:clrMapOvr>
+  <p:timing>
+    <p:tnLst>
+      <p:par>
+        <p:cTn id="1" dur="indefinite" restart="never" nodeType="tmRoot">
+          <p:childTnLst>
+            <p:seq concurrent="1" nextAc="seek">
+              <p:cTn id="2" dur="indefinite" nodeType="mainSeq">
+                <p:childTnLst>
+                  <p:par>
+                    <p:cTn id="3" fill="hold">
+                      <p:stCondLst>
+                        <p:cond delay="indefinite"/>
+                      </p:stCondLst>
+                      <p:childTnLst>
+                        <p:par>
+                          <p:cTn id="4" fill="hold">
+                            <p:stCondLst>
+                              <p:cond delay="0"/>
+                            </p:stCondLst>
+                            <p:childTnLst>
+                              <p:par>
+                                <p:cTn id="5" presetID="1" presetClass="entr" presetSubtype="0" fill="hold" grpId="0" nodeType="clickEffect">
+                                  <p:stCondLst>
+                                    <p:cond delay="0"/>
+                                  </p:stCondLst>
+                                  <p:childTnLst>
+                                    <p:set>
+                                      <p:cBhvr>
+                                        <p:cTn id="6" dur="1" fill="hold">
+                                          <p:stCondLst>
+                                            <p:cond delay="0"/>
+                                          </p:stCondLst>
+                                        </p:cTn>
+                                        <p:tgtEl>
+                                          <p:spTgt spid="35"/>
+                                        </p:tgtEl>
+                                        <p:attrNameLst>
+                                          <p:attrName>style.visibility</p:attrName>
+                                        </p:attrNameLst>
+                                      </p:cBhvr>
+                                      <p:to>
+                                        <p:strVal val="visible"/>
+                                      </p:to>
+                                    </p:set>
+                                  </p:childTnLst>
+                                </p:cTn>
+                              </p:par>
+                            </p:childTnLst>
+                          </p:cTn>
+                        </p:par>
+                      </p:childTnLst>
+                    </p:cTn>
+                  </p:par>
+                  <p:par>
+                    <p:cTn id="7" fill="hold">
+                      <p:stCondLst>
+                        <p:cond delay="indefinite"/>
+                      </p:stCondLst>
+                      <p:childTnLst>
+                        <p:par>
+                          <p:cTn id="8" fill="hold">
+                            <p:stCondLst>
+                              <p:cond delay="0"/>
+                            </p:stCondLst>
+                            <p:childTnLst>
+                              <p:par>
+                                <p:cTn id="9" presetID="1" presetClass="entr" presetSubtype="0" fill="hold" grpId="0" nodeType="clickEffect">
+                                  <p:stCondLst>
+                                    <p:cond delay="0"/>
+                                  </p:stCondLst>
+                                  <p:childTnLst>
+                                    <p:set>
+                                      <p:cBhvr>
+                                        <p:cTn id="10" dur="1" fill="hold">
+                                          <p:stCondLst>
+                                            <p:cond delay="0"/>
+                                          </p:stCondLst>
+                                        </p:cTn>
+                                        <p:tgtEl>
+                                          <p:spTgt spid="11"/>
+                                        </p:tgtEl>
+                                        <p:attrNameLst>
+                                          <p:attrName>style.visibility</p:attrName>
+                                        </p:attrNameLst>
+                                      </p:cBhvr>
+                                      <p:to>
+                                        <p:strVal val="visible"/>
+                                      </p:to>
+                                    </p:set>
+                                  </p:childTnLst>
+                                </p:cTn>
+                              </p:par>
+                              <p:par>
+                                <p:cTn id="11" presetID="1" presetClass="entr" presetSubtype="0" fill="hold" nodeType="withEffect">
+                                  <p:stCondLst>
+                                    <p:cond delay="0"/>
+                                  </p:stCondLst>
+                                  <p:childTnLst>
+                                    <p:set>
+                                      <p:cBhvr>
+                                        <p:cTn id="12" dur="1" fill="hold">
+                                          <p:stCondLst>
+                                            <p:cond delay="0"/>
+                                          </p:stCondLst>
+                                        </p:cTn>
+                                        <p:tgtEl>
+                                          <p:spTgt spid="10"/>
+                                        </p:tgtEl>
+                                        <p:attrNameLst>
+                                          <p:attrName>style.visibility</p:attrName>
+                                        </p:attrNameLst>
+                                      </p:cBhvr>
+                                      <p:to>
+                                        <p:strVal val="visible"/>
+                                      </p:to>
+                                    </p:set>
+                                  </p:childTnLst>
+                                </p:cTn>
+                              </p:par>
+                            </p:childTnLst>
+                          </p:cTn>
+                        </p:par>
+                      </p:childTnLst>
+                    </p:cTn>
+                  </p:par>
+                </p:childTnLst>
+              </p:cTn>
+              <p:prevCondLst>
+                <p:cond evt="onPrev" delay="0">
+                  <p:tgtEl>
+                    <p:sldTgt/>
+                  </p:tgtEl>
+                </p:cond>
+              </p:prevCondLst>
+              <p:nextCondLst>
+                <p:cond evt="onNext" delay="0">
+                  <p:tgtEl>
+                    <p:sldTgt/>
+                  </p:tgtEl>
+                </p:cond>
+              </p:nextCondLst>
+            </p:seq>
+          </p:childTnLst>
+        </p:cTn>
+      </p:par>
+    </p:tnLst>
+    <p:bldLst>
+      <p:bldP spid="35" grpId="0" animBg="1"/>
+      <p:bldP spid="11" grpId="0" animBg="1"/>
+    </p:bldLst>
+  </p:timing>
+</p:sld>
+</file>
+
+<file path=ppt/slides/slide11.xml><?xml version="1.0" encoding="utf-8"?>
+<p:sld xmlns:a="http://schemas.openxmlformats.org/drawingml/2006/main" xmlns:r="http://schemas.openxmlformats.org/officeDocument/2006/relationships" xmlns:p="http://schemas.openxmlformats.org/presentationml/2006/main">
+  <p:cSld>
+    <p:spTree>
+      <p:nvGrpSpPr>
+        <p:cNvPr id="1" name=""/>
+        <p:cNvGrpSpPr/>
+        <p:nvPr/>
+      </p:nvGrpSpPr>
+      <p:grpSpPr>
+        <a:xfrm>
+          <a:off x="0" y="0"/>
+          <a:ext cx="0" cy="0"/>
+          <a:chOff x="0" y="0"/>
+          <a:chExt cx="0" cy="0"/>
+        </a:xfrm>
+      </p:grpSpPr>
+      <p:pic>
+        <p:nvPicPr>
+          <p:cNvPr id="4" name="Picture 3">
+            <a:extLst>
+              <a:ext uri="{FF2B5EF4-FFF2-40B4-BE49-F238E27FC236}">
+                <a16:creationId xmlns:a16="http://schemas.microsoft.com/office/drawing/2014/main" id="{71EF581C-4566-495D-8EEC-C933850382E1}"/>
+              </a:ext>
+            </a:extLst>
+          </p:cNvPr>
+          <p:cNvPicPr>
+            <a:picLocks noChangeAspect="1"/>
+          </p:cNvPicPr>
+          <p:nvPr/>
+        </p:nvPicPr>
+        <p:blipFill rotWithShape="1">
+          <a:blip r:embed="rId2"/>
+          <a:srcRect l="11933" t="20109" r="18637" b="17964"/>
+          <a:stretch/>
+        </p:blipFill>
+        <p:spPr>
+          <a:xfrm>
+            <a:off x="172598" y="124969"/>
+            <a:ext cx="2449139" cy="1394083"/>
+          </a:xfrm>
+          <a:prstGeom prst="rect">
+            <a:avLst/>
+          </a:prstGeom>
+        </p:spPr>
+      </p:pic>
+      <p:grpSp>
+        <p:nvGrpSpPr>
+          <p:cNvPr id="5" name="Group 4">
+            <a:extLst>
+              <a:ext uri="{FF2B5EF4-FFF2-40B4-BE49-F238E27FC236}">
+                <a16:creationId xmlns:a16="http://schemas.microsoft.com/office/drawing/2014/main" id="{6A2033DA-CEC5-4995-8767-3057B239162A}"/>
+              </a:ext>
+            </a:extLst>
+          </p:cNvPr>
+          <p:cNvGrpSpPr/>
+          <p:nvPr/>
+        </p:nvGrpSpPr>
+        <p:grpSpPr>
+          <a:xfrm>
+            <a:off x="2184761" y="1300744"/>
+            <a:ext cx="2485405" cy="1745175"/>
+            <a:chOff x="819618" y="3498113"/>
+            <a:chExt cx="1501629" cy="1054398"/>
+          </a:xfrm>
+        </p:grpSpPr>
+        <p:pic>
+          <p:nvPicPr>
+            <p:cNvPr id="6" name="Picture 5">
+              <a:extLst>
+                <a:ext uri="{FF2B5EF4-FFF2-40B4-BE49-F238E27FC236}">
+                  <a16:creationId xmlns:a16="http://schemas.microsoft.com/office/drawing/2014/main" id="{91F100B3-24C4-480C-8D86-35CF496448B7}"/>
                 </a:ext>
               </a:extLst>
             </p:cNvPr>
@@ -4300,8 +4866,104 @@
           </p:blipFill>
           <p:spPr>
             <a:xfrm>
-              <a:off x="5334423" y="4498019"/>
-              <a:ext cx="1280686" cy="798001"/>
+              <a:off x="904810" y="3584332"/>
+              <a:ext cx="1331246" cy="968179"/>
+            </a:xfrm>
+            <a:prstGeom prst="rect">
+              <a:avLst/>
+            </a:prstGeom>
+          </p:spPr>
+        </p:pic>
+        <p:sp>
+          <p:nvSpPr>
+            <p:cNvPr id="7" name="Rectangle 6">
+              <a:extLst>
+                <a:ext uri="{FF2B5EF4-FFF2-40B4-BE49-F238E27FC236}">
+                  <a16:creationId xmlns:a16="http://schemas.microsoft.com/office/drawing/2014/main" id="{FE60FD2D-8DDB-41E0-A393-2D9845593B42}"/>
+                </a:ext>
+              </a:extLst>
+            </p:cNvPr>
+            <p:cNvSpPr/>
+            <p:nvPr/>
+          </p:nvSpPr>
+          <p:spPr>
+            <a:xfrm>
+              <a:off x="819618" y="3498113"/>
+              <a:ext cx="1501629" cy="968179"/>
+            </a:xfrm>
+            <a:prstGeom prst="rect">
+              <a:avLst/>
+            </a:prstGeom>
+            <a:noFill/>
+          </p:spPr>
+          <p:style>
+            <a:lnRef idx="2">
+              <a:schemeClr val="dk1"/>
+            </a:lnRef>
+            <a:fillRef idx="1">
+              <a:schemeClr val="lt1"/>
+            </a:fillRef>
+            <a:effectRef idx="0">
+              <a:schemeClr val="dk1"/>
+            </a:effectRef>
+            <a:fontRef idx="minor">
+              <a:schemeClr val="dk1"/>
+            </a:fontRef>
+          </p:style>
+          <p:txBody>
+            <a:bodyPr rtlCol="0" anchor="ctr"/>
+            <a:lstStyle/>
+            <a:p>
+              <a:pPr algn="ctr"/>
+              <a:endParaRPr lang="en-US"/>
+            </a:p>
+          </p:txBody>
+        </p:sp>
+      </p:grpSp>
+      <p:grpSp>
+        <p:nvGrpSpPr>
+          <p:cNvPr id="8" name="Group 7">
+            <a:extLst>
+              <a:ext uri="{FF2B5EF4-FFF2-40B4-BE49-F238E27FC236}">
+                <a16:creationId xmlns:a16="http://schemas.microsoft.com/office/drawing/2014/main" id="{62349A2D-C820-48FE-BD66-066E87F930E4}"/>
+              </a:ext>
+            </a:extLst>
+          </p:cNvPr>
+          <p:cNvGrpSpPr/>
+          <p:nvPr/>
+        </p:nvGrpSpPr>
+        <p:grpSpPr>
+          <a:xfrm>
+            <a:off x="7233630" y="2371943"/>
+            <a:ext cx="4574549" cy="3031361"/>
+            <a:chOff x="6844536" y="5592929"/>
+            <a:chExt cx="1951362" cy="1418391"/>
+          </a:xfrm>
+        </p:grpSpPr>
+        <p:pic>
+          <p:nvPicPr>
+            <p:cNvPr id="9" name="Picture 8">
+              <a:extLst>
+                <a:ext uri="{FF2B5EF4-FFF2-40B4-BE49-F238E27FC236}">
+                  <a16:creationId xmlns:a16="http://schemas.microsoft.com/office/drawing/2014/main" id="{9E7AAE95-471C-40FC-B86C-B83D8BF58F35}"/>
+                </a:ext>
+              </a:extLst>
+            </p:cNvPr>
+            <p:cNvPicPr>
+              <a:picLocks noChangeAspect="1"/>
+            </p:cNvPicPr>
+            <p:nvPr/>
+          </p:nvPicPr>
+          <p:blipFill>
+            <a:blip r:embed="rId4"/>
+            <a:stretch>
+              <a:fillRect/>
+            </a:stretch>
+          </p:blipFill>
+          <p:spPr>
+            <a:xfrm>
+              <a:off x="6844536" y="5592929"/>
+              <a:ext cx="1951362" cy="1418391"/>
             </a:xfrm>
             <a:prstGeom prst="rect">
               <a:avLst/>
@@ -4313,7 +4975,103 @@
             <p:cNvPr id="10" name="Rectangle 9">
               <a:extLst>
                 <a:ext uri="{FF2B5EF4-FFF2-40B4-BE49-F238E27FC236}">
-                  <a16:creationId xmlns:a16="http://schemas.microsoft.com/office/drawing/2014/main" id="{D1B38CBE-2AC9-4D1E-9548-123583366803}"/>
+                  <a16:creationId xmlns:a16="http://schemas.microsoft.com/office/drawing/2014/main" id="{9E0DDC9E-0B67-432D-B34E-4F48EFFB2B3B}"/>
+                </a:ext>
+              </a:extLst>
+            </p:cNvPr>
+            <p:cNvSpPr/>
+            <p:nvPr/>
+          </p:nvSpPr>
+          <p:spPr>
+            <a:xfrm>
+              <a:off x="7069403" y="5604993"/>
+              <a:ext cx="1501629" cy="1015779"/>
+            </a:xfrm>
+            <a:prstGeom prst="rect">
+              <a:avLst/>
+            </a:prstGeom>
+            <a:noFill/>
+          </p:spPr>
+          <p:style>
+            <a:lnRef idx="2">
+              <a:schemeClr val="dk1"/>
+            </a:lnRef>
+            <a:fillRef idx="1">
+              <a:schemeClr val="lt1"/>
+            </a:fillRef>
+            <a:effectRef idx="0">
+              <a:schemeClr val="dk1"/>
+            </a:effectRef>
+            <a:fontRef idx="minor">
+              <a:schemeClr val="dk1"/>
+            </a:fontRef>
+          </p:style>
+          <p:txBody>
+            <a:bodyPr rtlCol="0" anchor="ctr"/>
+            <a:lstStyle/>
+            <a:p>
+              <a:pPr algn="ctr"/>
+              <a:endParaRPr lang="en-US"/>
+            </a:p>
+          </p:txBody>
+        </p:sp>
+      </p:grpSp>
+      <p:grpSp>
+        <p:nvGrpSpPr>
+          <p:cNvPr id="11" name="Group 10">
+            <a:extLst>
+              <a:ext uri="{FF2B5EF4-FFF2-40B4-BE49-F238E27FC236}">
+                <a16:creationId xmlns:a16="http://schemas.microsoft.com/office/drawing/2014/main" id="{94555B0D-FA7B-41A1-BE1F-4406D53FCFEC}"/>
+              </a:ext>
+            </a:extLst>
+          </p:cNvPr>
+          <p:cNvGrpSpPr/>
+          <p:nvPr/>
+        </p:nvGrpSpPr>
+        <p:grpSpPr>
+          <a:xfrm>
+            <a:off x="4131383" y="2371943"/>
+            <a:ext cx="3407025" cy="2196688"/>
+            <a:chOff x="5193079" y="4397282"/>
+            <a:chExt cx="1501629" cy="968179"/>
+          </a:xfrm>
+        </p:grpSpPr>
+        <p:pic>
+          <p:nvPicPr>
+            <p:cNvPr id="12" name="Picture 11">
+              <a:extLst>
+                <a:ext uri="{FF2B5EF4-FFF2-40B4-BE49-F238E27FC236}">
+                  <a16:creationId xmlns:a16="http://schemas.microsoft.com/office/drawing/2014/main" id="{E000A334-3EBC-4D4E-9373-C626D392F43F}"/>
+                </a:ext>
+              </a:extLst>
+            </p:cNvPr>
+            <p:cNvPicPr>
+              <a:picLocks noChangeAspect="1"/>
+            </p:cNvPicPr>
+            <p:nvPr/>
+          </p:nvPicPr>
+          <p:blipFill>
+            <a:blip r:embed="rId5"/>
+            <a:stretch>
+              <a:fillRect/>
+            </a:stretch>
+          </p:blipFill>
+          <p:spPr>
+            <a:xfrm>
+              <a:off x="5334423" y="4498019"/>
+              <a:ext cx="1280686" cy="798001"/>
+            </a:xfrm>
+            <a:prstGeom prst="rect">
+              <a:avLst/>
+            </a:prstGeom>
+          </p:spPr>
+        </p:pic>
+        <p:sp>
+          <p:nvSpPr>
+            <p:cNvPr id="13" name="Rectangle 12">
+              <a:extLst>
+                <a:ext uri="{FF2B5EF4-FFF2-40B4-BE49-F238E27FC236}">
+                  <a16:creationId xmlns:a16="http://schemas.microsoft.com/office/drawing/2014/main" id="{4C2F73A7-E3FF-4A1D-9FB7-EE3938E9DDE7}"/>
                 </a:ext>
               </a:extLst>
             </p:cNvPr>
@@ -4356,10 +5114,10 @@
       </p:grpSp>
       <p:grpSp>
         <p:nvGrpSpPr>
-          <p:cNvPr id="11" name="Group 10">
-            <a:extLst>
-              <a:ext uri="{FF2B5EF4-FFF2-40B4-BE49-F238E27FC236}">
-                <a16:creationId xmlns:a16="http://schemas.microsoft.com/office/drawing/2014/main" id="{6C492C7F-7DFC-46B1-AA08-5C95DDDAA15B}"/>
+          <p:cNvPr id="14" name="Group 13">
+            <a:extLst>
+              <a:ext uri="{FF2B5EF4-FFF2-40B4-BE49-F238E27FC236}">
+                <a16:creationId xmlns:a16="http://schemas.microsoft.com/office/drawing/2014/main" id="{2481C5C6-CF84-499E-90FE-8FD8680821E6}"/>
               </a:ext>
             </a:extLst>
           </p:cNvPr>
@@ -4368,8 +5126,470 @@
         </p:nvGrpSpPr>
         <p:grpSpPr>
           <a:xfrm>
-            <a:off x="7717990" y="1095375"/>
-            <a:ext cx="1951362" cy="1322379"/>
+            <a:off x="4131383" y="4661312"/>
+            <a:ext cx="3823086" cy="2196688"/>
+            <a:chOff x="3284310" y="5592929"/>
+            <a:chExt cx="1684588" cy="1112522"/>
+          </a:xfrm>
+        </p:grpSpPr>
+        <p:pic>
+          <p:nvPicPr>
+            <p:cNvPr id="15" name="Picture 14">
+              <a:extLst>
+                <a:ext uri="{FF2B5EF4-FFF2-40B4-BE49-F238E27FC236}">
+                  <a16:creationId xmlns:a16="http://schemas.microsoft.com/office/drawing/2014/main" id="{EC587743-6035-41FE-87EF-A83ED5D976C1}"/>
+                </a:ext>
+              </a:extLst>
+            </p:cNvPr>
+            <p:cNvPicPr>
+              <a:picLocks noChangeAspect="1"/>
+            </p:cNvPicPr>
+            <p:nvPr/>
+          </p:nvPicPr>
+          <p:blipFill>
+            <a:blip r:embed="rId6"/>
+            <a:stretch>
+              <a:fillRect/>
+            </a:stretch>
+          </p:blipFill>
+          <p:spPr>
+            <a:xfrm>
+              <a:off x="3355580" y="5677239"/>
+              <a:ext cx="1613318" cy="1028212"/>
+            </a:xfrm>
+            <a:prstGeom prst="rect">
+              <a:avLst/>
+            </a:prstGeom>
+          </p:spPr>
+        </p:pic>
+        <p:sp>
+          <p:nvSpPr>
+            <p:cNvPr id="16" name="Rectangle 15">
+              <a:extLst>
+                <a:ext uri="{FF2B5EF4-FFF2-40B4-BE49-F238E27FC236}">
+                  <a16:creationId xmlns:a16="http://schemas.microsoft.com/office/drawing/2014/main" id="{1F5A28E4-929F-4737-A0F9-25A16D7C80B9}"/>
+                </a:ext>
+              </a:extLst>
+            </p:cNvPr>
+            <p:cNvSpPr/>
+            <p:nvPr/>
+          </p:nvSpPr>
+          <p:spPr>
+            <a:xfrm>
+              <a:off x="3284310" y="5592929"/>
+              <a:ext cx="1501629" cy="968179"/>
+            </a:xfrm>
+            <a:prstGeom prst="rect">
+              <a:avLst/>
+            </a:prstGeom>
+            <a:noFill/>
+          </p:spPr>
+          <p:style>
+            <a:lnRef idx="2">
+              <a:schemeClr val="dk1"/>
+            </a:lnRef>
+            <a:fillRef idx="1">
+              <a:schemeClr val="lt1"/>
+            </a:fillRef>
+            <a:effectRef idx="0">
+              <a:schemeClr val="dk1"/>
+            </a:effectRef>
+            <a:fontRef idx="minor">
+              <a:schemeClr val="dk1"/>
+            </a:fontRef>
+          </p:style>
+          <p:txBody>
+            <a:bodyPr rtlCol="0" anchor="ctr"/>
+            <a:lstStyle/>
+            <a:p>
+              <a:pPr algn="ctr"/>
+              <a:endParaRPr lang="en-US"/>
+            </a:p>
+          </p:txBody>
+        </p:sp>
+      </p:grpSp>
+    </p:spTree>
+    <p:extLst>
+      <p:ext uri="{BB962C8B-B14F-4D97-AF65-F5344CB8AC3E}">
+        <p14:creationId xmlns:p14="http://schemas.microsoft.com/office/powerpoint/2010/main" val="3983292162"/>
+      </p:ext>
+    </p:extLst>
+  </p:cSld>
+  <p:clrMapOvr>
+    <a:masterClrMapping/>
+  </p:clrMapOvr>
+  <p:timing>
+    <p:tnLst>
+      <p:par>
+        <p:cTn id="1" dur="indefinite" restart="never" nodeType="tmRoot">
+          <p:childTnLst>
+            <p:seq concurrent="1" nextAc="seek">
+              <p:cTn id="2" dur="indefinite" nodeType="mainSeq">
+                <p:childTnLst>
+                  <p:par>
+                    <p:cTn id="3" fill="hold">
+                      <p:stCondLst>
+                        <p:cond delay="indefinite"/>
+                      </p:stCondLst>
+                      <p:childTnLst>
+                        <p:par>
+                          <p:cTn id="4" fill="hold">
+                            <p:stCondLst>
+                              <p:cond delay="0"/>
+                            </p:stCondLst>
+                            <p:childTnLst>
+                              <p:par>
+                                <p:cTn id="5" presetID="1" presetClass="entr" presetSubtype="0" fill="hold" nodeType="clickEffect">
+                                  <p:stCondLst>
+                                    <p:cond delay="0"/>
+                                  </p:stCondLst>
+                                  <p:childTnLst>
+                                    <p:set>
+                                      <p:cBhvr>
+                                        <p:cTn id="6" dur="1" fill="hold">
+                                          <p:stCondLst>
+                                            <p:cond delay="0"/>
+                                          </p:stCondLst>
+                                        </p:cTn>
+                                        <p:tgtEl>
+                                          <p:spTgt spid="5"/>
+                                        </p:tgtEl>
+                                        <p:attrNameLst>
+                                          <p:attrName>style.visibility</p:attrName>
+                                        </p:attrNameLst>
+                                      </p:cBhvr>
+                                      <p:to>
+                                        <p:strVal val="visible"/>
+                                      </p:to>
+                                    </p:set>
+                                  </p:childTnLst>
+                                </p:cTn>
+                              </p:par>
+                            </p:childTnLst>
+                          </p:cTn>
+                        </p:par>
+                      </p:childTnLst>
+                    </p:cTn>
+                  </p:par>
+                  <p:par>
+                    <p:cTn id="7" fill="hold">
+                      <p:stCondLst>
+                        <p:cond delay="indefinite"/>
+                      </p:stCondLst>
+                      <p:childTnLst>
+                        <p:par>
+                          <p:cTn id="8" fill="hold">
+                            <p:stCondLst>
+                              <p:cond delay="0"/>
+                            </p:stCondLst>
+                            <p:childTnLst>
+                              <p:par>
+                                <p:cTn id="9" presetID="1" presetClass="entr" presetSubtype="0" fill="hold" nodeType="clickEffect">
+                                  <p:stCondLst>
+                                    <p:cond delay="0"/>
+                                  </p:stCondLst>
+                                  <p:childTnLst>
+                                    <p:set>
+                                      <p:cBhvr>
+                                        <p:cTn id="10" dur="1" fill="hold">
+                                          <p:stCondLst>
+                                            <p:cond delay="0"/>
+                                          </p:stCondLst>
+                                        </p:cTn>
+                                        <p:tgtEl>
+                                          <p:spTgt spid="11"/>
+                                        </p:tgtEl>
+                                        <p:attrNameLst>
+                                          <p:attrName>style.visibility</p:attrName>
+                                        </p:attrNameLst>
+                                      </p:cBhvr>
+                                      <p:to>
+                                        <p:strVal val="visible"/>
+                                      </p:to>
+                                    </p:set>
+                                  </p:childTnLst>
+                                </p:cTn>
+                              </p:par>
+                            </p:childTnLst>
+                          </p:cTn>
+                        </p:par>
+                      </p:childTnLst>
+                    </p:cTn>
+                  </p:par>
+                  <p:par>
+                    <p:cTn id="11" fill="hold">
+                      <p:stCondLst>
+                        <p:cond delay="indefinite"/>
+                      </p:stCondLst>
+                      <p:childTnLst>
+                        <p:par>
+                          <p:cTn id="12" fill="hold">
+                            <p:stCondLst>
+                              <p:cond delay="0"/>
+                            </p:stCondLst>
+                            <p:childTnLst>
+                              <p:par>
+                                <p:cTn id="13" presetID="1" presetClass="entr" presetSubtype="0" fill="hold" nodeType="clickEffect">
+                                  <p:stCondLst>
+                                    <p:cond delay="0"/>
+                                  </p:stCondLst>
+                                  <p:childTnLst>
+                                    <p:set>
+                                      <p:cBhvr>
+                                        <p:cTn id="14" dur="1" fill="hold">
+                                          <p:stCondLst>
+                                            <p:cond delay="0"/>
+                                          </p:stCondLst>
+                                        </p:cTn>
+                                        <p:tgtEl>
+                                          <p:spTgt spid="14"/>
+                                        </p:tgtEl>
+                                        <p:attrNameLst>
+                                          <p:attrName>style.visibility</p:attrName>
+                                        </p:attrNameLst>
+                                      </p:cBhvr>
+                                      <p:to>
+                                        <p:strVal val="visible"/>
+                                      </p:to>
+                                    </p:set>
+                                  </p:childTnLst>
+                                </p:cTn>
+                              </p:par>
+                            </p:childTnLst>
+                          </p:cTn>
+                        </p:par>
+                      </p:childTnLst>
+                    </p:cTn>
+                  </p:par>
+                  <p:par>
+                    <p:cTn id="15" fill="hold">
+                      <p:stCondLst>
+                        <p:cond delay="indefinite"/>
+                      </p:stCondLst>
+                      <p:childTnLst>
+                        <p:par>
+                          <p:cTn id="16" fill="hold">
+                            <p:stCondLst>
+                              <p:cond delay="0"/>
+                            </p:stCondLst>
+                            <p:childTnLst>
+                              <p:par>
+                                <p:cTn id="17" presetID="1" presetClass="entr" presetSubtype="0" fill="hold" nodeType="clickEffect">
+                                  <p:stCondLst>
+                                    <p:cond delay="0"/>
+                                  </p:stCondLst>
+                                  <p:childTnLst>
+                                    <p:set>
+                                      <p:cBhvr>
+                                        <p:cTn id="18" dur="1" fill="hold">
+                                          <p:stCondLst>
+                                            <p:cond delay="0"/>
+                                          </p:stCondLst>
+                                        </p:cTn>
+                                        <p:tgtEl>
+                                          <p:spTgt spid="8"/>
+                                        </p:tgtEl>
+                                        <p:attrNameLst>
+                                          <p:attrName>style.visibility</p:attrName>
+                                        </p:attrNameLst>
+                                      </p:cBhvr>
+                                      <p:to>
+                                        <p:strVal val="visible"/>
+                                      </p:to>
+                                    </p:set>
+                                  </p:childTnLst>
+                                </p:cTn>
+                              </p:par>
+                            </p:childTnLst>
+                          </p:cTn>
+                        </p:par>
+                      </p:childTnLst>
+                    </p:cTn>
+                  </p:par>
+                </p:childTnLst>
+              </p:cTn>
+              <p:prevCondLst>
+                <p:cond evt="onPrev" delay="0">
+                  <p:tgtEl>
+                    <p:sldTgt/>
+                  </p:tgtEl>
+                </p:cond>
+              </p:prevCondLst>
+              <p:nextCondLst>
+                <p:cond evt="onNext" delay="0">
+                  <p:tgtEl>
+                    <p:sldTgt/>
+                  </p:tgtEl>
+                </p:cond>
+              </p:nextCondLst>
+            </p:seq>
+          </p:childTnLst>
+        </p:cTn>
+      </p:par>
+    </p:tnLst>
+  </p:timing>
+</p:sld>
+</file>
+
+<file path=ppt/slides/slide12.xml><?xml version="1.0" encoding="utf-8"?>
+<p:sld xmlns:a="http://schemas.openxmlformats.org/drawingml/2006/main" xmlns:r="http://schemas.openxmlformats.org/officeDocument/2006/relationships" xmlns:p="http://schemas.openxmlformats.org/presentationml/2006/main">
+  <p:cSld>
+    <p:spTree>
+      <p:nvGrpSpPr>
+        <p:cNvPr id="1" name=""/>
+        <p:cNvGrpSpPr/>
+        <p:nvPr/>
+      </p:nvGrpSpPr>
+      <p:grpSpPr>
+        <a:xfrm>
+          <a:off x="0" y="0"/>
+          <a:ext cx="0" cy="0"/>
+          <a:chOff x="0" y="0"/>
+          <a:chExt cx="0" cy="0"/>
+        </a:xfrm>
+      </p:grpSpPr>
+      <p:grpSp>
+        <p:nvGrpSpPr>
+          <p:cNvPr id="14" name="Group 13">
+            <a:extLst>
+              <a:ext uri="{FF2B5EF4-FFF2-40B4-BE49-F238E27FC236}">
+                <a16:creationId xmlns:a16="http://schemas.microsoft.com/office/drawing/2014/main" id="{CC7C7562-4259-4373-977F-ED2135F9B0DB}"/>
+              </a:ext>
+            </a:extLst>
+          </p:cNvPr>
+          <p:cNvGrpSpPr/>
+          <p:nvPr/>
+        </p:nvGrpSpPr>
+        <p:grpSpPr>
+          <a:xfrm>
+            <a:off x="8883451" y="1723285"/>
+            <a:ext cx="3259128" cy="2368970"/>
+            <a:chOff x="6844536" y="5592929"/>
+            <a:chExt cx="1951362" cy="1418391"/>
+          </a:xfrm>
+        </p:grpSpPr>
+        <p:pic>
+          <p:nvPicPr>
+            <p:cNvPr id="15" name="Picture 14">
+              <a:extLst>
+                <a:ext uri="{FF2B5EF4-FFF2-40B4-BE49-F238E27FC236}">
+                  <a16:creationId xmlns:a16="http://schemas.microsoft.com/office/drawing/2014/main" id="{84B1C7EA-0656-4664-85AD-DB4DB577461E}"/>
+                </a:ext>
+              </a:extLst>
+            </p:cNvPr>
+            <p:cNvPicPr>
+              <a:picLocks noChangeAspect="1"/>
+            </p:cNvPicPr>
+            <p:nvPr/>
+          </p:nvPicPr>
+          <p:blipFill>
+            <a:blip r:embed="rId2"/>
+            <a:stretch>
+              <a:fillRect/>
+            </a:stretch>
+          </p:blipFill>
+          <p:spPr>
+            <a:xfrm>
+              <a:off x="6844536" y="5592929"/>
+              <a:ext cx="1951362" cy="1418391"/>
+            </a:xfrm>
+            <a:prstGeom prst="rect">
+              <a:avLst/>
+            </a:prstGeom>
+          </p:spPr>
+        </p:pic>
+        <p:sp>
+          <p:nvSpPr>
+            <p:cNvPr id="16" name="Rectangle 15">
+              <a:extLst>
+                <a:ext uri="{FF2B5EF4-FFF2-40B4-BE49-F238E27FC236}">
+                  <a16:creationId xmlns:a16="http://schemas.microsoft.com/office/drawing/2014/main" id="{B0740838-6822-4F79-A862-E183B92D9C23}"/>
+                </a:ext>
+              </a:extLst>
+            </p:cNvPr>
+            <p:cNvSpPr/>
+            <p:nvPr/>
+          </p:nvSpPr>
+          <p:spPr>
+            <a:xfrm>
+              <a:off x="7069403" y="5604993"/>
+              <a:ext cx="1501629" cy="968179"/>
+            </a:xfrm>
+            <a:prstGeom prst="rect">
+              <a:avLst/>
+            </a:prstGeom>
+            <a:noFill/>
+          </p:spPr>
+          <p:style>
+            <a:lnRef idx="2">
+              <a:schemeClr val="dk1"/>
+            </a:lnRef>
+            <a:fillRef idx="1">
+              <a:schemeClr val="lt1"/>
+            </a:fillRef>
+            <a:effectRef idx="0">
+              <a:schemeClr val="dk1"/>
+            </a:effectRef>
+            <a:fontRef idx="minor">
+              <a:schemeClr val="dk1"/>
+            </a:fontRef>
+          </p:style>
+          <p:txBody>
+            <a:bodyPr rtlCol="0" anchor="ctr"/>
+            <a:lstStyle/>
+            <a:p>
+              <a:pPr algn="ctr"/>
+              <a:endParaRPr lang="en-US"/>
+            </a:p>
+          </p:txBody>
+        </p:sp>
+      </p:grpSp>
+      <p:pic>
+        <p:nvPicPr>
+          <p:cNvPr id="7" name="Picture 6">
+            <a:extLst>
+              <a:ext uri="{FF2B5EF4-FFF2-40B4-BE49-F238E27FC236}">
+                <a16:creationId xmlns:a16="http://schemas.microsoft.com/office/drawing/2014/main" id="{0AE3F8CF-2488-4F3E-9699-B1033E6D99A0}"/>
+              </a:ext>
+            </a:extLst>
+          </p:cNvPr>
+          <p:cNvPicPr>
+            <a:picLocks noChangeAspect="1"/>
+          </p:cNvPicPr>
+          <p:nvPr/>
+        </p:nvPicPr>
+        <p:blipFill>
+          <a:blip r:embed="rId3"/>
+          <a:stretch>
+            <a:fillRect/>
+          </a:stretch>
+        </p:blipFill>
+        <p:spPr>
+          <a:xfrm>
+            <a:off x="336357" y="277812"/>
+            <a:ext cx="3474003" cy="2217041"/>
+          </a:xfrm>
+          <a:prstGeom prst="rect">
+            <a:avLst/>
+          </a:prstGeom>
+        </p:spPr>
+      </p:pic>
+      <p:grpSp>
+        <p:nvGrpSpPr>
+          <p:cNvPr id="11" name="Group 10">
+            <a:extLst>
+              <a:ext uri="{FF2B5EF4-FFF2-40B4-BE49-F238E27FC236}">
+                <a16:creationId xmlns:a16="http://schemas.microsoft.com/office/drawing/2014/main" id="{6C492C7F-7DFC-46B1-AA08-5C95DDDAA15B}"/>
+              </a:ext>
+            </a:extLst>
+          </p:cNvPr>
+          <p:cNvGrpSpPr/>
+          <p:nvPr/>
+        </p:nvGrpSpPr>
+        <p:grpSpPr>
+          <a:xfrm>
+            <a:off x="9404432" y="4994441"/>
+            <a:ext cx="2806404" cy="1850998"/>
             <a:chOff x="3284310" y="5592929"/>
             <a:chExt cx="1684588" cy="1112522"/>
           </a:xfrm>
@@ -4450,12 +5670,47 @@
           </p:txBody>
         </p:sp>
       </p:grpSp>
+      <p:sp>
+        <p:nvSpPr>
+          <p:cNvPr id="23" name="Title 1">
+            <a:extLst>
+              <a:ext uri="{FF2B5EF4-FFF2-40B4-BE49-F238E27FC236}">
+                <a16:creationId xmlns:a16="http://schemas.microsoft.com/office/drawing/2014/main" id="{C6678B0C-4355-4A5B-90AB-18333950C148}"/>
+              </a:ext>
+            </a:extLst>
+          </p:cNvPr>
+          <p:cNvSpPr>
+            <a:spLocks noGrp="1"/>
+          </p:cNvSpPr>
+          <p:nvPr>
+            <p:ph type="title"/>
+          </p:nvPr>
+        </p:nvSpPr>
+        <p:spPr>
+          <a:xfrm>
+            <a:off x="0" y="-101600"/>
+            <a:ext cx="2619375" cy="758825"/>
+          </a:xfrm>
+        </p:spPr>
+        <p:txBody>
+          <a:bodyPr>
+            <a:normAutofit/>
+          </a:bodyPr>
+          <a:lstStyle/>
+          <a:p>
+            <a:r>
+              <a:rPr lang="en-US" sz="2400" dirty="0"/>
+              <a:t>Current version</a:t>
+            </a:r>
+          </a:p>
+        </p:txBody>
+      </p:sp>
       <p:grpSp>
         <p:nvGrpSpPr>
-          <p:cNvPr id="14" name="Group 13">
-            <a:extLst>
-              <a:ext uri="{FF2B5EF4-FFF2-40B4-BE49-F238E27FC236}">
-                <a16:creationId xmlns:a16="http://schemas.microsoft.com/office/drawing/2014/main" id="{CC7C7562-4259-4373-977F-ED2135F9B0DB}"/>
+          <p:cNvPr id="20" name="Group 19">
+            <a:extLst>
+              <a:ext uri="{FF2B5EF4-FFF2-40B4-BE49-F238E27FC236}">
+                <a16:creationId xmlns:a16="http://schemas.microsoft.com/office/drawing/2014/main" id="{5A57C2B1-C491-46FC-8038-CC4C6D0E1749}"/>
               </a:ext>
             </a:extLst>
           </p:cNvPr>
@@ -4464,104 +5719,8 @@
         </p:nvGrpSpPr>
         <p:grpSpPr>
           <a:xfrm>
-            <a:off x="7676082" y="4119925"/>
-            <a:ext cx="1951362" cy="1418391"/>
-            <a:chOff x="6844536" y="5592929"/>
-            <a:chExt cx="1951362" cy="1418391"/>
-          </a:xfrm>
-        </p:grpSpPr>
-        <p:pic>
-          <p:nvPicPr>
-            <p:cNvPr id="15" name="Picture 14">
-              <a:extLst>
-                <a:ext uri="{FF2B5EF4-FFF2-40B4-BE49-F238E27FC236}">
-                  <a16:creationId xmlns:a16="http://schemas.microsoft.com/office/drawing/2014/main" id="{84B1C7EA-0656-4664-85AD-DB4DB577461E}"/>
-                </a:ext>
-              </a:extLst>
-            </p:cNvPr>
-            <p:cNvPicPr>
-              <a:picLocks noChangeAspect="1"/>
-            </p:cNvPicPr>
-            <p:nvPr/>
-          </p:nvPicPr>
-          <p:blipFill>
-            <a:blip r:embed="rId5"/>
-            <a:stretch>
-              <a:fillRect/>
-            </a:stretch>
-          </p:blipFill>
-          <p:spPr>
-            <a:xfrm>
-              <a:off x="6844536" y="5592929"/>
-              <a:ext cx="1951362" cy="1418391"/>
-            </a:xfrm>
-            <a:prstGeom prst="rect">
-              <a:avLst/>
-            </a:prstGeom>
-          </p:spPr>
-        </p:pic>
-        <p:sp>
-          <p:nvSpPr>
-            <p:cNvPr id="16" name="Rectangle 15">
-              <a:extLst>
-                <a:ext uri="{FF2B5EF4-FFF2-40B4-BE49-F238E27FC236}">
-                  <a16:creationId xmlns:a16="http://schemas.microsoft.com/office/drawing/2014/main" id="{B0740838-6822-4F79-A862-E183B92D9C23}"/>
-                </a:ext>
-              </a:extLst>
-            </p:cNvPr>
-            <p:cNvSpPr/>
-            <p:nvPr/>
-          </p:nvSpPr>
-          <p:spPr>
-            <a:xfrm>
-              <a:off x="7069403" y="5604993"/>
-              <a:ext cx="1501629" cy="968179"/>
-            </a:xfrm>
-            <a:prstGeom prst="rect">
-              <a:avLst/>
-            </a:prstGeom>
-            <a:noFill/>
-          </p:spPr>
-          <p:style>
-            <a:lnRef idx="2">
-              <a:schemeClr val="dk1"/>
-            </a:lnRef>
-            <a:fillRef idx="1">
-              <a:schemeClr val="lt1"/>
-            </a:fillRef>
-            <a:effectRef idx="0">
-              <a:schemeClr val="dk1"/>
-            </a:effectRef>
-            <a:fontRef idx="minor">
-              <a:schemeClr val="dk1"/>
-            </a:fontRef>
-          </p:style>
-          <p:txBody>
-            <a:bodyPr rtlCol="0" anchor="ctr"/>
-            <a:lstStyle/>
-            <a:p>
-              <a:pPr algn="ctr"/>
-              <a:endParaRPr lang="en-US"/>
-            </a:p>
-          </p:txBody>
-        </p:sp>
-      </p:grpSp>
-      <p:grpSp>
-        <p:nvGrpSpPr>
-          <p:cNvPr id="20" name="Group 19">
-            <a:extLst>
-              <a:ext uri="{FF2B5EF4-FFF2-40B4-BE49-F238E27FC236}">
-                <a16:creationId xmlns:a16="http://schemas.microsoft.com/office/drawing/2014/main" id="{5A57C2B1-C491-46FC-8038-CC4C6D0E1749}"/>
-              </a:ext>
-            </a:extLst>
-          </p:cNvPr>
-          <p:cNvGrpSpPr/>
-          <p:nvPr/>
-        </p:nvGrpSpPr>
-        <p:grpSpPr>
-          <a:xfrm>
-            <a:off x="1864273" y="2071523"/>
-            <a:ext cx="3424700" cy="2336585"/>
+            <a:off x="1892387" y="2038406"/>
+            <a:ext cx="4611233" cy="3053637"/>
             <a:chOff x="443349" y="2046570"/>
             <a:chExt cx="2229285" cy="1520984"/>
           </a:xfrm>
@@ -4581,7 +5740,7 @@
             <p:nvPr/>
           </p:nvPicPr>
           <p:blipFill>
-            <a:blip r:embed="rId6"/>
+            <a:blip r:embed="rId5"/>
             <a:stretch>
               <a:fillRect/>
             </a:stretch>
@@ -4642,41 +5801,184 @@
           </p:txBody>
         </p:sp>
       </p:grpSp>
-      <p:sp>
-        <p:nvSpPr>
-          <p:cNvPr id="23" name="Title 1">
-            <a:extLst>
-              <a:ext uri="{FF2B5EF4-FFF2-40B4-BE49-F238E27FC236}">
-                <a16:creationId xmlns:a16="http://schemas.microsoft.com/office/drawing/2014/main" id="{C6678B0C-4355-4A5B-90AB-18333950C148}"/>
-              </a:ext>
-            </a:extLst>
-          </p:cNvPr>
-          <p:cNvSpPr>
-            <a:spLocks noGrp="1"/>
-          </p:cNvSpPr>
-          <p:nvPr>
-            <p:ph type="title"/>
-          </p:nvPr>
-        </p:nvSpPr>
-        <p:spPr>
-          <a:xfrm>
-            <a:off x="0" y="-101600"/>
-            <a:ext cx="2619375" cy="758825"/>
-          </a:xfrm>
-        </p:spPr>
-        <p:txBody>
-          <a:bodyPr>
-            <a:normAutofit/>
-          </a:bodyPr>
-          <a:lstStyle/>
-          <a:p>
-            <a:r>
-              <a:rPr lang="en-US" sz="2400" dirty="0"/>
-              <a:t>Current version</a:t>
-            </a:r>
-          </a:p>
-        </p:txBody>
-      </p:sp>
+      <p:grpSp>
+        <p:nvGrpSpPr>
+          <p:cNvPr id="8" name="Group 7">
+            <a:extLst>
+              <a:ext uri="{FF2B5EF4-FFF2-40B4-BE49-F238E27FC236}">
+                <a16:creationId xmlns:a16="http://schemas.microsoft.com/office/drawing/2014/main" id="{68A7CCD5-2B02-459A-9583-98F0B4DD93F0}"/>
+              </a:ext>
+            </a:extLst>
+          </p:cNvPr>
+          <p:cNvGrpSpPr/>
+          <p:nvPr/>
+        </p:nvGrpSpPr>
+        <p:grpSpPr>
+          <a:xfrm>
+            <a:off x="5063008" y="3627364"/>
+            <a:ext cx="3106091" cy="1943786"/>
+            <a:chOff x="5193079" y="4397282"/>
+            <a:chExt cx="1501629" cy="968179"/>
+          </a:xfrm>
+        </p:grpSpPr>
+        <p:pic>
+          <p:nvPicPr>
+            <p:cNvPr id="9" name="Picture 8">
+              <a:extLst>
+                <a:ext uri="{FF2B5EF4-FFF2-40B4-BE49-F238E27FC236}">
+                  <a16:creationId xmlns:a16="http://schemas.microsoft.com/office/drawing/2014/main" id="{BE01FFAA-520A-48AE-8BE0-C89FBCE31CC8}"/>
+                </a:ext>
+              </a:extLst>
+            </p:cNvPr>
+            <p:cNvPicPr>
+              <a:picLocks noChangeAspect="1"/>
+            </p:cNvPicPr>
+            <p:nvPr/>
+          </p:nvPicPr>
+          <p:blipFill>
+            <a:blip r:embed="rId6"/>
+            <a:stretch>
+              <a:fillRect/>
+            </a:stretch>
+          </p:blipFill>
+          <p:spPr>
+            <a:xfrm>
+              <a:off x="5334423" y="4498019"/>
+              <a:ext cx="1280686" cy="798001"/>
+            </a:xfrm>
+            <a:prstGeom prst="rect">
+              <a:avLst/>
+            </a:prstGeom>
+          </p:spPr>
+        </p:pic>
+        <p:sp>
+          <p:nvSpPr>
+            <p:cNvPr id="10" name="Rectangle 9">
+              <a:extLst>
+                <a:ext uri="{FF2B5EF4-FFF2-40B4-BE49-F238E27FC236}">
+                  <a16:creationId xmlns:a16="http://schemas.microsoft.com/office/drawing/2014/main" id="{D1B38CBE-2AC9-4D1E-9548-123583366803}"/>
+                </a:ext>
+              </a:extLst>
+            </p:cNvPr>
+            <p:cNvSpPr/>
+            <p:nvPr/>
+          </p:nvSpPr>
+          <p:spPr>
+            <a:xfrm>
+              <a:off x="5193079" y="4397282"/>
+              <a:ext cx="1501629" cy="968179"/>
+            </a:xfrm>
+            <a:prstGeom prst="rect">
+              <a:avLst/>
+            </a:prstGeom>
+            <a:noFill/>
+          </p:spPr>
+          <p:style>
+            <a:lnRef idx="2">
+              <a:schemeClr val="dk1"/>
+            </a:lnRef>
+            <a:fillRef idx="1">
+              <a:schemeClr val="lt1"/>
+            </a:fillRef>
+            <a:effectRef idx="0">
+              <a:schemeClr val="dk1"/>
+            </a:effectRef>
+            <a:fontRef idx="minor">
+              <a:schemeClr val="dk1"/>
+            </a:fontRef>
+          </p:style>
+          <p:txBody>
+            <a:bodyPr rtlCol="0" anchor="ctr"/>
+            <a:lstStyle/>
+            <a:p>
+              <a:pPr algn="ctr"/>
+              <a:endParaRPr lang="en-US"/>
+            </a:p>
+          </p:txBody>
+        </p:sp>
+      </p:grpSp>
+      <p:cxnSp>
+        <p:nvCxnSpPr>
+          <p:cNvPr id="17" name="Straight Arrow Connector 16">
+            <a:extLst>
+              <a:ext uri="{FF2B5EF4-FFF2-40B4-BE49-F238E27FC236}">
+                <a16:creationId xmlns:a16="http://schemas.microsoft.com/office/drawing/2014/main" id="{BD2109E4-A3E6-436B-9D58-BB97397FA462}"/>
+              </a:ext>
+            </a:extLst>
+          </p:cNvPr>
+          <p:cNvCxnSpPr>
+            <a:cxnSpLocks/>
+          </p:cNvCxnSpPr>
+          <p:nvPr/>
+        </p:nvCxnSpPr>
+        <p:spPr>
+          <a:xfrm flipV="1">
+            <a:off x="8169099" y="3391463"/>
+            <a:ext cx="1070684" cy="1165684"/>
+          </a:xfrm>
+          <a:prstGeom prst="straightConnector1">
+            <a:avLst/>
+          </a:prstGeom>
+          <a:ln>
+            <a:tailEnd type="triangle"/>
+          </a:ln>
+        </p:spPr>
+        <p:style>
+          <a:lnRef idx="3">
+            <a:schemeClr val="dk1"/>
+          </a:lnRef>
+          <a:fillRef idx="0">
+            <a:schemeClr val="dk1"/>
+          </a:fillRef>
+          <a:effectRef idx="2">
+            <a:schemeClr val="dk1"/>
+          </a:effectRef>
+          <a:fontRef idx="minor">
+            <a:schemeClr val="tx1"/>
+          </a:fontRef>
+        </p:style>
+      </p:cxnSp>
+      <p:cxnSp>
+        <p:nvCxnSpPr>
+          <p:cNvPr id="18" name="Straight Arrow Connector 17">
+            <a:extLst>
+              <a:ext uri="{FF2B5EF4-FFF2-40B4-BE49-F238E27FC236}">
+                <a16:creationId xmlns:a16="http://schemas.microsoft.com/office/drawing/2014/main" id="{6CD039A5-CAA4-4B13-9053-5FEAE1AE068D}"/>
+              </a:ext>
+            </a:extLst>
+          </p:cNvPr>
+          <p:cNvCxnSpPr>
+            <a:cxnSpLocks/>
+          </p:cNvCxnSpPr>
+          <p:nvPr/>
+        </p:nvCxnSpPr>
+        <p:spPr>
+          <a:xfrm>
+            <a:off x="8169099" y="4557147"/>
+            <a:ext cx="1070684" cy="874588"/>
+          </a:xfrm>
+          <a:prstGeom prst="straightConnector1">
+            <a:avLst/>
+          </a:prstGeom>
+          <a:ln>
+            <a:tailEnd type="triangle"/>
+          </a:ln>
+        </p:spPr>
+        <p:style>
+          <a:lnRef idx="3">
+            <a:schemeClr val="dk1"/>
+          </a:lnRef>
+          <a:fillRef idx="0">
+            <a:schemeClr val="dk1"/>
+          </a:fillRef>
+          <a:effectRef idx="2">
+            <a:schemeClr val="dk1"/>
+          </a:effectRef>
+          <a:fontRef idx="minor">
+            <a:schemeClr val="tx1"/>
+          </a:fontRef>
+        </p:style>
+      </p:cxnSp>
     </p:spTree>
     <p:extLst>
       <p:ext uri="{BB962C8B-B14F-4D97-AF65-F5344CB8AC3E}">
@@ -4687,10 +5989,319 @@
   <p:clrMapOvr>
     <a:masterClrMapping/>
   </p:clrMapOvr>
+  <p:timing>
+    <p:tnLst>
+      <p:par>
+        <p:cTn id="1" dur="indefinite" restart="never" nodeType="tmRoot">
+          <p:childTnLst>
+            <p:seq concurrent="1" nextAc="seek">
+              <p:cTn id="2" dur="indefinite" nodeType="mainSeq">
+                <p:childTnLst>
+                  <p:par>
+                    <p:cTn id="3" fill="hold">
+                      <p:stCondLst>
+                        <p:cond delay="indefinite"/>
+                      </p:stCondLst>
+                      <p:childTnLst>
+                        <p:par>
+                          <p:cTn id="4" fill="hold">
+                            <p:stCondLst>
+                              <p:cond delay="0"/>
+                            </p:stCondLst>
+                            <p:childTnLst>
+                              <p:par>
+                                <p:cTn id="5" presetID="1" presetClass="entr" presetSubtype="0" fill="hold" nodeType="clickEffect">
+                                  <p:stCondLst>
+                                    <p:cond delay="0"/>
+                                  </p:stCondLst>
+                                  <p:childTnLst>
+                                    <p:set>
+                                      <p:cBhvr>
+                                        <p:cTn id="6" dur="1" fill="hold">
+                                          <p:stCondLst>
+                                            <p:cond delay="0"/>
+                                          </p:stCondLst>
+                                        </p:cTn>
+                                        <p:tgtEl>
+                                          <p:spTgt spid="7"/>
+                                        </p:tgtEl>
+                                        <p:attrNameLst>
+                                          <p:attrName>style.visibility</p:attrName>
+                                        </p:attrNameLst>
+                                      </p:cBhvr>
+                                      <p:to>
+                                        <p:strVal val="visible"/>
+                                      </p:to>
+                                    </p:set>
+                                  </p:childTnLst>
+                                </p:cTn>
+                              </p:par>
+                            </p:childTnLst>
+                          </p:cTn>
+                        </p:par>
+                      </p:childTnLst>
+                    </p:cTn>
+                  </p:par>
+                  <p:par>
+                    <p:cTn id="7" fill="hold">
+                      <p:stCondLst>
+                        <p:cond delay="indefinite"/>
+                      </p:stCondLst>
+                      <p:childTnLst>
+                        <p:par>
+                          <p:cTn id="8" fill="hold">
+                            <p:stCondLst>
+                              <p:cond delay="0"/>
+                            </p:stCondLst>
+                            <p:childTnLst>
+                              <p:par>
+                                <p:cTn id="9" presetID="1" presetClass="entr" presetSubtype="0" fill="hold" nodeType="clickEffect">
+                                  <p:stCondLst>
+                                    <p:cond delay="0"/>
+                                  </p:stCondLst>
+                                  <p:childTnLst>
+                                    <p:set>
+                                      <p:cBhvr>
+                                        <p:cTn id="10" dur="1" fill="hold">
+                                          <p:stCondLst>
+                                            <p:cond delay="0"/>
+                                          </p:stCondLst>
+                                        </p:cTn>
+                                        <p:tgtEl>
+                                          <p:spTgt spid="20"/>
+                                        </p:tgtEl>
+                                        <p:attrNameLst>
+                                          <p:attrName>style.visibility</p:attrName>
+                                        </p:attrNameLst>
+                                      </p:cBhvr>
+                                      <p:to>
+                                        <p:strVal val="visible"/>
+                                      </p:to>
+                                    </p:set>
+                                  </p:childTnLst>
+                                </p:cTn>
+                              </p:par>
+                            </p:childTnLst>
+                          </p:cTn>
+                        </p:par>
+                      </p:childTnLst>
+                    </p:cTn>
+                  </p:par>
+                  <p:par>
+                    <p:cTn id="11" fill="hold">
+                      <p:stCondLst>
+                        <p:cond delay="indefinite"/>
+                      </p:stCondLst>
+                      <p:childTnLst>
+                        <p:par>
+                          <p:cTn id="12" fill="hold">
+                            <p:stCondLst>
+                              <p:cond delay="0"/>
+                            </p:stCondLst>
+                            <p:childTnLst>
+                              <p:par>
+                                <p:cTn id="13" presetID="1" presetClass="entr" presetSubtype="0" fill="hold" nodeType="clickEffect">
+                                  <p:stCondLst>
+                                    <p:cond delay="0"/>
+                                  </p:stCondLst>
+                                  <p:childTnLst>
+                                    <p:set>
+                                      <p:cBhvr>
+                                        <p:cTn id="14" dur="1" fill="hold">
+                                          <p:stCondLst>
+                                            <p:cond delay="0"/>
+                                          </p:stCondLst>
+                                        </p:cTn>
+                                        <p:tgtEl>
+                                          <p:spTgt spid="8"/>
+                                        </p:tgtEl>
+                                        <p:attrNameLst>
+                                          <p:attrName>style.visibility</p:attrName>
+                                        </p:attrNameLst>
+                                      </p:cBhvr>
+                                      <p:to>
+                                        <p:strVal val="visible"/>
+                                      </p:to>
+                                    </p:set>
+                                  </p:childTnLst>
+                                </p:cTn>
+                              </p:par>
+                            </p:childTnLst>
+                          </p:cTn>
+                        </p:par>
+                      </p:childTnLst>
+                    </p:cTn>
+                  </p:par>
+                  <p:par>
+                    <p:cTn id="15" fill="hold">
+                      <p:stCondLst>
+                        <p:cond delay="indefinite"/>
+                      </p:stCondLst>
+                      <p:childTnLst>
+                        <p:par>
+                          <p:cTn id="16" fill="hold">
+                            <p:stCondLst>
+                              <p:cond delay="0"/>
+                            </p:stCondLst>
+                            <p:childTnLst>
+                              <p:par>
+                                <p:cTn id="17" presetID="1" presetClass="entr" presetSubtype="0" fill="hold" nodeType="clickEffect">
+                                  <p:stCondLst>
+                                    <p:cond delay="0"/>
+                                  </p:stCondLst>
+                                  <p:childTnLst>
+                                    <p:set>
+                                      <p:cBhvr>
+                                        <p:cTn id="18" dur="1" fill="hold">
+                                          <p:stCondLst>
+                                            <p:cond delay="0"/>
+                                          </p:stCondLst>
+                                        </p:cTn>
+                                        <p:tgtEl>
+                                          <p:spTgt spid="18"/>
+                                        </p:tgtEl>
+                                        <p:attrNameLst>
+                                          <p:attrName>style.visibility</p:attrName>
+                                        </p:attrNameLst>
+                                      </p:cBhvr>
+                                      <p:to>
+                                        <p:strVal val="visible"/>
+                                      </p:to>
+                                    </p:set>
+                                  </p:childTnLst>
+                                </p:cTn>
+                              </p:par>
+                              <p:par>
+                                <p:cTn id="19" presetID="1" presetClass="entr" presetSubtype="0" fill="hold" nodeType="withEffect">
+                                  <p:stCondLst>
+                                    <p:cond delay="0"/>
+                                  </p:stCondLst>
+                                  <p:childTnLst>
+                                    <p:set>
+                                      <p:cBhvr>
+                                        <p:cTn id="20" dur="1" fill="hold">
+                                          <p:stCondLst>
+                                            <p:cond delay="0"/>
+                                          </p:stCondLst>
+                                        </p:cTn>
+                                        <p:tgtEl>
+                                          <p:spTgt spid="11"/>
+                                        </p:tgtEl>
+                                        <p:attrNameLst>
+                                          <p:attrName>style.visibility</p:attrName>
+                                        </p:attrNameLst>
+                                      </p:cBhvr>
+                                      <p:to>
+                                        <p:strVal val="visible"/>
+                                      </p:to>
+                                    </p:set>
+                                  </p:childTnLst>
+                                </p:cTn>
+                              </p:par>
+                            </p:childTnLst>
+                          </p:cTn>
+                        </p:par>
+                      </p:childTnLst>
+                    </p:cTn>
+                  </p:par>
+                  <p:par>
+                    <p:cTn id="21" fill="hold">
+                      <p:stCondLst>
+                        <p:cond delay="indefinite"/>
+                      </p:stCondLst>
+                      <p:childTnLst>
+                        <p:par>
+                          <p:cTn id="22" fill="hold">
+                            <p:stCondLst>
+                              <p:cond delay="0"/>
+                            </p:stCondLst>
+                            <p:childTnLst>
+                              <p:par>
+                                <p:cTn id="23" presetID="1" presetClass="entr" presetSubtype="0" fill="hold" nodeType="clickEffect">
+                                  <p:stCondLst>
+                                    <p:cond delay="0"/>
+                                  </p:stCondLst>
+                                  <p:childTnLst>
+                                    <p:set>
+                                      <p:cBhvr>
+                                        <p:cTn id="24" dur="1" fill="hold">
+                                          <p:stCondLst>
+                                            <p:cond delay="0"/>
+                                          </p:stCondLst>
+                                        </p:cTn>
+                                        <p:tgtEl>
+                                          <p:spTgt spid="17"/>
+                                        </p:tgtEl>
+                                        <p:attrNameLst>
+                                          <p:attrName>style.visibility</p:attrName>
+                                        </p:attrNameLst>
+                                      </p:cBhvr>
+                                      <p:to>
+                                        <p:strVal val="visible"/>
+                                      </p:to>
+                                    </p:set>
+                                  </p:childTnLst>
+                                </p:cTn>
+                              </p:par>
+                              <p:par>
+                                <p:cTn id="25" presetID="1" presetClass="entr" presetSubtype="0" fill="hold" nodeType="withEffect">
+                                  <p:stCondLst>
+                                    <p:cond delay="0"/>
+                                  </p:stCondLst>
+                                  <p:childTnLst>
+                                    <p:set>
+                                      <p:cBhvr>
+                                        <p:cTn id="26" dur="1" fill="hold">
+                                          <p:stCondLst>
+                                            <p:cond delay="0"/>
+                                          </p:stCondLst>
+                                        </p:cTn>
+                                        <p:tgtEl>
+                                          <p:spTgt spid="14"/>
+                                        </p:tgtEl>
+                                        <p:attrNameLst>
+                                          <p:attrName>style.visibility</p:attrName>
+                                        </p:attrNameLst>
+                                      </p:cBhvr>
+                                      <p:to>
+                                        <p:strVal val="visible"/>
+                                      </p:to>
+                                    </p:set>
+                                  </p:childTnLst>
+                                </p:cTn>
+                              </p:par>
+                            </p:childTnLst>
+                          </p:cTn>
+                        </p:par>
+                      </p:childTnLst>
+                    </p:cTn>
+                  </p:par>
+                </p:childTnLst>
+              </p:cTn>
+              <p:prevCondLst>
+                <p:cond evt="onPrev" delay="0">
+                  <p:tgtEl>
+                    <p:sldTgt/>
+                  </p:tgtEl>
+                </p:cond>
+              </p:prevCondLst>
+              <p:nextCondLst>
+                <p:cond evt="onNext" delay="0">
+                  <p:tgtEl>
+                    <p:sldTgt/>
+                  </p:tgtEl>
+                </p:cond>
+              </p:nextCondLst>
+            </p:seq>
+          </p:childTnLst>
+        </p:cTn>
+      </p:par>
+    </p:tnLst>
+  </p:timing>
 </p:sld>
 </file>
 
-<file path=ppt/slides/slide11.xml><?xml version="1.0" encoding="utf-8"?>
+<file path=ppt/slides/slide13.xml><?xml version="1.0" encoding="utf-8"?>
 <p:sld xmlns:a="http://schemas.openxmlformats.org/drawingml/2006/main" xmlns:r="http://schemas.openxmlformats.org/officeDocument/2006/relationships" xmlns:p="http://schemas.openxmlformats.org/presentationml/2006/main">
   <p:cSld>
     <p:spTree>
@@ -4760,7 +6371,7 @@
         </p:nvSpPr>
         <p:spPr>
           <a:xfrm>
-            <a:off x="657467" y="3252509"/>
+            <a:off x="476844" y="3588942"/>
             <a:ext cx="2442882" cy="2527300"/>
           </a:xfrm>
         </p:spPr>
@@ -4883,7 +6494,7 @@
         </p:nvSpPr>
         <p:spPr>
           <a:xfrm>
-            <a:off x="8524763" y="3079690"/>
+            <a:off x="8888512" y="3588942"/>
             <a:ext cx="2442882" cy="2917825"/>
           </a:xfrm>
           <a:prstGeom prst="rect">
@@ -5160,7 +6771,7 @@
         </p:nvSpPr>
         <p:spPr>
           <a:xfrm>
-            <a:off x="748789" y="1248370"/>
+            <a:off x="657467" y="1291869"/>
             <a:ext cx="9452486" cy="923330"/>
           </a:xfrm>
           <a:prstGeom prst="rect">
@@ -5188,7 +6799,7 @@
           <a:p>
             <a:r>
               <a:rPr lang="en-US" dirty="0"/>
-              <a:t>127 male 76 female </a:t>
+              <a:t>102 male 81 female, remaining declined to answer </a:t>
             </a:r>
           </a:p>
         </p:txBody>
@@ -5207,8 +6818,8 @@
         </p:nvSpPr>
         <p:spPr>
           <a:xfrm>
-            <a:off x="657467" y="2388939"/>
-            <a:ext cx="5076967" cy="646331"/>
+            <a:off x="657467" y="2272189"/>
+            <a:ext cx="4971169" cy="923330"/>
           </a:xfrm>
           <a:prstGeom prst="rect">
             <a:avLst/>
@@ -5229,7 +6840,13 @@
           <a:p>
             <a:r>
               <a:rPr lang="en-US" dirty="0"/>
-              <a:t>Each trial has a magnitude and a value component.  </a:t>
+              <a:t>Each trial has a magnitude and a value component.</a:t>
+            </a:r>
+          </a:p>
+          <a:p>
+            <a:r>
+              <a:rPr lang="en-US" dirty="0"/>
+              <a:t>6 catch trials  </a:t>
             </a:r>
           </a:p>
         </p:txBody>
@@ -5256,8 +6873,8 @@
         </p:blipFill>
         <p:spPr>
           <a:xfrm>
-            <a:off x="3938644" y="3450976"/>
-            <a:ext cx="3952762" cy="2853352"/>
+            <a:off x="3639798" y="3413325"/>
+            <a:ext cx="4528641" cy="3269058"/>
           </a:xfrm>
           <a:prstGeom prst="rect">
             <a:avLst/>
@@ -5268,311 +6885,6 @@
     <p:extLst>
       <p:ext uri="{BB962C8B-B14F-4D97-AF65-F5344CB8AC3E}">
         <p14:creationId xmlns:p14="http://schemas.microsoft.com/office/powerpoint/2010/main" val="1356741761"/>
-      </p:ext>
-    </p:extLst>
-  </p:cSld>
-  <p:clrMapOvr>
-    <a:masterClrMapping/>
-  </p:clrMapOvr>
-</p:sld>
-</file>
-
-<file path=ppt/slides/slide12.xml><?xml version="1.0" encoding="utf-8"?>
-<p:sld xmlns:a="http://schemas.openxmlformats.org/drawingml/2006/main" xmlns:r="http://schemas.openxmlformats.org/officeDocument/2006/relationships" xmlns:p="http://schemas.openxmlformats.org/presentationml/2006/main">
-  <p:cSld>
-    <p:spTree>
-      <p:nvGrpSpPr>
-        <p:cNvPr id="1" name=""/>
-        <p:cNvGrpSpPr/>
-        <p:nvPr/>
-      </p:nvGrpSpPr>
-      <p:grpSpPr>
-        <a:xfrm>
-          <a:off x="0" y="0"/>
-          <a:ext cx="0" cy="0"/>
-          <a:chOff x="0" y="0"/>
-          <a:chExt cx="0" cy="0"/>
-        </a:xfrm>
-      </p:grpSpPr>
-      <p:sp>
-        <p:nvSpPr>
-          <p:cNvPr id="2" name="Title 1">
-            <a:extLst>
-              <a:ext uri="{FF2B5EF4-FFF2-40B4-BE49-F238E27FC236}">
-                <a16:creationId xmlns:a16="http://schemas.microsoft.com/office/drawing/2014/main" id="{3FFD89D6-4F9F-4DA4-8E73-D65B81F609E7}"/>
-              </a:ext>
-            </a:extLst>
-          </p:cNvPr>
-          <p:cNvSpPr>
-            <a:spLocks noGrp="1"/>
-          </p:cNvSpPr>
-          <p:nvPr>
-            <p:ph type="title"/>
-          </p:nvPr>
-        </p:nvSpPr>
-        <p:spPr>
-          <a:xfrm>
-            <a:off x="161564" y="127479"/>
-            <a:ext cx="2981446" cy="653447"/>
-          </a:xfrm>
-        </p:spPr>
-        <p:txBody>
-          <a:bodyPr>
-            <a:normAutofit/>
-          </a:bodyPr>
-          <a:lstStyle/>
-          <a:p>
-            <a:r>
-              <a:rPr lang="en-US" sz="2400" dirty="0"/>
-              <a:t>First order analyses</a:t>
-            </a:r>
-          </a:p>
-        </p:txBody>
-      </p:sp>
-      <p:pic>
-        <p:nvPicPr>
-          <p:cNvPr id="4" name="Picture 3">
-            <a:extLst>
-              <a:ext uri="{FF2B5EF4-FFF2-40B4-BE49-F238E27FC236}">
-                <a16:creationId xmlns:a16="http://schemas.microsoft.com/office/drawing/2014/main" id="{0F8CFA88-6990-4476-B989-BEB0F353198D}"/>
-              </a:ext>
-            </a:extLst>
-          </p:cNvPr>
-          <p:cNvPicPr>
-            <a:picLocks noChangeAspect="1"/>
-          </p:cNvPicPr>
-          <p:nvPr/>
-        </p:nvPicPr>
-        <p:blipFill>
-          <a:blip r:embed="rId2"/>
-          <a:stretch>
-            <a:fillRect/>
-          </a:stretch>
-        </p:blipFill>
-        <p:spPr>
-          <a:xfrm>
-            <a:off x="776894" y="578213"/>
-            <a:ext cx="3615375" cy="2706672"/>
-          </a:xfrm>
-          <a:prstGeom prst="rect">
-            <a:avLst/>
-          </a:prstGeom>
-        </p:spPr>
-      </p:pic>
-      <p:pic>
-        <p:nvPicPr>
-          <p:cNvPr id="5" name="Picture 4">
-            <a:extLst>
-              <a:ext uri="{FF2B5EF4-FFF2-40B4-BE49-F238E27FC236}">
-                <a16:creationId xmlns:a16="http://schemas.microsoft.com/office/drawing/2014/main" id="{97AB492B-9345-4808-8BD3-409068C3E39E}"/>
-              </a:ext>
-            </a:extLst>
-          </p:cNvPr>
-          <p:cNvPicPr>
-            <a:picLocks noChangeAspect="1"/>
-          </p:cNvPicPr>
-          <p:nvPr/>
-        </p:nvPicPr>
-        <p:blipFill>
-          <a:blip r:embed="rId3"/>
-          <a:stretch>
-            <a:fillRect/>
-          </a:stretch>
-        </p:blipFill>
-        <p:spPr>
-          <a:xfrm>
-            <a:off x="7420849" y="578213"/>
-            <a:ext cx="3615375" cy="2706672"/>
-          </a:xfrm>
-          <a:prstGeom prst="rect">
-            <a:avLst/>
-          </a:prstGeom>
-        </p:spPr>
-      </p:pic>
-      <p:pic>
-        <p:nvPicPr>
-          <p:cNvPr id="6" name="Picture 5">
-            <a:extLst>
-              <a:ext uri="{FF2B5EF4-FFF2-40B4-BE49-F238E27FC236}">
-                <a16:creationId xmlns:a16="http://schemas.microsoft.com/office/drawing/2014/main" id="{2AE6A695-AFE5-420F-8EE1-C6B8F06CF95A}"/>
-              </a:ext>
-            </a:extLst>
-          </p:cNvPr>
-          <p:cNvPicPr>
-            <a:picLocks noChangeAspect="1"/>
-          </p:cNvPicPr>
-          <p:nvPr/>
-        </p:nvPicPr>
-        <p:blipFill>
-          <a:blip r:embed="rId4"/>
-          <a:stretch>
-            <a:fillRect/>
-          </a:stretch>
-        </p:blipFill>
-        <p:spPr>
-          <a:xfrm>
-            <a:off x="398012" y="3454824"/>
-            <a:ext cx="4373140" cy="3273977"/>
-          </a:xfrm>
-          <a:prstGeom prst="rect">
-            <a:avLst/>
-          </a:prstGeom>
-        </p:spPr>
-      </p:pic>
-      <p:pic>
-        <p:nvPicPr>
-          <p:cNvPr id="7" name="Picture 6">
-            <a:extLst>
-              <a:ext uri="{FF2B5EF4-FFF2-40B4-BE49-F238E27FC236}">
-                <a16:creationId xmlns:a16="http://schemas.microsoft.com/office/drawing/2014/main" id="{30256BD1-2DD1-4B43-9A11-B63CCD18537F}"/>
-              </a:ext>
-            </a:extLst>
-          </p:cNvPr>
-          <p:cNvPicPr>
-            <a:picLocks noChangeAspect="1"/>
-          </p:cNvPicPr>
-          <p:nvPr/>
-        </p:nvPicPr>
-        <p:blipFill>
-          <a:blip r:embed="rId5"/>
-          <a:stretch>
-            <a:fillRect/>
-          </a:stretch>
-        </p:blipFill>
-        <p:spPr>
-          <a:xfrm>
-            <a:off x="7193857" y="3369854"/>
-            <a:ext cx="4600131" cy="3443916"/>
-          </a:xfrm>
-          <a:prstGeom prst="rect">
-            <a:avLst/>
-          </a:prstGeom>
-        </p:spPr>
-      </p:pic>
-    </p:spTree>
-    <p:extLst>
-      <p:ext uri="{BB962C8B-B14F-4D97-AF65-F5344CB8AC3E}">
-        <p14:creationId xmlns:p14="http://schemas.microsoft.com/office/powerpoint/2010/main" val="3729131830"/>
-      </p:ext>
-    </p:extLst>
-  </p:cSld>
-  <p:clrMapOvr>
-    <a:masterClrMapping/>
-  </p:clrMapOvr>
-</p:sld>
-</file>
-
-<file path=ppt/slides/slide13.xml><?xml version="1.0" encoding="utf-8"?>
-<p:sld xmlns:a="http://schemas.openxmlformats.org/drawingml/2006/main" xmlns:r="http://schemas.openxmlformats.org/officeDocument/2006/relationships" xmlns:p="http://schemas.openxmlformats.org/presentationml/2006/main">
-  <p:cSld>
-    <p:spTree>
-      <p:nvGrpSpPr>
-        <p:cNvPr id="1" name=""/>
-        <p:cNvGrpSpPr/>
-        <p:nvPr/>
-      </p:nvGrpSpPr>
-      <p:grpSpPr>
-        <a:xfrm>
-          <a:off x="0" y="0"/>
-          <a:ext cx="0" cy="0"/>
-          <a:chOff x="0" y="0"/>
-          <a:chExt cx="0" cy="0"/>
-        </a:xfrm>
-      </p:grpSpPr>
-      <p:pic>
-        <p:nvPicPr>
-          <p:cNvPr id="10" name="Picture 9">
-            <a:extLst>
-              <a:ext uri="{FF2B5EF4-FFF2-40B4-BE49-F238E27FC236}">
-                <a16:creationId xmlns:a16="http://schemas.microsoft.com/office/drawing/2014/main" id="{C4DF81C4-31E0-4E09-B63E-E0ECC6A37AF9}"/>
-              </a:ext>
-            </a:extLst>
-          </p:cNvPr>
-          <p:cNvPicPr>
-            <a:picLocks noChangeAspect="1"/>
-          </p:cNvPicPr>
-          <p:nvPr/>
-        </p:nvPicPr>
-        <p:blipFill>
-          <a:blip r:embed="rId2"/>
-          <a:stretch>
-            <a:fillRect/>
-          </a:stretch>
-        </p:blipFill>
-        <p:spPr>
-          <a:xfrm>
-            <a:off x="4205988" y="2586041"/>
-            <a:ext cx="4934838" cy="4167433"/>
-          </a:xfrm>
-          <a:prstGeom prst="rect">
-            <a:avLst/>
-          </a:prstGeom>
-        </p:spPr>
-      </p:pic>
-      <p:pic>
-        <p:nvPicPr>
-          <p:cNvPr id="7" name="Picture 6">
-            <a:extLst>
-              <a:ext uri="{FF2B5EF4-FFF2-40B4-BE49-F238E27FC236}">
-                <a16:creationId xmlns:a16="http://schemas.microsoft.com/office/drawing/2014/main" id="{F70EB19A-D045-4AC7-8548-93347167EB17}"/>
-              </a:ext>
-            </a:extLst>
-          </p:cNvPr>
-          <p:cNvPicPr>
-            <a:picLocks noChangeAspect="1"/>
-          </p:cNvPicPr>
-          <p:nvPr/>
-        </p:nvPicPr>
-        <p:blipFill>
-          <a:blip r:embed="rId3"/>
-          <a:stretch>
-            <a:fillRect/>
-          </a:stretch>
-        </p:blipFill>
-        <p:spPr>
-          <a:xfrm>
-            <a:off x="122495" y="104526"/>
-            <a:ext cx="4325327" cy="3238182"/>
-          </a:xfrm>
-          <a:prstGeom prst="rect">
-            <a:avLst/>
-          </a:prstGeom>
-        </p:spPr>
-      </p:pic>
-      <p:pic>
-        <p:nvPicPr>
-          <p:cNvPr id="9" name="Picture 8">
-            <a:extLst>
-              <a:ext uri="{FF2B5EF4-FFF2-40B4-BE49-F238E27FC236}">
-                <a16:creationId xmlns:a16="http://schemas.microsoft.com/office/drawing/2014/main" id="{E05855B0-B849-478E-B465-EBFD11993A2B}"/>
-              </a:ext>
-            </a:extLst>
-          </p:cNvPr>
-          <p:cNvPicPr>
-            <a:picLocks noChangeAspect="1"/>
-          </p:cNvPicPr>
-          <p:nvPr/>
-        </p:nvPicPr>
-        <p:blipFill>
-          <a:blip r:embed="rId4"/>
-          <a:stretch>
-            <a:fillRect/>
-          </a:stretch>
-        </p:blipFill>
-        <p:spPr>
-          <a:xfrm>
-            <a:off x="8098902" y="104526"/>
-            <a:ext cx="3970603" cy="2972615"/>
-          </a:xfrm>
-          <a:prstGeom prst="rect">
-            <a:avLst/>
-          </a:prstGeom>
-        </p:spPr>
-      </p:pic>
-    </p:spTree>
-    <p:extLst>
-      <p:ext uri="{BB962C8B-B14F-4D97-AF65-F5344CB8AC3E}">
-        <p14:creationId xmlns:p14="http://schemas.microsoft.com/office/powerpoint/2010/main" val="146570327"/>
       </p:ext>
     </p:extLst>
   </p:cSld>
@@ -5601,10 +6913,10 @@
       </p:grpSpPr>
       <p:sp>
         <p:nvSpPr>
-          <p:cNvPr id="4" name="Title 1">
-            <a:extLst>
-              <a:ext uri="{FF2B5EF4-FFF2-40B4-BE49-F238E27FC236}">
-                <a16:creationId xmlns:a16="http://schemas.microsoft.com/office/drawing/2014/main" id="{F90A0724-B0F6-4615-A9A9-B38E3C20CF20}"/>
+          <p:cNvPr id="3" name="Content Placeholder 2">
+            <a:extLst>
+              <a:ext uri="{FF2B5EF4-FFF2-40B4-BE49-F238E27FC236}">
+                <a16:creationId xmlns:a16="http://schemas.microsoft.com/office/drawing/2014/main" id="{7B2D5D34-8F1B-468D-BF41-29E57FB425F5}"/>
               </a:ext>
             </a:extLst>
           </p:cNvPr>
@@ -5612,123 +6924,49 @@
             <a:spLocks noGrp="1"/>
           </p:cNvSpPr>
           <p:nvPr>
-            <p:ph type="title"/>
+            <p:ph idx="1"/>
           </p:nvPr>
         </p:nvSpPr>
-        <p:spPr>
-          <a:xfrm>
-            <a:off x="175470" y="0"/>
-            <a:ext cx="9169866" cy="977114"/>
-          </a:xfrm>
-        </p:spPr>
+        <p:spPr/>
         <p:txBody>
-          <a:bodyPr>
-            <a:normAutofit/>
-          </a:bodyPr>
+          <a:bodyPr/>
           <a:lstStyle/>
           <a:p>
             <a:r>
-              <a:rPr lang="en-US" sz="2400"/>
-              <a:t>Low Mag</a:t>
-            </a:r>
-            <a:endParaRPr lang="en-US" sz="2400" dirty="0"/>
+              <a:rPr lang="en-US" dirty="0"/>
+              <a:t>Motivation</a:t>
+            </a:r>
+          </a:p>
+          <a:p>
+            <a:r>
+              <a:rPr lang="en-US" dirty="0"/>
+              <a:t>Task</a:t>
+            </a:r>
+          </a:p>
+          <a:p>
+            <a:r>
+              <a:rPr lang="en-US" b="1" dirty="0"/>
+              <a:t>First order analyses and conditions analysis</a:t>
+            </a:r>
+          </a:p>
+          <a:p>
+            <a:r>
+              <a:rPr lang="en-US" dirty="0"/>
+              <a:t>Breakdown of participants</a:t>
+            </a:r>
+          </a:p>
+          <a:p>
+            <a:r>
+              <a:rPr lang="en-US" dirty="0"/>
+              <a:t>Conclusion and future directions</a:t>
+            </a:r>
           </a:p>
         </p:txBody>
       </p:sp>
-      <p:pic>
-        <p:nvPicPr>
-          <p:cNvPr id="7" name="Picture 6">
-            <a:extLst>
-              <a:ext uri="{FF2B5EF4-FFF2-40B4-BE49-F238E27FC236}">
-                <a16:creationId xmlns:a16="http://schemas.microsoft.com/office/drawing/2014/main" id="{38A03516-2418-4447-8DBF-D189F46654D2}"/>
-              </a:ext>
-            </a:extLst>
-          </p:cNvPr>
-          <p:cNvPicPr>
-            <a:picLocks noChangeAspect="1"/>
-          </p:cNvPicPr>
-          <p:nvPr/>
-        </p:nvPicPr>
-        <p:blipFill>
-          <a:blip r:embed="rId2"/>
-          <a:stretch>
-            <a:fillRect/>
-          </a:stretch>
-        </p:blipFill>
-        <p:spPr>
-          <a:xfrm>
-            <a:off x="3030628" y="1294363"/>
-            <a:ext cx="2517634" cy="1817387"/>
-          </a:xfrm>
-          <a:prstGeom prst="rect">
-            <a:avLst/>
-          </a:prstGeom>
-        </p:spPr>
-      </p:pic>
-      <p:pic>
-        <p:nvPicPr>
-          <p:cNvPr id="9" name="Picture 8">
-            <a:extLst>
-              <a:ext uri="{FF2B5EF4-FFF2-40B4-BE49-F238E27FC236}">
-                <a16:creationId xmlns:a16="http://schemas.microsoft.com/office/drawing/2014/main" id="{4C4B028E-7048-458E-B0FF-20DBB76B506B}"/>
-              </a:ext>
-            </a:extLst>
-          </p:cNvPr>
-          <p:cNvPicPr>
-            <a:picLocks noChangeAspect="1"/>
-          </p:cNvPicPr>
-          <p:nvPr/>
-        </p:nvPicPr>
-        <p:blipFill>
-          <a:blip r:embed="rId3"/>
-          <a:stretch>
-            <a:fillRect/>
-          </a:stretch>
-        </p:blipFill>
-        <p:spPr>
-          <a:xfrm>
-            <a:off x="934622" y="4071153"/>
-            <a:ext cx="3343867" cy="2413813"/>
-          </a:xfrm>
-          <a:prstGeom prst="rect">
-            <a:avLst/>
-          </a:prstGeom>
-        </p:spPr>
-      </p:pic>
-      <p:pic>
-        <p:nvPicPr>
-          <p:cNvPr id="2" name="Picture 1">
-            <a:extLst>
-              <a:ext uri="{FF2B5EF4-FFF2-40B4-BE49-F238E27FC236}">
-                <a16:creationId xmlns:a16="http://schemas.microsoft.com/office/drawing/2014/main" id="{10A18BF8-9637-400F-8307-71604FE2D485}"/>
-              </a:ext>
-            </a:extLst>
-          </p:cNvPr>
-          <p:cNvPicPr>
-            <a:picLocks noChangeAspect="1"/>
-          </p:cNvPicPr>
-          <p:nvPr/>
-        </p:nvPicPr>
-        <p:blipFill>
-          <a:blip r:embed="rId4"/>
-          <a:stretch>
-            <a:fillRect/>
-          </a:stretch>
-        </p:blipFill>
-        <p:spPr>
-          <a:xfrm>
-            <a:off x="6581423" y="3378046"/>
-            <a:ext cx="4334933" cy="2307907"/>
-          </a:xfrm>
-          <a:prstGeom prst="rect">
-            <a:avLst/>
-          </a:prstGeom>
-        </p:spPr>
-      </p:pic>
     </p:spTree>
     <p:extLst>
       <p:ext uri="{BB962C8B-B14F-4D97-AF65-F5344CB8AC3E}">
-        <p14:creationId xmlns:p14="http://schemas.microsoft.com/office/powerpoint/2010/main" val="1556551016"/>
+        <p14:creationId xmlns:p14="http://schemas.microsoft.com/office/powerpoint/2010/main" val="221438291"/>
       </p:ext>
     </p:extLst>
   </p:cSld>
@@ -5757,10 +6995,10 @@
       </p:grpSpPr>
       <p:sp>
         <p:nvSpPr>
-          <p:cNvPr id="4" name="Title 1">
-            <a:extLst>
-              <a:ext uri="{FF2B5EF4-FFF2-40B4-BE49-F238E27FC236}">
-                <a16:creationId xmlns:a16="http://schemas.microsoft.com/office/drawing/2014/main" id="{F90A0724-B0F6-4615-A9A9-B38E3C20CF20}"/>
+          <p:cNvPr id="2" name="Title 1">
+            <a:extLst>
+              <a:ext uri="{FF2B5EF4-FFF2-40B4-BE49-F238E27FC236}">
+                <a16:creationId xmlns:a16="http://schemas.microsoft.com/office/drawing/2014/main" id="{3FFD89D6-4F9F-4DA4-8E73-D65B81F609E7}"/>
               </a:ext>
             </a:extLst>
           </p:cNvPr>
@@ -5773,8 +7011,8 @@
         </p:nvSpPr>
         <p:spPr>
           <a:xfrm>
-            <a:off x="175470" y="0"/>
-            <a:ext cx="9169866" cy="977114"/>
+            <a:off x="161564" y="127479"/>
+            <a:ext cx="2981446" cy="653447"/>
           </a:xfrm>
         </p:spPr>
         <p:txBody>
@@ -5785,17 +7023,17 @@
           <a:p>
             <a:r>
               <a:rPr lang="en-US" sz="2400" dirty="0"/>
-              <a:t>Mid Mag</a:t>
+              <a:t>First order analyses</a:t>
             </a:r>
           </a:p>
         </p:txBody>
       </p:sp>
       <p:pic>
         <p:nvPicPr>
-          <p:cNvPr id="7" name="Picture 6">
-            <a:extLst>
-              <a:ext uri="{FF2B5EF4-FFF2-40B4-BE49-F238E27FC236}">
-                <a16:creationId xmlns:a16="http://schemas.microsoft.com/office/drawing/2014/main" id="{6B72BD26-86E7-479A-8A48-32C62023E55E}"/>
+          <p:cNvPr id="4" name="Picture 3">
+            <a:extLst>
+              <a:ext uri="{FF2B5EF4-FFF2-40B4-BE49-F238E27FC236}">
+                <a16:creationId xmlns:a16="http://schemas.microsoft.com/office/drawing/2014/main" id="{0F8CFA88-6990-4476-B989-BEB0F353198D}"/>
               </a:ext>
             </a:extLst>
           </p:cNvPr>
@@ -5812,8 +7050,8 @@
         </p:blipFill>
         <p:spPr>
           <a:xfrm>
-            <a:off x="541643" y="721446"/>
-            <a:ext cx="3461646" cy="2498834"/>
+            <a:off x="776894" y="578213"/>
+            <a:ext cx="3615375" cy="2706672"/>
           </a:xfrm>
           <a:prstGeom prst="rect">
             <a:avLst/>
@@ -5822,10 +7060,10 @@
       </p:pic>
       <p:pic>
         <p:nvPicPr>
-          <p:cNvPr id="8" name="Picture 7">
-            <a:extLst>
-              <a:ext uri="{FF2B5EF4-FFF2-40B4-BE49-F238E27FC236}">
-                <a16:creationId xmlns:a16="http://schemas.microsoft.com/office/drawing/2014/main" id="{CDC0A11E-5F98-48D9-97E1-40C90767226E}"/>
+          <p:cNvPr id="5" name="Picture 4">
+            <a:extLst>
+              <a:ext uri="{FF2B5EF4-FFF2-40B4-BE49-F238E27FC236}">
+                <a16:creationId xmlns:a16="http://schemas.microsoft.com/office/drawing/2014/main" id="{97AB492B-9345-4808-8BD3-409068C3E39E}"/>
               </a:ext>
             </a:extLst>
           </p:cNvPr>
@@ -5842,8 +7080,8 @@
         </p:blipFill>
         <p:spPr>
           <a:xfrm>
-            <a:off x="6674813" y="592081"/>
-            <a:ext cx="3929997" cy="2836919"/>
+            <a:off x="7533738" y="578213"/>
+            <a:ext cx="3615375" cy="2706672"/>
           </a:xfrm>
           <a:prstGeom prst="rect">
             <a:avLst/>
@@ -5852,10 +7090,10 @@
       </p:pic>
       <p:pic>
         <p:nvPicPr>
-          <p:cNvPr id="9" name="Picture 8">
-            <a:extLst>
-              <a:ext uri="{FF2B5EF4-FFF2-40B4-BE49-F238E27FC236}">
-                <a16:creationId xmlns:a16="http://schemas.microsoft.com/office/drawing/2014/main" id="{6144FC08-2B4B-4C83-B67A-45E438116DC1}"/>
+          <p:cNvPr id="6" name="Picture 5">
+            <a:extLst>
+              <a:ext uri="{FF2B5EF4-FFF2-40B4-BE49-F238E27FC236}">
+                <a16:creationId xmlns:a16="http://schemas.microsoft.com/office/drawing/2014/main" id="{2AE6A695-AFE5-420F-8EE1-C6B8F06CF95A}"/>
               </a:ext>
             </a:extLst>
           </p:cNvPr>
@@ -5872,8 +7110,8 @@
         </p:blipFill>
         <p:spPr>
           <a:xfrm>
-            <a:off x="431989" y="3941726"/>
-            <a:ext cx="3680953" cy="2657143"/>
+            <a:off x="398012" y="3454823"/>
+            <a:ext cx="4373140" cy="3273977"/>
           </a:xfrm>
           <a:prstGeom prst="rect">
             <a:avLst/>
@@ -5882,10 +7120,10 @@
       </p:pic>
       <p:pic>
         <p:nvPicPr>
-          <p:cNvPr id="10" name="Picture 9">
-            <a:extLst>
-              <a:ext uri="{FF2B5EF4-FFF2-40B4-BE49-F238E27FC236}">
-                <a16:creationId xmlns:a16="http://schemas.microsoft.com/office/drawing/2014/main" id="{BE44261A-7066-4C7E-B105-069F126D3B6D}"/>
+          <p:cNvPr id="7" name="Picture 6">
+            <a:extLst>
+              <a:ext uri="{FF2B5EF4-FFF2-40B4-BE49-F238E27FC236}">
+                <a16:creationId xmlns:a16="http://schemas.microsoft.com/office/drawing/2014/main" id="{30256BD1-2DD1-4B43-9A11-B63CCD18537F}"/>
               </a:ext>
             </a:extLst>
           </p:cNvPr>
@@ -5902,8 +7140,8 @@
         </p:blipFill>
         <p:spPr>
           <a:xfrm>
-            <a:off x="6674813" y="4021081"/>
-            <a:ext cx="3680953" cy="2657143"/>
+            <a:off x="7193857" y="3369854"/>
+            <a:ext cx="4600131" cy="3443916"/>
           </a:xfrm>
           <a:prstGeom prst="rect">
             <a:avLst/>
@@ -5913,7 +7151,7 @@
     </p:spTree>
     <p:extLst>
       <p:ext uri="{BB962C8B-B14F-4D97-AF65-F5344CB8AC3E}">
-        <p14:creationId xmlns:p14="http://schemas.microsoft.com/office/powerpoint/2010/main" val="111594888"/>
+        <p14:creationId xmlns:p14="http://schemas.microsoft.com/office/powerpoint/2010/main" val="3729131830"/>
       </p:ext>
     </p:extLst>
   </p:cSld>
@@ -5940,47 +7178,12 @@
           <a:chExt cx="0" cy="0"/>
         </a:xfrm>
       </p:grpSpPr>
-      <p:sp>
-        <p:nvSpPr>
-          <p:cNvPr id="4" name="Title 1">
-            <a:extLst>
-              <a:ext uri="{FF2B5EF4-FFF2-40B4-BE49-F238E27FC236}">
-                <a16:creationId xmlns:a16="http://schemas.microsoft.com/office/drawing/2014/main" id="{F90A0724-B0F6-4615-A9A9-B38E3C20CF20}"/>
-              </a:ext>
-            </a:extLst>
-          </p:cNvPr>
-          <p:cNvSpPr>
-            <a:spLocks noGrp="1"/>
-          </p:cNvSpPr>
-          <p:nvPr>
-            <p:ph type="title"/>
-          </p:nvPr>
-        </p:nvSpPr>
-        <p:spPr>
-          <a:xfrm>
-            <a:off x="175470" y="0"/>
-            <a:ext cx="9169866" cy="977114"/>
-          </a:xfrm>
-        </p:spPr>
-        <p:txBody>
-          <a:bodyPr>
-            <a:normAutofit/>
-          </a:bodyPr>
-          <a:lstStyle/>
-          <a:p>
-            <a:r>
-              <a:rPr lang="en-US" sz="2400" dirty="0"/>
-              <a:t>High Mag</a:t>
-            </a:r>
-          </a:p>
-        </p:txBody>
-      </p:sp>
       <p:pic>
         <p:nvPicPr>
-          <p:cNvPr id="7" name="Picture 6">
-            <a:extLst>
-              <a:ext uri="{FF2B5EF4-FFF2-40B4-BE49-F238E27FC236}">
-                <a16:creationId xmlns:a16="http://schemas.microsoft.com/office/drawing/2014/main" id="{07429A77-84AB-4A6E-AB05-2671FDC57EC8}"/>
+          <p:cNvPr id="2" name="Picture 1">
+            <a:extLst>
+              <a:ext uri="{FF2B5EF4-FFF2-40B4-BE49-F238E27FC236}">
+                <a16:creationId xmlns:a16="http://schemas.microsoft.com/office/drawing/2014/main" id="{86EC4D07-49BF-4D47-9899-8B6060DCEE3F}"/>
               </a:ext>
             </a:extLst>
           </p:cNvPr>
@@ -5997,8 +7200,8 @@
         </p:blipFill>
         <p:spPr>
           <a:xfrm>
-            <a:off x="530491" y="796099"/>
-            <a:ext cx="4331441" cy="3126707"/>
+            <a:off x="6439099" y="0"/>
+            <a:ext cx="5301346" cy="2822423"/>
           </a:xfrm>
           <a:prstGeom prst="rect">
             <a:avLst/>
@@ -6007,10 +7210,10 @@
       </p:pic>
       <p:pic>
         <p:nvPicPr>
-          <p:cNvPr id="8" name="Picture 7">
-            <a:extLst>
-              <a:ext uri="{FF2B5EF4-FFF2-40B4-BE49-F238E27FC236}">
-                <a16:creationId xmlns:a16="http://schemas.microsoft.com/office/drawing/2014/main" id="{BEB71185-BF77-4A3D-8838-2FF75E2C5783}"/>
+          <p:cNvPr id="3" name="Picture 2">
+            <a:extLst>
+              <a:ext uri="{FF2B5EF4-FFF2-40B4-BE49-F238E27FC236}">
+                <a16:creationId xmlns:a16="http://schemas.microsoft.com/office/drawing/2014/main" id="{4B18CC35-D43F-4B69-8FDE-2C5F5F0BB33E}"/>
               </a:ext>
             </a:extLst>
           </p:cNvPr>
@@ -6027,8 +7230,8 @@
         </p:blipFill>
         <p:spPr>
           <a:xfrm>
-            <a:off x="6563301" y="936703"/>
-            <a:ext cx="4059425" cy="2930348"/>
+            <a:off x="183970" y="104526"/>
+            <a:ext cx="5448102" cy="2900555"/>
           </a:xfrm>
           <a:prstGeom prst="rect">
             <a:avLst/>
@@ -6037,10 +7240,10 @@
       </p:pic>
       <p:pic>
         <p:nvPicPr>
-          <p:cNvPr id="9" name="Picture 8">
-            <a:extLst>
-              <a:ext uri="{FF2B5EF4-FFF2-40B4-BE49-F238E27FC236}">
-                <a16:creationId xmlns:a16="http://schemas.microsoft.com/office/drawing/2014/main" id="{7DE92401-21B0-4818-8B02-2860BA8B07DC}"/>
+          <p:cNvPr id="5" name="Picture 4">
+            <a:extLst>
+              <a:ext uri="{FF2B5EF4-FFF2-40B4-BE49-F238E27FC236}">
+                <a16:creationId xmlns:a16="http://schemas.microsoft.com/office/drawing/2014/main" id="{D6194131-71C3-49E0-85A6-995B273077A7}"/>
               </a:ext>
             </a:extLst>
           </p:cNvPr>
@@ -6057,8 +7260,8 @@
         </p:blipFill>
         <p:spPr>
           <a:xfrm>
-            <a:off x="709462" y="3927651"/>
-            <a:ext cx="4059426" cy="2930349"/>
+            <a:off x="6512476" y="3416151"/>
+            <a:ext cx="5154591" cy="2744290"/>
           </a:xfrm>
           <a:prstGeom prst="rect">
             <a:avLst/>
@@ -6067,10 +7270,10 @@
       </p:pic>
       <p:pic>
         <p:nvPicPr>
-          <p:cNvPr id="10" name="Picture 9">
-            <a:extLst>
-              <a:ext uri="{FF2B5EF4-FFF2-40B4-BE49-F238E27FC236}">
-                <a16:creationId xmlns:a16="http://schemas.microsoft.com/office/drawing/2014/main" id="{4F161B5D-8F37-40B3-949B-8C1AAEC2F460}"/>
+          <p:cNvPr id="6" name="Picture 5">
+            <a:extLst>
+              <a:ext uri="{FF2B5EF4-FFF2-40B4-BE49-F238E27FC236}">
+                <a16:creationId xmlns:a16="http://schemas.microsoft.com/office/drawing/2014/main" id="{1E112BAC-B7BF-47BA-B614-8D16D25411E8}"/>
               </a:ext>
             </a:extLst>
           </p:cNvPr>
@@ -6087,8 +7290,8 @@
         </p:blipFill>
         <p:spPr>
           <a:xfrm>
-            <a:off x="6941773" y="4064253"/>
-            <a:ext cx="3680953" cy="2657143"/>
+            <a:off x="331810" y="3005081"/>
+            <a:ext cx="5926701" cy="3155360"/>
           </a:xfrm>
           <a:prstGeom prst="rect">
             <a:avLst/>
@@ -6098,7 +7301,7 @@
     </p:spTree>
     <p:extLst>
       <p:ext uri="{BB962C8B-B14F-4D97-AF65-F5344CB8AC3E}">
-        <p14:creationId xmlns:p14="http://schemas.microsoft.com/office/powerpoint/2010/main" val="864770650"/>
+        <p14:creationId xmlns:p14="http://schemas.microsoft.com/office/powerpoint/2010/main" val="146570327"/>
       </p:ext>
     </p:extLst>
   </p:cSld>
@@ -6154,18 +7357,19 @@
           <a:lstStyle/>
           <a:p>
             <a:r>
-              <a:rPr lang="en-US" sz="2400" dirty="0"/>
-              <a:t>Low value (previously called odds)</a:t>
-            </a:r>
+              <a:rPr lang="en-US" sz="2400"/>
+              <a:t>Low Mag</a:t>
+            </a:r>
+            <a:endParaRPr lang="en-US" sz="2400" dirty="0"/>
           </a:p>
         </p:txBody>
       </p:sp>
       <p:pic>
         <p:nvPicPr>
-          <p:cNvPr id="7" name="Picture 6">
-            <a:extLst>
-              <a:ext uri="{FF2B5EF4-FFF2-40B4-BE49-F238E27FC236}">
-                <a16:creationId xmlns:a16="http://schemas.microsoft.com/office/drawing/2014/main" id="{358139DC-364B-49FE-A3E0-C96A73CA6754}"/>
+          <p:cNvPr id="3" name="Picture 2">
+            <a:extLst>
+              <a:ext uri="{FF2B5EF4-FFF2-40B4-BE49-F238E27FC236}">
+                <a16:creationId xmlns:a16="http://schemas.microsoft.com/office/drawing/2014/main" id="{3D449A1E-0CC6-40A7-9AC8-FFDD1DCF41DA}"/>
               </a:ext>
             </a:extLst>
           </p:cNvPr>
@@ -6182,8 +7386,8 @@
         </p:blipFill>
         <p:spPr>
           <a:xfrm>
-            <a:off x="809271" y="1065878"/>
-            <a:ext cx="3417041" cy="2466635"/>
+            <a:off x="405200" y="829343"/>
+            <a:ext cx="4882927" cy="2599657"/>
           </a:xfrm>
           <a:prstGeom prst="rect">
             <a:avLst/>
@@ -6192,10 +7396,10 @@
       </p:pic>
       <p:pic>
         <p:nvPicPr>
-          <p:cNvPr id="8" name="Picture 7">
-            <a:extLst>
-              <a:ext uri="{FF2B5EF4-FFF2-40B4-BE49-F238E27FC236}">
-                <a16:creationId xmlns:a16="http://schemas.microsoft.com/office/drawing/2014/main" id="{74C8A2DA-6E49-4A49-9269-A7DEBCD8CCBB}"/>
+          <p:cNvPr id="5" name="Picture 4">
+            <a:extLst>
+              <a:ext uri="{FF2B5EF4-FFF2-40B4-BE49-F238E27FC236}">
+                <a16:creationId xmlns:a16="http://schemas.microsoft.com/office/drawing/2014/main" id="{29ABD0E9-E5D8-45FA-9BE7-190BE9E80BDE}"/>
               </a:ext>
             </a:extLst>
           </p:cNvPr>
@@ -6212,8 +7416,8 @@
         </p:blipFill>
         <p:spPr>
           <a:xfrm>
-            <a:off x="7132013" y="933058"/>
-            <a:ext cx="3785031" cy="2732273"/>
+            <a:off x="551225" y="3853498"/>
+            <a:ext cx="4736902" cy="2521914"/>
           </a:xfrm>
           <a:prstGeom prst="rect">
             <a:avLst/>
@@ -6222,10 +7426,10 @@
       </p:pic>
       <p:pic>
         <p:nvPicPr>
-          <p:cNvPr id="9" name="Picture 8">
-            <a:extLst>
-              <a:ext uri="{FF2B5EF4-FFF2-40B4-BE49-F238E27FC236}">
-                <a16:creationId xmlns:a16="http://schemas.microsoft.com/office/drawing/2014/main" id="{2BED8C28-BE10-467E-804A-38272FDAA364}"/>
+          <p:cNvPr id="6" name="Picture 5">
+            <a:extLst>
+              <a:ext uri="{FF2B5EF4-FFF2-40B4-BE49-F238E27FC236}">
+                <a16:creationId xmlns:a16="http://schemas.microsoft.com/office/drawing/2014/main" id="{6711A4EF-9EBA-41B1-AF21-586575081E76}"/>
               </a:ext>
             </a:extLst>
           </p:cNvPr>
@@ -6242,38 +7446,8 @@
         </p:blipFill>
         <p:spPr>
           <a:xfrm>
-            <a:off x="524914" y="3777688"/>
-            <a:ext cx="3985753" cy="2877167"/>
-          </a:xfrm>
-          <a:prstGeom prst="rect">
-            <a:avLst/>
-          </a:prstGeom>
-        </p:spPr>
-      </p:pic>
-      <p:pic>
-        <p:nvPicPr>
-          <p:cNvPr id="10" name="Picture 9">
-            <a:extLst>
-              <a:ext uri="{FF2B5EF4-FFF2-40B4-BE49-F238E27FC236}">
-                <a16:creationId xmlns:a16="http://schemas.microsoft.com/office/drawing/2014/main" id="{DC2F3777-822A-42F0-859C-949753CD2544}"/>
-              </a:ext>
-            </a:extLst>
-          </p:cNvPr>
-          <p:cNvPicPr>
-            <a:picLocks noChangeAspect="1"/>
-          </p:cNvPicPr>
-          <p:nvPr/>
-        </p:nvPicPr>
-        <p:blipFill>
-          <a:blip r:embed="rId5"/>
-          <a:stretch>
-            <a:fillRect/>
-          </a:stretch>
-        </p:blipFill>
-        <p:spPr>
-          <a:xfrm>
-            <a:off x="6931291" y="3777688"/>
-            <a:ext cx="3985753" cy="2877167"/>
+            <a:off x="6287084" y="674304"/>
+            <a:ext cx="5024383" cy="2674969"/>
           </a:xfrm>
           <a:prstGeom prst="rect">
             <a:avLst/>
@@ -6283,7 +7457,7 @@
     </p:spTree>
     <p:extLst>
       <p:ext uri="{BB962C8B-B14F-4D97-AF65-F5344CB8AC3E}">
-        <p14:creationId xmlns:p14="http://schemas.microsoft.com/office/powerpoint/2010/main" val="4138266969"/>
+        <p14:creationId xmlns:p14="http://schemas.microsoft.com/office/powerpoint/2010/main" val="1556551016"/>
       </p:ext>
     </p:extLst>
   </p:cSld>
@@ -6340,7 +7514,7 @@
           <a:p>
             <a:r>
               <a:rPr lang="en-US" sz="2400" dirty="0"/>
-              <a:t>Mid value (odds)</a:t>
+              <a:t>Mid Mag</a:t>
             </a:r>
           </a:p>
         </p:txBody>
@@ -6350,7 +7524,7 @@
           <p:cNvPr id="7" name="Picture 6">
             <a:extLst>
               <a:ext uri="{FF2B5EF4-FFF2-40B4-BE49-F238E27FC236}">
-                <a16:creationId xmlns:a16="http://schemas.microsoft.com/office/drawing/2014/main" id="{1BA46DF3-EE19-4A60-8A55-648C88AB2015}"/>
+                <a16:creationId xmlns:a16="http://schemas.microsoft.com/office/drawing/2014/main" id="{6B72BD26-86E7-479A-8A48-32C62023E55E}"/>
               </a:ext>
             </a:extLst>
           </p:cNvPr>
@@ -6367,8 +7541,8 @@
         </p:blipFill>
         <p:spPr>
           <a:xfrm>
-            <a:off x="809271" y="1098394"/>
-            <a:ext cx="3680953" cy="2657143"/>
+            <a:off x="710976" y="977113"/>
+            <a:ext cx="4019068" cy="2901217"/>
           </a:xfrm>
           <a:prstGeom prst="rect">
             <a:avLst/>
@@ -6377,10 +7551,10 @@
       </p:pic>
       <p:pic>
         <p:nvPicPr>
-          <p:cNvPr id="8" name="Picture 7">
-            <a:extLst>
-              <a:ext uri="{FF2B5EF4-FFF2-40B4-BE49-F238E27FC236}">
-                <a16:creationId xmlns:a16="http://schemas.microsoft.com/office/drawing/2014/main" id="{5D61FE8E-FDB7-472B-A53F-844C623A9CE6}"/>
+          <p:cNvPr id="2" name="Picture 1">
+            <a:extLst>
+              <a:ext uri="{FF2B5EF4-FFF2-40B4-BE49-F238E27FC236}">
+                <a16:creationId xmlns:a16="http://schemas.microsoft.com/office/drawing/2014/main" id="{41AA2135-7FD3-4C1B-817B-324D87EB1BB5}"/>
               </a:ext>
             </a:extLst>
           </p:cNvPr>
@@ -6397,8 +7571,8 @@
         </p:blipFill>
         <p:spPr>
           <a:xfrm>
-            <a:off x="6719418" y="956182"/>
-            <a:ext cx="4074963" cy="2941565"/>
+            <a:off x="535560" y="4009459"/>
+            <a:ext cx="4702484" cy="2503590"/>
           </a:xfrm>
           <a:prstGeom prst="rect">
             <a:avLst/>
@@ -6407,10 +7581,10 @@
       </p:pic>
       <p:pic>
         <p:nvPicPr>
-          <p:cNvPr id="9" name="Picture 8">
-            <a:extLst>
-              <a:ext uri="{FF2B5EF4-FFF2-40B4-BE49-F238E27FC236}">
-                <a16:creationId xmlns:a16="http://schemas.microsoft.com/office/drawing/2014/main" id="{740C46CB-5619-425D-BCAB-CFB779DB453A}"/>
+          <p:cNvPr id="3" name="Picture 2">
+            <a:extLst>
+              <a:ext uri="{FF2B5EF4-FFF2-40B4-BE49-F238E27FC236}">
+                <a16:creationId xmlns:a16="http://schemas.microsoft.com/office/drawing/2014/main" id="{0A476A89-8B9D-4A93-9CD1-17A5CD62C29D}"/>
               </a:ext>
             </a:extLst>
           </p:cNvPr>
@@ -6427,38 +7601,8 @@
         </p:blipFill>
         <p:spPr>
           <a:xfrm>
-            <a:off x="508190" y="3897747"/>
-            <a:ext cx="3863090" cy="2788621"/>
-          </a:xfrm>
-          <a:prstGeom prst="rect">
-            <a:avLst/>
-          </a:prstGeom>
-        </p:spPr>
-      </p:pic>
-      <p:pic>
-        <p:nvPicPr>
-          <p:cNvPr id="10" name="Picture 9">
-            <a:extLst>
-              <a:ext uri="{FF2B5EF4-FFF2-40B4-BE49-F238E27FC236}">
-                <a16:creationId xmlns:a16="http://schemas.microsoft.com/office/drawing/2014/main" id="{0CDD72B6-C879-4C0F-8474-80A65A7D71BC}"/>
-              </a:ext>
-            </a:extLst>
-          </p:cNvPr>
-          <p:cNvPicPr>
-            <a:picLocks noChangeAspect="1"/>
-          </p:cNvPicPr>
-          <p:nvPr/>
-        </p:nvPicPr>
-        <p:blipFill>
-          <a:blip r:embed="rId5"/>
-          <a:stretch>
-            <a:fillRect/>
-          </a:stretch>
-        </p:blipFill>
-        <p:spPr>
-          <a:xfrm>
-            <a:off x="6719417" y="3897747"/>
-            <a:ext cx="3796183" cy="2740324"/>
+            <a:off x="6405455" y="891014"/>
+            <a:ext cx="4928813" cy="2624087"/>
           </a:xfrm>
           <a:prstGeom prst="rect">
             <a:avLst/>
@@ -6468,7 +7612,7 @@
     </p:spTree>
     <p:extLst>
       <p:ext uri="{BB962C8B-B14F-4D97-AF65-F5344CB8AC3E}">
-        <p14:creationId xmlns:p14="http://schemas.microsoft.com/office/powerpoint/2010/main" val="2130673036"/>
+        <p14:creationId xmlns:p14="http://schemas.microsoft.com/office/powerpoint/2010/main" val="111594888"/>
       </p:ext>
     </p:extLst>
   </p:cSld>
@@ -6525,7 +7669,7 @@
           <a:p>
             <a:r>
               <a:rPr lang="en-US" sz="2400" dirty="0"/>
-              <a:t>High odds </a:t>
+              <a:t>High Mag</a:t>
             </a:r>
           </a:p>
         </p:txBody>
@@ -6535,7 +7679,7 @@
           <p:cNvPr id="7" name="Picture 6">
             <a:extLst>
               <a:ext uri="{FF2B5EF4-FFF2-40B4-BE49-F238E27FC236}">
-                <a16:creationId xmlns:a16="http://schemas.microsoft.com/office/drawing/2014/main" id="{9D62B0B1-BDBC-49D5-94A6-D0D72D57FE9D}"/>
+                <a16:creationId xmlns:a16="http://schemas.microsoft.com/office/drawing/2014/main" id="{07429A77-84AB-4A6E-AB05-2671FDC57EC8}"/>
               </a:ext>
             </a:extLst>
           </p:cNvPr>
@@ -6552,8 +7696,8 @@
         </p:blipFill>
         <p:spPr>
           <a:xfrm>
-            <a:off x="786880" y="933277"/>
-            <a:ext cx="4119568" cy="2973763"/>
+            <a:off x="530491" y="796099"/>
+            <a:ext cx="4331441" cy="3126707"/>
           </a:xfrm>
           <a:prstGeom prst="rect">
             <a:avLst/>
@@ -6562,10 +7706,10 @@
       </p:pic>
       <p:pic>
         <p:nvPicPr>
-          <p:cNvPr id="9" name="Picture 8">
-            <a:extLst>
-              <a:ext uri="{FF2B5EF4-FFF2-40B4-BE49-F238E27FC236}">
-                <a16:creationId xmlns:a16="http://schemas.microsoft.com/office/drawing/2014/main" id="{B12001C6-3DD1-4944-9301-89D84AD68659}"/>
+          <p:cNvPr id="2" name="Picture 1">
+            <a:extLst>
+              <a:ext uri="{FF2B5EF4-FFF2-40B4-BE49-F238E27FC236}">
+                <a16:creationId xmlns:a16="http://schemas.microsoft.com/office/drawing/2014/main" id="{AD3F7AC1-7C31-4026-B629-51B0D92FF3C8}"/>
               </a:ext>
             </a:extLst>
           </p:cNvPr>
@@ -6582,8 +7726,8 @@
         </p:blipFill>
         <p:spPr>
           <a:xfrm>
-            <a:off x="6510169" y="933277"/>
-            <a:ext cx="3642642" cy="2629488"/>
+            <a:off x="6266185" y="711200"/>
+            <a:ext cx="5326295" cy="2835706"/>
           </a:xfrm>
           <a:prstGeom prst="rect">
             <a:avLst/>
@@ -6592,10 +7736,10 @@
       </p:pic>
       <p:pic>
         <p:nvPicPr>
-          <p:cNvPr id="10" name="Picture 9">
-            <a:extLst>
-              <a:ext uri="{FF2B5EF4-FFF2-40B4-BE49-F238E27FC236}">
-                <a16:creationId xmlns:a16="http://schemas.microsoft.com/office/drawing/2014/main" id="{D78E0757-478C-4375-A856-E39610F650C8}"/>
+          <p:cNvPr id="3" name="Picture 2">
+            <a:extLst>
+              <a:ext uri="{FF2B5EF4-FFF2-40B4-BE49-F238E27FC236}">
+                <a16:creationId xmlns:a16="http://schemas.microsoft.com/office/drawing/2014/main" id="{75C407EF-CDA0-4389-84D9-CE6242D1BF8B}"/>
               </a:ext>
             </a:extLst>
           </p:cNvPr>
@@ -6612,20 +7756,167 @@
         </p:blipFill>
         <p:spPr>
           <a:xfrm>
-            <a:off x="1209548" y="3907040"/>
-            <a:ext cx="3550855" cy="2563230"/>
+            <a:off x="175470" y="3922806"/>
+            <a:ext cx="5233613" cy="2786362"/>
           </a:xfrm>
           <a:prstGeom prst="rect">
             <a:avLst/>
           </a:prstGeom>
         </p:spPr>
       </p:pic>
+    </p:spTree>
+    <p:extLst>
+      <p:ext uri="{BB962C8B-B14F-4D97-AF65-F5344CB8AC3E}">
+        <p14:creationId xmlns:p14="http://schemas.microsoft.com/office/powerpoint/2010/main" val="864770650"/>
+      </p:ext>
+    </p:extLst>
+  </p:cSld>
+  <p:clrMapOvr>
+    <a:masterClrMapping/>
+  </p:clrMapOvr>
+</p:sld>
+</file>
+
+<file path=ppt/slides/slide2.xml><?xml version="1.0" encoding="utf-8"?>
+<p:sld xmlns:a="http://schemas.openxmlformats.org/drawingml/2006/main" xmlns:r="http://schemas.openxmlformats.org/officeDocument/2006/relationships" xmlns:p="http://schemas.openxmlformats.org/presentationml/2006/main">
+  <p:cSld>
+    <p:spTree>
+      <p:nvGrpSpPr>
+        <p:cNvPr id="1" name=""/>
+        <p:cNvGrpSpPr/>
+        <p:nvPr/>
+      </p:nvGrpSpPr>
+      <p:grpSpPr>
+        <a:xfrm>
+          <a:off x="0" y="0"/>
+          <a:ext cx="0" cy="0"/>
+          <a:chOff x="0" y="0"/>
+          <a:chExt cx="0" cy="0"/>
+        </a:xfrm>
+      </p:grpSpPr>
+      <p:sp>
+        <p:nvSpPr>
+          <p:cNvPr id="3" name="Content Placeholder 2">
+            <a:extLst>
+              <a:ext uri="{FF2B5EF4-FFF2-40B4-BE49-F238E27FC236}">
+                <a16:creationId xmlns:a16="http://schemas.microsoft.com/office/drawing/2014/main" id="{7B2D5D34-8F1B-468D-BF41-29E57FB425F5}"/>
+              </a:ext>
+            </a:extLst>
+          </p:cNvPr>
+          <p:cNvSpPr>
+            <a:spLocks noGrp="1"/>
+          </p:cNvSpPr>
+          <p:nvPr>
+            <p:ph idx="1"/>
+          </p:nvPr>
+        </p:nvSpPr>
+        <p:spPr/>
+        <p:txBody>
+          <a:bodyPr/>
+          <a:lstStyle/>
+          <a:p>
+            <a:r>
+              <a:rPr lang="en-US" b="1" dirty="0"/>
+              <a:t>Motivation</a:t>
+            </a:r>
+          </a:p>
+          <a:p>
+            <a:r>
+              <a:rPr lang="en-US" dirty="0"/>
+              <a:t>Task</a:t>
+            </a:r>
+          </a:p>
+          <a:p>
+            <a:r>
+              <a:rPr lang="en-US" dirty="0"/>
+              <a:t>Breakdown of conditions </a:t>
+            </a:r>
+          </a:p>
+          <a:p>
+            <a:r>
+              <a:rPr lang="en-US" dirty="0"/>
+              <a:t>Breakdown of participants</a:t>
+            </a:r>
+          </a:p>
+          <a:p>
+            <a:r>
+              <a:rPr lang="en-US" dirty="0"/>
+              <a:t>Conclusion and future directions</a:t>
+            </a:r>
+          </a:p>
+        </p:txBody>
+      </p:sp>
+    </p:spTree>
+    <p:extLst>
+      <p:ext uri="{BB962C8B-B14F-4D97-AF65-F5344CB8AC3E}">
+        <p14:creationId xmlns:p14="http://schemas.microsoft.com/office/powerpoint/2010/main" val="2737142575"/>
+      </p:ext>
+    </p:extLst>
+  </p:cSld>
+  <p:clrMapOvr>
+    <a:masterClrMapping/>
+  </p:clrMapOvr>
+</p:sld>
+</file>
+
+<file path=ppt/slides/slide20.xml><?xml version="1.0" encoding="utf-8"?>
+<p:sld xmlns:a="http://schemas.openxmlformats.org/drawingml/2006/main" xmlns:r="http://schemas.openxmlformats.org/officeDocument/2006/relationships" xmlns:p="http://schemas.openxmlformats.org/presentationml/2006/main">
+  <p:cSld>
+    <p:spTree>
+      <p:nvGrpSpPr>
+        <p:cNvPr id="1" name=""/>
+        <p:cNvGrpSpPr/>
+        <p:nvPr/>
+      </p:nvGrpSpPr>
+      <p:grpSpPr>
+        <a:xfrm>
+          <a:off x="0" y="0"/>
+          <a:ext cx="0" cy="0"/>
+          <a:chOff x="0" y="0"/>
+          <a:chExt cx="0" cy="0"/>
+        </a:xfrm>
+      </p:grpSpPr>
+      <p:sp>
+        <p:nvSpPr>
+          <p:cNvPr id="4" name="Title 1">
+            <a:extLst>
+              <a:ext uri="{FF2B5EF4-FFF2-40B4-BE49-F238E27FC236}">
+                <a16:creationId xmlns:a16="http://schemas.microsoft.com/office/drawing/2014/main" id="{F90A0724-B0F6-4615-A9A9-B38E3C20CF20}"/>
+              </a:ext>
+            </a:extLst>
+          </p:cNvPr>
+          <p:cNvSpPr>
+            <a:spLocks noGrp="1"/>
+          </p:cNvSpPr>
+          <p:nvPr>
+            <p:ph type="title"/>
+          </p:nvPr>
+        </p:nvSpPr>
+        <p:spPr>
+          <a:xfrm>
+            <a:off x="175470" y="0"/>
+            <a:ext cx="9169866" cy="977114"/>
+          </a:xfrm>
+        </p:spPr>
+        <p:txBody>
+          <a:bodyPr>
+            <a:normAutofit/>
+          </a:bodyPr>
+          <a:lstStyle/>
+          <a:p>
+            <a:r>
+              <a:rPr lang="en-US" sz="2400" dirty="0"/>
+              <a:t>Low value (previously called odds)</a:t>
+            </a:r>
+          </a:p>
+        </p:txBody>
+      </p:sp>
       <p:pic>
         <p:nvPicPr>
-          <p:cNvPr id="11" name="Picture 10">
-            <a:extLst>
-              <a:ext uri="{FF2B5EF4-FFF2-40B4-BE49-F238E27FC236}">
-                <a16:creationId xmlns:a16="http://schemas.microsoft.com/office/drawing/2014/main" id="{4A36AE45-6163-40B2-88FC-B904D45053DA}"/>
+          <p:cNvPr id="7" name="Picture 6">
+            <a:extLst>
+              <a:ext uri="{FF2B5EF4-FFF2-40B4-BE49-F238E27FC236}">
+                <a16:creationId xmlns:a16="http://schemas.microsoft.com/office/drawing/2014/main" id="{358139DC-364B-49FE-A3E0-C96A73CA6754}"/>
               </a:ext>
             </a:extLst>
           </p:cNvPr>
@@ -6635,15 +7926,385 @@
           <p:nvPr/>
         </p:nvPicPr>
         <p:blipFill>
-          <a:blip r:embed="rId5"/>
+          <a:blip r:embed="rId2"/>
           <a:stretch>
             <a:fillRect/>
           </a:stretch>
         </p:blipFill>
         <p:spPr>
           <a:xfrm>
-            <a:off x="6518937" y="3907040"/>
-            <a:ext cx="3796182" cy="2740323"/>
+            <a:off x="641151" y="824280"/>
+            <a:ext cx="3985753" cy="2877167"/>
+          </a:xfrm>
+          <a:prstGeom prst="rect">
+            <a:avLst/>
+          </a:prstGeom>
+        </p:spPr>
+      </p:pic>
+      <p:pic>
+        <p:nvPicPr>
+          <p:cNvPr id="2" name="Picture 1">
+            <a:extLst>
+              <a:ext uri="{FF2B5EF4-FFF2-40B4-BE49-F238E27FC236}">
+                <a16:creationId xmlns:a16="http://schemas.microsoft.com/office/drawing/2014/main" id="{F3E6E61B-A7B1-4E26-9D4E-5B36997A5E48}"/>
+              </a:ext>
+            </a:extLst>
+          </p:cNvPr>
+          <p:cNvPicPr>
+            <a:picLocks noChangeAspect="1"/>
+          </p:cNvPicPr>
+          <p:nvPr/>
+        </p:nvPicPr>
+        <p:blipFill>
+          <a:blip r:embed="rId3"/>
+          <a:stretch>
+            <a:fillRect/>
+          </a:stretch>
+        </p:blipFill>
+        <p:spPr>
+          <a:xfrm>
+            <a:off x="494483" y="3947507"/>
+            <a:ext cx="4766227" cy="2537527"/>
+          </a:xfrm>
+          <a:prstGeom prst="rect">
+            <a:avLst/>
+          </a:prstGeom>
+        </p:spPr>
+      </p:pic>
+      <p:pic>
+        <p:nvPicPr>
+          <p:cNvPr id="5" name="Picture 4">
+            <a:extLst>
+              <a:ext uri="{FF2B5EF4-FFF2-40B4-BE49-F238E27FC236}">
+                <a16:creationId xmlns:a16="http://schemas.microsoft.com/office/drawing/2014/main" id="{DD2D06B6-C29B-43D0-9F81-6DC024C09431}"/>
+              </a:ext>
+            </a:extLst>
+          </p:cNvPr>
+          <p:cNvPicPr>
+            <a:picLocks noChangeAspect="1"/>
+          </p:cNvPicPr>
+          <p:nvPr/>
+        </p:nvPicPr>
+        <p:blipFill>
+          <a:blip r:embed="rId4"/>
+          <a:stretch>
+            <a:fillRect/>
+          </a:stretch>
+        </p:blipFill>
+        <p:spPr>
+          <a:xfrm>
+            <a:off x="6096000" y="552485"/>
+            <a:ext cx="5402946" cy="2876515"/>
+          </a:xfrm>
+          <a:prstGeom prst="rect">
+            <a:avLst/>
+          </a:prstGeom>
+        </p:spPr>
+      </p:pic>
+    </p:spTree>
+    <p:extLst>
+      <p:ext uri="{BB962C8B-B14F-4D97-AF65-F5344CB8AC3E}">
+        <p14:creationId xmlns:p14="http://schemas.microsoft.com/office/powerpoint/2010/main" val="4138266969"/>
+      </p:ext>
+    </p:extLst>
+  </p:cSld>
+  <p:clrMapOvr>
+    <a:masterClrMapping/>
+  </p:clrMapOvr>
+</p:sld>
+</file>
+
+<file path=ppt/slides/slide21.xml><?xml version="1.0" encoding="utf-8"?>
+<p:sld xmlns:a="http://schemas.openxmlformats.org/drawingml/2006/main" xmlns:r="http://schemas.openxmlformats.org/officeDocument/2006/relationships" xmlns:p="http://schemas.openxmlformats.org/presentationml/2006/main">
+  <p:cSld>
+    <p:spTree>
+      <p:nvGrpSpPr>
+        <p:cNvPr id="1" name=""/>
+        <p:cNvGrpSpPr/>
+        <p:nvPr/>
+      </p:nvGrpSpPr>
+      <p:grpSpPr>
+        <a:xfrm>
+          <a:off x="0" y="0"/>
+          <a:ext cx="0" cy="0"/>
+          <a:chOff x="0" y="0"/>
+          <a:chExt cx="0" cy="0"/>
+        </a:xfrm>
+      </p:grpSpPr>
+      <p:sp>
+        <p:nvSpPr>
+          <p:cNvPr id="4" name="Title 1">
+            <a:extLst>
+              <a:ext uri="{FF2B5EF4-FFF2-40B4-BE49-F238E27FC236}">
+                <a16:creationId xmlns:a16="http://schemas.microsoft.com/office/drawing/2014/main" id="{F90A0724-B0F6-4615-A9A9-B38E3C20CF20}"/>
+              </a:ext>
+            </a:extLst>
+          </p:cNvPr>
+          <p:cNvSpPr>
+            <a:spLocks noGrp="1"/>
+          </p:cNvSpPr>
+          <p:nvPr>
+            <p:ph type="title"/>
+          </p:nvPr>
+        </p:nvSpPr>
+        <p:spPr>
+          <a:xfrm>
+            <a:off x="175470" y="0"/>
+            <a:ext cx="9169866" cy="977114"/>
+          </a:xfrm>
+        </p:spPr>
+        <p:txBody>
+          <a:bodyPr>
+            <a:normAutofit/>
+          </a:bodyPr>
+          <a:lstStyle/>
+          <a:p>
+            <a:r>
+              <a:rPr lang="en-US" sz="2400" dirty="0"/>
+              <a:t>Mid value</a:t>
+            </a:r>
+          </a:p>
+        </p:txBody>
+      </p:sp>
+      <p:pic>
+        <p:nvPicPr>
+          <p:cNvPr id="7" name="Picture 6">
+            <a:extLst>
+              <a:ext uri="{FF2B5EF4-FFF2-40B4-BE49-F238E27FC236}">
+                <a16:creationId xmlns:a16="http://schemas.microsoft.com/office/drawing/2014/main" id="{1BA46DF3-EE19-4A60-8A55-648C88AB2015}"/>
+              </a:ext>
+            </a:extLst>
+          </p:cNvPr>
+          <p:cNvPicPr>
+            <a:picLocks noChangeAspect="1"/>
+          </p:cNvPicPr>
+          <p:nvPr/>
+        </p:nvPicPr>
+        <p:blipFill>
+          <a:blip r:embed="rId2"/>
+          <a:stretch>
+            <a:fillRect/>
+          </a:stretch>
+        </p:blipFill>
+        <p:spPr>
+          <a:xfrm>
+            <a:off x="775404" y="771857"/>
+            <a:ext cx="3751440" cy="2708025"/>
+          </a:xfrm>
+          <a:prstGeom prst="rect">
+            <a:avLst/>
+          </a:prstGeom>
+        </p:spPr>
+      </p:pic>
+      <p:pic>
+        <p:nvPicPr>
+          <p:cNvPr id="2" name="Picture 1">
+            <a:extLst>
+              <a:ext uri="{FF2B5EF4-FFF2-40B4-BE49-F238E27FC236}">
+                <a16:creationId xmlns:a16="http://schemas.microsoft.com/office/drawing/2014/main" id="{F840BC52-F707-4C72-A7CF-0CA9C342FBD2}"/>
+              </a:ext>
+            </a:extLst>
+          </p:cNvPr>
+          <p:cNvPicPr>
+            <a:picLocks noChangeAspect="1"/>
+          </p:cNvPicPr>
+          <p:nvPr/>
+        </p:nvPicPr>
+        <p:blipFill>
+          <a:blip r:embed="rId3"/>
+          <a:stretch>
+            <a:fillRect/>
+          </a:stretch>
+        </p:blipFill>
+        <p:spPr>
+          <a:xfrm>
+            <a:off x="343098" y="3837037"/>
+            <a:ext cx="5380368" cy="2864494"/>
+          </a:xfrm>
+          <a:prstGeom prst="rect">
+            <a:avLst/>
+          </a:prstGeom>
+        </p:spPr>
+      </p:pic>
+      <p:pic>
+        <p:nvPicPr>
+          <p:cNvPr id="5" name="Picture 4">
+            <a:extLst>
+              <a:ext uri="{FF2B5EF4-FFF2-40B4-BE49-F238E27FC236}">
+                <a16:creationId xmlns:a16="http://schemas.microsoft.com/office/drawing/2014/main" id="{7DD30A0A-A1C2-4FE1-AB59-63380E622B91}"/>
+              </a:ext>
+            </a:extLst>
+          </p:cNvPr>
+          <p:cNvPicPr>
+            <a:picLocks noChangeAspect="1"/>
+          </p:cNvPicPr>
+          <p:nvPr/>
+        </p:nvPicPr>
+        <p:blipFill>
+          <a:blip r:embed="rId4"/>
+          <a:stretch>
+            <a:fillRect/>
+          </a:stretch>
+        </p:blipFill>
+        <p:spPr>
+          <a:xfrm>
+            <a:off x="6769325" y="733818"/>
+            <a:ext cx="4985257" cy="2654138"/>
+          </a:xfrm>
+          <a:prstGeom prst="rect">
+            <a:avLst/>
+          </a:prstGeom>
+        </p:spPr>
+      </p:pic>
+    </p:spTree>
+    <p:extLst>
+      <p:ext uri="{BB962C8B-B14F-4D97-AF65-F5344CB8AC3E}">
+        <p14:creationId xmlns:p14="http://schemas.microsoft.com/office/powerpoint/2010/main" val="2130673036"/>
+      </p:ext>
+    </p:extLst>
+  </p:cSld>
+  <p:clrMapOvr>
+    <a:masterClrMapping/>
+  </p:clrMapOvr>
+</p:sld>
+</file>
+
+<file path=ppt/slides/slide22.xml><?xml version="1.0" encoding="utf-8"?>
+<p:sld xmlns:a="http://schemas.openxmlformats.org/drawingml/2006/main" xmlns:r="http://schemas.openxmlformats.org/officeDocument/2006/relationships" xmlns:p="http://schemas.openxmlformats.org/presentationml/2006/main">
+  <p:cSld>
+    <p:spTree>
+      <p:nvGrpSpPr>
+        <p:cNvPr id="1" name=""/>
+        <p:cNvGrpSpPr/>
+        <p:nvPr/>
+      </p:nvGrpSpPr>
+      <p:grpSpPr>
+        <a:xfrm>
+          <a:off x="0" y="0"/>
+          <a:ext cx="0" cy="0"/>
+          <a:chOff x="0" y="0"/>
+          <a:chExt cx="0" cy="0"/>
+        </a:xfrm>
+      </p:grpSpPr>
+      <p:sp>
+        <p:nvSpPr>
+          <p:cNvPr id="4" name="Title 1">
+            <a:extLst>
+              <a:ext uri="{FF2B5EF4-FFF2-40B4-BE49-F238E27FC236}">
+                <a16:creationId xmlns:a16="http://schemas.microsoft.com/office/drawing/2014/main" id="{F90A0724-B0F6-4615-A9A9-B38E3C20CF20}"/>
+              </a:ext>
+            </a:extLst>
+          </p:cNvPr>
+          <p:cNvSpPr>
+            <a:spLocks noGrp="1"/>
+          </p:cNvSpPr>
+          <p:nvPr>
+            <p:ph type="title"/>
+          </p:nvPr>
+        </p:nvSpPr>
+        <p:spPr>
+          <a:xfrm>
+            <a:off x="175470" y="0"/>
+            <a:ext cx="9169866" cy="977114"/>
+          </a:xfrm>
+        </p:spPr>
+        <p:txBody>
+          <a:bodyPr>
+            <a:normAutofit/>
+          </a:bodyPr>
+          <a:lstStyle/>
+          <a:p>
+            <a:r>
+              <a:rPr lang="en-US" sz="2400" dirty="0"/>
+              <a:t>High value </a:t>
+            </a:r>
+          </a:p>
+        </p:txBody>
+      </p:sp>
+      <p:pic>
+        <p:nvPicPr>
+          <p:cNvPr id="7" name="Picture 6">
+            <a:extLst>
+              <a:ext uri="{FF2B5EF4-FFF2-40B4-BE49-F238E27FC236}">
+                <a16:creationId xmlns:a16="http://schemas.microsoft.com/office/drawing/2014/main" id="{9D62B0B1-BDBC-49D5-94A6-D0D72D57FE9D}"/>
+              </a:ext>
+            </a:extLst>
+          </p:cNvPr>
+          <p:cNvPicPr>
+            <a:picLocks noChangeAspect="1"/>
+          </p:cNvPicPr>
+          <p:nvPr/>
+        </p:nvPicPr>
+        <p:blipFill>
+          <a:blip r:embed="rId2"/>
+          <a:stretch>
+            <a:fillRect/>
+          </a:stretch>
+        </p:blipFill>
+        <p:spPr>
+          <a:xfrm>
+            <a:off x="786880" y="933277"/>
+            <a:ext cx="4119568" cy="2973763"/>
+          </a:xfrm>
+          <a:prstGeom prst="rect">
+            <a:avLst/>
+          </a:prstGeom>
+        </p:spPr>
+      </p:pic>
+      <p:pic>
+        <p:nvPicPr>
+          <p:cNvPr id="2" name="Picture 1">
+            <a:extLst>
+              <a:ext uri="{FF2B5EF4-FFF2-40B4-BE49-F238E27FC236}">
+                <a16:creationId xmlns:a16="http://schemas.microsoft.com/office/drawing/2014/main" id="{2A0FE578-C8B1-438D-A172-CF0D5337FDA8}"/>
+              </a:ext>
+            </a:extLst>
+          </p:cNvPr>
+          <p:cNvPicPr>
+            <a:picLocks noChangeAspect="1"/>
+          </p:cNvPicPr>
+          <p:nvPr/>
+        </p:nvPicPr>
+        <p:blipFill>
+          <a:blip r:embed="rId3"/>
+          <a:stretch>
+            <a:fillRect/>
+          </a:stretch>
+        </p:blipFill>
+        <p:spPr>
+          <a:xfrm>
+            <a:off x="370968" y="4070764"/>
+            <a:ext cx="4951391" cy="2636108"/>
+          </a:xfrm>
+          <a:prstGeom prst="rect">
+            <a:avLst/>
+          </a:prstGeom>
+        </p:spPr>
+      </p:pic>
+      <p:pic>
+        <p:nvPicPr>
+          <p:cNvPr id="3" name="Picture 2">
+            <a:extLst>
+              <a:ext uri="{FF2B5EF4-FFF2-40B4-BE49-F238E27FC236}">
+                <a16:creationId xmlns:a16="http://schemas.microsoft.com/office/drawing/2014/main" id="{90003398-01A8-4218-9EC7-29B23F548977}"/>
+              </a:ext>
+            </a:extLst>
+          </p:cNvPr>
+          <p:cNvPicPr>
+            <a:picLocks noChangeAspect="1"/>
+          </p:cNvPicPr>
+          <p:nvPr/>
+        </p:nvPicPr>
+        <p:blipFill>
+          <a:blip r:embed="rId4"/>
+          <a:stretch>
+            <a:fillRect/>
+          </a:stretch>
+        </p:blipFill>
+        <p:spPr>
+          <a:xfrm>
+            <a:off x="6369991" y="977114"/>
+            <a:ext cx="5194789" cy="2765692"/>
           </a:xfrm>
           <a:prstGeom prst="rect">
             <a:avLst/>
@@ -6663,7 +8324,1318 @@
 </p:sld>
 </file>
 
-<file path=ppt/slides/slide2.xml><?xml version="1.0" encoding="utf-8"?>
+<file path=ppt/slides/slide23.xml><?xml version="1.0" encoding="utf-8"?>
+<p:sld xmlns:a="http://schemas.openxmlformats.org/drawingml/2006/main" xmlns:r="http://schemas.openxmlformats.org/officeDocument/2006/relationships" xmlns:p="http://schemas.openxmlformats.org/presentationml/2006/main">
+  <p:cSld>
+    <p:spTree>
+      <p:nvGrpSpPr>
+        <p:cNvPr id="1" name=""/>
+        <p:cNvGrpSpPr/>
+        <p:nvPr/>
+      </p:nvGrpSpPr>
+      <p:grpSpPr>
+        <a:xfrm>
+          <a:off x="0" y="0"/>
+          <a:ext cx="0" cy="0"/>
+          <a:chOff x="0" y="0"/>
+          <a:chExt cx="0" cy="0"/>
+        </a:xfrm>
+      </p:grpSpPr>
+      <p:sp>
+        <p:nvSpPr>
+          <p:cNvPr id="4" name="Title 1">
+            <a:extLst>
+              <a:ext uri="{FF2B5EF4-FFF2-40B4-BE49-F238E27FC236}">
+                <a16:creationId xmlns:a16="http://schemas.microsoft.com/office/drawing/2014/main" id="{F90A0724-B0F6-4615-A9A9-B38E3C20CF20}"/>
+              </a:ext>
+            </a:extLst>
+          </p:cNvPr>
+          <p:cNvSpPr>
+            <a:spLocks noGrp="1"/>
+          </p:cNvSpPr>
+          <p:nvPr>
+            <p:ph type="title"/>
+          </p:nvPr>
+        </p:nvSpPr>
+        <p:spPr>
+          <a:xfrm>
+            <a:off x="175470" y="0"/>
+            <a:ext cx="9169866" cy="977114"/>
+          </a:xfrm>
+        </p:spPr>
+        <p:txBody>
+          <a:bodyPr>
+            <a:normAutofit/>
+          </a:bodyPr>
+          <a:lstStyle/>
+          <a:p>
+            <a:r>
+              <a:rPr lang="en-US" sz="2400" dirty="0"/>
+              <a:t>High RPE trials only </a:t>
+            </a:r>
+          </a:p>
+        </p:txBody>
+      </p:sp>
+      <p:pic>
+        <p:nvPicPr>
+          <p:cNvPr id="7" name="Picture 6">
+            <a:extLst>
+              <a:ext uri="{FF2B5EF4-FFF2-40B4-BE49-F238E27FC236}">
+                <a16:creationId xmlns:a16="http://schemas.microsoft.com/office/drawing/2014/main" id="{B3F84A54-01E9-4272-9144-FDA7C0F075DD}"/>
+              </a:ext>
+            </a:extLst>
+          </p:cNvPr>
+          <p:cNvPicPr>
+            <a:picLocks noChangeAspect="1"/>
+          </p:cNvPicPr>
+          <p:nvPr/>
+        </p:nvPicPr>
+        <p:blipFill>
+          <a:blip r:embed="rId2"/>
+          <a:stretch>
+            <a:fillRect/>
+          </a:stretch>
+        </p:blipFill>
+        <p:spPr>
+          <a:xfrm>
+            <a:off x="6276622" y="977114"/>
+            <a:ext cx="5263111" cy="2802067"/>
+          </a:xfrm>
+          <a:prstGeom prst="rect">
+            <a:avLst/>
+          </a:prstGeom>
+        </p:spPr>
+      </p:pic>
+      <p:pic>
+        <p:nvPicPr>
+          <p:cNvPr id="8" name="Picture 7">
+            <a:extLst>
+              <a:ext uri="{FF2B5EF4-FFF2-40B4-BE49-F238E27FC236}">
+                <a16:creationId xmlns:a16="http://schemas.microsoft.com/office/drawing/2014/main" id="{B237F044-31D9-4292-A8C1-CA2421928A09}"/>
+              </a:ext>
+            </a:extLst>
+          </p:cNvPr>
+          <p:cNvPicPr>
+            <a:picLocks noChangeAspect="1"/>
+          </p:cNvPicPr>
+          <p:nvPr/>
+        </p:nvPicPr>
+        <p:blipFill>
+          <a:blip r:embed="rId3"/>
+          <a:stretch>
+            <a:fillRect/>
+          </a:stretch>
+        </p:blipFill>
+        <p:spPr>
+          <a:xfrm>
+            <a:off x="203344" y="3956054"/>
+            <a:ext cx="4914484" cy="2616458"/>
+          </a:xfrm>
+          <a:prstGeom prst="rect">
+            <a:avLst/>
+          </a:prstGeom>
+        </p:spPr>
+      </p:pic>
+      <p:pic>
+        <p:nvPicPr>
+          <p:cNvPr id="9" name="Picture 8">
+            <a:extLst>
+              <a:ext uri="{FF2B5EF4-FFF2-40B4-BE49-F238E27FC236}">
+                <a16:creationId xmlns:a16="http://schemas.microsoft.com/office/drawing/2014/main" id="{E3EC95EA-E68D-441C-B38E-39E389ABBA62}"/>
+              </a:ext>
+            </a:extLst>
+          </p:cNvPr>
+          <p:cNvPicPr>
+            <a:picLocks noChangeAspect="1"/>
+          </p:cNvPicPr>
+          <p:nvPr/>
+        </p:nvPicPr>
+        <p:blipFill>
+          <a:blip r:embed="rId4"/>
+          <a:stretch>
+            <a:fillRect/>
+          </a:stretch>
+        </p:blipFill>
+        <p:spPr>
+          <a:xfrm>
+            <a:off x="128446" y="1118479"/>
+            <a:ext cx="5064280" cy="2696209"/>
+          </a:xfrm>
+          <a:prstGeom prst="rect">
+            <a:avLst/>
+          </a:prstGeom>
+        </p:spPr>
+      </p:pic>
+    </p:spTree>
+    <p:extLst>
+      <p:ext uri="{BB962C8B-B14F-4D97-AF65-F5344CB8AC3E}">
+        <p14:creationId xmlns:p14="http://schemas.microsoft.com/office/powerpoint/2010/main" val="512671512"/>
+      </p:ext>
+    </p:extLst>
+  </p:cSld>
+  <p:clrMapOvr>
+    <a:masterClrMapping/>
+  </p:clrMapOvr>
+</p:sld>
+</file>
+
+<file path=ppt/slides/slide24.xml><?xml version="1.0" encoding="utf-8"?>
+<p:sld xmlns:a="http://schemas.openxmlformats.org/drawingml/2006/main" xmlns:r="http://schemas.openxmlformats.org/officeDocument/2006/relationships" xmlns:p="http://schemas.openxmlformats.org/presentationml/2006/main">
+  <p:cSld>
+    <p:spTree>
+      <p:nvGrpSpPr>
+        <p:cNvPr id="1" name=""/>
+        <p:cNvGrpSpPr/>
+        <p:nvPr/>
+      </p:nvGrpSpPr>
+      <p:grpSpPr>
+        <a:xfrm>
+          <a:off x="0" y="0"/>
+          <a:ext cx="0" cy="0"/>
+          <a:chOff x="0" y="0"/>
+          <a:chExt cx="0" cy="0"/>
+        </a:xfrm>
+      </p:grpSpPr>
+      <p:sp>
+        <p:nvSpPr>
+          <p:cNvPr id="4" name="Title 1">
+            <a:extLst>
+              <a:ext uri="{FF2B5EF4-FFF2-40B4-BE49-F238E27FC236}">
+                <a16:creationId xmlns:a16="http://schemas.microsoft.com/office/drawing/2014/main" id="{F90A0724-B0F6-4615-A9A9-B38E3C20CF20}"/>
+              </a:ext>
+            </a:extLst>
+          </p:cNvPr>
+          <p:cNvSpPr>
+            <a:spLocks noGrp="1"/>
+          </p:cNvSpPr>
+          <p:nvPr>
+            <p:ph type="title"/>
+          </p:nvPr>
+        </p:nvSpPr>
+        <p:spPr>
+          <a:xfrm>
+            <a:off x="175470" y="0"/>
+            <a:ext cx="9169866" cy="977114"/>
+          </a:xfrm>
+        </p:spPr>
+        <p:txBody>
+          <a:bodyPr>
+            <a:normAutofit/>
+          </a:bodyPr>
+          <a:lstStyle/>
+          <a:p>
+            <a:r>
+              <a:rPr lang="en-US" sz="2400" dirty="0"/>
+              <a:t>Low RPE trials only </a:t>
+            </a:r>
+          </a:p>
+        </p:txBody>
+      </p:sp>
+      <p:pic>
+        <p:nvPicPr>
+          <p:cNvPr id="5" name="Picture 4">
+            <a:extLst>
+              <a:ext uri="{FF2B5EF4-FFF2-40B4-BE49-F238E27FC236}">
+                <a16:creationId xmlns:a16="http://schemas.microsoft.com/office/drawing/2014/main" id="{D48EB3A5-6B31-4A17-997E-6C4D4C4BA1DE}"/>
+              </a:ext>
+            </a:extLst>
+          </p:cNvPr>
+          <p:cNvPicPr>
+            <a:picLocks noChangeAspect="1"/>
+          </p:cNvPicPr>
+          <p:nvPr/>
+        </p:nvPicPr>
+        <p:blipFill>
+          <a:blip r:embed="rId2"/>
+          <a:stretch>
+            <a:fillRect/>
+          </a:stretch>
+        </p:blipFill>
+        <p:spPr>
+          <a:xfrm>
+            <a:off x="416124" y="977114"/>
+            <a:ext cx="4861080" cy="2588026"/>
+          </a:xfrm>
+          <a:prstGeom prst="rect">
+            <a:avLst/>
+          </a:prstGeom>
+        </p:spPr>
+      </p:pic>
+      <p:pic>
+        <p:nvPicPr>
+          <p:cNvPr id="6" name="Picture 5">
+            <a:extLst>
+              <a:ext uri="{FF2B5EF4-FFF2-40B4-BE49-F238E27FC236}">
+                <a16:creationId xmlns:a16="http://schemas.microsoft.com/office/drawing/2014/main" id="{1F0E1FE3-171E-4A4C-AA5A-7A6A5158A511}"/>
+              </a:ext>
+            </a:extLst>
+          </p:cNvPr>
+          <p:cNvPicPr>
+            <a:picLocks noChangeAspect="1"/>
+          </p:cNvPicPr>
+          <p:nvPr/>
+        </p:nvPicPr>
+        <p:blipFill>
+          <a:blip r:embed="rId3"/>
+          <a:stretch>
+            <a:fillRect/>
+          </a:stretch>
+        </p:blipFill>
+        <p:spPr>
+          <a:xfrm>
+            <a:off x="501143" y="3911082"/>
+            <a:ext cx="4861080" cy="2588026"/>
+          </a:xfrm>
+          <a:prstGeom prst="rect">
+            <a:avLst/>
+          </a:prstGeom>
+        </p:spPr>
+      </p:pic>
+      <p:pic>
+        <p:nvPicPr>
+          <p:cNvPr id="9" name="Picture 8">
+            <a:extLst>
+              <a:ext uri="{FF2B5EF4-FFF2-40B4-BE49-F238E27FC236}">
+                <a16:creationId xmlns:a16="http://schemas.microsoft.com/office/drawing/2014/main" id="{67363A5A-F6B5-4AFA-8F6F-CB0BD8388C88}"/>
+              </a:ext>
+            </a:extLst>
+          </p:cNvPr>
+          <p:cNvPicPr>
+            <a:picLocks noChangeAspect="1"/>
+          </p:cNvPicPr>
+          <p:nvPr/>
+        </p:nvPicPr>
+        <p:blipFill>
+          <a:blip r:embed="rId4"/>
+          <a:stretch>
+            <a:fillRect/>
+          </a:stretch>
+        </p:blipFill>
+        <p:spPr>
+          <a:xfrm>
+            <a:off x="6744100" y="836530"/>
+            <a:ext cx="4635302" cy="2467822"/>
+          </a:xfrm>
+          <a:prstGeom prst="rect">
+            <a:avLst/>
+          </a:prstGeom>
+        </p:spPr>
+      </p:pic>
+    </p:spTree>
+    <p:extLst>
+      <p:ext uri="{BB962C8B-B14F-4D97-AF65-F5344CB8AC3E}">
+        <p14:creationId xmlns:p14="http://schemas.microsoft.com/office/powerpoint/2010/main" val="973419369"/>
+      </p:ext>
+    </p:extLst>
+  </p:cSld>
+  <p:clrMapOvr>
+    <a:masterClrMapping/>
+  </p:clrMapOvr>
+</p:sld>
+</file>
+
+<file path=ppt/slides/slide25.xml><?xml version="1.0" encoding="utf-8"?>
+<p:sld xmlns:a="http://schemas.openxmlformats.org/drawingml/2006/main" xmlns:r="http://schemas.openxmlformats.org/officeDocument/2006/relationships" xmlns:p="http://schemas.openxmlformats.org/presentationml/2006/main">
+  <p:cSld>
+    <p:spTree>
+      <p:nvGrpSpPr>
+        <p:cNvPr id="1" name=""/>
+        <p:cNvGrpSpPr/>
+        <p:nvPr/>
+      </p:nvGrpSpPr>
+      <p:grpSpPr>
+        <a:xfrm>
+          <a:off x="0" y="0"/>
+          <a:ext cx="0" cy="0"/>
+          <a:chOff x="0" y="0"/>
+          <a:chExt cx="0" cy="0"/>
+        </a:xfrm>
+      </p:grpSpPr>
+      <p:sp>
+        <p:nvSpPr>
+          <p:cNvPr id="3" name="Content Placeholder 2">
+            <a:extLst>
+              <a:ext uri="{FF2B5EF4-FFF2-40B4-BE49-F238E27FC236}">
+                <a16:creationId xmlns:a16="http://schemas.microsoft.com/office/drawing/2014/main" id="{7B2D5D34-8F1B-468D-BF41-29E57FB425F5}"/>
+              </a:ext>
+            </a:extLst>
+          </p:cNvPr>
+          <p:cNvSpPr>
+            <a:spLocks noGrp="1"/>
+          </p:cNvSpPr>
+          <p:nvPr>
+            <p:ph idx="1"/>
+          </p:nvPr>
+        </p:nvSpPr>
+        <p:spPr/>
+        <p:txBody>
+          <a:bodyPr/>
+          <a:lstStyle/>
+          <a:p>
+            <a:r>
+              <a:rPr lang="en-US" dirty="0"/>
+              <a:t>Motivation</a:t>
+            </a:r>
+          </a:p>
+          <a:p>
+            <a:r>
+              <a:rPr lang="en-US" dirty="0"/>
+              <a:t>Task</a:t>
+            </a:r>
+          </a:p>
+          <a:p>
+            <a:r>
+              <a:rPr lang="en-US" dirty="0"/>
+              <a:t>First order analyses and conditions analysis</a:t>
+            </a:r>
+          </a:p>
+          <a:p>
+            <a:r>
+              <a:rPr lang="en-US" b="1" dirty="0"/>
+              <a:t>Breakdown of participants</a:t>
+            </a:r>
+          </a:p>
+          <a:p>
+            <a:r>
+              <a:rPr lang="en-US" dirty="0"/>
+              <a:t>Conclusion and future directions</a:t>
+            </a:r>
+          </a:p>
+        </p:txBody>
+      </p:sp>
+    </p:spTree>
+    <p:extLst>
+      <p:ext uri="{BB962C8B-B14F-4D97-AF65-F5344CB8AC3E}">
+        <p14:creationId xmlns:p14="http://schemas.microsoft.com/office/powerpoint/2010/main" val="1405728698"/>
+      </p:ext>
+    </p:extLst>
+  </p:cSld>
+  <p:clrMapOvr>
+    <a:masterClrMapping/>
+  </p:clrMapOvr>
+</p:sld>
+</file>
+
+<file path=ppt/slides/slide26.xml><?xml version="1.0" encoding="utf-8"?>
+<p:sld xmlns:a="http://schemas.openxmlformats.org/drawingml/2006/main" xmlns:r="http://schemas.openxmlformats.org/officeDocument/2006/relationships" xmlns:p="http://schemas.openxmlformats.org/presentationml/2006/main">
+  <p:cSld>
+    <p:spTree>
+      <p:nvGrpSpPr>
+        <p:cNvPr id="1" name=""/>
+        <p:cNvGrpSpPr/>
+        <p:nvPr/>
+      </p:nvGrpSpPr>
+      <p:grpSpPr>
+        <a:xfrm>
+          <a:off x="0" y="0"/>
+          <a:ext cx="0" cy="0"/>
+          <a:chOff x="0" y="0"/>
+          <a:chExt cx="0" cy="0"/>
+        </a:xfrm>
+      </p:grpSpPr>
+      <p:sp>
+        <p:nvSpPr>
+          <p:cNvPr id="2" name="Title 1">
+            <a:extLst>
+              <a:ext uri="{FF2B5EF4-FFF2-40B4-BE49-F238E27FC236}">
+                <a16:creationId xmlns:a16="http://schemas.microsoft.com/office/drawing/2014/main" id="{AD584A5A-8240-4177-827B-788B43A7CF95}"/>
+              </a:ext>
+            </a:extLst>
+          </p:cNvPr>
+          <p:cNvSpPr>
+            <a:spLocks noGrp="1"/>
+          </p:cNvSpPr>
+          <p:nvPr>
+            <p:ph type="title"/>
+          </p:nvPr>
+        </p:nvSpPr>
+        <p:spPr>
+          <a:xfrm>
+            <a:off x="410362" y="180567"/>
+            <a:ext cx="11334225" cy="868057"/>
+          </a:xfrm>
+        </p:spPr>
+        <p:txBody>
+          <a:bodyPr>
+            <a:normAutofit/>
+          </a:bodyPr>
+          <a:lstStyle/>
+          <a:p>
+            <a:r>
+              <a:rPr lang="en-US" sz="2400" dirty="0"/>
+              <a:t>Participants who failed any number of catch trials (n=82)</a:t>
+            </a:r>
+          </a:p>
+        </p:txBody>
+      </p:sp>
+      <p:pic>
+        <p:nvPicPr>
+          <p:cNvPr id="8" name="Picture 7">
+            <a:extLst>
+              <a:ext uri="{FF2B5EF4-FFF2-40B4-BE49-F238E27FC236}">
+                <a16:creationId xmlns:a16="http://schemas.microsoft.com/office/drawing/2014/main" id="{2BC986BB-FA52-46E2-B852-A20B2D04F3B3}"/>
+              </a:ext>
+            </a:extLst>
+          </p:cNvPr>
+          <p:cNvPicPr>
+            <a:picLocks noChangeAspect="1"/>
+          </p:cNvPicPr>
+          <p:nvPr/>
+        </p:nvPicPr>
+        <p:blipFill>
+          <a:blip r:embed="rId2"/>
+          <a:stretch>
+            <a:fillRect/>
+          </a:stretch>
+        </p:blipFill>
+        <p:spPr>
+          <a:xfrm>
+            <a:off x="410362" y="3793405"/>
+            <a:ext cx="5572280" cy="2966667"/>
+          </a:xfrm>
+          <a:prstGeom prst="rect">
+            <a:avLst/>
+          </a:prstGeom>
+        </p:spPr>
+      </p:pic>
+      <p:pic>
+        <p:nvPicPr>
+          <p:cNvPr id="9" name="Picture 8">
+            <a:extLst>
+              <a:ext uri="{FF2B5EF4-FFF2-40B4-BE49-F238E27FC236}">
+                <a16:creationId xmlns:a16="http://schemas.microsoft.com/office/drawing/2014/main" id="{3E65ACCC-2470-4984-9CF9-EA50C298BCBB}"/>
+              </a:ext>
+            </a:extLst>
+          </p:cNvPr>
+          <p:cNvPicPr>
+            <a:picLocks noChangeAspect="1"/>
+          </p:cNvPicPr>
+          <p:nvPr/>
+        </p:nvPicPr>
+        <p:blipFill>
+          <a:blip r:embed="rId3"/>
+          <a:stretch>
+            <a:fillRect/>
+          </a:stretch>
+        </p:blipFill>
+        <p:spPr>
+          <a:xfrm>
+            <a:off x="447413" y="928911"/>
+            <a:ext cx="5380368" cy="2864494"/>
+          </a:xfrm>
+          <a:prstGeom prst="rect">
+            <a:avLst/>
+          </a:prstGeom>
+        </p:spPr>
+      </p:pic>
+      <p:pic>
+        <p:nvPicPr>
+          <p:cNvPr id="11" name="Picture 10">
+            <a:extLst>
+              <a:ext uri="{FF2B5EF4-FFF2-40B4-BE49-F238E27FC236}">
+                <a16:creationId xmlns:a16="http://schemas.microsoft.com/office/drawing/2014/main" id="{72C4B924-35F8-491B-AE2C-C2EF6C61E972}"/>
+              </a:ext>
+            </a:extLst>
+          </p:cNvPr>
+          <p:cNvPicPr>
+            <a:picLocks noChangeAspect="1"/>
+          </p:cNvPicPr>
+          <p:nvPr/>
+        </p:nvPicPr>
+        <p:blipFill>
+          <a:blip r:embed="rId4"/>
+          <a:stretch>
+            <a:fillRect/>
+          </a:stretch>
+        </p:blipFill>
+        <p:spPr>
+          <a:xfrm>
+            <a:off x="6062756" y="3895578"/>
+            <a:ext cx="5380368" cy="2864494"/>
+          </a:xfrm>
+          <a:prstGeom prst="rect">
+            <a:avLst/>
+          </a:prstGeom>
+        </p:spPr>
+      </p:pic>
+      <p:pic>
+        <p:nvPicPr>
+          <p:cNvPr id="12" name="Picture 11">
+            <a:extLst>
+              <a:ext uri="{FF2B5EF4-FFF2-40B4-BE49-F238E27FC236}">
+                <a16:creationId xmlns:a16="http://schemas.microsoft.com/office/drawing/2014/main" id="{68974461-EF92-465D-95DC-6DF1491F4A13}"/>
+              </a:ext>
+            </a:extLst>
+          </p:cNvPr>
+          <p:cNvPicPr>
+            <a:picLocks noChangeAspect="1"/>
+          </p:cNvPicPr>
+          <p:nvPr/>
+        </p:nvPicPr>
+        <p:blipFill>
+          <a:blip r:embed="rId5"/>
+          <a:stretch>
+            <a:fillRect/>
+          </a:stretch>
+        </p:blipFill>
+        <p:spPr>
+          <a:xfrm>
+            <a:off x="5949867" y="898860"/>
+            <a:ext cx="5493257" cy="2924596"/>
+          </a:xfrm>
+          <a:prstGeom prst="rect">
+            <a:avLst/>
+          </a:prstGeom>
+        </p:spPr>
+      </p:pic>
+    </p:spTree>
+    <p:extLst>
+      <p:ext uri="{BB962C8B-B14F-4D97-AF65-F5344CB8AC3E}">
+        <p14:creationId xmlns:p14="http://schemas.microsoft.com/office/powerpoint/2010/main" val="3434912100"/>
+      </p:ext>
+    </p:extLst>
+  </p:cSld>
+  <p:clrMapOvr>
+    <a:masterClrMapping/>
+  </p:clrMapOvr>
+</p:sld>
+</file>
+
+<file path=ppt/slides/slide27.xml><?xml version="1.0" encoding="utf-8"?>
+<p:sld xmlns:a="http://schemas.openxmlformats.org/drawingml/2006/main" xmlns:r="http://schemas.openxmlformats.org/officeDocument/2006/relationships" xmlns:p="http://schemas.openxmlformats.org/presentationml/2006/main">
+  <p:cSld>
+    <p:spTree>
+      <p:nvGrpSpPr>
+        <p:cNvPr id="1" name=""/>
+        <p:cNvGrpSpPr/>
+        <p:nvPr/>
+      </p:nvGrpSpPr>
+      <p:grpSpPr>
+        <a:xfrm>
+          <a:off x="0" y="0"/>
+          <a:ext cx="0" cy="0"/>
+          <a:chOff x="0" y="0"/>
+          <a:chExt cx="0" cy="0"/>
+        </a:xfrm>
+      </p:grpSpPr>
+      <p:sp>
+        <p:nvSpPr>
+          <p:cNvPr id="2" name="Title 1">
+            <a:extLst>
+              <a:ext uri="{FF2B5EF4-FFF2-40B4-BE49-F238E27FC236}">
+                <a16:creationId xmlns:a16="http://schemas.microsoft.com/office/drawing/2014/main" id="{AD584A5A-8240-4177-827B-788B43A7CF95}"/>
+              </a:ext>
+            </a:extLst>
+          </p:cNvPr>
+          <p:cNvSpPr>
+            <a:spLocks noGrp="1"/>
+          </p:cNvSpPr>
+          <p:nvPr>
+            <p:ph type="title"/>
+          </p:nvPr>
+        </p:nvSpPr>
+        <p:spPr>
+          <a:xfrm>
+            <a:off x="410362" y="180567"/>
+            <a:ext cx="11334225" cy="868057"/>
+          </a:xfrm>
+        </p:spPr>
+        <p:txBody>
+          <a:bodyPr>
+            <a:normAutofit/>
+          </a:bodyPr>
+          <a:lstStyle/>
+          <a:p>
+            <a:r>
+              <a:rPr lang="en-US" sz="2400" dirty="0"/>
+              <a:t>Participants who showed downwards decreasing RT slope, p&lt; .1 (n= 37)</a:t>
+            </a:r>
+          </a:p>
+        </p:txBody>
+      </p:sp>
+      <p:pic>
+        <p:nvPicPr>
+          <p:cNvPr id="3" name="Picture 2">
+            <a:extLst>
+              <a:ext uri="{FF2B5EF4-FFF2-40B4-BE49-F238E27FC236}">
+                <a16:creationId xmlns:a16="http://schemas.microsoft.com/office/drawing/2014/main" id="{5E7FC64C-E5D5-4D90-B97E-B69C6C5DDD53}"/>
+              </a:ext>
+            </a:extLst>
+          </p:cNvPr>
+          <p:cNvPicPr>
+            <a:picLocks noChangeAspect="1"/>
+          </p:cNvPicPr>
+          <p:nvPr/>
+        </p:nvPicPr>
+        <p:blipFill>
+          <a:blip r:embed="rId2"/>
+          <a:stretch>
+            <a:fillRect/>
+          </a:stretch>
+        </p:blipFill>
+        <p:spPr>
+          <a:xfrm>
+            <a:off x="117321" y="3835943"/>
+            <a:ext cx="4714324" cy="2509894"/>
+          </a:xfrm>
+          <a:prstGeom prst="rect">
+            <a:avLst/>
+          </a:prstGeom>
+        </p:spPr>
+      </p:pic>
+      <p:pic>
+        <p:nvPicPr>
+          <p:cNvPr id="4" name="Picture 3">
+            <a:extLst>
+              <a:ext uri="{FF2B5EF4-FFF2-40B4-BE49-F238E27FC236}">
+                <a16:creationId xmlns:a16="http://schemas.microsoft.com/office/drawing/2014/main" id="{79D88CB1-C703-4175-9A5F-672A15B5ED55}"/>
+              </a:ext>
+            </a:extLst>
+          </p:cNvPr>
+          <p:cNvPicPr>
+            <a:picLocks noChangeAspect="1"/>
+          </p:cNvPicPr>
+          <p:nvPr/>
+        </p:nvPicPr>
+        <p:blipFill>
+          <a:blip r:embed="rId3"/>
+          <a:stretch>
+            <a:fillRect/>
+          </a:stretch>
+        </p:blipFill>
+        <p:spPr>
+          <a:xfrm>
+            <a:off x="7001594" y="3917080"/>
+            <a:ext cx="4409524" cy="2347619"/>
+          </a:xfrm>
+          <a:prstGeom prst="rect">
+            <a:avLst/>
+          </a:prstGeom>
+        </p:spPr>
+      </p:pic>
+      <p:pic>
+        <p:nvPicPr>
+          <p:cNvPr id="5" name="Picture 4">
+            <a:extLst>
+              <a:ext uri="{FF2B5EF4-FFF2-40B4-BE49-F238E27FC236}">
+                <a16:creationId xmlns:a16="http://schemas.microsoft.com/office/drawing/2014/main" id="{071547FD-382D-4961-954D-E9B0356378EF}"/>
+              </a:ext>
+            </a:extLst>
+          </p:cNvPr>
+          <p:cNvPicPr>
+            <a:picLocks noChangeAspect="1"/>
+          </p:cNvPicPr>
+          <p:nvPr/>
+        </p:nvPicPr>
+        <p:blipFill>
+          <a:blip r:embed="rId4"/>
+          <a:stretch>
+            <a:fillRect/>
+          </a:stretch>
+        </p:blipFill>
+        <p:spPr>
+          <a:xfrm>
+            <a:off x="410362" y="1515560"/>
+            <a:ext cx="3882711" cy="2067145"/>
+          </a:xfrm>
+          <a:prstGeom prst="rect">
+            <a:avLst/>
+          </a:prstGeom>
+        </p:spPr>
+      </p:pic>
+      <p:pic>
+        <p:nvPicPr>
+          <p:cNvPr id="6" name="Picture 5">
+            <a:extLst>
+              <a:ext uri="{FF2B5EF4-FFF2-40B4-BE49-F238E27FC236}">
+                <a16:creationId xmlns:a16="http://schemas.microsoft.com/office/drawing/2014/main" id="{00DC6B5A-220C-40F0-93D3-A186672F496D}"/>
+              </a:ext>
+            </a:extLst>
+          </p:cNvPr>
+          <p:cNvPicPr>
+            <a:picLocks noChangeAspect="1"/>
+          </p:cNvPicPr>
+          <p:nvPr/>
+        </p:nvPicPr>
+        <p:blipFill>
+          <a:blip r:embed="rId5"/>
+          <a:stretch>
+            <a:fillRect/>
+          </a:stretch>
+        </p:blipFill>
+        <p:spPr>
+          <a:xfrm>
+            <a:off x="4047201" y="907460"/>
+            <a:ext cx="3347021" cy="2675245"/>
+          </a:xfrm>
+          <a:prstGeom prst="rect">
+            <a:avLst/>
+          </a:prstGeom>
+        </p:spPr>
+      </p:pic>
+      <p:pic>
+        <p:nvPicPr>
+          <p:cNvPr id="10" name="Picture 9">
+            <a:extLst>
+              <a:ext uri="{FF2B5EF4-FFF2-40B4-BE49-F238E27FC236}">
+                <a16:creationId xmlns:a16="http://schemas.microsoft.com/office/drawing/2014/main" id="{5234803E-52CB-43ED-BB37-E451B695F5BE}"/>
+              </a:ext>
+            </a:extLst>
+          </p:cNvPr>
+          <p:cNvPicPr>
+            <a:picLocks noChangeAspect="1"/>
+          </p:cNvPicPr>
+          <p:nvPr/>
+        </p:nvPicPr>
+        <p:blipFill>
+          <a:blip r:embed="rId6"/>
+          <a:stretch>
+            <a:fillRect/>
+          </a:stretch>
+        </p:blipFill>
+        <p:spPr>
+          <a:xfrm>
+            <a:off x="7394222" y="1355290"/>
+            <a:ext cx="4183746" cy="2227415"/>
+          </a:xfrm>
+          <a:prstGeom prst="rect">
+            <a:avLst/>
+          </a:prstGeom>
+        </p:spPr>
+      </p:pic>
+    </p:spTree>
+    <p:extLst>
+      <p:ext uri="{BB962C8B-B14F-4D97-AF65-F5344CB8AC3E}">
+        <p14:creationId xmlns:p14="http://schemas.microsoft.com/office/powerpoint/2010/main" val="528269178"/>
+      </p:ext>
+    </p:extLst>
+  </p:cSld>
+  <p:clrMapOvr>
+    <a:masterClrMapping/>
+  </p:clrMapOvr>
+</p:sld>
+</file>
+
+<file path=ppt/slides/slide28.xml><?xml version="1.0" encoding="utf-8"?>
+<p:sld xmlns:a="http://schemas.openxmlformats.org/drawingml/2006/main" xmlns:r="http://schemas.openxmlformats.org/officeDocument/2006/relationships" xmlns:p="http://schemas.openxmlformats.org/presentationml/2006/main">
+  <p:cSld>
+    <p:spTree>
+      <p:nvGrpSpPr>
+        <p:cNvPr id="1" name=""/>
+        <p:cNvGrpSpPr/>
+        <p:nvPr/>
+      </p:nvGrpSpPr>
+      <p:grpSpPr>
+        <a:xfrm>
+          <a:off x="0" y="0"/>
+          <a:ext cx="0" cy="0"/>
+          <a:chOff x="0" y="0"/>
+          <a:chExt cx="0" cy="0"/>
+        </a:xfrm>
+      </p:grpSpPr>
+      <p:sp>
+        <p:nvSpPr>
+          <p:cNvPr id="2" name="Title 1">
+            <a:extLst>
+              <a:ext uri="{FF2B5EF4-FFF2-40B4-BE49-F238E27FC236}">
+                <a16:creationId xmlns:a16="http://schemas.microsoft.com/office/drawing/2014/main" id="{AD584A5A-8240-4177-827B-788B43A7CF95}"/>
+              </a:ext>
+            </a:extLst>
+          </p:cNvPr>
+          <p:cNvSpPr>
+            <a:spLocks noGrp="1"/>
+          </p:cNvSpPr>
+          <p:nvPr>
+            <p:ph type="title"/>
+          </p:nvPr>
+        </p:nvSpPr>
+        <p:spPr>
+          <a:xfrm>
+            <a:off x="410362" y="180567"/>
+            <a:ext cx="11334225" cy="868057"/>
+          </a:xfrm>
+        </p:spPr>
+        <p:txBody>
+          <a:bodyPr>
+            <a:normAutofit/>
+          </a:bodyPr>
+          <a:lstStyle/>
+          <a:p>
+            <a:r>
+              <a:rPr lang="en-US" sz="2400" dirty="0"/>
+              <a:t>Participants who showed </a:t>
+            </a:r>
+            <a:r>
+              <a:rPr lang="en-US" sz="2400" dirty="0" err="1"/>
+              <a:t>gambleRamp</a:t>
+            </a:r>
+            <a:r>
+              <a:rPr lang="en-US" sz="2400" dirty="0"/>
+              <a:t> p&lt;.1 (n=18)</a:t>
+            </a:r>
+          </a:p>
+        </p:txBody>
+      </p:sp>
+      <p:pic>
+        <p:nvPicPr>
+          <p:cNvPr id="7" name="Picture 6">
+            <a:extLst>
+              <a:ext uri="{FF2B5EF4-FFF2-40B4-BE49-F238E27FC236}">
+                <a16:creationId xmlns:a16="http://schemas.microsoft.com/office/drawing/2014/main" id="{D98027C0-1E2A-4F14-8E6D-C3379E05D6AC}"/>
+              </a:ext>
+            </a:extLst>
+          </p:cNvPr>
+          <p:cNvPicPr>
+            <a:picLocks noChangeAspect="1"/>
+          </p:cNvPicPr>
+          <p:nvPr/>
+        </p:nvPicPr>
+        <p:blipFill>
+          <a:blip r:embed="rId2"/>
+          <a:stretch>
+            <a:fillRect/>
+          </a:stretch>
+        </p:blipFill>
+        <p:spPr>
+          <a:xfrm>
+            <a:off x="569155" y="1048624"/>
+            <a:ext cx="3383588" cy="2824453"/>
+          </a:xfrm>
+          <a:prstGeom prst="rect">
+            <a:avLst/>
+          </a:prstGeom>
+        </p:spPr>
+      </p:pic>
+      <p:pic>
+        <p:nvPicPr>
+          <p:cNvPr id="8" name="Picture 7">
+            <a:extLst>
+              <a:ext uri="{FF2B5EF4-FFF2-40B4-BE49-F238E27FC236}">
+                <a16:creationId xmlns:a16="http://schemas.microsoft.com/office/drawing/2014/main" id="{C92C6883-D8A9-4AB8-8B6C-A6B7F7C93B90}"/>
+              </a:ext>
+            </a:extLst>
+          </p:cNvPr>
+          <p:cNvPicPr>
+            <a:picLocks noChangeAspect="1"/>
+          </p:cNvPicPr>
+          <p:nvPr/>
+        </p:nvPicPr>
+        <p:blipFill>
+          <a:blip r:embed="rId3"/>
+          <a:stretch>
+            <a:fillRect/>
+          </a:stretch>
+        </p:blipFill>
+        <p:spPr>
+          <a:xfrm>
+            <a:off x="3952743" y="1013817"/>
+            <a:ext cx="3383589" cy="2824454"/>
+          </a:xfrm>
+          <a:prstGeom prst="rect">
+            <a:avLst/>
+          </a:prstGeom>
+        </p:spPr>
+      </p:pic>
+      <p:pic>
+        <p:nvPicPr>
+          <p:cNvPr id="9" name="Picture 8">
+            <a:extLst>
+              <a:ext uri="{FF2B5EF4-FFF2-40B4-BE49-F238E27FC236}">
+                <a16:creationId xmlns:a16="http://schemas.microsoft.com/office/drawing/2014/main" id="{189F79A9-1644-4359-9A09-5E85534C422D}"/>
+              </a:ext>
+            </a:extLst>
+          </p:cNvPr>
+          <p:cNvPicPr>
+            <a:picLocks noChangeAspect="1"/>
+          </p:cNvPicPr>
+          <p:nvPr/>
+        </p:nvPicPr>
+        <p:blipFill>
+          <a:blip r:embed="rId4"/>
+          <a:stretch>
+            <a:fillRect/>
+          </a:stretch>
+        </p:blipFill>
+        <p:spPr>
+          <a:xfrm>
+            <a:off x="505402" y="3803463"/>
+            <a:ext cx="5590598" cy="2976419"/>
+          </a:xfrm>
+          <a:prstGeom prst="rect">
+            <a:avLst/>
+          </a:prstGeom>
+        </p:spPr>
+      </p:pic>
+      <p:pic>
+        <p:nvPicPr>
+          <p:cNvPr id="10" name="Picture 9">
+            <a:extLst>
+              <a:ext uri="{FF2B5EF4-FFF2-40B4-BE49-F238E27FC236}">
+                <a16:creationId xmlns:a16="http://schemas.microsoft.com/office/drawing/2014/main" id="{9979FDA7-68CF-49A5-9ACE-45713BF2C9BB}"/>
+              </a:ext>
+            </a:extLst>
+          </p:cNvPr>
+          <p:cNvPicPr>
+            <a:picLocks noChangeAspect="1"/>
+          </p:cNvPicPr>
+          <p:nvPr/>
+        </p:nvPicPr>
+        <p:blipFill>
+          <a:blip r:embed="rId5"/>
+          <a:stretch>
+            <a:fillRect/>
+          </a:stretch>
+        </p:blipFill>
+        <p:spPr>
+          <a:xfrm>
+            <a:off x="6994694" y="3943458"/>
+            <a:ext cx="5048829" cy="2687983"/>
+          </a:xfrm>
+          <a:prstGeom prst="rect">
+            <a:avLst/>
+          </a:prstGeom>
+        </p:spPr>
+      </p:pic>
+      <p:pic>
+        <p:nvPicPr>
+          <p:cNvPr id="12" name="Picture 11">
+            <a:extLst>
+              <a:ext uri="{FF2B5EF4-FFF2-40B4-BE49-F238E27FC236}">
+                <a16:creationId xmlns:a16="http://schemas.microsoft.com/office/drawing/2014/main" id="{70DADBCA-298D-483B-9E45-089018078DC7}"/>
+              </a:ext>
+            </a:extLst>
+          </p:cNvPr>
+          <p:cNvPicPr>
+            <a:picLocks noChangeAspect="1"/>
+          </p:cNvPicPr>
+          <p:nvPr/>
+        </p:nvPicPr>
+        <p:blipFill>
+          <a:blip r:embed="rId6"/>
+          <a:stretch>
+            <a:fillRect/>
+          </a:stretch>
+        </p:blipFill>
+        <p:spPr>
+          <a:xfrm>
+            <a:off x="7340509" y="1119001"/>
+            <a:ext cx="4467831" cy="2378662"/>
+          </a:xfrm>
+          <a:prstGeom prst="rect">
+            <a:avLst/>
+          </a:prstGeom>
+        </p:spPr>
+      </p:pic>
+    </p:spTree>
+    <p:extLst>
+      <p:ext uri="{BB962C8B-B14F-4D97-AF65-F5344CB8AC3E}">
+        <p14:creationId xmlns:p14="http://schemas.microsoft.com/office/powerpoint/2010/main" val="283925598"/>
+      </p:ext>
+    </p:extLst>
+  </p:cSld>
+  <p:clrMapOvr>
+    <a:masterClrMapping/>
+  </p:clrMapOvr>
+</p:sld>
+</file>
+
+<file path=ppt/slides/slide29.xml><?xml version="1.0" encoding="utf-8"?>
+<p:sld xmlns:a="http://schemas.openxmlformats.org/drawingml/2006/main" xmlns:r="http://schemas.openxmlformats.org/officeDocument/2006/relationships" xmlns:p="http://schemas.openxmlformats.org/presentationml/2006/main">
+  <p:cSld>
+    <p:spTree>
+      <p:nvGrpSpPr>
+        <p:cNvPr id="1" name=""/>
+        <p:cNvGrpSpPr/>
+        <p:nvPr/>
+      </p:nvGrpSpPr>
+      <p:grpSpPr>
+        <a:xfrm>
+          <a:off x="0" y="0"/>
+          <a:ext cx="0" cy="0"/>
+          <a:chOff x="0" y="0"/>
+          <a:chExt cx="0" cy="0"/>
+        </a:xfrm>
+      </p:grpSpPr>
+      <p:sp>
+        <p:nvSpPr>
+          <p:cNvPr id="2" name="Title 1">
+            <a:extLst>
+              <a:ext uri="{FF2B5EF4-FFF2-40B4-BE49-F238E27FC236}">
+                <a16:creationId xmlns:a16="http://schemas.microsoft.com/office/drawing/2014/main" id="{AD584A5A-8240-4177-827B-788B43A7CF95}"/>
+              </a:ext>
+            </a:extLst>
+          </p:cNvPr>
+          <p:cNvSpPr>
+            <a:spLocks noGrp="1"/>
+          </p:cNvSpPr>
+          <p:nvPr>
+            <p:ph type="title"/>
+          </p:nvPr>
+        </p:nvSpPr>
+        <p:spPr>
+          <a:xfrm>
+            <a:off x="410362" y="180567"/>
+            <a:ext cx="11334225" cy="868057"/>
+          </a:xfrm>
+        </p:spPr>
+        <p:txBody>
+          <a:bodyPr>
+            <a:normAutofit/>
+          </a:bodyPr>
+          <a:lstStyle/>
+          <a:p>
+            <a:r>
+              <a:rPr lang="en-US" sz="2400" dirty="0"/>
+              <a:t>Upper quartile of logical gamblers split (n=36)</a:t>
+            </a:r>
+          </a:p>
+        </p:txBody>
+      </p:sp>
+      <p:sp>
+        <p:nvSpPr>
+          <p:cNvPr id="14" name="TextBox 13">
+            <a:extLst>
+              <a:ext uri="{FF2B5EF4-FFF2-40B4-BE49-F238E27FC236}">
+                <a16:creationId xmlns:a16="http://schemas.microsoft.com/office/drawing/2014/main" id="{57218FB8-E4C4-4B0D-8830-CD95572FE4A4}"/>
+              </a:ext>
+            </a:extLst>
+          </p:cNvPr>
+          <p:cNvSpPr txBox="1"/>
+          <p:nvPr/>
+        </p:nvSpPr>
+        <p:spPr>
+          <a:xfrm>
+            <a:off x="8407598" y="5855769"/>
+            <a:ext cx="3527184" cy="646331"/>
+          </a:xfrm>
+          <a:prstGeom prst="rect">
+            <a:avLst/>
+          </a:prstGeom>
+          <a:noFill/>
+        </p:spPr>
+        <p:txBody>
+          <a:bodyPr wrap="none" rtlCol="0">
+            <a:spAutoFit/>
+          </a:bodyPr>
+          <a:lstStyle/>
+          <a:p>
+            <a:pPr algn="ctr"/>
+            <a:r>
+              <a:rPr lang="en-US" dirty="0"/>
+              <a:t>This plot shows only </a:t>
+            </a:r>
+            <a:r>
+              <a:rPr lang="en-US" dirty="0" err="1"/>
+              <a:t>midValue</a:t>
+            </a:r>
+            <a:r>
+              <a:rPr lang="en-US" dirty="0"/>
+              <a:t> trials</a:t>
+            </a:r>
+          </a:p>
+          <a:p>
+            <a:pPr algn="ctr"/>
+            <a:r>
+              <a:rPr lang="en-US" dirty="0"/>
+              <a:t>for logical gamblers</a:t>
+            </a:r>
+          </a:p>
+        </p:txBody>
+      </p:sp>
+      <p:pic>
+        <p:nvPicPr>
+          <p:cNvPr id="3" name="Picture 2">
+            <a:extLst>
+              <a:ext uri="{FF2B5EF4-FFF2-40B4-BE49-F238E27FC236}">
+                <a16:creationId xmlns:a16="http://schemas.microsoft.com/office/drawing/2014/main" id="{34744A6D-2144-4B23-8AC9-CE392A393D70}"/>
+              </a:ext>
+            </a:extLst>
+          </p:cNvPr>
+          <p:cNvPicPr>
+            <a:picLocks noChangeAspect="1"/>
+          </p:cNvPicPr>
+          <p:nvPr/>
+        </p:nvPicPr>
+        <p:blipFill>
+          <a:blip r:embed="rId2"/>
+          <a:stretch>
+            <a:fillRect/>
+          </a:stretch>
+        </p:blipFill>
+        <p:spPr>
+          <a:xfrm>
+            <a:off x="257218" y="3898044"/>
+            <a:ext cx="3811682" cy="2029329"/>
+          </a:xfrm>
+          <a:prstGeom prst="rect">
+            <a:avLst/>
+          </a:prstGeom>
+        </p:spPr>
+      </p:pic>
+      <p:pic>
+        <p:nvPicPr>
+          <p:cNvPr id="5" name="Picture 4">
+            <a:extLst>
+              <a:ext uri="{FF2B5EF4-FFF2-40B4-BE49-F238E27FC236}">
+                <a16:creationId xmlns:a16="http://schemas.microsoft.com/office/drawing/2014/main" id="{5529BA52-351C-40B4-99B3-90E870D8940A}"/>
+              </a:ext>
+            </a:extLst>
+          </p:cNvPr>
+          <p:cNvPicPr>
+            <a:picLocks noChangeAspect="1"/>
+          </p:cNvPicPr>
+          <p:nvPr/>
+        </p:nvPicPr>
+        <p:blipFill>
+          <a:blip r:embed="rId3"/>
+          <a:stretch>
+            <a:fillRect/>
+          </a:stretch>
+        </p:blipFill>
+        <p:spPr>
+          <a:xfrm>
+            <a:off x="4277483" y="3898045"/>
+            <a:ext cx="3811682" cy="2029329"/>
+          </a:xfrm>
+          <a:prstGeom prst="rect">
+            <a:avLst/>
+          </a:prstGeom>
+        </p:spPr>
+      </p:pic>
+      <p:pic>
+        <p:nvPicPr>
+          <p:cNvPr id="6" name="Picture 5">
+            <a:extLst>
+              <a:ext uri="{FF2B5EF4-FFF2-40B4-BE49-F238E27FC236}">
+                <a16:creationId xmlns:a16="http://schemas.microsoft.com/office/drawing/2014/main" id="{D099AFFD-66BD-4F0F-825D-24D746AA168D}"/>
+              </a:ext>
+            </a:extLst>
+          </p:cNvPr>
+          <p:cNvPicPr>
+            <a:picLocks noChangeAspect="1"/>
+          </p:cNvPicPr>
+          <p:nvPr/>
+        </p:nvPicPr>
+        <p:blipFill>
+          <a:blip r:embed="rId4"/>
+          <a:stretch>
+            <a:fillRect/>
+          </a:stretch>
+        </p:blipFill>
+        <p:spPr>
+          <a:xfrm>
+            <a:off x="155525" y="1246329"/>
+            <a:ext cx="4228902" cy="2251456"/>
+          </a:xfrm>
+          <a:prstGeom prst="rect">
+            <a:avLst/>
+          </a:prstGeom>
+        </p:spPr>
+      </p:pic>
+      <p:pic>
+        <p:nvPicPr>
+          <p:cNvPr id="7" name="Picture 6">
+            <a:extLst>
+              <a:ext uri="{FF2B5EF4-FFF2-40B4-BE49-F238E27FC236}">
+                <a16:creationId xmlns:a16="http://schemas.microsoft.com/office/drawing/2014/main" id="{A36BA7C7-B698-4273-AF54-3C772FD83286}"/>
+              </a:ext>
+            </a:extLst>
+          </p:cNvPr>
+          <p:cNvPicPr>
+            <a:picLocks noChangeAspect="1"/>
+          </p:cNvPicPr>
+          <p:nvPr/>
+        </p:nvPicPr>
+        <p:blipFill>
+          <a:blip r:embed="rId5"/>
+          <a:stretch>
+            <a:fillRect/>
+          </a:stretch>
+        </p:blipFill>
+        <p:spPr>
+          <a:xfrm>
+            <a:off x="4486120" y="1108114"/>
+            <a:ext cx="2507966" cy="2518271"/>
+          </a:xfrm>
+          <a:prstGeom prst="rect">
+            <a:avLst/>
+          </a:prstGeom>
+        </p:spPr>
+      </p:pic>
+      <p:pic>
+        <p:nvPicPr>
+          <p:cNvPr id="8" name="Picture 7">
+            <a:extLst>
+              <a:ext uri="{FF2B5EF4-FFF2-40B4-BE49-F238E27FC236}">
+                <a16:creationId xmlns:a16="http://schemas.microsoft.com/office/drawing/2014/main" id="{0080E602-A7FD-4D22-AEF3-58675C89EB5E}"/>
+              </a:ext>
+            </a:extLst>
+          </p:cNvPr>
+          <p:cNvPicPr>
+            <a:picLocks noChangeAspect="1"/>
+          </p:cNvPicPr>
+          <p:nvPr/>
+        </p:nvPicPr>
+        <p:blipFill>
+          <a:blip r:embed="rId6"/>
+          <a:stretch>
+            <a:fillRect/>
+          </a:stretch>
+        </p:blipFill>
+        <p:spPr>
+          <a:xfrm>
+            <a:off x="7170487" y="1168991"/>
+            <a:ext cx="4865988" cy="2590640"/>
+          </a:xfrm>
+          <a:prstGeom prst="rect">
+            <a:avLst/>
+          </a:prstGeom>
+        </p:spPr>
+      </p:pic>
+      <p:pic>
+        <p:nvPicPr>
+          <p:cNvPr id="15" name="Picture 14">
+            <a:extLst>
+              <a:ext uri="{FF2B5EF4-FFF2-40B4-BE49-F238E27FC236}">
+                <a16:creationId xmlns:a16="http://schemas.microsoft.com/office/drawing/2014/main" id="{235E453C-70C7-411D-82BB-8994587E9D4F}"/>
+              </a:ext>
+            </a:extLst>
+          </p:cNvPr>
+          <p:cNvPicPr>
+            <a:picLocks noChangeAspect="1"/>
+          </p:cNvPicPr>
+          <p:nvPr/>
+        </p:nvPicPr>
+        <p:blipFill>
+          <a:blip r:embed="rId7"/>
+          <a:stretch>
+            <a:fillRect/>
+          </a:stretch>
+        </p:blipFill>
+        <p:spPr>
+          <a:xfrm>
+            <a:off x="8086891" y="3879998"/>
+            <a:ext cx="3703331" cy="1971644"/>
+          </a:xfrm>
+          <a:prstGeom prst="rect">
+            <a:avLst/>
+          </a:prstGeom>
+        </p:spPr>
+      </p:pic>
+    </p:spTree>
+    <p:extLst>
+      <p:ext uri="{BB962C8B-B14F-4D97-AF65-F5344CB8AC3E}">
+        <p14:creationId xmlns:p14="http://schemas.microsoft.com/office/powerpoint/2010/main" val="2088590608"/>
+      </p:ext>
+    </p:extLst>
+  </p:cSld>
+  <p:clrMapOvr>
+    <a:masterClrMapping/>
+  </p:clrMapOvr>
+</p:sld>
+</file>
+
+<file path=ppt/slides/slide3.xml><?xml version="1.0" encoding="utf-8"?>
 <p:sld xmlns:a="http://schemas.openxmlformats.org/drawingml/2006/main" xmlns:r="http://schemas.openxmlformats.org/officeDocument/2006/relationships" xmlns:p="http://schemas.openxmlformats.org/presentationml/2006/main">
   <p:cSld>
     <p:spTree>
@@ -7785,192 +10757,7 @@
 </p:sld>
 </file>
 
-<file path=ppt/slides/slide20.xml><?xml version="1.0" encoding="utf-8"?>
-<p:sld xmlns:a="http://schemas.openxmlformats.org/drawingml/2006/main" xmlns:r="http://schemas.openxmlformats.org/officeDocument/2006/relationships" xmlns:p="http://schemas.openxmlformats.org/presentationml/2006/main">
-  <p:cSld>
-    <p:spTree>
-      <p:nvGrpSpPr>
-        <p:cNvPr id="1" name=""/>
-        <p:cNvGrpSpPr/>
-        <p:nvPr/>
-      </p:nvGrpSpPr>
-      <p:grpSpPr>
-        <a:xfrm>
-          <a:off x="0" y="0"/>
-          <a:ext cx="0" cy="0"/>
-          <a:chOff x="0" y="0"/>
-          <a:chExt cx="0" cy="0"/>
-        </a:xfrm>
-      </p:grpSpPr>
-      <p:sp>
-        <p:nvSpPr>
-          <p:cNvPr id="4" name="Title 1">
-            <a:extLst>
-              <a:ext uri="{FF2B5EF4-FFF2-40B4-BE49-F238E27FC236}">
-                <a16:creationId xmlns:a16="http://schemas.microsoft.com/office/drawing/2014/main" id="{F90A0724-B0F6-4615-A9A9-B38E3C20CF20}"/>
-              </a:ext>
-            </a:extLst>
-          </p:cNvPr>
-          <p:cNvSpPr>
-            <a:spLocks noGrp="1"/>
-          </p:cNvSpPr>
-          <p:nvPr>
-            <p:ph type="title"/>
-          </p:nvPr>
-        </p:nvSpPr>
-        <p:spPr>
-          <a:xfrm>
-            <a:off x="175470" y="0"/>
-            <a:ext cx="9169866" cy="977114"/>
-          </a:xfrm>
-        </p:spPr>
-        <p:txBody>
-          <a:bodyPr>
-            <a:normAutofit/>
-          </a:bodyPr>
-          <a:lstStyle/>
-          <a:p>
-            <a:r>
-              <a:rPr lang="en-US" sz="2400" dirty="0"/>
-              <a:t>High RPE trials only </a:t>
-            </a:r>
-          </a:p>
-        </p:txBody>
-      </p:sp>
-      <p:pic>
-        <p:nvPicPr>
-          <p:cNvPr id="2" name="Picture 1">
-            <a:extLst>
-              <a:ext uri="{FF2B5EF4-FFF2-40B4-BE49-F238E27FC236}">
-                <a16:creationId xmlns:a16="http://schemas.microsoft.com/office/drawing/2014/main" id="{20E07F94-E5F3-4B85-9025-C60C7722B5BB}"/>
-              </a:ext>
-            </a:extLst>
-          </p:cNvPr>
-          <p:cNvPicPr>
-            <a:picLocks noChangeAspect="1"/>
-          </p:cNvPicPr>
-          <p:nvPr/>
-        </p:nvPicPr>
-        <p:blipFill>
-          <a:blip r:embed="rId2"/>
-          <a:stretch>
-            <a:fillRect/>
-          </a:stretch>
-        </p:blipFill>
-        <p:spPr>
-          <a:xfrm>
-            <a:off x="1436875" y="973853"/>
-            <a:ext cx="3680953" cy="2657143"/>
-          </a:xfrm>
-          <a:prstGeom prst="rect">
-            <a:avLst/>
-          </a:prstGeom>
-        </p:spPr>
-      </p:pic>
-      <p:pic>
-        <p:nvPicPr>
-          <p:cNvPr id="3" name="Picture 2">
-            <a:extLst>
-              <a:ext uri="{FF2B5EF4-FFF2-40B4-BE49-F238E27FC236}">
-                <a16:creationId xmlns:a16="http://schemas.microsoft.com/office/drawing/2014/main" id="{BE759ABB-FE96-4AD8-83B9-2DE407145B45}"/>
-              </a:ext>
-            </a:extLst>
-          </p:cNvPr>
-          <p:cNvPicPr>
-            <a:picLocks noChangeAspect="1"/>
-          </p:cNvPicPr>
-          <p:nvPr/>
-        </p:nvPicPr>
-        <p:blipFill>
-          <a:blip r:embed="rId3"/>
-          <a:stretch>
-            <a:fillRect/>
-          </a:stretch>
-        </p:blipFill>
-        <p:spPr>
-          <a:xfrm>
-            <a:off x="6916425" y="1143687"/>
-            <a:ext cx="3472796" cy="2506882"/>
-          </a:xfrm>
-          <a:prstGeom prst="rect">
-            <a:avLst/>
-          </a:prstGeom>
-        </p:spPr>
-      </p:pic>
-      <p:pic>
-        <p:nvPicPr>
-          <p:cNvPr id="5" name="Picture 4">
-            <a:extLst>
-              <a:ext uri="{FF2B5EF4-FFF2-40B4-BE49-F238E27FC236}">
-                <a16:creationId xmlns:a16="http://schemas.microsoft.com/office/drawing/2014/main" id="{71ADC1AC-464C-41C0-89EC-673B58DA1E4E}"/>
-              </a:ext>
-            </a:extLst>
-          </p:cNvPr>
-          <p:cNvPicPr>
-            <a:picLocks noChangeAspect="1"/>
-          </p:cNvPicPr>
-          <p:nvPr/>
-        </p:nvPicPr>
-        <p:blipFill>
-          <a:blip r:embed="rId4"/>
-          <a:stretch>
-            <a:fillRect/>
-          </a:stretch>
-        </p:blipFill>
-        <p:spPr>
-          <a:xfrm>
-            <a:off x="1483147" y="3934108"/>
-            <a:ext cx="3562007" cy="2571281"/>
-          </a:xfrm>
-          <a:prstGeom prst="rect">
-            <a:avLst/>
-          </a:prstGeom>
-        </p:spPr>
-      </p:pic>
-      <p:pic>
-        <p:nvPicPr>
-          <p:cNvPr id="6" name="Picture 5">
-            <a:extLst>
-              <a:ext uri="{FF2B5EF4-FFF2-40B4-BE49-F238E27FC236}">
-                <a16:creationId xmlns:a16="http://schemas.microsoft.com/office/drawing/2014/main" id="{062C0601-2713-48A5-93F5-196A03829EAF}"/>
-              </a:ext>
-            </a:extLst>
-          </p:cNvPr>
-          <p:cNvPicPr>
-            <a:picLocks noChangeAspect="1"/>
-          </p:cNvPicPr>
-          <p:nvPr/>
-        </p:nvPicPr>
-        <p:blipFill>
-          <a:blip r:embed="rId5"/>
-          <a:stretch>
-            <a:fillRect/>
-          </a:stretch>
-        </p:blipFill>
-        <p:spPr>
-          <a:xfrm>
-            <a:off x="6498254" y="3650569"/>
-            <a:ext cx="4309138" cy="3110607"/>
-          </a:xfrm>
-          <a:prstGeom prst="rect">
-            <a:avLst/>
-          </a:prstGeom>
-        </p:spPr>
-      </p:pic>
-    </p:spTree>
-    <p:extLst>
-      <p:ext uri="{BB962C8B-B14F-4D97-AF65-F5344CB8AC3E}">
-        <p14:creationId xmlns:p14="http://schemas.microsoft.com/office/powerpoint/2010/main" val="512671512"/>
-      </p:ext>
-    </p:extLst>
-  </p:cSld>
-  <p:clrMapOvr>
-    <a:masterClrMapping/>
-  </p:clrMapOvr>
-</p:sld>
-</file>
-
-<file path=ppt/slides/slide21.xml><?xml version="1.0" encoding="utf-8"?>
+<file path=ppt/slides/slide30.xml><?xml version="1.0" encoding="utf-8"?>
 <p:sld xmlns:a="http://schemas.openxmlformats.org/drawingml/2006/main" xmlns:r="http://schemas.openxmlformats.org/officeDocument/2006/relationships" xmlns:p="http://schemas.openxmlformats.org/presentationml/2006/main">
   <p:cSld>
     <p:spTree>
@@ -8017,17 +10804,17 @@
           <a:p>
             <a:r>
               <a:rPr lang="en-US" sz="2400" dirty="0"/>
-              <a:t>Participants who showed downwards decreasing RT slope, p&lt; .1 (n= 37)</a:t>
+              <a:t>Participants who gambled more than 60% of time (n=45)</a:t>
             </a:r>
           </a:p>
         </p:txBody>
       </p:sp>
       <p:pic>
         <p:nvPicPr>
-          <p:cNvPr id="7" name="Picture 6">
-            <a:extLst>
-              <a:ext uri="{FF2B5EF4-FFF2-40B4-BE49-F238E27FC236}">
-                <a16:creationId xmlns:a16="http://schemas.microsoft.com/office/drawing/2014/main" id="{35FF3203-E55F-4BD7-8282-2B24B68AA4B8}"/>
+          <p:cNvPr id="4" name="Picture 3">
+            <a:extLst>
+              <a:ext uri="{FF2B5EF4-FFF2-40B4-BE49-F238E27FC236}">
+                <a16:creationId xmlns:a16="http://schemas.microsoft.com/office/drawing/2014/main" id="{F8E096CC-72F5-48EE-8981-0FD622D984D6}"/>
               </a:ext>
             </a:extLst>
           </p:cNvPr>
@@ -8044,8 +10831,8 @@
         </p:blipFill>
         <p:spPr>
           <a:xfrm>
-            <a:off x="8052487" y="3323780"/>
-            <a:ext cx="3102088" cy="3534220"/>
+            <a:off x="79022" y="4022200"/>
+            <a:ext cx="4028574" cy="2144802"/>
           </a:xfrm>
           <a:prstGeom prst="rect">
             <a:avLst/>
@@ -8054,10 +10841,10 @@
       </p:pic>
       <p:pic>
         <p:nvPicPr>
-          <p:cNvPr id="8" name="Picture 7">
-            <a:extLst>
-              <a:ext uri="{FF2B5EF4-FFF2-40B4-BE49-F238E27FC236}">
-                <a16:creationId xmlns:a16="http://schemas.microsoft.com/office/drawing/2014/main" id="{2B912295-D0F3-4EED-B580-E523F0E12331}"/>
+          <p:cNvPr id="9" name="Picture 8">
+            <a:extLst>
+              <a:ext uri="{FF2B5EF4-FFF2-40B4-BE49-F238E27FC236}">
+                <a16:creationId xmlns:a16="http://schemas.microsoft.com/office/drawing/2014/main" id="{582F7F64-F10F-45BF-B367-97EA53D02728}"/>
               </a:ext>
             </a:extLst>
           </p:cNvPr>
@@ -8074,8 +10861,8 @@
         </p:blipFill>
         <p:spPr>
           <a:xfrm>
-            <a:off x="321658" y="3642792"/>
-            <a:ext cx="2807715" cy="3198839"/>
+            <a:off x="4069645" y="3996416"/>
+            <a:ext cx="4349823" cy="2315835"/>
           </a:xfrm>
           <a:prstGeom prst="rect">
             <a:avLst/>
@@ -8084,10 +10871,10 @@
       </p:pic>
       <p:pic>
         <p:nvPicPr>
-          <p:cNvPr id="9" name="Picture 8">
-            <a:extLst>
-              <a:ext uri="{FF2B5EF4-FFF2-40B4-BE49-F238E27FC236}">
-                <a16:creationId xmlns:a16="http://schemas.microsoft.com/office/drawing/2014/main" id="{ACDEE80C-C5CA-41C9-8402-6456D97ECCD6}"/>
+          <p:cNvPr id="10" name="Picture 9">
+            <a:extLst>
+              <a:ext uri="{FF2B5EF4-FFF2-40B4-BE49-F238E27FC236}">
+                <a16:creationId xmlns:a16="http://schemas.microsoft.com/office/drawing/2014/main" id="{7E765F45-E9DD-4D7E-B426-E75C581C4A58}"/>
               </a:ext>
             </a:extLst>
           </p:cNvPr>
@@ -8104,8 +10891,8 @@
         </p:blipFill>
         <p:spPr>
           <a:xfrm>
-            <a:off x="410363" y="1344021"/>
-            <a:ext cx="3865076" cy="2003374"/>
+            <a:off x="254768" y="1222988"/>
+            <a:ext cx="4409524" cy="2347619"/>
           </a:xfrm>
           <a:prstGeom prst="rect">
             <a:avLst/>
@@ -8114,10 +10901,10 @@
       </p:pic>
       <p:pic>
         <p:nvPicPr>
-          <p:cNvPr id="14" name="Picture 13">
-            <a:extLst>
-              <a:ext uri="{FF2B5EF4-FFF2-40B4-BE49-F238E27FC236}">
-                <a16:creationId xmlns:a16="http://schemas.microsoft.com/office/drawing/2014/main" id="{F98DCF5F-45E8-40E5-9F70-D47CB5E1C5A6}"/>
+          <p:cNvPr id="11" name="Picture 10">
+            <a:extLst>
+              <a:ext uri="{FF2B5EF4-FFF2-40B4-BE49-F238E27FC236}">
+                <a16:creationId xmlns:a16="http://schemas.microsoft.com/office/drawing/2014/main" id="{3713FD5F-8E66-43DB-BDB2-451182D7F90A}"/>
               </a:ext>
             </a:extLst>
           </p:cNvPr>
@@ -8134,8 +10921,8 @@
         </p:blipFill>
         <p:spPr>
           <a:xfrm>
-            <a:off x="4089545" y="3044666"/>
-            <a:ext cx="3188586" cy="3632767"/>
+            <a:off x="4600845" y="1186691"/>
+            <a:ext cx="2953257" cy="2347619"/>
           </a:xfrm>
           <a:prstGeom prst="rect">
             <a:avLst/>
@@ -8144,10 +10931,10 @@
       </p:pic>
       <p:pic>
         <p:nvPicPr>
-          <p:cNvPr id="19" name="Picture 18">
-            <a:extLst>
-              <a:ext uri="{FF2B5EF4-FFF2-40B4-BE49-F238E27FC236}">
-                <a16:creationId xmlns:a16="http://schemas.microsoft.com/office/drawing/2014/main" id="{1469F246-558E-43B3-BD9D-2BCD79A5F1DB}"/>
+          <p:cNvPr id="12" name="Picture 11">
+            <a:extLst>
+              <a:ext uri="{FF2B5EF4-FFF2-40B4-BE49-F238E27FC236}">
+                <a16:creationId xmlns:a16="http://schemas.microsoft.com/office/drawing/2014/main" id="{488BDB2A-8C44-42F0-ABE2-270F81D05591}"/>
               </a:ext>
             </a:extLst>
           </p:cNvPr>
@@ -8164,18 +10951,83 @@
         </p:blipFill>
         <p:spPr>
           <a:xfrm>
-            <a:off x="7954621" y="839530"/>
-            <a:ext cx="3102088" cy="2589470"/>
+            <a:off x="7867371" y="1322875"/>
+            <a:ext cx="4221907" cy="2247732"/>
           </a:xfrm>
           <a:prstGeom prst="rect">
             <a:avLst/>
           </a:prstGeom>
         </p:spPr>
       </p:pic>
+      <p:pic>
+        <p:nvPicPr>
+          <p:cNvPr id="13" name="Picture 12">
+            <a:extLst>
+              <a:ext uri="{FF2B5EF4-FFF2-40B4-BE49-F238E27FC236}">
+                <a16:creationId xmlns:a16="http://schemas.microsoft.com/office/drawing/2014/main" id="{175F6753-22FC-401B-A2B3-82B584EFAB06}"/>
+              </a:ext>
+            </a:extLst>
+          </p:cNvPr>
+          <p:cNvPicPr>
+            <a:picLocks noChangeAspect="1"/>
+          </p:cNvPicPr>
+          <p:nvPr/>
+        </p:nvPicPr>
+        <p:blipFill>
+          <a:blip r:embed="rId7"/>
+          <a:stretch>
+            <a:fillRect/>
+          </a:stretch>
+        </p:blipFill>
+        <p:spPr>
+          <a:xfrm>
+            <a:off x="8272510" y="4122347"/>
+            <a:ext cx="3840468" cy="2044655"/>
+          </a:xfrm>
+          <a:prstGeom prst="rect">
+            <a:avLst/>
+          </a:prstGeom>
+        </p:spPr>
+      </p:pic>
+      <p:sp>
+        <p:nvSpPr>
+          <p:cNvPr id="14" name="TextBox 13">
+            <a:extLst>
+              <a:ext uri="{FF2B5EF4-FFF2-40B4-BE49-F238E27FC236}">
+                <a16:creationId xmlns:a16="http://schemas.microsoft.com/office/drawing/2014/main" id="{ECEC88B8-BAA0-41AD-884E-F6AAC6E7C9B2}"/>
+              </a:ext>
+            </a:extLst>
+          </p:cNvPr>
+          <p:cNvSpPr txBox="1"/>
+          <p:nvPr/>
+        </p:nvSpPr>
+        <p:spPr>
+          <a:xfrm>
+            <a:off x="8750808" y="6167002"/>
+            <a:ext cx="3030830" cy="369332"/>
+          </a:xfrm>
+          <a:prstGeom prst="rect">
+            <a:avLst/>
+          </a:prstGeom>
+          <a:noFill/>
+        </p:spPr>
+        <p:txBody>
+          <a:bodyPr wrap="none" rtlCol="0">
+            <a:spAutoFit/>
+          </a:bodyPr>
+          <a:lstStyle/>
+          <a:p>
+            <a:r>
+              <a:rPr lang="en-US" dirty="0"/>
+              <a:t>Participants who passed Catch</a:t>
+            </a:r>
+          </a:p>
+        </p:txBody>
+      </p:sp>
     </p:spTree>
     <p:extLst>
       <p:ext uri="{BB962C8B-B14F-4D97-AF65-F5344CB8AC3E}">
-        <p14:creationId xmlns:p14="http://schemas.microsoft.com/office/powerpoint/2010/main" val="528269178"/>
+        <p14:creationId xmlns:p14="http://schemas.microsoft.com/office/powerpoint/2010/main" val="922448665"/>
       </p:ext>
     </p:extLst>
   </p:cSld>
@@ -8185,7 +11037,413 @@
 </p:sld>
 </file>
 
-<file path=ppt/slides/slide22.xml><?xml version="1.0" encoding="utf-8"?>
+<file path=ppt/slides/slide31.xml><?xml version="1.0" encoding="utf-8"?>
+<p:sld xmlns:a="http://schemas.openxmlformats.org/drawingml/2006/main" xmlns:r="http://schemas.openxmlformats.org/officeDocument/2006/relationships" xmlns:p="http://schemas.openxmlformats.org/presentationml/2006/main">
+  <p:cSld>
+    <p:spTree>
+      <p:nvGrpSpPr>
+        <p:cNvPr id="1" name=""/>
+        <p:cNvGrpSpPr/>
+        <p:nvPr/>
+      </p:nvGrpSpPr>
+      <p:grpSpPr>
+        <a:xfrm>
+          <a:off x="0" y="0"/>
+          <a:ext cx="0" cy="0"/>
+          <a:chOff x="0" y="0"/>
+          <a:chExt cx="0" cy="0"/>
+        </a:xfrm>
+      </p:grpSpPr>
+      <p:sp>
+        <p:nvSpPr>
+          <p:cNvPr id="3" name="Content Placeholder 2">
+            <a:extLst>
+              <a:ext uri="{FF2B5EF4-FFF2-40B4-BE49-F238E27FC236}">
+                <a16:creationId xmlns:a16="http://schemas.microsoft.com/office/drawing/2014/main" id="{7B2D5D34-8F1B-468D-BF41-29E57FB425F5}"/>
+              </a:ext>
+            </a:extLst>
+          </p:cNvPr>
+          <p:cNvSpPr>
+            <a:spLocks noGrp="1"/>
+          </p:cNvSpPr>
+          <p:nvPr>
+            <p:ph idx="1"/>
+          </p:nvPr>
+        </p:nvSpPr>
+        <p:spPr/>
+        <p:txBody>
+          <a:bodyPr/>
+          <a:lstStyle/>
+          <a:p>
+            <a:r>
+              <a:rPr lang="en-US" dirty="0"/>
+              <a:t>Motivation</a:t>
+            </a:r>
+          </a:p>
+          <a:p>
+            <a:r>
+              <a:rPr lang="en-US" dirty="0"/>
+              <a:t>Task</a:t>
+            </a:r>
+          </a:p>
+          <a:p>
+            <a:r>
+              <a:rPr lang="en-US" dirty="0"/>
+              <a:t>First order analyses and conditions analysis</a:t>
+            </a:r>
+          </a:p>
+          <a:p>
+            <a:r>
+              <a:rPr lang="en-US" dirty="0"/>
+              <a:t>Breakdown of participants</a:t>
+            </a:r>
+          </a:p>
+          <a:p>
+            <a:r>
+              <a:rPr lang="en-US" b="1" dirty="0"/>
+              <a:t>Conclusion and future directions</a:t>
+            </a:r>
+          </a:p>
+        </p:txBody>
+      </p:sp>
+    </p:spTree>
+    <p:extLst>
+      <p:ext uri="{BB962C8B-B14F-4D97-AF65-F5344CB8AC3E}">
+        <p14:creationId xmlns:p14="http://schemas.microsoft.com/office/powerpoint/2010/main" val="3156380829"/>
+      </p:ext>
+    </p:extLst>
+  </p:cSld>
+  <p:clrMapOvr>
+    <a:masterClrMapping/>
+  </p:clrMapOvr>
+</p:sld>
+</file>
+
+<file path=ppt/slides/slide32.xml><?xml version="1.0" encoding="utf-8"?>
+<p:sld xmlns:a="http://schemas.openxmlformats.org/drawingml/2006/main" xmlns:r="http://schemas.openxmlformats.org/officeDocument/2006/relationships" xmlns:p="http://schemas.openxmlformats.org/presentationml/2006/main">
+  <p:cSld>
+    <p:spTree>
+      <p:nvGrpSpPr>
+        <p:cNvPr id="1" name=""/>
+        <p:cNvGrpSpPr/>
+        <p:nvPr/>
+      </p:nvGrpSpPr>
+      <p:grpSpPr>
+        <a:xfrm>
+          <a:off x="0" y="0"/>
+          <a:ext cx="0" cy="0"/>
+          <a:chOff x="0" y="0"/>
+          <a:chExt cx="0" cy="0"/>
+        </a:xfrm>
+      </p:grpSpPr>
+      <p:sp>
+        <p:nvSpPr>
+          <p:cNvPr id="3" name="Title 1">
+            <a:extLst>
+              <a:ext uri="{FF2B5EF4-FFF2-40B4-BE49-F238E27FC236}">
+                <a16:creationId xmlns:a16="http://schemas.microsoft.com/office/drawing/2014/main" id="{C86A5AE2-968C-4A7A-A3E9-8EFC616198F6}"/>
+              </a:ext>
+            </a:extLst>
+          </p:cNvPr>
+          <p:cNvSpPr>
+            <a:spLocks noGrp="1"/>
+          </p:cNvSpPr>
+          <p:nvPr>
+            <p:ph type="title"/>
+          </p:nvPr>
+        </p:nvSpPr>
+        <p:spPr>
+          <a:xfrm>
+            <a:off x="127000" y="169333"/>
+            <a:ext cx="3203222" cy="983638"/>
+          </a:xfrm>
+        </p:spPr>
+        <p:txBody>
+          <a:bodyPr/>
+          <a:lstStyle/>
+          <a:p>
+            <a:r>
+              <a:rPr lang="en-US" sz="3200" dirty="0"/>
+              <a:t>Summary</a:t>
+            </a:r>
+            <a:endParaRPr lang="en-US" dirty="0"/>
+          </a:p>
+        </p:txBody>
+      </p:sp>
+      <p:sp>
+        <p:nvSpPr>
+          <p:cNvPr id="4" name="Content Placeholder 2">
+            <a:extLst>
+              <a:ext uri="{FF2B5EF4-FFF2-40B4-BE49-F238E27FC236}">
+                <a16:creationId xmlns:a16="http://schemas.microsoft.com/office/drawing/2014/main" id="{CD1A33BE-DBF7-460D-AAFD-7B99DAEE1562}"/>
+              </a:ext>
+            </a:extLst>
+          </p:cNvPr>
+          <p:cNvSpPr>
+            <a:spLocks noGrp="1"/>
+          </p:cNvSpPr>
+          <p:nvPr>
+            <p:ph idx="1"/>
+          </p:nvPr>
+        </p:nvSpPr>
+        <p:spPr>
+          <a:xfrm>
+            <a:off x="838200" y="1825625"/>
+            <a:ext cx="10515600" cy="4351338"/>
+          </a:xfrm>
+        </p:spPr>
+        <p:txBody>
+          <a:bodyPr/>
+          <a:lstStyle/>
+          <a:p>
+            <a:r>
+              <a:rPr lang="en-US" dirty="0"/>
+              <a:t>Overall, participants demonstrated an increase in gambling propensity (</a:t>
+            </a:r>
+            <a:r>
+              <a:rPr lang="en-US" dirty="0" err="1"/>
+              <a:t>gambleRamp</a:t>
+            </a:r>
+            <a:r>
+              <a:rPr lang="en-US" dirty="0"/>
+              <a:t>) and decreased RT as gambles interrupted later.</a:t>
+            </a:r>
+          </a:p>
+          <a:p>
+            <a:r>
+              <a:rPr lang="en-US" dirty="0"/>
+              <a:t>Both this </a:t>
+            </a:r>
+            <a:r>
+              <a:rPr lang="en-US" dirty="0" err="1"/>
+              <a:t>decreasedRT</a:t>
+            </a:r>
+            <a:r>
+              <a:rPr lang="en-US" dirty="0"/>
+              <a:t> effect and </a:t>
+            </a:r>
+            <a:r>
+              <a:rPr lang="en-US" dirty="0" err="1"/>
+              <a:t>gambleRamp</a:t>
+            </a:r>
+            <a:r>
+              <a:rPr lang="en-US" dirty="0"/>
+              <a:t> effect was strongest in particular subsets of participants, notably individuals who failed the catch trials.</a:t>
+            </a:r>
+          </a:p>
+          <a:p>
+            <a:endParaRPr lang="en-US" dirty="0"/>
+          </a:p>
+          <a:p>
+            <a:r>
+              <a:rPr lang="en-US" dirty="0"/>
+              <a:t>Maybe the randomness in </a:t>
+            </a:r>
+            <a:r>
+              <a:rPr lang="en-US" dirty="0" err="1"/>
+              <a:t>failCatch</a:t>
+            </a:r>
+            <a:r>
+              <a:rPr lang="en-US" dirty="0"/>
+              <a:t> participants can hint at a subtle ramp</a:t>
+            </a:r>
+          </a:p>
+          <a:p>
+            <a:endParaRPr lang="en-US" dirty="0"/>
+          </a:p>
+        </p:txBody>
+      </p:sp>
+    </p:spTree>
+    <p:extLst>
+      <p:ext uri="{BB962C8B-B14F-4D97-AF65-F5344CB8AC3E}">
+        <p14:creationId xmlns:p14="http://schemas.microsoft.com/office/powerpoint/2010/main" val="3547526465"/>
+      </p:ext>
+    </p:extLst>
+  </p:cSld>
+  <p:clrMapOvr>
+    <a:masterClrMapping/>
+  </p:clrMapOvr>
+  <p:timing>
+    <p:tnLst>
+      <p:par>
+        <p:cTn id="1" dur="indefinite" restart="never" nodeType="tmRoot">
+          <p:childTnLst>
+            <p:seq concurrent="1" nextAc="seek">
+              <p:cTn id="2" dur="indefinite" nodeType="mainSeq">
+                <p:childTnLst>
+                  <p:par>
+                    <p:cTn id="3" fill="hold">
+                      <p:stCondLst>
+                        <p:cond delay="indefinite"/>
+                      </p:stCondLst>
+                      <p:childTnLst>
+                        <p:par>
+                          <p:cTn id="4" fill="hold">
+                            <p:stCondLst>
+                              <p:cond delay="0"/>
+                            </p:stCondLst>
+                            <p:childTnLst>
+                              <p:par>
+                                <p:cTn id="5" presetID="1" presetClass="entr" presetSubtype="0" fill="hold" nodeType="clickEffect">
+                                  <p:stCondLst>
+                                    <p:cond delay="0"/>
+                                  </p:stCondLst>
+                                  <p:childTnLst>
+                                    <p:set>
+                                      <p:cBhvr>
+                                        <p:cTn id="6" dur="1" fill="hold">
+                                          <p:stCondLst>
+                                            <p:cond delay="0"/>
+                                          </p:stCondLst>
+                                        </p:cTn>
+                                        <p:tgtEl>
+                                          <p:spTgt spid="4">
+                                            <p:txEl>
+                                              <p:pRg st="0" end="0"/>
+                                            </p:txEl>
+                                          </p:spTgt>
+                                        </p:tgtEl>
+                                        <p:attrNameLst>
+                                          <p:attrName>style.visibility</p:attrName>
+                                        </p:attrNameLst>
+                                      </p:cBhvr>
+                                      <p:to>
+                                        <p:strVal val="visible"/>
+                                      </p:to>
+                                    </p:set>
+                                  </p:childTnLst>
+                                </p:cTn>
+                              </p:par>
+                            </p:childTnLst>
+                          </p:cTn>
+                        </p:par>
+                      </p:childTnLst>
+                    </p:cTn>
+                  </p:par>
+                  <p:par>
+                    <p:cTn id="7" fill="hold">
+                      <p:stCondLst>
+                        <p:cond delay="indefinite"/>
+                      </p:stCondLst>
+                      <p:childTnLst>
+                        <p:par>
+                          <p:cTn id="8" fill="hold">
+                            <p:stCondLst>
+                              <p:cond delay="0"/>
+                            </p:stCondLst>
+                            <p:childTnLst>
+                              <p:par>
+                                <p:cTn id="9" presetID="1" presetClass="entr" presetSubtype="0" fill="hold" nodeType="clickEffect">
+                                  <p:stCondLst>
+                                    <p:cond delay="0"/>
+                                  </p:stCondLst>
+                                  <p:childTnLst>
+                                    <p:set>
+                                      <p:cBhvr>
+                                        <p:cTn id="10" dur="1" fill="hold">
+                                          <p:stCondLst>
+                                            <p:cond delay="0"/>
+                                          </p:stCondLst>
+                                        </p:cTn>
+                                        <p:tgtEl>
+                                          <p:spTgt spid="4">
+                                            <p:txEl>
+                                              <p:pRg st="1" end="1"/>
+                                            </p:txEl>
+                                          </p:spTgt>
+                                        </p:tgtEl>
+                                        <p:attrNameLst>
+                                          <p:attrName>style.visibility</p:attrName>
+                                        </p:attrNameLst>
+                                      </p:cBhvr>
+                                      <p:to>
+                                        <p:strVal val="visible"/>
+                                      </p:to>
+                                    </p:set>
+                                  </p:childTnLst>
+                                </p:cTn>
+                              </p:par>
+                            </p:childTnLst>
+                          </p:cTn>
+                        </p:par>
+                      </p:childTnLst>
+                    </p:cTn>
+                  </p:par>
+                  <p:par>
+                    <p:cTn id="11" fill="hold">
+                      <p:stCondLst>
+                        <p:cond delay="indefinite"/>
+                      </p:stCondLst>
+                      <p:childTnLst>
+                        <p:par>
+                          <p:cTn id="12" fill="hold">
+                            <p:stCondLst>
+                              <p:cond delay="0"/>
+                            </p:stCondLst>
+                            <p:childTnLst>
+                              <p:par>
+                                <p:cTn id="13" presetID="1" presetClass="entr" presetSubtype="0" fill="hold" nodeType="clickEffect">
+                                  <p:stCondLst>
+                                    <p:cond delay="0"/>
+                                  </p:stCondLst>
+                                  <p:childTnLst>
+                                    <p:set>
+                                      <p:cBhvr>
+                                        <p:cTn id="14" dur="1" fill="hold">
+                                          <p:stCondLst>
+                                            <p:cond delay="0"/>
+                                          </p:stCondLst>
+                                        </p:cTn>
+                                        <p:tgtEl>
+                                          <p:spTgt spid="4">
+                                            <p:txEl>
+                                              <p:pRg st="3" end="3"/>
+                                            </p:txEl>
+                                          </p:spTgt>
+                                        </p:tgtEl>
+                                        <p:attrNameLst>
+                                          <p:attrName>style.visibility</p:attrName>
+                                        </p:attrNameLst>
+                                      </p:cBhvr>
+                                      <p:to>
+                                        <p:strVal val="visible"/>
+                                      </p:to>
+                                    </p:set>
+                                  </p:childTnLst>
+                                </p:cTn>
+                              </p:par>
+                            </p:childTnLst>
+                          </p:cTn>
+                        </p:par>
+                      </p:childTnLst>
+                    </p:cTn>
+                  </p:par>
+                </p:childTnLst>
+              </p:cTn>
+              <p:prevCondLst>
+                <p:cond evt="onPrev" delay="0">
+                  <p:tgtEl>
+                    <p:sldTgt/>
+                  </p:tgtEl>
+                </p:cond>
+              </p:prevCondLst>
+              <p:nextCondLst>
+                <p:cond evt="onNext" delay="0">
+                  <p:tgtEl>
+                    <p:sldTgt/>
+                  </p:tgtEl>
+                </p:cond>
+              </p:nextCondLst>
+            </p:seq>
+          </p:childTnLst>
+        </p:cTn>
+      </p:par>
+    </p:tnLst>
+  </p:timing>
+</p:sld>
+</file>
+
+<file path=ppt/slides/slide33.xml><?xml version="1.0" encoding="utf-8"?>
 <p:sld xmlns:a="http://schemas.openxmlformats.org/drawingml/2006/main" xmlns:r="http://schemas.openxmlformats.org/officeDocument/2006/relationships" xmlns:p="http://schemas.openxmlformats.org/presentationml/2006/main">
   <p:cSld>
     <p:spTree>
@@ -8207,7 +11465,7 @@
           <p:cNvPr id="2" name="Title 1">
             <a:extLst>
               <a:ext uri="{FF2B5EF4-FFF2-40B4-BE49-F238E27FC236}">
-                <a16:creationId xmlns:a16="http://schemas.microsoft.com/office/drawing/2014/main" id="{AD584A5A-8240-4177-827B-788B43A7CF95}"/>
+                <a16:creationId xmlns:a16="http://schemas.microsoft.com/office/drawing/2014/main" id="{A5BFC3DE-C45B-457C-B2EA-103A34D39AFA}"/>
               </a:ext>
             </a:extLst>
           </p:cNvPr>
@@ -8218,12 +11476,35 @@
             <p:ph type="title"/>
           </p:nvPr>
         </p:nvSpPr>
-        <p:spPr>
-          <a:xfrm>
-            <a:off x="410362" y="180567"/>
-            <a:ext cx="11334225" cy="868057"/>
-          </a:xfrm>
-        </p:spPr>
+        <p:spPr/>
+        <p:txBody>
+          <a:bodyPr/>
+          <a:lstStyle/>
+          <a:p>
+            <a:r>
+              <a:rPr lang="en-US" dirty="0"/>
+              <a:t>Future experiments</a:t>
+            </a:r>
+          </a:p>
+        </p:txBody>
+      </p:sp>
+      <p:sp>
+        <p:nvSpPr>
+          <p:cNvPr id="3" name="Content Placeholder 2">
+            <a:extLst>
+              <a:ext uri="{FF2B5EF4-FFF2-40B4-BE49-F238E27FC236}">
+                <a16:creationId xmlns:a16="http://schemas.microsoft.com/office/drawing/2014/main" id="{7B904EF5-BE61-4F14-9DE1-76BC9BB50F6E}"/>
+              </a:ext>
+            </a:extLst>
+          </p:cNvPr>
+          <p:cNvSpPr>
+            <a:spLocks noGrp="1"/>
+          </p:cNvSpPr>
+          <p:nvPr>
+            <p:ph idx="1"/>
+          </p:nvPr>
+        </p:nvSpPr>
+        <p:spPr/>
         <p:txBody>
           <a:bodyPr>
             <a:normAutofit/>
@@ -8231,174 +11512,71 @@
           <a:lstStyle/>
           <a:p>
             <a:r>
-              <a:rPr lang="en-US" sz="2400" dirty="0"/>
-              <a:t>Participants who showed </a:t>
-            </a:r>
-            <a:r>
-              <a:rPr lang="en-US" sz="2400" dirty="0" err="1"/>
-              <a:t>gambleRamp</a:t>
-            </a:r>
-            <a:r>
-              <a:rPr lang="en-US" sz="2400" dirty="0"/>
-              <a:t> p&lt;.1 (n=18)</a:t>
+              <a:rPr lang="en-US" dirty="0"/>
+              <a:t>Collect version</a:t>
+            </a:r>
+          </a:p>
+          <a:p>
+            <a:pPr lvl="1"/>
+            <a:r>
+              <a:rPr lang="en-US" dirty="0"/>
+              <a:t>Gamble is still previewed</a:t>
+            </a:r>
+          </a:p>
+          <a:p>
+            <a:pPr lvl="1"/>
+            <a:r>
+              <a:rPr lang="en-US" dirty="0"/>
+              <a:t>Spacebar to gamble</a:t>
+            </a:r>
+          </a:p>
+          <a:p>
+            <a:pPr lvl="1"/>
+            <a:r>
+              <a:rPr lang="en-US" dirty="0"/>
+              <a:t>C to collect either gamble or sure thing</a:t>
+            </a:r>
+          </a:p>
+          <a:p>
+            <a:r>
+              <a:rPr lang="en-US" dirty="0"/>
+              <a:t>Instrumental version</a:t>
+            </a:r>
+          </a:p>
+          <a:p>
+            <a:pPr lvl="1"/>
+            <a:r>
+              <a:rPr lang="en-US" dirty="0"/>
+              <a:t>Gamble is no longer previewed</a:t>
+            </a:r>
+          </a:p>
+          <a:p>
+            <a:pPr lvl="1"/>
+            <a:r>
+              <a:rPr lang="en-US" dirty="0"/>
+              <a:t>Progress bar stops during gamble, Y or N to accept/reject</a:t>
+            </a:r>
+          </a:p>
+          <a:p>
+            <a:pPr lvl="1"/>
+            <a:endParaRPr lang="en-US" dirty="0"/>
+          </a:p>
+          <a:p>
+            <a:r>
+              <a:rPr lang="en-US" dirty="0" err="1"/>
+              <a:t>Baratt</a:t>
+            </a:r>
+            <a:r>
+              <a:rPr lang="en-US" dirty="0"/>
+              <a:t> Impulsiveness Test</a:t>
             </a:r>
           </a:p>
         </p:txBody>
       </p:sp>
-      <p:pic>
-        <p:nvPicPr>
-          <p:cNvPr id="3" name="Picture 2">
-            <a:extLst>
-              <a:ext uri="{FF2B5EF4-FFF2-40B4-BE49-F238E27FC236}">
-                <a16:creationId xmlns:a16="http://schemas.microsoft.com/office/drawing/2014/main" id="{D0AAAB2F-662F-481D-9151-AA552DE835EF}"/>
-              </a:ext>
-            </a:extLst>
-          </p:cNvPr>
-          <p:cNvPicPr>
-            <a:picLocks noChangeAspect="1"/>
-          </p:cNvPicPr>
-          <p:nvPr/>
-        </p:nvPicPr>
-        <p:blipFill>
-          <a:blip r:embed="rId2"/>
-          <a:stretch>
-            <a:fillRect/>
-          </a:stretch>
-        </p:blipFill>
-        <p:spPr>
-          <a:xfrm>
-            <a:off x="8513876" y="518984"/>
-            <a:ext cx="3230711" cy="2696839"/>
-          </a:xfrm>
-          <a:prstGeom prst="rect">
-            <a:avLst/>
-          </a:prstGeom>
-        </p:spPr>
-      </p:pic>
-      <p:pic>
-        <p:nvPicPr>
-          <p:cNvPr id="5" name="Picture 4">
-            <a:extLst>
-              <a:ext uri="{FF2B5EF4-FFF2-40B4-BE49-F238E27FC236}">
-                <a16:creationId xmlns:a16="http://schemas.microsoft.com/office/drawing/2014/main" id="{2B7EBEDB-0C69-4619-93F9-F5FF44E456C0}"/>
-              </a:ext>
-            </a:extLst>
-          </p:cNvPr>
-          <p:cNvPicPr>
-            <a:picLocks noChangeAspect="1"/>
-          </p:cNvPicPr>
-          <p:nvPr/>
-        </p:nvPicPr>
-        <p:blipFill>
-          <a:blip r:embed="rId3"/>
-          <a:stretch>
-            <a:fillRect/>
-          </a:stretch>
-        </p:blipFill>
-        <p:spPr>
-          <a:xfrm>
-            <a:off x="8009343" y="3554240"/>
-            <a:ext cx="3630724" cy="3030750"/>
-          </a:xfrm>
-          <a:prstGeom prst="rect">
-            <a:avLst/>
-          </a:prstGeom>
-        </p:spPr>
-      </p:pic>
-      <p:pic>
-        <p:nvPicPr>
-          <p:cNvPr id="6" name="Picture 5">
-            <a:extLst>
-              <a:ext uri="{FF2B5EF4-FFF2-40B4-BE49-F238E27FC236}">
-                <a16:creationId xmlns:a16="http://schemas.microsoft.com/office/drawing/2014/main" id="{5F3B3290-CD8C-4268-9977-4D981B1A85D4}"/>
-              </a:ext>
-            </a:extLst>
-          </p:cNvPr>
-          <p:cNvPicPr>
-            <a:picLocks noChangeAspect="1"/>
-          </p:cNvPicPr>
-          <p:nvPr/>
-        </p:nvPicPr>
-        <p:blipFill>
-          <a:blip r:embed="rId4"/>
-          <a:stretch>
-            <a:fillRect/>
-          </a:stretch>
-        </p:blipFill>
-        <p:spPr>
-          <a:xfrm>
-            <a:off x="659483" y="3827249"/>
-            <a:ext cx="3630724" cy="3030751"/>
-          </a:xfrm>
-          <a:prstGeom prst="rect">
-            <a:avLst/>
-          </a:prstGeom>
-        </p:spPr>
-      </p:pic>
-      <p:pic>
-        <p:nvPicPr>
-          <p:cNvPr id="7" name="Picture 6">
-            <a:extLst>
-              <a:ext uri="{FF2B5EF4-FFF2-40B4-BE49-F238E27FC236}">
-                <a16:creationId xmlns:a16="http://schemas.microsoft.com/office/drawing/2014/main" id="{D98027C0-1E2A-4F14-8E6D-C3379E05D6AC}"/>
-              </a:ext>
-            </a:extLst>
-          </p:cNvPr>
-          <p:cNvPicPr>
-            <a:picLocks noChangeAspect="1"/>
-          </p:cNvPicPr>
-          <p:nvPr/>
-        </p:nvPicPr>
-        <p:blipFill>
-          <a:blip r:embed="rId5"/>
-          <a:stretch>
-            <a:fillRect/>
-          </a:stretch>
-        </p:blipFill>
-        <p:spPr>
-          <a:xfrm>
-            <a:off x="783051" y="990572"/>
-            <a:ext cx="3383588" cy="2824453"/>
-          </a:xfrm>
-          <a:prstGeom prst="rect">
-            <a:avLst/>
-          </a:prstGeom>
-        </p:spPr>
-      </p:pic>
-      <p:pic>
-        <p:nvPicPr>
-          <p:cNvPr id="8" name="Picture 7">
-            <a:extLst>
-              <a:ext uri="{FF2B5EF4-FFF2-40B4-BE49-F238E27FC236}">
-                <a16:creationId xmlns:a16="http://schemas.microsoft.com/office/drawing/2014/main" id="{C92C6883-D8A9-4AB8-8B6C-A6B7F7C93B90}"/>
-              </a:ext>
-            </a:extLst>
-          </p:cNvPr>
-          <p:cNvPicPr>
-            <a:picLocks noChangeAspect="1"/>
-          </p:cNvPicPr>
-          <p:nvPr/>
-        </p:nvPicPr>
-        <p:blipFill>
-          <a:blip r:embed="rId6"/>
-          <a:stretch>
-            <a:fillRect/>
-          </a:stretch>
-        </p:blipFill>
-        <p:spPr>
-          <a:xfrm>
-            <a:off x="4648463" y="889205"/>
-            <a:ext cx="3383589" cy="2824454"/>
-          </a:xfrm>
-          <a:prstGeom prst="rect">
-            <a:avLst/>
-          </a:prstGeom>
-        </p:spPr>
-      </p:pic>
     </p:spTree>
     <p:extLst>
       <p:ext uri="{BB962C8B-B14F-4D97-AF65-F5344CB8AC3E}">
-        <p14:creationId xmlns:p14="http://schemas.microsoft.com/office/powerpoint/2010/main" val="283925598"/>
+        <p14:creationId xmlns:p14="http://schemas.microsoft.com/office/powerpoint/2010/main" val="634055050"/>
       </p:ext>
     </p:extLst>
   </p:cSld>
@@ -8408,7 +11586,7 @@
 </p:sld>
 </file>
 
-<file path=ppt/slides/slide23.xml><?xml version="1.0" encoding="utf-8"?>
+<file path=ppt/slides/slide34.xml><?xml version="1.0" encoding="utf-8"?>
 <p:sld xmlns:a="http://schemas.openxmlformats.org/drawingml/2006/main" xmlns:r="http://schemas.openxmlformats.org/officeDocument/2006/relationships" xmlns:p="http://schemas.openxmlformats.org/presentationml/2006/main">
   <p:cSld>
     <p:spTree>
@@ -8430,7 +11608,7 @@
           <p:cNvPr id="2" name="Title 1">
             <a:extLst>
               <a:ext uri="{FF2B5EF4-FFF2-40B4-BE49-F238E27FC236}">
-                <a16:creationId xmlns:a16="http://schemas.microsoft.com/office/drawing/2014/main" id="{AD584A5A-8240-4177-827B-788B43A7CF95}"/>
+                <a16:creationId xmlns:a16="http://schemas.microsoft.com/office/drawing/2014/main" id="{6F88A025-60C3-4A36-B744-2B941E167128}"/>
               </a:ext>
             </a:extLst>
           </p:cNvPr>
@@ -8443,209 +11621,75 @@
         </p:nvSpPr>
         <p:spPr>
           <a:xfrm>
-            <a:off x="410362" y="180567"/>
-            <a:ext cx="11334225" cy="868057"/>
+            <a:off x="172155" y="173214"/>
+            <a:ext cx="3790244" cy="910519"/>
           </a:xfrm>
         </p:spPr>
         <p:txBody>
-          <a:bodyPr>
-            <a:normAutofit/>
-          </a:bodyPr>
+          <a:bodyPr/>
           <a:lstStyle/>
           <a:p>
             <a:r>
-              <a:rPr lang="en-US" sz="2400" dirty="0"/>
-              <a:t>Upper quartile of logical gamblers split (n=38)</a:t>
-            </a:r>
+              <a:rPr lang="en-US" sz="3200" dirty="0"/>
+              <a:t>Acknowledgements</a:t>
+            </a:r>
+            <a:endParaRPr lang="en-US" dirty="0"/>
           </a:p>
         </p:txBody>
       </p:sp>
       <p:pic>
         <p:nvPicPr>
-          <p:cNvPr id="4" name="Picture 3">
-            <a:extLst>
-              <a:ext uri="{FF2B5EF4-FFF2-40B4-BE49-F238E27FC236}">
-                <a16:creationId xmlns:a16="http://schemas.microsoft.com/office/drawing/2014/main" id="{EB96B643-AFA2-4263-A54B-E56DB5EDFB3B}"/>
+          <p:cNvPr id="1028" name="Picture 4" descr="frankLabPhoto_1_resized.png">
+            <a:extLst>
+              <a:ext uri="{FF2B5EF4-FFF2-40B4-BE49-F238E27FC236}">
+                <a16:creationId xmlns:a16="http://schemas.microsoft.com/office/drawing/2014/main" id="{8083C9F3-07D2-49A7-B081-5F9011A24B35}"/>
               </a:ext>
             </a:extLst>
           </p:cNvPr>
           <p:cNvPicPr>
-            <a:picLocks noChangeAspect="1"/>
+            <a:picLocks noChangeAspect="1" noChangeArrowheads="1"/>
           </p:cNvPicPr>
           <p:nvPr/>
         </p:nvPicPr>
         <p:blipFill>
-          <a:blip r:embed="rId2"/>
+          <a:blip r:embed="rId2">
+            <a:extLst>
+              <a:ext uri="{28A0092B-C50C-407E-A947-70E740481C1C}">
+                <a14:useLocalDpi xmlns:a14="http://schemas.microsoft.com/office/drawing/2010/main" val="0"/>
+              </a:ext>
+            </a:extLst>
+          </a:blip>
+          <a:srcRect/>
           <a:stretch>
             <a:fillRect/>
           </a:stretch>
         </p:blipFill>
-        <p:spPr>
-          <a:xfrm>
-            <a:off x="3978876" y="3918849"/>
-            <a:ext cx="3371232" cy="2814139"/>
+        <p:spPr bwMode="auto">
+          <a:xfrm>
+            <a:off x="2287612" y="1675106"/>
+            <a:ext cx="7115181" cy="4005846"/>
           </a:xfrm>
           <a:prstGeom prst="rect">
             <a:avLst/>
           </a:prstGeom>
-        </p:spPr>
-      </p:pic>
-      <p:pic>
-        <p:nvPicPr>
-          <p:cNvPr id="9" name="Picture 8">
-            <a:extLst>
-              <a:ext uri="{FF2B5EF4-FFF2-40B4-BE49-F238E27FC236}">
-                <a16:creationId xmlns:a16="http://schemas.microsoft.com/office/drawing/2014/main" id="{31101A62-2A06-4EE5-9CE8-A1F1D9F331D7}"/>
-              </a:ext>
-            </a:extLst>
-          </p:cNvPr>
-          <p:cNvPicPr>
-            <a:picLocks noChangeAspect="1"/>
-          </p:cNvPicPr>
-          <p:nvPr/>
-        </p:nvPicPr>
-        <p:blipFill>
-          <a:blip r:embed="rId3"/>
-          <a:stretch>
-            <a:fillRect/>
-          </a:stretch>
-        </p:blipFill>
-        <p:spPr>
-          <a:xfrm>
-            <a:off x="545862" y="920667"/>
-            <a:ext cx="3371232" cy="2814139"/>
-          </a:xfrm>
-          <a:prstGeom prst="rect">
-            <a:avLst/>
-          </a:prstGeom>
-        </p:spPr>
-      </p:pic>
-      <p:pic>
-        <p:nvPicPr>
-          <p:cNvPr id="10" name="Picture 9">
-            <a:extLst>
-              <a:ext uri="{FF2B5EF4-FFF2-40B4-BE49-F238E27FC236}">
-                <a16:creationId xmlns:a16="http://schemas.microsoft.com/office/drawing/2014/main" id="{5D4022FC-076F-4028-B98E-3CDC69EBAB41}"/>
-              </a:ext>
-            </a:extLst>
-          </p:cNvPr>
-          <p:cNvPicPr>
-            <a:picLocks noChangeAspect="1"/>
-          </p:cNvPicPr>
-          <p:nvPr/>
-        </p:nvPicPr>
-        <p:blipFill>
-          <a:blip r:embed="rId4"/>
-          <a:stretch>
-            <a:fillRect/>
-          </a:stretch>
-        </p:blipFill>
-        <p:spPr>
-          <a:xfrm>
-            <a:off x="545862" y="3886289"/>
-            <a:ext cx="3371233" cy="2814140"/>
-          </a:xfrm>
-          <a:prstGeom prst="rect">
-            <a:avLst/>
-          </a:prstGeom>
-        </p:spPr>
-      </p:pic>
-      <p:pic>
-        <p:nvPicPr>
-          <p:cNvPr id="11" name="Picture 10">
-            <a:extLst>
-              <a:ext uri="{FF2B5EF4-FFF2-40B4-BE49-F238E27FC236}">
-                <a16:creationId xmlns:a16="http://schemas.microsoft.com/office/drawing/2014/main" id="{F05C16EC-D8AD-4F65-8B98-41498364B9DC}"/>
-              </a:ext>
-            </a:extLst>
-          </p:cNvPr>
-          <p:cNvPicPr>
-            <a:picLocks noChangeAspect="1"/>
-          </p:cNvPicPr>
-          <p:nvPr/>
-        </p:nvPicPr>
-        <p:blipFill>
-          <a:blip r:embed="rId5"/>
-          <a:stretch>
-            <a:fillRect/>
-          </a:stretch>
-        </p:blipFill>
-        <p:spPr>
-          <a:xfrm>
-            <a:off x="3808044" y="940485"/>
-            <a:ext cx="3544226" cy="2958546"/>
-          </a:xfrm>
-          <a:prstGeom prst="rect">
-            <a:avLst/>
-          </a:prstGeom>
-        </p:spPr>
-      </p:pic>
-      <p:pic>
-        <p:nvPicPr>
-          <p:cNvPr id="12" name="Picture 11">
-            <a:extLst>
-              <a:ext uri="{FF2B5EF4-FFF2-40B4-BE49-F238E27FC236}">
-                <a16:creationId xmlns:a16="http://schemas.microsoft.com/office/drawing/2014/main" id="{3ED014A5-ABF1-42A9-A873-31D6DF7AC6AB}"/>
-              </a:ext>
-            </a:extLst>
-          </p:cNvPr>
-          <p:cNvPicPr>
-            <a:picLocks noChangeAspect="1"/>
-          </p:cNvPicPr>
-          <p:nvPr/>
-        </p:nvPicPr>
-        <p:blipFill>
-          <a:blip r:embed="rId6"/>
-          <a:stretch>
-            <a:fillRect/>
-          </a:stretch>
-        </p:blipFill>
-        <p:spPr>
-          <a:xfrm>
-            <a:off x="8071126" y="309055"/>
-            <a:ext cx="3371232" cy="2814139"/>
-          </a:xfrm>
-          <a:prstGeom prst="rect">
-            <a:avLst/>
-          </a:prstGeom>
-        </p:spPr>
-      </p:pic>
-      <p:pic>
-        <p:nvPicPr>
-          <p:cNvPr id="13" name="Picture 12">
-            <a:extLst>
-              <a:ext uri="{FF2B5EF4-FFF2-40B4-BE49-F238E27FC236}">
-                <a16:creationId xmlns:a16="http://schemas.microsoft.com/office/drawing/2014/main" id="{5EC3CF61-798A-4681-99AB-D42C784EBB70}"/>
-              </a:ext>
-            </a:extLst>
-          </p:cNvPr>
-          <p:cNvPicPr>
-            <a:picLocks noChangeAspect="1"/>
-          </p:cNvPicPr>
-          <p:nvPr/>
-        </p:nvPicPr>
-        <p:blipFill>
-          <a:blip r:embed="rId7"/>
-          <a:stretch>
-            <a:fillRect/>
-          </a:stretch>
-        </p:blipFill>
-        <p:spPr>
-          <a:xfrm>
-            <a:off x="8132908" y="3123194"/>
-            <a:ext cx="3371232" cy="2814139"/>
-          </a:xfrm>
-          <a:prstGeom prst="rect">
-            <a:avLst/>
-          </a:prstGeom>
+          <a:noFill/>
+          <a:extLst>
+            <a:ext uri="{909E8E84-426E-40DD-AFC4-6F175D3DCCD1}">
+              <a14:hiddenFill xmlns:a14="http://schemas.microsoft.com/office/drawing/2010/main">
+                <a:solidFill>
+                  <a:srgbClr val="FFFFFF"/>
+                </a:solidFill>
+              </a14:hiddenFill>
+            </a:ext>
+          </a:extLst>
         </p:spPr>
       </p:pic>
       <p:sp>
         <p:nvSpPr>
-          <p:cNvPr id="14" name="TextBox 13">
-            <a:extLst>
-              <a:ext uri="{FF2B5EF4-FFF2-40B4-BE49-F238E27FC236}">
-                <a16:creationId xmlns:a16="http://schemas.microsoft.com/office/drawing/2014/main" id="{57218FB8-E4C4-4B0D-8830-CD95572FE4A4}"/>
+          <p:cNvPr id="6" name="TextBox 5">
+            <a:extLst>
+              <a:ext uri="{FF2B5EF4-FFF2-40B4-BE49-F238E27FC236}">
+                <a16:creationId xmlns:a16="http://schemas.microsoft.com/office/drawing/2014/main" id="{A9A711DF-A7A2-4F08-8CE2-80B063F9CDDC}"/>
               </a:ext>
             </a:extLst>
           </p:cNvPr>
@@ -8654,8 +11698,8 @@
         </p:nvSpPr>
         <p:spPr>
           <a:xfrm>
-            <a:off x="8071126" y="5937333"/>
-            <a:ext cx="3527184" cy="646331"/>
+            <a:off x="5320841" y="1177048"/>
+            <a:ext cx="840295" cy="461665"/>
           </a:xfrm>
           <a:prstGeom prst="rect">
             <a:avLst/>
@@ -8669,22 +11713,52 @@
           <a:lstStyle/>
           <a:p>
             <a:r>
+              <a:rPr lang="en-US" sz="2400" dirty="0"/>
+              <a:t>LNCC</a:t>
+            </a:r>
+            <a:endParaRPr lang="en-US" dirty="0"/>
+          </a:p>
+        </p:txBody>
+      </p:sp>
+      <p:sp>
+        <p:nvSpPr>
+          <p:cNvPr id="8" name="TextBox 7">
+            <a:extLst>
+              <a:ext uri="{FF2B5EF4-FFF2-40B4-BE49-F238E27FC236}">
+                <a16:creationId xmlns:a16="http://schemas.microsoft.com/office/drawing/2014/main" id="{193E16F1-77D1-4D9D-A85E-41F8CCA9D536}"/>
+              </a:ext>
+            </a:extLst>
+          </p:cNvPr>
+          <p:cNvSpPr txBox="1"/>
+          <p:nvPr/>
+        </p:nvSpPr>
+        <p:spPr>
+          <a:xfrm>
+            <a:off x="2496881" y="6238196"/>
+            <a:ext cx="6696641" cy="369332"/>
+          </a:xfrm>
+          <a:prstGeom prst="rect">
+            <a:avLst/>
+          </a:prstGeom>
+          <a:noFill/>
+        </p:spPr>
+        <p:txBody>
+          <a:bodyPr wrap="none" rtlCol="0">
+            <a:spAutoFit/>
+          </a:bodyPr>
+          <a:lstStyle/>
+          <a:p>
+            <a:r>
               <a:rPr lang="en-US" dirty="0"/>
-              <a:t>This plot shows only </a:t>
+              <a:t>Special thanks to Andrew, Carolyn, Dan, Andrea, </a:t>
             </a:r>
             <a:r>
               <a:rPr lang="en-US" dirty="0" err="1"/>
-              <a:t>midValue</a:t>
+              <a:t>Wasita</a:t>
             </a:r>
             <a:r>
               <a:rPr lang="en-US" dirty="0"/>
-              <a:t> trials</a:t>
-            </a:r>
-          </a:p>
-          <a:p>
-            <a:r>
-              <a:rPr lang="en-US" dirty="0"/>
-              <a:t>for logical gamblers</a:t>
+              <a:t>, and Michael </a:t>
             </a:r>
           </a:p>
         </p:txBody>
@@ -8692,7 +11766,7 @@
     </p:spTree>
     <p:extLst>
       <p:ext uri="{BB962C8B-B14F-4D97-AF65-F5344CB8AC3E}">
-        <p14:creationId xmlns:p14="http://schemas.microsoft.com/office/powerpoint/2010/main" val="2088590608"/>
+        <p14:creationId xmlns:p14="http://schemas.microsoft.com/office/powerpoint/2010/main" val="3992442831"/>
       </p:ext>
     </p:extLst>
   </p:cSld>
@@ -8702,7 +11776,7 @@
 </p:sld>
 </file>
 
-<file path=ppt/slides/slide24.xml><?xml version="1.0" encoding="utf-8"?>
+<file path=ppt/slides/slide35.xml><?xml version="1.0" encoding="utf-8"?>
 <p:sld xmlns:a="http://schemas.openxmlformats.org/drawingml/2006/main" xmlns:r="http://schemas.openxmlformats.org/officeDocument/2006/relationships" xmlns:p="http://schemas.openxmlformats.org/presentationml/2006/main">
   <p:cSld>
     <p:spTree>
@@ -8724,7 +11798,7 @@
           <p:cNvPr id="2" name="Title 1">
             <a:extLst>
               <a:ext uri="{FF2B5EF4-FFF2-40B4-BE49-F238E27FC236}">
-                <a16:creationId xmlns:a16="http://schemas.microsoft.com/office/drawing/2014/main" id="{AD584A5A-8240-4177-827B-788B43A7CF95}"/>
+                <a16:creationId xmlns:a16="http://schemas.microsoft.com/office/drawing/2014/main" id="{14784096-A879-4BC2-9E51-9D1C8927841D}"/>
               </a:ext>
             </a:extLst>
           </p:cNvPr>
@@ -8737,8 +11811,8 @@
         </p:nvSpPr>
         <p:spPr>
           <a:xfrm>
-            <a:off x="410362" y="180567"/>
-            <a:ext cx="11334225" cy="868057"/>
+            <a:off x="0" y="-297657"/>
+            <a:ext cx="2717800" cy="1325563"/>
           </a:xfrm>
         </p:spPr>
         <p:txBody>
@@ -8749,17 +11823,17 @@
           <a:p>
             <a:r>
               <a:rPr lang="en-US" sz="2400" dirty="0"/>
-              <a:t>Participants who gambled more than 60% of time (n=45)</a:t>
+              <a:t>Extra Plots</a:t>
             </a:r>
           </a:p>
         </p:txBody>
       </p:sp>
       <p:pic>
         <p:nvPicPr>
-          <p:cNvPr id="3" name="Picture 2">
-            <a:extLst>
-              <a:ext uri="{FF2B5EF4-FFF2-40B4-BE49-F238E27FC236}">
-                <a16:creationId xmlns:a16="http://schemas.microsoft.com/office/drawing/2014/main" id="{9544E859-DAD6-43E7-97CF-175C5D69DA7F}"/>
+          <p:cNvPr id="4" name="Picture 3">
+            <a:extLst>
+              <a:ext uri="{FF2B5EF4-FFF2-40B4-BE49-F238E27FC236}">
+                <a16:creationId xmlns:a16="http://schemas.microsoft.com/office/drawing/2014/main" id="{7727590C-2FA1-4A8B-AE4A-4255391696FD}"/>
               </a:ext>
             </a:extLst>
           </p:cNvPr>
@@ -8776,8 +11850,8 @@
         </p:blipFill>
         <p:spPr>
           <a:xfrm>
-            <a:off x="867137" y="1048624"/>
-            <a:ext cx="3148810" cy="2628472"/>
+            <a:off x="0" y="2180107"/>
+            <a:ext cx="3720902" cy="1980998"/>
           </a:xfrm>
           <a:prstGeom prst="rect">
             <a:avLst/>
@@ -8789,7 +11863,7 @@
           <p:cNvPr id="5" name="Picture 4">
             <a:extLst>
               <a:ext uri="{FF2B5EF4-FFF2-40B4-BE49-F238E27FC236}">
-                <a16:creationId xmlns:a16="http://schemas.microsoft.com/office/drawing/2014/main" id="{D40BF60A-1058-4AA3-82E7-2004C2143134}"/>
+                <a16:creationId xmlns:a16="http://schemas.microsoft.com/office/drawing/2014/main" id="{9B4809E0-848C-42F8-81C6-B311E22A0423}"/>
               </a:ext>
             </a:extLst>
           </p:cNvPr>
@@ -8806,8 +11880,8 @@
         </p:blipFill>
         <p:spPr>
           <a:xfrm>
-            <a:off x="620002" y="3677096"/>
-            <a:ext cx="3395945" cy="2834768"/>
+            <a:off x="0" y="4511876"/>
+            <a:ext cx="3720902" cy="1980999"/>
           </a:xfrm>
           <a:prstGeom prst="rect">
             <a:avLst/>
@@ -8819,7 +11893,7 @@
           <p:cNvPr id="6" name="Picture 5">
             <a:extLst>
               <a:ext uri="{FF2B5EF4-FFF2-40B4-BE49-F238E27FC236}">
-                <a16:creationId xmlns:a16="http://schemas.microsoft.com/office/drawing/2014/main" id="{19DAA57E-C190-4576-9A9A-4077ADD37CD3}"/>
+                <a16:creationId xmlns:a16="http://schemas.microsoft.com/office/drawing/2014/main" id="{8D797A22-AFCD-4771-9C47-B21CE1A4F686}"/>
               </a:ext>
             </a:extLst>
           </p:cNvPr>
@@ -8836,8 +11910,8 @@
         </p:blipFill>
         <p:spPr>
           <a:xfrm>
-            <a:off x="8331188" y="3677096"/>
-            <a:ext cx="3395945" cy="2834768"/>
+            <a:off x="3720902" y="4511876"/>
+            <a:ext cx="3720902" cy="1980998"/>
           </a:xfrm>
           <a:prstGeom prst="rect">
             <a:avLst/>
@@ -8849,7 +11923,7 @@
           <p:cNvPr id="7" name="Picture 6">
             <a:extLst>
               <a:ext uri="{FF2B5EF4-FFF2-40B4-BE49-F238E27FC236}">
-                <a16:creationId xmlns:a16="http://schemas.microsoft.com/office/drawing/2014/main" id="{A443DE67-BBE7-47F0-AA60-4830261F59BD}"/>
+                <a16:creationId xmlns:a16="http://schemas.microsoft.com/office/drawing/2014/main" id="{7534D4A7-C41F-43DA-B360-F577FF85771E}"/>
               </a:ext>
             </a:extLst>
           </p:cNvPr>
@@ -8866,8 +11940,8 @@
         </p:blipFill>
         <p:spPr>
           <a:xfrm>
-            <a:off x="4015947" y="842328"/>
-            <a:ext cx="3395945" cy="2834768"/>
+            <a:off x="3637238" y="2225602"/>
+            <a:ext cx="3720902" cy="1980998"/>
           </a:xfrm>
           <a:prstGeom prst="rect">
             <a:avLst/>
@@ -8879,7 +11953,7 @@
           <p:cNvPr id="8" name="Picture 7">
             <a:extLst>
               <a:ext uri="{FF2B5EF4-FFF2-40B4-BE49-F238E27FC236}">
-                <a16:creationId xmlns:a16="http://schemas.microsoft.com/office/drawing/2014/main" id="{67C53899-77FE-4060-AE21-CF72B0947D28}"/>
+                <a16:creationId xmlns:a16="http://schemas.microsoft.com/office/drawing/2014/main" id="{F58B2AAA-9BDA-402F-81D5-D305BA2373A2}"/>
               </a:ext>
             </a:extLst>
           </p:cNvPr>
@@ -8896,124 +11970,44 @@
         </p:blipFill>
         <p:spPr>
           <a:xfrm>
-            <a:off x="8103037" y="389213"/>
-            <a:ext cx="3641550" cy="3039787"/>
+            <a:off x="3562858" y="460049"/>
+            <a:ext cx="3436219" cy="1829434"/>
           </a:xfrm>
           <a:prstGeom prst="rect">
             <a:avLst/>
           </a:prstGeom>
         </p:spPr>
       </p:pic>
-    </p:spTree>
-    <p:extLst>
-      <p:ext uri="{BB962C8B-B14F-4D97-AF65-F5344CB8AC3E}">
-        <p14:creationId xmlns:p14="http://schemas.microsoft.com/office/powerpoint/2010/main" val="922448665"/>
-      </p:ext>
-    </p:extLst>
-  </p:cSld>
-  <p:clrMapOvr>
-    <a:masterClrMapping/>
-  </p:clrMapOvr>
-</p:sld>
-</file>
-
-<file path=ppt/slides/slide25.xml><?xml version="1.0" encoding="utf-8"?>
-<p:sld xmlns:a="http://schemas.openxmlformats.org/drawingml/2006/main" xmlns:r="http://schemas.openxmlformats.org/officeDocument/2006/relationships" xmlns:p="http://schemas.openxmlformats.org/presentationml/2006/main">
-  <p:cSld>
-    <p:spTree>
-      <p:nvGrpSpPr>
-        <p:cNvPr id="1" name=""/>
-        <p:cNvGrpSpPr/>
-        <p:nvPr/>
-      </p:nvGrpSpPr>
-      <p:grpSpPr>
-        <a:xfrm>
-          <a:off x="0" y="0"/>
-          <a:ext cx="0" cy="0"/>
-          <a:chOff x="0" y="0"/>
-          <a:chExt cx="0" cy="0"/>
-        </a:xfrm>
-      </p:grpSpPr>
-    </p:spTree>
-    <p:extLst>
-      <p:ext uri="{BB962C8B-B14F-4D97-AF65-F5344CB8AC3E}">
-        <p14:creationId xmlns:p14="http://schemas.microsoft.com/office/powerpoint/2010/main" val="3547526465"/>
-      </p:ext>
-    </p:extLst>
-  </p:cSld>
-  <p:clrMapOvr>
-    <a:masterClrMapping/>
-  </p:clrMapOvr>
-</p:sld>
-</file>
-
-<file path=ppt/slides/slide26.xml><?xml version="1.0" encoding="utf-8"?>
-<p:sld xmlns:a="http://schemas.openxmlformats.org/drawingml/2006/main" xmlns:r="http://schemas.openxmlformats.org/officeDocument/2006/relationships" xmlns:p="http://schemas.openxmlformats.org/presentationml/2006/main">
-  <p:cSld>
-    <p:spTree>
-      <p:nvGrpSpPr>
-        <p:cNvPr id="1" name=""/>
-        <p:cNvGrpSpPr/>
-        <p:nvPr/>
-      </p:nvGrpSpPr>
-      <p:grpSpPr>
-        <a:xfrm>
-          <a:off x="0" y="0"/>
-          <a:ext cx="0" cy="0"/>
-          <a:chOff x="0" y="0"/>
-          <a:chExt cx="0" cy="0"/>
-        </a:xfrm>
-      </p:grpSpPr>
-      <p:sp>
-        <p:nvSpPr>
-          <p:cNvPr id="2" name="Title 1">
-            <a:extLst>
-              <a:ext uri="{FF2B5EF4-FFF2-40B4-BE49-F238E27FC236}">
-                <a16:creationId xmlns:a16="http://schemas.microsoft.com/office/drawing/2014/main" id="{14784096-A879-4BC2-9E51-9D1C8927841D}"/>
-              </a:ext>
-            </a:extLst>
-          </p:cNvPr>
-          <p:cNvSpPr>
-            <a:spLocks noGrp="1"/>
-          </p:cNvSpPr>
-          <p:nvPr>
-            <p:ph type="title"/>
-          </p:nvPr>
-        </p:nvSpPr>
-        <p:spPr/>
-        <p:txBody>
-          <a:bodyPr/>
-          <a:lstStyle/>
-          <a:p>
-            <a:endParaRPr lang="en-US"/>
-          </a:p>
-        </p:txBody>
-      </p:sp>
-      <p:sp>
-        <p:nvSpPr>
-          <p:cNvPr id="3" name="Content Placeholder 2">
-            <a:extLst>
-              <a:ext uri="{FF2B5EF4-FFF2-40B4-BE49-F238E27FC236}">
-                <a16:creationId xmlns:a16="http://schemas.microsoft.com/office/drawing/2014/main" id="{6004D9D8-86B4-4BF6-BA09-D238D837B2CB}"/>
-              </a:ext>
-            </a:extLst>
-          </p:cNvPr>
-          <p:cNvSpPr>
-            <a:spLocks noGrp="1"/>
-          </p:cNvSpPr>
-          <p:nvPr>
-            <p:ph idx="1"/>
-          </p:nvPr>
-        </p:nvSpPr>
-        <p:spPr/>
-        <p:txBody>
-          <a:bodyPr/>
-          <a:lstStyle/>
-          <a:p>
-            <a:endParaRPr lang="en-US"/>
-          </a:p>
-        </p:txBody>
-      </p:sp>
+      <p:pic>
+        <p:nvPicPr>
+          <p:cNvPr id="9" name="Picture 8">
+            <a:extLst>
+              <a:ext uri="{FF2B5EF4-FFF2-40B4-BE49-F238E27FC236}">
+                <a16:creationId xmlns:a16="http://schemas.microsoft.com/office/drawing/2014/main" id="{1C0678BC-3B58-4840-B12F-76D9F4E76024}"/>
+              </a:ext>
+            </a:extLst>
+          </p:cNvPr>
+          <p:cNvPicPr>
+            <a:picLocks noChangeAspect="1"/>
+          </p:cNvPicPr>
+          <p:nvPr/>
+        </p:nvPicPr>
+        <p:blipFill>
+          <a:blip r:embed="rId7"/>
+          <a:stretch>
+            <a:fillRect/>
+          </a:stretch>
+        </p:blipFill>
+        <p:spPr>
+          <a:xfrm>
+            <a:off x="7432520" y="1027906"/>
+            <a:ext cx="4704233" cy="4924193"/>
+          </a:xfrm>
+          <a:prstGeom prst="rect">
+            <a:avLst/>
+          </a:prstGeom>
+        </p:spPr>
+      </p:pic>
     </p:spTree>
     <p:extLst>
       <p:ext uri="{BB962C8B-B14F-4D97-AF65-F5344CB8AC3E}">
@@ -9027,7 +12021,7 @@
 </p:sld>
 </file>
 
-<file path=ppt/slides/slide3.xml><?xml version="1.0" encoding="utf-8"?>
+<file path=ppt/slides/slide4.xml><?xml version="1.0" encoding="utf-8"?>
 <p:sld xmlns:a="http://schemas.openxmlformats.org/drawingml/2006/main" xmlns:r="http://schemas.openxmlformats.org/officeDocument/2006/relationships" xmlns:p="http://schemas.openxmlformats.org/presentationml/2006/main">
   <p:cSld>
     <p:spTree>
@@ -9447,10 +12441,298 @@
   <p:clrMapOvr>
     <a:masterClrMapping/>
   </p:clrMapOvr>
+  <p:timing>
+    <p:tnLst>
+      <p:par>
+        <p:cTn id="1" dur="indefinite" restart="never" nodeType="tmRoot">
+          <p:childTnLst>
+            <p:seq concurrent="1" nextAc="seek">
+              <p:cTn id="2" dur="indefinite" nodeType="mainSeq">
+                <p:childTnLst>
+                  <p:par>
+                    <p:cTn id="3" fill="hold">
+                      <p:stCondLst>
+                        <p:cond delay="indefinite"/>
+                      </p:stCondLst>
+                      <p:childTnLst>
+                        <p:par>
+                          <p:cTn id="4" fill="hold">
+                            <p:stCondLst>
+                              <p:cond delay="0"/>
+                            </p:stCondLst>
+                            <p:childTnLst>
+                              <p:par>
+                                <p:cTn id="5" presetID="1" presetClass="entr" presetSubtype="0" fill="hold" nodeType="clickEffect">
+                                  <p:stCondLst>
+                                    <p:cond delay="0"/>
+                                  </p:stCondLst>
+                                  <p:childTnLst>
+                                    <p:set>
+                                      <p:cBhvr>
+                                        <p:cTn id="6" dur="1" fill="hold">
+                                          <p:stCondLst>
+                                            <p:cond delay="0"/>
+                                          </p:stCondLst>
+                                        </p:cTn>
+                                        <p:tgtEl>
+                                          <p:spTgt spid="6">
+                                            <p:txEl>
+                                              <p:pRg st="0" end="0"/>
+                                            </p:txEl>
+                                          </p:spTgt>
+                                        </p:tgtEl>
+                                        <p:attrNameLst>
+                                          <p:attrName>style.visibility</p:attrName>
+                                        </p:attrNameLst>
+                                      </p:cBhvr>
+                                      <p:to>
+                                        <p:strVal val="visible"/>
+                                      </p:to>
+                                    </p:set>
+                                  </p:childTnLst>
+                                </p:cTn>
+                              </p:par>
+                            </p:childTnLst>
+                          </p:cTn>
+                        </p:par>
+                      </p:childTnLst>
+                    </p:cTn>
+                  </p:par>
+                  <p:par>
+                    <p:cTn id="7" fill="hold">
+                      <p:stCondLst>
+                        <p:cond delay="indefinite"/>
+                      </p:stCondLst>
+                      <p:childTnLst>
+                        <p:par>
+                          <p:cTn id="8" fill="hold">
+                            <p:stCondLst>
+                              <p:cond delay="0"/>
+                            </p:stCondLst>
+                            <p:childTnLst>
+                              <p:par>
+                                <p:cTn id="9" presetID="10" presetClass="entr" presetSubtype="0" fill="hold" nodeType="clickEffect">
+                                  <p:stCondLst>
+                                    <p:cond delay="0"/>
+                                  </p:stCondLst>
+                                  <p:childTnLst>
+                                    <p:set>
+                                      <p:cBhvr>
+                                        <p:cTn id="10" dur="1" fill="hold">
+                                          <p:stCondLst>
+                                            <p:cond delay="0"/>
+                                          </p:stCondLst>
+                                        </p:cTn>
+                                        <p:tgtEl>
+                                          <p:spTgt spid="3">
+                                            <p:txEl>
+                                              <p:pRg st="0" end="0"/>
+                                            </p:txEl>
+                                          </p:spTgt>
+                                        </p:tgtEl>
+                                        <p:attrNameLst>
+                                          <p:attrName>style.visibility</p:attrName>
+                                        </p:attrNameLst>
+                                      </p:cBhvr>
+                                      <p:to>
+                                        <p:strVal val="visible"/>
+                                      </p:to>
+                                    </p:set>
+                                    <p:animEffect transition="in" filter="fade">
+                                      <p:cBhvr>
+                                        <p:cTn id="11" dur="500"/>
+                                        <p:tgtEl>
+                                          <p:spTgt spid="3">
+                                            <p:txEl>
+                                              <p:pRg st="0" end="0"/>
+                                            </p:txEl>
+                                          </p:spTgt>
+                                        </p:tgtEl>
+                                      </p:cBhvr>
+                                    </p:animEffect>
+                                  </p:childTnLst>
+                                </p:cTn>
+                              </p:par>
+                            </p:childTnLst>
+                          </p:cTn>
+                        </p:par>
+                      </p:childTnLst>
+                    </p:cTn>
+                  </p:par>
+                  <p:par>
+                    <p:cTn id="12" fill="hold">
+                      <p:stCondLst>
+                        <p:cond delay="indefinite"/>
+                      </p:stCondLst>
+                      <p:childTnLst>
+                        <p:par>
+                          <p:cTn id="13" fill="hold">
+                            <p:stCondLst>
+                              <p:cond delay="0"/>
+                            </p:stCondLst>
+                            <p:childTnLst>
+                              <p:par>
+                                <p:cTn id="14" presetID="1" presetClass="entr" presetSubtype="0" fill="hold" nodeType="clickEffect">
+                                  <p:stCondLst>
+                                    <p:cond delay="0"/>
+                                  </p:stCondLst>
+                                  <p:childTnLst>
+                                    <p:set>
+                                      <p:cBhvr>
+                                        <p:cTn id="15" dur="1" fill="hold">
+                                          <p:stCondLst>
+                                            <p:cond delay="0"/>
+                                          </p:stCondLst>
+                                        </p:cTn>
+                                        <p:tgtEl>
+                                          <p:spTgt spid="8"/>
+                                        </p:tgtEl>
+                                        <p:attrNameLst>
+                                          <p:attrName>style.visibility</p:attrName>
+                                        </p:attrNameLst>
+                                      </p:cBhvr>
+                                      <p:to>
+                                        <p:strVal val="visible"/>
+                                      </p:to>
+                                    </p:set>
+                                  </p:childTnLst>
+                                </p:cTn>
+                              </p:par>
+                              <p:par>
+                                <p:cTn id="16" presetID="1" presetClass="entr" presetSubtype="0" fill="hold" nodeType="withEffect">
+                                  <p:stCondLst>
+                                    <p:cond delay="0"/>
+                                  </p:stCondLst>
+                                  <p:childTnLst>
+                                    <p:set>
+                                      <p:cBhvr>
+                                        <p:cTn id="17" dur="1" fill="hold">
+                                          <p:stCondLst>
+                                            <p:cond delay="0"/>
+                                          </p:stCondLst>
+                                        </p:cTn>
+                                        <p:tgtEl>
+                                          <p:spTgt spid="9"/>
+                                        </p:tgtEl>
+                                        <p:attrNameLst>
+                                          <p:attrName>style.visibility</p:attrName>
+                                        </p:attrNameLst>
+                                      </p:cBhvr>
+                                      <p:to>
+                                        <p:strVal val="visible"/>
+                                      </p:to>
+                                    </p:set>
+                                  </p:childTnLst>
+                                </p:cTn>
+                              </p:par>
+                              <p:par>
+                                <p:cTn id="18" presetID="1" presetClass="entr" presetSubtype="0" fill="hold" nodeType="withEffect">
+                                  <p:stCondLst>
+                                    <p:cond delay="0"/>
+                                  </p:stCondLst>
+                                  <p:childTnLst>
+                                    <p:set>
+                                      <p:cBhvr>
+                                        <p:cTn id="19" dur="1" fill="hold">
+                                          <p:stCondLst>
+                                            <p:cond delay="0"/>
+                                          </p:stCondLst>
+                                        </p:cTn>
+                                        <p:tgtEl>
+                                          <p:spTgt spid="10"/>
+                                        </p:tgtEl>
+                                        <p:attrNameLst>
+                                          <p:attrName>style.visibility</p:attrName>
+                                        </p:attrNameLst>
+                                      </p:cBhvr>
+                                      <p:to>
+                                        <p:strVal val="visible"/>
+                                      </p:to>
+                                    </p:set>
+                                  </p:childTnLst>
+                                </p:cTn>
+                              </p:par>
+                            </p:childTnLst>
+                          </p:cTn>
+                        </p:par>
+                      </p:childTnLst>
+                    </p:cTn>
+                  </p:par>
+                  <p:par>
+                    <p:cTn id="20" fill="hold">
+                      <p:stCondLst>
+                        <p:cond delay="indefinite"/>
+                      </p:stCondLst>
+                      <p:childTnLst>
+                        <p:par>
+                          <p:cTn id="21" fill="hold">
+                            <p:stCondLst>
+                              <p:cond delay="0"/>
+                            </p:stCondLst>
+                            <p:childTnLst>
+                              <p:par>
+                                <p:cTn id="22" presetID="1" presetClass="entr" presetSubtype="0" fill="hold" nodeType="clickEffect">
+                                  <p:stCondLst>
+                                    <p:cond delay="0"/>
+                                  </p:stCondLst>
+                                  <p:childTnLst>
+                                    <p:set>
+                                      <p:cBhvr>
+                                        <p:cTn id="23" dur="1" fill="hold">
+                                          <p:stCondLst>
+                                            <p:cond delay="0"/>
+                                          </p:stCondLst>
+                                        </p:cTn>
+                                        <p:tgtEl>
+                                          <p:spTgt spid="11">
+                                            <p:txEl>
+                                              <p:pRg st="0" end="0"/>
+                                            </p:txEl>
+                                          </p:spTgt>
+                                        </p:tgtEl>
+                                        <p:attrNameLst>
+                                          <p:attrName>style.visibility</p:attrName>
+                                        </p:attrNameLst>
+                                      </p:cBhvr>
+                                      <p:to>
+                                        <p:strVal val="visible"/>
+                                      </p:to>
+                                    </p:set>
+                                  </p:childTnLst>
+                                </p:cTn>
+                              </p:par>
+                            </p:childTnLst>
+                          </p:cTn>
+                        </p:par>
+                      </p:childTnLst>
+                    </p:cTn>
+                  </p:par>
+                </p:childTnLst>
+              </p:cTn>
+              <p:prevCondLst>
+                <p:cond evt="onPrev" delay="0">
+                  <p:tgtEl>
+                    <p:sldTgt/>
+                  </p:tgtEl>
+                </p:cond>
+              </p:prevCondLst>
+              <p:nextCondLst>
+                <p:cond evt="onNext" delay="0">
+                  <p:tgtEl>
+                    <p:sldTgt/>
+                  </p:tgtEl>
+                </p:cond>
+              </p:nextCondLst>
+            </p:seq>
+          </p:childTnLst>
+        </p:cTn>
+      </p:par>
+    </p:tnLst>
+  </p:timing>
 </p:sld>
 </file>
 
-<file path=ppt/slides/slide4.xml><?xml version="1.0" encoding="utf-8"?>
+<file path=ppt/slides/slide5.xml><?xml version="1.0" encoding="utf-8"?>
 <p:sld xmlns:a="http://schemas.openxmlformats.org/drawingml/2006/main" xmlns:r="http://schemas.openxmlformats.org/officeDocument/2006/relationships" xmlns:p="http://schemas.openxmlformats.org/presentationml/2006/main">
   <p:cSld>
     <p:spTree>
@@ -9918,7 +13200,7 @@
 </p:sld>
 </file>
 
-<file path=ppt/slides/slide5.xml><?xml version="1.0" encoding="utf-8"?>
+<file path=ppt/slides/slide6.xml><?xml version="1.0" encoding="utf-8"?>
 <p:sld xmlns:a="http://schemas.openxmlformats.org/drawingml/2006/main" xmlns:r="http://schemas.openxmlformats.org/officeDocument/2006/relationships" xmlns:p="http://schemas.openxmlformats.org/presentationml/2006/main">
   <p:cSld>
     <p:spTree>
@@ -10277,7 +13559,7 @@
 </p:sld>
 </file>
 
-<file path=ppt/slides/slide6.xml><?xml version="1.0" encoding="utf-8"?>
+<file path=ppt/slides/slide7.xml><?xml version="1.0" encoding="utf-8"?>
 <p:sld xmlns:a="http://schemas.openxmlformats.org/drawingml/2006/main" xmlns:r="http://schemas.openxmlformats.org/officeDocument/2006/relationships" xmlns:p="http://schemas.openxmlformats.org/presentationml/2006/main">
   <p:cSld>
     <p:spTree>
@@ -10334,346 +13616,6 @@
     <p:extLst>
       <p:ext uri="{BB962C8B-B14F-4D97-AF65-F5344CB8AC3E}">
         <p14:creationId xmlns:p14="http://schemas.microsoft.com/office/powerpoint/2010/main" val="479062192"/>
-      </p:ext>
-    </p:extLst>
-  </p:cSld>
-  <p:clrMapOvr>
-    <a:masterClrMapping/>
-  </p:clrMapOvr>
-</p:sld>
-</file>
-
-<file path=ppt/slides/slide7.xml><?xml version="1.0" encoding="utf-8"?>
-<p:sld xmlns:a="http://schemas.openxmlformats.org/drawingml/2006/main" xmlns:r="http://schemas.openxmlformats.org/officeDocument/2006/relationships" xmlns:p="http://schemas.openxmlformats.org/presentationml/2006/main">
-  <p:cSld>
-    <p:spTree>
-      <p:nvGrpSpPr>
-        <p:cNvPr id="1" name=""/>
-        <p:cNvGrpSpPr/>
-        <p:nvPr/>
-      </p:nvGrpSpPr>
-      <p:grpSpPr>
-        <a:xfrm>
-          <a:off x="0" y="0"/>
-          <a:ext cx="0" cy="0"/>
-          <a:chOff x="0" y="0"/>
-          <a:chExt cx="0" cy="0"/>
-        </a:xfrm>
-      </p:grpSpPr>
-      <p:sp>
-        <p:nvSpPr>
-          <p:cNvPr id="2" name="Title 1">
-            <a:extLst>
-              <a:ext uri="{FF2B5EF4-FFF2-40B4-BE49-F238E27FC236}">
-                <a16:creationId xmlns:a16="http://schemas.microsoft.com/office/drawing/2014/main" id="{4EB5AE67-871C-4FA0-8792-45D6D97ED37F}"/>
-              </a:ext>
-            </a:extLst>
-          </p:cNvPr>
-          <p:cNvSpPr>
-            <a:spLocks noGrp="1"/>
-          </p:cNvSpPr>
-          <p:nvPr>
-            <p:ph type="title"/>
-          </p:nvPr>
-        </p:nvSpPr>
-        <p:spPr/>
-        <p:txBody>
-          <a:bodyPr/>
-          <a:lstStyle/>
-          <a:p>
-            <a:r>
-              <a:rPr lang="en-US" dirty="0"/>
-              <a:t>Task</a:t>
-            </a:r>
-          </a:p>
-        </p:txBody>
-      </p:sp>
-      <p:sp>
-        <p:nvSpPr>
-          <p:cNvPr id="3" name="Content Placeholder 2">
-            <a:extLst>
-              <a:ext uri="{FF2B5EF4-FFF2-40B4-BE49-F238E27FC236}">
-                <a16:creationId xmlns:a16="http://schemas.microsoft.com/office/drawing/2014/main" id="{D57E6630-FEBA-4E1F-ADAF-CD633387F42F}"/>
-              </a:ext>
-            </a:extLst>
-          </p:cNvPr>
-          <p:cNvSpPr>
-            <a:spLocks noGrp="1"/>
-          </p:cNvSpPr>
-          <p:nvPr>
-            <p:ph idx="1"/>
-          </p:nvPr>
-        </p:nvSpPr>
-        <p:spPr/>
-        <p:txBody>
-          <a:bodyPr/>
-          <a:lstStyle/>
-          <a:p>
-            <a:r>
-              <a:rPr lang="en-US" dirty="0"/>
-              <a:t>Designed to elicit DA ramping in humans online via </a:t>
-            </a:r>
-            <a:r>
-              <a:rPr lang="en-US" dirty="0" err="1"/>
-              <a:t>mTurk</a:t>
-            </a:r>
-            <a:endParaRPr lang="en-US" dirty="0"/>
-          </a:p>
-        </p:txBody>
-      </p:sp>
-      <p:pic>
-        <p:nvPicPr>
-          <p:cNvPr id="4" name="Picture 3">
-            <a:extLst>
-              <a:ext uri="{FF2B5EF4-FFF2-40B4-BE49-F238E27FC236}">
-                <a16:creationId xmlns:a16="http://schemas.microsoft.com/office/drawing/2014/main" id="{14C32B9D-8149-425F-B829-E44FE1B0FE05}"/>
-              </a:ext>
-            </a:extLst>
-          </p:cNvPr>
-          <p:cNvPicPr>
-            <a:picLocks noChangeAspect="1"/>
-          </p:cNvPicPr>
-          <p:nvPr/>
-        </p:nvPicPr>
-        <p:blipFill>
-          <a:blip r:embed="rId2"/>
-          <a:stretch>
-            <a:fillRect/>
-          </a:stretch>
-        </p:blipFill>
-        <p:spPr>
-          <a:xfrm>
-            <a:off x="1725670" y="2415504"/>
-            <a:ext cx="8112811" cy="4077371"/>
-          </a:xfrm>
-          <a:prstGeom prst="rect">
-            <a:avLst/>
-          </a:prstGeom>
-        </p:spPr>
-      </p:pic>
-      <p:cxnSp>
-        <p:nvCxnSpPr>
-          <p:cNvPr id="6" name="Straight Connector 5">
-            <a:extLst>
-              <a:ext uri="{FF2B5EF4-FFF2-40B4-BE49-F238E27FC236}">
-                <a16:creationId xmlns:a16="http://schemas.microsoft.com/office/drawing/2014/main" id="{32FF3485-624E-4326-B27E-D751C83D853A}"/>
-              </a:ext>
-            </a:extLst>
-          </p:cNvPr>
-          <p:cNvCxnSpPr>
-            <a:cxnSpLocks/>
-          </p:cNvCxnSpPr>
-          <p:nvPr/>
-        </p:nvCxnSpPr>
-        <p:spPr>
-          <a:xfrm flipH="1">
-            <a:off x="4120587" y="3648096"/>
-            <a:ext cx="19114" cy="1456339"/>
-          </a:xfrm>
-          <a:prstGeom prst="line">
-            <a:avLst/>
-          </a:prstGeom>
-        </p:spPr>
-        <p:style>
-          <a:lnRef idx="3">
-            <a:schemeClr val="dk1"/>
-          </a:lnRef>
-          <a:fillRef idx="0">
-            <a:schemeClr val="dk1"/>
-          </a:fillRef>
-          <a:effectRef idx="2">
-            <a:schemeClr val="dk1"/>
-          </a:effectRef>
-          <a:fontRef idx="minor">
-            <a:schemeClr val="tx1"/>
-          </a:fontRef>
-        </p:style>
-      </p:cxnSp>
-      <p:cxnSp>
-        <p:nvCxnSpPr>
-          <p:cNvPr id="7" name="Straight Connector 6">
-            <a:extLst>
-              <a:ext uri="{FF2B5EF4-FFF2-40B4-BE49-F238E27FC236}">
-                <a16:creationId xmlns:a16="http://schemas.microsoft.com/office/drawing/2014/main" id="{D85C8466-4972-47E4-A533-05B8563B55EF}"/>
-              </a:ext>
-            </a:extLst>
-          </p:cNvPr>
-          <p:cNvCxnSpPr>
-            <a:cxnSpLocks/>
-          </p:cNvCxnSpPr>
-          <p:nvPr/>
-        </p:nvCxnSpPr>
-        <p:spPr>
-          <a:xfrm>
-            <a:off x="5142232" y="3648096"/>
-            <a:ext cx="0" cy="1021717"/>
-          </a:xfrm>
-          <a:prstGeom prst="line">
-            <a:avLst/>
-          </a:prstGeom>
-        </p:spPr>
-        <p:style>
-          <a:lnRef idx="3">
-            <a:schemeClr val="dk1"/>
-          </a:lnRef>
-          <a:fillRef idx="0">
-            <a:schemeClr val="dk1"/>
-          </a:fillRef>
-          <a:effectRef idx="2">
-            <a:schemeClr val="dk1"/>
-          </a:effectRef>
-          <a:fontRef idx="minor">
-            <a:schemeClr val="tx1"/>
-          </a:fontRef>
-        </p:style>
-      </p:cxnSp>
-      <p:cxnSp>
-        <p:nvCxnSpPr>
-          <p:cNvPr id="9" name="Straight Connector 8">
-            <a:extLst>
-              <a:ext uri="{FF2B5EF4-FFF2-40B4-BE49-F238E27FC236}">
-                <a16:creationId xmlns:a16="http://schemas.microsoft.com/office/drawing/2014/main" id="{20427E3F-BFFD-4DF7-8B0F-16719BBA7EF1}"/>
-              </a:ext>
-            </a:extLst>
-          </p:cNvPr>
-          <p:cNvCxnSpPr>
-            <a:cxnSpLocks/>
-          </p:cNvCxnSpPr>
-          <p:nvPr/>
-        </p:nvCxnSpPr>
-        <p:spPr>
-          <a:xfrm>
-            <a:off x="6073565" y="3648096"/>
-            <a:ext cx="1" cy="530650"/>
-          </a:xfrm>
-          <a:prstGeom prst="line">
-            <a:avLst/>
-          </a:prstGeom>
-        </p:spPr>
-        <p:style>
-          <a:lnRef idx="3">
-            <a:schemeClr val="dk1"/>
-          </a:lnRef>
-          <a:fillRef idx="0">
-            <a:schemeClr val="dk1"/>
-          </a:fillRef>
-          <a:effectRef idx="2">
-            <a:schemeClr val="dk1"/>
-          </a:effectRef>
-          <a:fontRef idx="minor">
-            <a:schemeClr val="tx1"/>
-          </a:fontRef>
-        </p:style>
-      </p:cxnSp>
-      <p:sp>
-        <p:nvSpPr>
-          <p:cNvPr id="12" name="TextBox 11">
-            <a:extLst>
-              <a:ext uri="{FF2B5EF4-FFF2-40B4-BE49-F238E27FC236}">
-                <a16:creationId xmlns:a16="http://schemas.microsoft.com/office/drawing/2014/main" id="{09F72F10-7F9E-48A5-8FF1-2B6298279E8C}"/>
-              </a:ext>
-            </a:extLst>
-          </p:cNvPr>
-          <p:cNvSpPr txBox="1"/>
-          <p:nvPr/>
-        </p:nvSpPr>
-        <p:spPr>
-          <a:xfrm>
-            <a:off x="5614815" y="3340319"/>
-            <a:ext cx="837089" cy="307777"/>
-          </a:xfrm>
-          <a:prstGeom prst="rect">
-            <a:avLst/>
-          </a:prstGeom>
-          <a:noFill/>
-        </p:spPr>
-        <p:txBody>
-          <a:bodyPr wrap="none" rtlCol="0">
-            <a:spAutoFit/>
-          </a:bodyPr>
-          <a:lstStyle/>
-          <a:p>
-            <a:r>
-              <a:rPr lang="en-US" sz="1400" dirty="0"/>
-              <a:t>Gamble?</a:t>
-            </a:r>
-          </a:p>
-        </p:txBody>
-      </p:sp>
-      <p:sp>
-        <p:nvSpPr>
-          <p:cNvPr id="13" name="TextBox 12">
-            <a:extLst>
-              <a:ext uri="{FF2B5EF4-FFF2-40B4-BE49-F238E27FC236}">
-                <a16:creationId xmlns:a16="http://schemas.microsoft.com/office/drawing/2014/main" id="{A6F0FC90-4AA1-4C77-BEC4-5316E74ACFB4}"/>
-              </a:ext>
-            </a:extLst>
-          </p:cNvPr>
-          <p:cNvSpPr txBox="1"/>
-          <p:nvPr/>
-        </p:nvSpPr>
-        <p:spPr>
-          <a:xfrm>
-            <a:off x="4727345" y="3342106"/>
-            <a:ext cx="837089" cy="307777"/>
-          </a:xfrm>
-          <a:prstGeom prst="rect">
-            <a:avLst/>
-          </a:prstGeom>
-          <a:noFill/>
-        </p:spPr>
-        <p:txBody>
-          <a:bodyPr wrap="none" rtlCol="0">
-            <a:spAutoFit/>
-          </a:bodyPr>
-          <a:lstStyle/>
-          <a:p>
-            <a:r>
-              <a:rPr lang="en-US" sz="1400" dirty="0"/>
-              <a:t>Gamble?</a:t>
-            </a:r>
-          </a:p>
-        </p:txBody>
-      </p:sp>
-      <p:sp>
-        <p:nvSpPr>
-          <p:cNvPr id="14" name="TextBox 13">
-            <a:extLst>
-              <a:ext uri="{FF2B5EF4-FFF2-40B4-BE49-F238E27FC236}">
-                <a16:creationId xmlns:a16="http://schemas.microsoft.com/office/drawing/2014/main" id="{FB3CA80E-FB23-423C-97C7-B335375AC4F1}"/>
-              </a:ext>
-            </a:extLst>
-          </p:cNvPr>
-          <p:cNvSpPr txBox="1"/>
-          <p:nvPr/>
-        </p:nvSpPr>
-        <p:spPr>
-          <a:xfrm>
-            <a:off x="3721157" y="3340320"/>
-            <a:ext cx="837089" cy="307777"/>
-          </a:xfrm>
-          <a:prstGeom prst="rect">
-            <a:avLst/>
-          </a:prstGeom>
-          <a:noFill/>
-        </p:spPr>
-        <p:txBody>
-          <a:bodyPr wrap="none" rtlCol="0">
-            <a:spAutoFit/>
-          </a:bodyPr>
-          <a:lstStyle/>
-          <a:p>
-            <a:r>
-              <a:rPr lang="en-US" sz="1400" dirty="0"/>
-              <a:t>Gamble?</a:t>
-            </a:r>
-          </a:p>
-        </p:txBody>
-      </p:sp>
-    </p:spTree>
-    <p:extLst>
-      <p:ext uri="{BB962C8B-B14F-4D97-AF65-F5344CB8AC3E}">
-        <p14:creationId xmlns:p14="http://schemas.microsoft.com/office/powerpoint/2010/main" val="409443691"/>
       </p:ext>
     </p:extLst>
   </p:cSld>
@@ -10700,294 +13642,62 @@
           <a:chExt cx="0" cy="0"/>
         </a:xfrm>
       </p:grpSpPr>
-      <p:pic>
-        <p:nvPicPr>
-          <p:cNvPr id="29" name="Picture 28">
-            <a:extLst>
-              <a:ext uri="{FF2B5EF4-FFF2-40B4-BE49-F238E27FC236}">
-                <a16:creationId xmlns:a16="http://schemas.microsoft.com/office/drawing/2014/main" id="{933663D9-5E6E-4BAB-9B20-84C4618A5A51}"/>
-              </a:ext>
-            </a:extLst>
-          </p:cNvPr>
-          <p:cNvPicPr>
-            <a:picLocks noChangeAspect="1"/>
-          </p:cNvPicPr>
-          <p:nvPr/>
-        </p:nvPicPr>
-        <p:blipFill rotWithShape="1">
-          <a:blip r:embed="rId2"/>
-          <a:srcRect l="13996" t="16416" r="13522" b="15922"/>
-          <a:stretch/>
-        </p:blipFill>
-        <p:spPr>
-          <a:xfrm>
-            <a:off x="864030" y="2137402"/>
-            <a:ext cx="3145832" cy="1874112"/>
-          </a:xfrm>
-          <a:prstGeom prst="rect">
-            <a:avLst/>
-          </a:prstGeom>
-        </p:spPr>
-      </p:pic>
-      <p:grpSp>
-        <p:nvGrpSpPr>
-          <p:cNvPr id="30" name="Group 29">
-            <a:extLst>
-              <a:ext uri="{FF2B5EF4-FFF2-40B4-BE49-F238E27FC236}">
-                <a16:creationId xmlns:a16="http://schemas.microsoft.com/office/drawing/2014/main" id="{545A01BF-74AE-4D49-9E91-176247E4A275}"/>
-              </a:ext>
-            </a:extLst>
-          </p:cNvPr>
-          <p:cNvGrpSpPr/>
-          <p:nvPr/>
-        </p:nvGrpSpPr>
-        <p:grpSpPr>
-          <a:xfrm>
-            <a:off x="586368" y="1961276"/>
-            <a:ext cx="7535735" cy="2315132"/>
-            <a:chOff x="705461" y="3485765"/>
-            <a:chExt cx="3151414" cy="968179"/>
-          </a:xfrm>
-        </p:grpSpPr>
-        <p:pic>
-          <p:nvPicPr>
-            <p:cNvPr id="31" name="Picture 30">
-              <a:extLst>
-                <a:ext uri="{FF2B5EF4-FFF2-40B4-BE49-F238E27FC236}">
-                  <a16:creationId xmlns:a16="http://schemas.microsoft.com/office/drawing/2014/main" id="{2BCC0E4C-408F-436F-888A-5A012BF44B0D}"/>
-                </a:ext>
-              </a:extLst>
-            </p:cNvPr>
-            <p:cNvPicPr>
-              <a:picLocks noChangeAspect="1"/>
-            </p:cNvPicPr>
-            <p:nvPr/>
-          </p:nvPicPr>
-          <p:blipFill rotWithShape="1">
-            <a:blip r:embed="rId3"/>
-            <a:srcRect l="807" t="-1264" r="-807" b="82482"/>
-            <a:stretch/>
-          </p:blipFill>
-          <p:spPr>
-            <a:xfrm>
-              <a:off x="2264169" y="3488556"/>
-              <a:ext cx="1592706" cy="217562"/>
-            </a:xfrm>
-            <a:prstGeom prst="rect">
-              <a:avLst/>
-            </a:prstGeom>
-          </p:spPr>
-        </p:pic>
-        <p:sp>
-          <p:nvSpPr>
-            <p:cNvPr id="32" name="Rectangle 31">
-              <a:extLst>
-                <a:ext uri="{FF2B5EF4-FFF2-40B4-BE49-F238E27FC236}">
-                  <a16:creationId xmlns:a16="http://schemas.microsoft.com/office/drawing/2014/main" id="{B1D42CC8-6612-4EB9-A7C3-567007DB797C}"/>
-                </a:ext>
-              </a:extLst>
-            </p:cNvPr>
-            <p:cNvSpPr/>
-            <p:nvPr/>
-          </p:nvSpPr>
-          <p:spPr>
-            <a:xfrm>
-              <a:off x="705461" y="3485765"/>
-              <a:ext cx="1501629" cy="968179"/>
-            </a:xfrm>
-            <a:prstGeom prst="rect">
-              <a:avLst/>
-            </a:prstGeom>
-            <a:noFill/>
-          </p:spPr>
-          <p:style>
-            <a:lnRef idx="2">
-              <a:schemeClr val="dk1"/>
-            </a:lnRef>
-            <a:fillRef idx="1">
-              <a:schemeClr val="lt1"/>
-            </a:fillRef>
-            <a:effectRef idx="0">
-              <a:schemeClr val="dk1"/>
-            </a:effectRef>
-            <a:fontRef idx="minor">
-              <a:schemeClr val="dk1"/>
-            </a:fontRef>
-          </p:style>
-          <p:txBody>
-            <a:bodyPr rtlCol="0" anchor="ctr"/>
-            <a:lstStyle/>
-            <a:p>
-              <a:pPr algn="ctr"/>
-              <a:endParaRPr lang="en-US"/>
-            </a:p>
-          </p:txBody>
-        </p:sp>
-      </p:grpSp>
       <p:sp>
         <p:nvSpPr>
-          <p:cNvPr id="35" name="Rectangle 34">
-            <a:extLst>
-              <a:ext uri="{FF2B5EF4-FFF2-40B4-BE49-F238E27FC236}">
-                <a16:creationId xmlns:a16="http://schemas.microsoft.com/office/drawing/2014/main" id="{5505F2F6-9D0F-436C-BCB3-886FF2F78FA0}"/>
-              </a:ext>
-            </a:extLst>
-          </p:cNvPr>
-          <p:cNvSpPr/>
-          <p:nvPr/>
+          <p:cNvPr id="3" name="Content Placeholder 2">
+            <a:extLst>
+              <a:ext uri="{FF2B5EF4-FFF2-40B4-BE49-F238E27FC236}">
+                <a16:creationId xmlns:a16="http://schemas.microsoft.com/office/drawing/2014/main" id="{7B2D5D34-8F1B-468D-BF41-29E57FB425F5}"/>
+              </a:ext>
+            </a:extLst>
+          </p:cNvPr>
+          <p:cNvSpPr>
+            <a:spLocks noGrp="1"/>
+          </p:cNvSpPr>
+          <p:nvPr>
+            <p:ph idx="1"/>
+          </p:nvPr>
         </p:nvSpPr>
-        <p:spPr>
-          <a:xfrm>
-            <a:off x="4422480" y="1985339"/>
-            <a:ext cx="3590730" cy="2315132"/>
-          </a:xfrm>
-          <a:prstGeom prst="rect">
-            <a:avLst/>
-          </a:prstGeom>
-          <a:noFill/>
-        </p:spPr>
-        <p:style>
-          <a:lnRef idx="2">
-            <a:schemeClr val="dk1"/>
-          </a:lnRef>
-          <a:fillRef idx="1">
-            <a:schemeClr val="lt1"/>
-          </a:fillRef>
-          <a:effectRef idx="0">
-            <a:schemeClr val="dk1"/>
-          </a:effectRef>
-          <a:fontRef idx="minor">
-            <a:schemeClr val="dk1"/>
-          </a:fontRef>
-        </p:style>
+        <p:spPr/>
         <p:txBody>
-          <a:bodyPr rtlCol="0" anchor="ctr"/>
+          <a:bodyPr/>
           <a:lstStyle/>
           <a:p>
-            <a:pPr algn="ctr"/>
-            <a:endParaRPr lang="en-US"/>
+            <a:r>
+              <a:rPr lang="en-US" dirty="0"/>
+              <a:t>Motivation</a:t>
+            </a:r>
+          </a:p>
+          <a:p>
+            <a:r>
+              <a:rPr lang="en-US" b="1" dirty="0"/>
+              <a:t>Task</a:t>
+            </a:r>
+          </a:p>
+          <a:p>
+            <a:r>
+              <a:rPr lang="en-US" dirty="0"/>
+              <a:t>First order analyses and conditions analysis</a:t>
+            </a:r>
+          </a:p>
+          <a:p>
+            <a:r>
+              <a:rPr lang="en-US" dirty="0"/>
+              <a:t>Breakdown of participants</a:t>
+            </a:r>
+          </a:p>
+          <a:p>
+            <a:r>
+              <a:rPr lang="en-US" dirty="0"/>
+              <a:t>Conclusion and future directions</a:t>
+            </a:r>
           </a:p>
         </p:txBody>
       </p:sp>
-      <p:pic>
-        <p:nvPicPr>
-          <p:cNvPr id="10" name="Picture 9">
-            <a:extLst>
-              <a:ext uri="{FF2B5EF4-FFF2-40B4-BE49-F238E27FC236}">
-                <a16:creationId xmlns:a16="http://schemas.microsoft.com/office/drawing/2014/main" id="{CA5B4033-9541-4AF1-87ED-29051A8E0F64}"/>
-              </a:ext>
-            </a:extLst>
-          </p:cNvPr>
-          <p:cNvPicPr>
-            <a:picLocks noChangeAspect="1"/>
-          </p:cNvPicPr>
-          <p:nvPr/>
-        </p:nvPicPr>
-        <p:blipFill rotWithShape="1">
-          <a:blip r:embed="rId4"/>
-          <a:srcRect l="25273" t="10470" r="25684" b="46312"/>
-          <a:stretch/>
-        </p:blipFill>
-        <p:spPr>
-          <a:xfrm>
-            <a:off x="8935629" y="2228069"/>
-            <a:ext cx="2454442" cy="1572126"/>
-          </a:xfrm>
-          <a:prstGeom prst="rect">
-            <a:avLst/>
-          </a:prstGeom>
-        </p:spPr>
-      </p:pic>
-      <p:sp>
-        <p:nvSpPr>
-          <p:cNvPr id="11" name="Rectangle 10">
-            <a:extLst>
-              <a:ext uri="{FF2B5EF4-FFF2-40B4-BE49-F238E27FC236}">
-                <a16:creationId xmlns:a16="http://schemas.microsoft.com/office/drawing/2014/main" id="{23BEC34E-A000-463C-BAB7-818C4352327E}"/>
-              </a:ext>
-            </a:extLst>
-          </p:cNvPr>
-          <p:cNvSpPr/>
-          <p:nvPr/>
-        </p:nvSpPr>
-        <p:spPr>
-          <a:xfrm>
-            <a:off x="8367485" y="1961276"/>
-            <a:ext cx="3590730" cy="2291069"/>
-          </a:xfrm>
-          <a:prstGeom prst="rect">
-            <a:avLst/>
-          </a:prstGeom>
-          <a:noFill/>
-        </p:spPr>
-        <p:style>
-          <a:lnRef idx="2">
-            <a:schemeClr val="dk1"/>
-          </a:lnRef>
-          <a:fillRef idx="1">
-            <a:schemeClr val="lt1"/>
-          </a:fillRef>
-          <a:effectRef idx="0">
-            <a:schemeClr val="dk1"/>
-          </a:effectRef>
-          <a:fontRef idx="minor">
-            <a:schemeClr val="dk1"/>
-          </a:fontRef>
-        </p:style>
-        <p:txBody>
-          <a:bodyPr rtlCol="0" anchor="ctr"/>
-          <a:lstStyle/>
-          <a:p>
-            <a:pPr algn="ctr"/>
-            <a:endParaRPr lang="en-US"/>
-          </a:p>
-        </p:txBody>
-      </p:sp>
-      <p:cxnSp>
-        <p:nvCxnSpPr>
-          <p:cNvPr id="4" name="Straight Arrow Connector 3">
-            <a:extLst>
-              <a:ext uri="{FF2B5EF4-FFF2-40B4-BE49-F238E27FC236}">
-                <a16:creationId xmlns:a16="http://schemas.microsoft.com/office/drawing/2014/main" id="{986AC12E-1290-4BB8-8629-C441BD898CFA}"/>
-              </a:ext>
-            </a:extLst>
-          </p:cNvPr>
-          <p:cNvCxnSpPr>
-            <a:cxnSpLocks/>
-          </p:cNvCxnSpPr>
-          <p:nvPr/>
-        </p:nvCxnSpPr>
-        <p:spPr>
-          <a:xfrm>
-            <a:off x="4838224" y="4940969"/>
-            <a:ext cx="2759242" cy="0"/>
-          </a:xfrm>
-          <a:prstGeom prst="straightConnector1">
-            <a:avLst/>
-          </a:prstGeom>
-          <a:ln>
-            <a:tailEnd type="triangle"/>
-          </a:ln>
-        </p:spPr>
-        <p:style>
-          <a:lnRef idx="3">
-            <a:schemeClr val="dk1"/>
-          </a:lnRef>
-          <a:fillRef idx="0">
-            <a:schemeClr val="dk1"/>
-          </a:fillRef>
-          <a:effectRef idx="2">
-            <a:schemeClr val="dk1"/>
-          </a:effectRef>
-          <a:fontRef idx="minor">
-            <a:schemeClr val="tx1"/>
-          </a:fontRef>
-        </p:style>
-      </p:cxnSp>
     </p:spTree>
     <p:extLst>
       <p:ext uri="{BB962C8B-B14F-4D97-AF65-F5344CB8AC3E}">
-        <p14:creationId xmlns:p14="http://schemas.microsoft.com/office/powerpoint/2010/main" val="1625339211"/>
+        <p14:creationId xmlns:p14="http://schemas.microsoft.com/office/powerpoint/2010/main" val="1904357528"/>
       </p:ext>
     </p:extLst>
   </p:cSld>
@@ -11014,12 +13724,79 @@
           <a:chExt cx="0" cy="0"/>
         </a:xfrm>
       </p:grpSpPr>
+      <p:sp>
+        <p:nvSpPr>
+          <p:cNvPr id="2" name="Title 1">
+            <a:extLst>
+              <a:ext uri="{FF2B5EF4-FFF2-40B4-BE49-F238E27FC236}">
+                <a16:creationId xmlns:a16="http://schemas.microsoft.com/office/drawing/2014/main" id="{4EB5AE67-871C-4FA0-8792-45D6D97ED37F}"/>
+              </a:ext>
+            </a:extLst>
+          </p:cNvPr>
+          <p:cNvSpPr>
+            <a:spLocks noGrp="1"/>
+          </p:cNvSpPr>
+          <p:nvPr>
+            <p:ph type="title"/>
+          </p:nvPr>
+        </p:nvSpPr>
+        <p:spPr>
+          <a:xfrm>
+            <a:off x="127000" y="169333"/>
+            <a:ext cx="3203222" cy="983638"/>
+          </a:xfrm>
+        </p:spPr>
+        <p:txBody>
+          <a:bodyPr/>
+          <a:lstStyle/>
+          <a:p>
+            <a:r>
+              <a:rPr lang="en-US" sz="3200" dirty="0"/>
+              <a:t>Task</a:t>
+            </a:r>
+            <a:endParaRPr lang="en-US" dirty="0"/>
+          </a:p>
+        </p:txBody>
+      </p:sp>
+      <p:sp>
+        <p:nvSpPr>
+          <p:cNvPr id="3" name="Content Placeholder 2">
+            <a:extLst>
+              <a:ext uri="{FF2B5EF4-FFF2-40B4-BE49-F238E27FC236}">
+                <a16:creationId xmlns:a16="http://schemas.microsoft.com/office/drawing/2014/main" id="{D57E6630-FEBA-4E1F-ADAF-CD633387F42F}"/>
+              </a:ext>
+            </a:extLst>
+          </p:cNvPr>
+          <p:cNvSpPr>
+            <a:spLocks noGrp="1"/>
+          </p:cNvSpPr>
+          <p:nvPr>
+            <p:ph idx="1"/>
+          </p:nvPr>
+        </p:nvSpPr>
+        <p:spPr/>
+        <p:txBody>
+          <a:bodyPr/>
+          <a:lstStyle/>
+          <a:p>
+            <a:r>
+              <a:rPr lang="en-US" dirty="0"/>
+              <a:t>Designed to elicit DA ramping in humans online via </a:t>
+            </a:r>
+            <a:r>
+              <a:rPr lang="en-US" dirty="0" err="1"/>
+              <a:t>mTurk</a:t>
+            </a:r>
+            <a:endParaRPr lang="en-US" dirty="0"/>
+          </a:p>
+        </p:txBody>
+      </p:sp>
       <p:pic>
         <p:nvPicPr>
           <p:cNvPr id="4" name="Picture 3">
             <a:extLst>
               <a:ext uri="{FF2B5EF4-FFF2-40B4-BE49-F238E27FC236}">
-                <a16:creationId xmlns:a16="http://schemas.microsoft.com/office/drawing/2014/main" id="{71EF581C-4566-495D-8EEC-C933850382E1}"/>
+                <a16:creationId xmlns:a16="http://schemas.microsoft.com/office/drawing/2014/main" id="{14C32B9D-8149-425F-B829-E44FE1B0FE05}"/>
               </a:ext>
             </a:extLst>
           </p:cNvPr>
@@ -11036,402 +13813,237 @@
         </p:blipFill>
         <p:spPr>
           <a:xfrm>
-            <a:off x="95392" y="1447436"/>
-            <a:ext cx="3527527" cy="2251199"/>
+            <a:off x="1725670" y="2415504"/>
+            <a:ext cx="8112811" cy="4077371"/>
           </a:xfrm>
           <a:prstGeom prst="rect">
             <a:avLst/>
           </a:prstGeom>
         </p:spPr>
       </p:pic>
-      <p:grpSp>
-        <p:nvGrpSpPr>
-          <p:cNvPr id="5" name="Group 4">
-            <a:extLst>
-              <a:ext uri="{FF2B5EF4-FFF2-40B4-BE49-F238E27FC236}">
-                <a16:creationId xmlns:a16="http://schemas.microsoft.com/office/drawing/2014/main" id="{6A2033DA-CEC5-4995-8767-3057B239162A}"/>
-              </a:ext>
-            </a:extLst>
-          </p:cNvPr>
-          <p:cNvGrpSpPr/>
+      <p:cxnSp>
+        <p:nvCxnSpPr>
+          <p:cNvPr id="6" name="Straight Connector 5">
+            <a:extLst>
+              <a:ext uri="{FF2B5EF4-FFF2-40B4-BE49-F238E27FC236}">
+                <a16:creationId xmlns:a16="http://schemas.microsoft.com/office/drawing/2014/main" id="{32FF3485-624E-4326-B27E-D751C83D853A}"/>
+              </a:ext>
+            </a:extLst>
+          </p:cNvPr>
+          <p:cNvCxnSpPr>
+            <a:cxnSpLocks/>
+          </p:cNvCxnSpPr>
           <p:nvPr/>
-        </p:nvGrpSpPr>
-        <p:grpSpPr>
-          <a:xfrm>
-            <a:off x="3362058" y="1838952"/>
-            <a:ext cx="2485405" cy="1745175"/>
-            <a:chOff x="819618" y="3498113"/>
-            <a:chExt cx="1501629" cy="1054398"/>
-          </a:xfrm>
-        </p:grpSpPr>
-        <p:pic>
-          <p:nvPicPr>
-            <p:cNvPr id="6" name="Picture 5">
-              <a:extLst>
-                <a:ext uri="{FF2B5EF4-FFF2-40B4-BE49-F238E27FC236}">
-                  <a16:creationId xmlns:a16="http://schemas.microsoft.com/office/drawing/2014/main" id="{91F100B3-24C4-480C-8D86-35CF496448B7}"/>
-                </a:ext>
-              </a:extLst>
-            </p:cNvPr>
-            <p:cNvPicPr>
-              <a:picLocks noChangeAspect="1"/>
-            </p:cNvPicPr>
-            <p:nvPr/>
-          </p:nvPicPr>
-          <p:blipFill>
-            <a:blip r:embed="rId3"/>
-            <a:stretch>
-              <a:fillRect/>
-            </a:stretch>
-          </p:blipFill>
-          <p:spPr>
-            <a:xfrm>
-              <a:off x="904810" y="3584332"/>
-              <a:ext cx="1331246" cy="968179"/>
-            </a:xfrm>
-            <a:prstGeom prst="rect">
-              <a:avLst/>
-            </a:prstGeom>
-          </p:spPr>
-        </p:pic>
-        <p:sp>
-          <p:nvSpPr>
-            <p:cNvPr id="7" name="Rectangle 6">
-              <a:extLst>
-                <a:ext uri="{FF2B5EF4-FFF2-40B4-BE49-F238E27FC236}">
-                  <a16:creationId xmlns:a16="http://schemas.microsoft.com/office/drawing/2014/main" id="{FE60FD2D-8DDB-41E0-A393-2D9845593B42}"/>
-                </a:ext>
-              </a:extLst>
-            </p:cNvPr>
-            <p:cNvSpPr/>
-            <p:nvPr/>
-          </p:nvSpPr>
-          <p:spPr>
-            <a:xfrm>
-              <a:off x="819618" y="3498113"/>
-              <a:ext cx="1501629" cy="968179"/>
-            </a:xfrm>
-            <a:prstGeom prst="rect">
-              <a:avLst/>
-            </a:prstGeom>
-            <a:noFill/>
-          </p:spPr>
-          <p:style>
-            <a:lnRef idx="2">
-              <a:schemeClr val="dk1"/>
-            </a:lnRef>
-            <a:fillRef idx="1">
-              <a:schemeClr val="lt1"/>
-            </a:fillRef>
-            <a:effectRef idx="0">
-              <a:schemeClr val="dk1"/>
-            </a:effectRef>
-            <a:fontRef idx="minor">
-              <a:schemeClr val="dk1"/>
-            </a:fontRef>
-          </p:style>
-          <p:txBody>
-            <a:bodyPr rtlCol="0" anchor="ctr"/>
-            <a:lstStyle/>
-            <a:p>
-              <a:pPr algn="ctr"/>
-              <a:endParaRPr lang="en-US"/>
-            </a:p>
-          </p:txBody>
-        </p:sp>
-      </p:grpSp>
-      <p:grpSp>
-        <p:nvGrpSpPr>
-          <p:cNvPr id="8" name="Group 7">
-            <a:extLst>
-              <a:ext uri="{FF2B5EF4-FFF2-40B4-BE49-F238E27FC236}">
-                <a16:creationId xmlns:a16="http://schemas.microsoft.com/office/drawing/2014/main" id="{62349A2D-C820-48FE-BD66-066E87F930E4}"/>
-              </a:ext>
-            </a:extLst>
-          </p:cNvPr>
-          <p:cNvGrpSpPr/>
+        </p:nvCxnSpPr>
+        <p:spPr>
+          <a:xfrm flipH="1">
+            <a:off x="4120587" y="3648096"/>
+            <a:ext cx="19114" cy="1456339"/>
+          </a:xfrm>
+          <a:prstGeom prst="line">
+            <a:avLst/>
+          </a:prstGeom>
+        </p:spPr>
+        <p:style>
+          <a:lnRef idx="3">
+            <a:schemeClr val="dk1"/>
+          </a:lnRef>
+          <a:fillRef idx="0">
+            <a:schemeClr val="dk1"/>
+          </a:fillRef>
+          <a:effectRef idx="2">
+            <a:schemeClr val="dk1"/>
+          </a:effectRef>
+          <a:fontRef idx="minor">
+            <a:schemeClr val="tx1"/>
+          </a:fontRef>
+        </p:style>
+      </p:cxnSp>
+      <p:cxnSp>
+        <p:nvCxnSpPr>
+          <p:cNvPr id="7" name="Straight Connector 6">
+            <a:extLst>
+              <a:ext uri="{FF2B5EF4-FFF2-40B4-BE49-F238E27FC236}">
+                <a16:creationId xmlns:a16="http://schemas.microsoft.com/office/drawing/2014/main" id="{D85C8466-4972-47E4-A533-05B8563B55EF}"/>
+              </a:ext>
+            </a:extLst>
+          </p:cNvPr>
+          <p:cNvCxnSpPr>
+            <a:cxnSpLocks/>
+          </p:cNvCxnSpPr>
           <p:nvPr/>
-        </p:nvGrpSpPr>
-        <p:grpSpPr>
-          <a:xfrm>
-            <a:off x="9213660" y="1995418"/>
-            <a:ext cx="2890470" cy="2101003"/>
-            <a:chOff x="6844536" y="5592929"/>
-            <a:chExt cx="1951362" cy="1418391"/>
-          </a:xfrm>
-        </p:grpSpPr>
-        <p:pic>
-          <p:nvPicPr>
-            <p:cNvPr id="9" name="Picture 8">
-              <a:extLst>
-                <a:ext uri="{FF2B5EF4-FFF2-40B4-BE49-F238E27FC236}">
-                  <a16:creationId xmlns:a16="http://schemas.microsoft.com/office/drawing/2014/main" id="{9E7AAE95-471C-40FC-B86C-B83D8BF58F35}"/>
-                </a:ext>
-              </a:extLst>
-            </p:cNvPr>
-            <p:cNvPicPr>
-              <a:picLocks noChangeAspect="1"/>
-            </p:cNvPicPr>
-            <p:nvPr/>
-          </p:nvPicPr>
-          <p:blipFill>
-            <a:blip r:embed="rId4"/>
-            <a:stretch>
-              <a:fillRect/>
-            </a:stretch>
-          </p:blipFill>
-          <p:spPr>
-            <a:xfrm>
-              <a:off x="6844536" y="5592929"/>
-              <a:ext cx="1951362" cy="1418391"/>
-            </a:xfrm>
-            <a:prstGeom prst="rect">
-              <a:avLst/>
-            </a:prstGeom>
-          </p:spPr>
-        </p:pic>
-        <p:sp>
-          <p:nvSpPr>
-            <p:cNvPr id="10" name="Rectangle 9">
-              <a:extLst>
-                <a:ext uri="{FF2B5EF4-FFF2-40B4-BE49-F238E27FC236}">
-                  <a16:creationId xmlns:a16="http://schemas.microsoft.com/office/drawing/2014/main" id="{9E0DDC9E-0B67-432D-B34E-4F48EFFB2B3B}"/>
-                </a:ext>
-              </a:extLst>
-            </p:cNvPr>
-            <p:cNvSpPr/>
-            <p:nvPr/>
-          </p:nvSpPr>
-          <p:spPr>
-            <a:xfrm>
-              <a:off x="7069403" y="5604993"/>
-              <a:ext cx="1501629" cy="968179"/>
-            </a:xfrm>
-            <a:prstGeom prst="rect">
-              <a:avLst/>
-            </a:prstGeom>
-            <a:noFill/>
-          </p:spPr>
-          <p:style>
-            <a:lnRef idx="2">
-              <a:schemeClr val="dk1"/>
-            </a:lnRef>
-            <a:fillRef idx="1">
-              <a:schemeClr val="lt1"/>
-            </a:fillRef>
-            <a:effectRef idx="0">
-              <a:schemeClr val="dk1"/>
-            </a:effectRef>
-            <a:fontRef idx="minor">
-              <a:schemeClr val="dk1"/>
-            </a:fontRef>
-          </p:style>
-          <p:txBody>
-            <a:bodyPr rtlCol="0" anchor="ctr"/>
-            <a:lstStyle/>
-            <a:p>
-              <a:pPr algn="ctr"/>
-              <a:endParaRPr lang="en-US"/>
-            </a:p>
-          </p:txBody>
-        </p:sp>
-      </p:grpSp>
-      <p:grpSp>
-        <p:nvGrpSpPr>
-          <p:cNvPr id="11" name="Group 10">
-            <a:extLst>
-              <a:ext uri="{FF2B5EF4-FFF2-40B4-BE49-F238E27FC236}">
-                <a16:creationId xmlns:a16="http://schemas.microsoft.com/office/drawing/2014/main" id="{94555B0D-FA7B-41A1-BE1F-4406D53FCFEC}"/>
-              </a:ext>
-            </a:extLst>
-          </p:cNvPr>
-          <p:cNvGrpSpPr/>
+        </p:nvCxnSpPr>
+        <p:spPr>
+          <a:xfrm>
+            <a:off x="5142232" y="3648096"/>
+            <a:ext cx="0" cy="1021717"/>
+          </a:xfrm>
+          <a:prstGeom prst="line">
+            <a:avLst/>
+          </a:prstGeom>
+        </p:spPr>
+        <p:style>
+          <a:lnRef idx="3">
+            <a:schemeClr val="dk1"/>
+          </a:lnRef>
+          <a:fillRef idx="0">
+            <a:schemeClr val="dk1"/>
+          </a:fillRef>
+          <a:effectRef idx="2">
+            <a:schemeClr val="dk1"/>
+          </a:effectRef>
+          <a:fontRef idx="minor">
+            <a:schemeClr val="tx1"/>
+          </a:fontRef>
+        </p:style>
+      </p:cxnSp>
+      <p:cxnSp>
+        <p:nvCxnSpPr>
+          <p:cNvPr id="9" name="Straight Connector 8">
+            <a:extLst>
+              <a:ext uri="{FF2B5EF4-FFF2-40B4-BE49-F238E27FC236}">
+                <a16:creationId xmlns:a16="http://schemas.microsoft.com/office/drawing/2014/main" id="{20427E3F-BFFD-4DF7-8B0F-16719BBA7EF1}"/>
+              </a:ext>
+            </a:extLst>
+          </p:cNvPr>
+          <p:cNvCxnSpPr>
+            <a:cxnSpLocks/>
+          </p:cNvCxnSpPr>
           <p:nvPr/>
-        </p:nvGrpSpPr>
-        <p:grpSpPr>
-          <a:xfrm>
-            <a:off x="6339428" y="1942480"/>
-            <a:ext cx="2485405" cy="1602471"/>
-            <a:chOff x="5193079" y="4397282"/>
-            <a:chExt cx="1501629" cy="968179"/>
-          </a:xfrm>
-        </p:grpSpPr>
-        <p:pic>
-          <p:nvPicPr>
-            <p:cNvPr id="12" name="Picture 11">
-              <a:extLst>
-                <a:ext uri="{FF2B5EF4-FFF2-40B4-BE49-F238E27FC236}">
-                  <a16:creationId xmlns:a16="http://schemas.microsoft.com/office/drawing/2014/main" id="{E000A334-3EBC-4D4E-9373-C626D392F43F}"/>
-                </a:ext>
-              </a:extLst>
-            </p:cNvPr>
-            <p:cNvPicPr>
-              <a:picLocks noChangeAspect="1"/>
-            </p:cNvPicPr>
-            <p:nvPr/>
-          </p:nvPicPr>
-          <p:blipFill>
-            <a:blip r:embed="rId5"/>
-            <a:stretch>
-              <a:fillRect/>
-            </a:stretch>
-          </p:blipFill>
-          <p:spPr>
-            <a:xfrm>
-              <a:off x="5334423" y="4498019"/>
-              <a:ext cx="1280686" cy="798001"/>
-            </a:xfrm>
-            <a:prstGeom prst="rect">
-              <a:avLst/>
-            </a:prstGeom>
-          </p:spPr>
-        </p:pic>
-        <p:sp>
-          <p:nvSpPr>
-            <p:cNvPr id="13" name="Rectangle 12">
-              <a:extLst>
-                <a:ext uri="{FF2B5EF4-FFF2-40B4-BE49-F238E27FC236}">
-                  <a16:creationId xmlns:a16="http://schemas.microsoft.com/office/drawing/2014/main" id="{4C2F73A7-E3FF-4A1D-9FB7-EE3938E9DDE7}"/>
-                </a:ext>
-              </a:extLst>
-            </p:cNvPr>
-            <p:cNvSpPr/>
-            <p:nvPr/>
-          </p:nvSpPr>
-          <p:spPr>
-            <a:xfrm>
-              <a:off x="5193079" y="4397282"/>
-              <a:ext cx="1501629" cy="968179"/>
-            </a:xfrm>
-            <a:prstGeom prst="rect">
-              <a:avLst/>
-            </a:prstGeom>
-            <a:noFill/>
-          </p:spPr>
-          <p:style>
-            <a:lnRef idx="2">
-              <a:schemeClr val="dk1"/>
-            </a:lnRef>
-            <a:fillRef idx="1">
-              <a:schemeClr val="lt1"/>
-            </a:fillRef>
-            <a:effectRef idx="0">
-              <a:schemeClr val="dk1"/>
-            </a:effectRef>
-            <a:fontRef idx="minor">
-              <a:schemeClr val="dk1"/>
-            </a:fontRef>
-          </p:style>
-          <p:txBody>
-            <a:bodyPr rtlCol="0" anchor="ctr"/>
-            <a:lstStyle/>
-            <a:p>
-              <a:pPr algn="ctr"/>
-              <a:endParaRPr lang="en-US"/>
-            </a:p>
-          </p:txBody>
-        </p:sp>
-      </p:grpSp>
-      <p:grpSp>
-        <p:nvGrpSpPr>
-          <p:cNvPr id="14" name="Group 13">
-            <a:extLst>
-              <a:ext uri="{FF2B5EF4-FFF2-40B4-BE49-F238E27FC236}">
-                <a16:creationId xmlns:a16="http://schemas.microsoft.com/office/drawing/2014/main" id="{2481C5C6-CF84-499E-90FE-8FD8680821E6}"/>
-              </a:ext>
-            </a:extLst>
-          </p:cNvPr>
-          <p:cNvGrpSpPr/>
+        </p:nvCxnSpPr>
+        <p:spPr>
+          <a:xfrm>
+            <a:off x="6073565" y="3648096"/>
+            <a:ext cx="1" cy="530650"/>
+          </a:xfrm>
+          <a:prstGeom prst="line">
+            <a:avLst/>
+          </a:prstGeom>
+        </p:spPr>
+        <p:style>
+          <a:lnRef idx="3">
+            <a:schemeClr val="dk1"/>
+          </a:lnRef>
+          <a:fillRef idx="0">
+            <a:schemeClr val="dk1"/>
+          </a:fillRef>
+          <a:effectRef idx="2">
+            <a:schemeClr val="dk1"/>
+          </a:effectRef>
+          <a:fontRef idx="minor">
+            <a:schemeClr val="tx1"/>
+          </a:fontRef>
+        </p:style>
+      </p:cxnSp>
+      <p:sp>
+        <p:nvSpPr>
+          <p:cNvPr id="12" name="TextBox 11">
+            <a:extLst>
+              <a:ext uri="{FF2B5EF4-FFF2-40B4-BE49-F238E27FC236}">
+                <a16:creationId xmlns:a16="http://schemas.microsoft.com/office/drawing/2014/main" id="{09F72F10-7F9E-48A5-8FF1-2B6298279E8C}"/>
+              </a:ext>
+            </a:extLst>
+          </p:cNvPr>
+          <p:cNvSpPr txBox="1"/>
           <p:nvPr/>
-        </p:nvGrpSpPr>
-        <p:grpSpPr>
-          <a:xfrm>
-            <a:off x="6186144" y="4364597"/>
-            <a:ext cx="3027516" cy="1999408"/>
-            <a:chOff x="3284310" y="5592929"/>
-            <a:chExt cx="1684588" cy="1112522"/>
-          </a:xfrm>
-        </p:grpSpPr>
-        <p:pic>
-          <p:nvPicPr>
-            <p:cNvPr id="15" name="Picture 14">
-              <a:extLst>
-                <a:ext uri="{FF2B5EF4-FFF2-40B4-BE49-F238E27FC236}">
-                  <a16:creationId xmlns:a16="http://schemas.microsoft.com/office/drawing/2014/main" id="{EC587743-6035-41FE-87EF-A83ED5D976C1}"/>
-                </a:ext>
-              </a:extLst>
-            </p:cNvPr>
-            <p:cNvPicPr>
-              <a:picLocks noChangeAspect="1"/>
-            </p:cNvPicPr>
-            <p:nvPr/>
-          </p:nvPicPr>
-          <p:blipFill>
-            <a:blip r:embed="rId6"/>
-            <a:stretch>
-              <a:fillRect/>
-            </a:stretch>
-          </p:blipFill>
-          <p:spPr>
-            <a:xfrm>
-              <a:off x="3355580" y="5677239"/>
-              <a:ext cx="1613318" cy="1028212"/>
-            </a:xfrm>
-            <a:prstGeom prst="rect">
-              <a:avLst/>
-            </a:prstGeom>
-          </p:spPr>
-        </p:pic>
-        <p:sp>
-          <p:nvSpPr>
-            <p:cNvPr id="16" name="Rectangle 15">
-              <a:extLst>
-                <a:ext uri="{FF2B5EF4-FFF2-40B4-BE49-F238E27FC236}">
-                  <a16:creationId xmlns:a16="http://schemas.microsoft.com/office/drawing/2014/main" id="{1F5A28E4-929F-4737-A0F9-25A16D7C80B9}"/>
-                </a:ext>
-              </a:extLst>
-            </p:cNvPr>
-            <p:cNvSpPr/>
-            <p:nvPr/>
-          </p:nvSpPr>
-          <p:spPr>
-            <a:xfrm>
-              <a:off x="3284310" y="5592929"/>
-              <a:ext cx="1501629" cy="968179"/>
-            </a:xfrm>
-            <a:prstGeom prst="rect">
-              <a:avLst/>
-            </a:prstGeom>
-            <a:noFill/>
-          </p:spPr>
-          <p:style>
-            <a:lnRef idx="2">
-              <a:schemeClr val="dk1"/>
-            </a:lnRef>
-            <a:fillRef idx="1">
-              <a:schemeClr val="lt1"/>
-            </a:fillRef>
-            <a:effectRef idx="0">
-              <a:schemeClr val="dk1"/>
-            </a:effectRef>
-            <a:fontRef idx="minor">
-              <a:schemeClr val="dk1"/>
-            </a:fontRef>
-          </p:style>
-          <p:txBody>
-            <a:bodyPr rtlCol="0" anchor="ctr"/>
-            <a:lstStyle/>
-            <a:p>
-              <a:pPr algn="ctr"/>
-              <a:endParaRPr lang="en-US"/>
-            </a:p>
-          </p:txBody>
-        </p:sp>
-      </p:grpSp>
+        </p:nvSpPr>
+        <p:spPr>
+          <a:xfrm>
+            <a:off x="5614815" y="3340319"/>
+            <a:ext cx="837089" cy="307777"/>
+          </a:xfrm>
+          <a:prstGeom prst="rect">
+            <a:avLst/>
+          </a:prstGeom>
+          <a:noFill/>
+        </p:spPr>
+        <p:txBody>
+          <a:bodyPr wrap="none" rtlCol="0">
+            <a:spAutoFit/>
+          </a:bodyPr>
+          <a:lstStyle/>
+          <a:p>
+            <a:r>
+              <a:rPr lang="en-US" sz="1400" dirty="0"/>
+              <a:t>Gamble?</a:t>
+            </a:r>
+          </a:p>
+        </p:txBody>
+      </p:sp>
+      <p:sp>
+        <p:nvSpPr>
+          <p:cNvPr id="13" name="TextBox 12">
+            <a:extLst>
+              <a:ext uri="{FF2B5EF4-FFF2-40B4-BE49-F238E27FC236}">
+                <a16:creationId xmlns:a16="http://schemas.microsoft.com/office/drawing/2014/main" id="{A6F0FC90-4AA1-4C77-BEC4-5316E74ACFB4}"/>
+              </a:ext>
+            </a:extLst>
+          </p:cNvPr>
+          <p:cNvSpPr txBox="1"/>
+          <p:nvPr/>
+        </p:nvSpPr>
+        <p:spPr>
+          <a:xfrm>
+            <a:off x="4727345" y="3342106"/>
+            <a:ext cx="837089" cy="307777"/>
+          </a:xfrm>
+          <a:prstGeom prst="rect">
+            <a:avLst/>
+          </a:prstGeom>
+          <a:noFill/>
+        </p:spPr>
+        <p:txBody>
+          <a:bodyPr wrap="none" rtlCol="0">
+            <a:spAutoFit/>
+          </a:bodyPr>
+          <a:lstStyle/>
+          <a:p>
+            <a:r>
+              <a:rPr lang="en-US" sz="1400" dirty="0"/>
+              <a:t>Gamble?</a:t>
+            </a:r>
+          </a:p>
+        </p:txBody>
+      </p:sp>
+      <p:sp>
+        <p:nvSpPr>
+          <p:cNvPr id="14" name="TextBox 13">
+            <a:extLst>
+              <a:ext uri="{FF2B5EF4-FFF2-40B4-BE49-F238E27FC236}">
+                <a16:creationId xmlns:a16="http://schemas.microsoft.com/office/drawing/2014/main" id="{FB3CA80E-FB23-423C-97C7-B335375AC4F1}"/>
+              </a:ext>
+            </a:extLst>
+          </p:cNvPr>
+          <p:cNvSpPr txBox="1"/>
+          <p:nvPr/>
+        </p:nvSpPr>
+        <p:spPr>
+          <a:xfrm>
+            <a:off x="3721157" y="3340320"/>
+            <a:ext cx="837089" cy="307777"/>
+          </a:xfrm>
+          <a:prstGeom prst="rect">
+            <a:avLst/>
+          </a:prstGeom>
+          <a:noFill/>
+        </p:spPr>
+        <p:txBody>
+          <a:bodyPr wrap="none" rtlCol="0">
+            <a:spAutoFit/>
+          </a:bodyPr>
+          <a:lstStyle/>
+          <a:p>
+            <a:r>
+              <a:rPr lang="en-US" sz="1400" dirty="0"/>
+              <a:t>Gamble?</a:t>
+            </a:r>
+          </a:p>
+        </p:txBody>
+      </p:sp>
     </p:spTree>
     <p:extLst>
       <p:ext uri="{BB962C8B-B14F-4D97-AF65-F5344CB8AC3E}">
-        <p14:creationId xmlns:p14="http://schemas.microsoft.com/office/powerpoint/2010/main" val="3983292162"/>
+        <p14:creationId xmlns:p14="http://schemas.microsoft.com/office/powerpoint/2010/main" val="409443691"/>
       </p:ext>
     </p:extLst>
   </p:cSld>

--- a/ShenhavLabMeeting10.29.pptx
+++ b/ShenhavLabMeeting10.29.pptx
@@ -5,7 +5,7 @@
     <p:sldMasterId id="2147483648" r:id="rId1"/>
   </p:sldMasterIdLst>
   <p:notesMasterIdLst>
-    <p:notesMasterId r:id="rId37"/>
+    <p:notesMasterId r:id="rId38"/>
   </p:notesMasterIdLst>
   <p:sldIdLst>
     <p:sldId id="256" r:id="rId2"/>
@@ -43,6 +43,7 @@
     <p:sldId id="294" r:id="rId34"/>
     <p:sldId id="295" r:id="rId35"/>
     <p:sldId id="271" r:id="rId36"/>
+    <p:sldId id="296" r:id="rId37"/>
   </p:sldIdLst>
   <p:sldSz cx="12192000" cy="6858000"/>
   <p:notesSz cx="6858000" cy="9144000"/>
@@ -4624,157 +4625,6 @@
   <p:clrMapOvr>
     <a:masterClrMapping/>
   </p:clrMapOvr>
-  <p:timing>
-    <p:tnLst>
-      <p:par>
-        <p:cTn id="1" dur="indefinite" restart="never" nodeType="tmRoot">
-          <p:childTnLst>
-            <p:seq concurrent="1" nextAc="seek">
-              <p:cTn id="2" dur="indefinite" nodeType="mainSeq">
-                <p:childTnLst>
-                  <p:par>
-                    <p:cTn id="3" fill="hold">
-                      <p:stCondLst>
-                        <p:cond delay="indefinite"/>
-                      </p:stCondLst>
-                      <p:childTnLst>
-                        <p:par>
-                          <p:cTn id="4" fill="hold">
-                            <p:stCondLst>
-                              <p:cond delay="0"/>
-                            </p:stCondLst>
-                            <p:childTnLst>
-                              <p:par>
-                                <p:cTn id="5" presetID="1" presetClass="entr" presetSubtype="0" fill="hold" grpId="0" nodeType="clickEffect">
-                                  <p:stCondLst>
-                                    <p:cond delay="0"/>
-                                  </p:stCondLst>
-                                  <p:childTnLst>
-                                    <p:set>
-                                      <p:cBhvr>
-                                        <p:cTn id="6" dur="1" fill="hold">
-                                          <p:stCondLst>
-                                            <p:cond delay="0"/>
-                                          </p:stCondLst>
-                                        </p:cTn>
-                                        <p:tgtEl>
-                                          <p:spTgt spid="35"/>
-                                        </p:tgtEl>
-                                        <p:attrNameLst>
-                                          <p:attrName>style.visibility</p:attrName>
-                                        </p:attrNameLst>
-                                      </p:cBhvr>
-                                      <p:to>
-                                        <p:strVal val="visible"/>
-                                      </p:to>
-                                    </p:set>
-                                  </p:childTnLst>
-                                </p:cTn>
-                              </p:par>
-                            </p:childTnLst>
-                          </p:cTn>
-                        </p:par>
-                      </p:childTnLst>
-                    </p:cTn>
-                  </p:par>
-                  <p:par>
-                    <p:cTn id="7" fill="hold">
-                      <p:stCondLst>
-                        <p:cond delay="indefinite"/>
-                      </p:stCondLst>
-                      <p:childTnLst>
-                        <p:par>
-                          <p:cTn id="8" fill="hold">
-                            <p:stCondLst>
-                              <p:cond delay="0"/>
-                            </p:stCondLst>
-                            <p:childTnLst>
-                              <p:par>
-                                <p:cTn id="9" presetID="1" presetClass="entr" presetSubtype="0" fill="hold" grpId="0" nodeType="clickEffect">
-                                  <p:stCondLst>
-                                    <p:cond delay="0"/>
-                                  </p:stCondLst>
-                                  <p:childTnLst>
-                                    <p:set>
-                                      <p:cBhvr>
-                                        <p:cTn id="10" dur="1" fill="hold">
-                                          <p:stCondLst>
-                                            <p:cond delay="0"/>
-                                          </p:stCondLst>
-                                        </p:cTn>
-                                        <p:tgtEl>
-                                          <p:spTgt spid="11"/>
-                                        </p:tgtEl>
-                                        <p:attrNameLst>
-                                          <p:attrName>style.visibility</p:attrName>
-                                        </p:attrNameLst>
-                                      </p:cBhvr>
-                                      <p:to>
-                                        <p:strVal val="visible"/>
-                                      </p:to>
-                                    </p:set>
-                                  </p:childTnLst>
-                                </p:cTn>
-                              </p:par>
-                              <p:par>
-                                <p:cTn id="11" presetID="1" presetClass="entr" presetSubtype="0" fill="hold" nodeType="withEffect">
-                                  <p:stCondLst>
-                                    <p:cond delay="0"/>
-                                  </p:stCondLst>
-                                  <p:childTnLst>
-                                    <p:set>
-                                      <p:cBhvr>
-                                        <p:cTn id="12" dur="1" fill="hold">
-                                          <p:stCondLst>
-                                            <p:cond delay="0"/>
-                                          </p:stCondLst>
-                                        </p:cTn>
-                                        <p:tgtEl>
-                                          <p:spTgt spid="10"/>
-                                        </p:tgtEl>
-                                        <p:attrNameLst>
-                                          <p:attrName>style.visibility</p:attrName>
-                                        </p:attrNameLst>
-                                      </p:cBhvr>
-                                      <p:to>
-                                        <p:strVal val="visible"/>
-                                      </p:to>
-                                    </p:set>
-                                  </p:childTnLst>
-                                </p:cTn>
-                              </p:par>
-                            </p:childTnLst>
-                          </p:cTn>
-                        </p:par>
-                      </p:childTnLst>
-                    </p:cTn>
-                  </p:par>
-                </p:childTnLst>
-              </p:cTn>
-              <p:prevCondLst>
-                <p:cond evt="onPrev" delay="0">
-                  <p:tgtEl>
-                    <p:sldTgt/>
-                  </p:tgtEl>
-                </p:cond>
-              </p:prevCondLst>
-              <p:nextCondLst>
-                <p:cond evt="onNext" delay="0">
-                  <p:tgtEl>
-                    <p:sldTgt/>
-                  </p:tgtEl>
-                </p:cond>
-              </p:nextCondLst>
-            </p:seq>
-          </p:childTnLst>
-        </p:cTn>
-      </p:par>
-    </p:tnLst>
-    <p:bldLst>
-      <p:bldP spid="35" grpId="0" animBg="1"/>
-      <p:bldP spid="11" grpId="0" animBg="1"/>
-    </p:bldLst>
-  </p:timing>
 </p:sld>
 </file>
 
@@ -6891,6 +6741,475 @@
   <p:clrMapOvr>
     <a:masterClrMapping/>
   </p:clrMapOvr>
+  <p:timing>
+    <p:tnLst>
+      <p:par>
+        <p:cTn id="1" dur="indefinite" restart="never" nodeType="tmRoot">
+          <p:childTnLst>
+            <p:seq concurrent="1" nextAc="seek">
+              <p:cTn id="2" dur="indefinite" nodeType="mainSeq">
+                <p:childTnLst>
+                  <p:par>
+                    <p:cTn id="3" fill="hold">
+                      <p:stCondLst>
+                        <p:cond delay="indefinite"/>
+                      </p:stCondLst>
+                      <p:childTnLst>
+                        <p:par>
+                          <p:cTn id="4" fill="hold">
+                            <p:stCondLst>
+                              <p:cond delay="0"/>
+                            </p:stCondLst>
+                            <p:childTnLst>
+                              <p:par>
+                                <p:cTn id="5" presetID="1" presetClass="entr" presetSubtype="0" fill="hold" grpId="0" nodeType="clickEffect">
+                                  <p:stCondLst>
+                                    <p:cond delay="0"/>
+                                  </p:stCondLst>
+                                  <p:childTnLst>
+                                    <p:set>
+                                      <p:cBhvr>
+                                        <p:cTn id="6" dur="1" fill="hold">
+                                          <p:stCondLst>
+                                            <p:cond delay="0"/>
+                                          </p:stCondLst>
+                                        </p:cTn>
+                                        <p:tgtEl>
+                                          <p:spTgt spid="7"/>
+                                        </p:tgtEl>
+                                        <p:attrNameLst>
+                                          <p:attrName>style.visibility</p:attrName>
+                                        </p:attrNameLst>
+                                      </p:cBhvr>
+                                      <p:to>
+                                        <p:strVal val="visible"/>
+                                      </p:to>
+                                    </p:set>
+                                  </p:childTnLst>
+                                </p:cTn>
+                              </p:par>
+                            </p:childTnLst>
+                          </p:cTn>
+                        </p:par>
+                      </p:childTnLst>
+                    </p:cTn>
+                  </p:par>
+                  <p:par>
+                    <p:cTn id="7" fill="hold">
+                      <p:stCondLst>
+                        <p:cond delay="indefinite"/>
+                      </p:stCondLst>
+                      <p:childTnLst>
+                        <p:par>
+                          <p:cTn id="8" fill="hold">
+                            <p:stCondLst>
+                              <p:cond delay="0"/>
+                            </p:stCondLst>
+                            <p:childTnLst>
+                              <p:par>
+                                <p:cTn id="9" presetID="1" presetClass="entr" presetSubtype="0" fill="hold" grpId="0" nodeType="clickEffect">
+                                  <p:stCondLst>
+                                    <p:cond delay="0"/>
+                                  </p:stCondLst>
+                                  <p:childTnLst>
+                                    <p:set>
+                                      <p:cBhvr>
+                                        <p:cTn id="10" dur="1" fill="hold">
+                                          <p:stCondLst>
+                                            <p:cond delay="0"/>
+                                          </p:stCondLst>
+                                        </p:cTn>
+                                        <p:tgtEl>
+                                          <p:spTgt spid="8"/>
+                                        </p:tgtEl>
+                                        <p:attrNameLst>
+                                          <p:attrName>style.visibility</p:attrName>
+                                        </p:attrNameLst>
+                                      </p:cBhvr>
+                                      <p:to>
+                                        <p:strVal val="visible"/>
+                                      </p:to>
+                                    </p:set>
+                                  </p:childTnLst>
+                                </p:cTn>
+                              </p:par>
+                            </p:childTnLst>
+                          </p:cTn>
+                        </p:par>
+                      </p:childTnLst>
+                    </p:cTn>
+                  </p:par>
+                  <p:par>
+                    <p:cTn id="11" fill="hold">
+                      <p:stCondLst>
+                        <p:cond delay="indefinite"/>
+                      </p:stCondLst>
+                      <p:childTnLst>
+                        <p:par>
+                          <p:cTn id="12" fill="hold">
+                            <p:stCondLst>
+                              <p:cond delay="0"/>
+                            </p:stCondLst>
+                            <p:childTnLst>
+                              <p:par>
+                                <p:cTn id="13" presetID="1" presetClass="entr" presetSubtype="0" fill="hold" grpId="0" nodeType="clickEffect">
+                                  <p:stCondLst>
+                                    <p:cond delay="0"/>
+                                  </p:stCondLst>
+                                  <p:childTnLst>
+                                    <p:set>
+                                      <p:cBhvr>
+                                        <p:cTn id="14" dur="1" fill="hold">
+                                          <p:stCondLst>
+                                            <p:cond delay="0"/>
+                                          </p:stCondLst>
+                                        </p:cTn>
+                                        <p:tgtEl>
+                                          <p:spTgt spid="5">
+                                            <p:txEl>
+                                              <p:pRg st="0" end="0"/>
+                                            </p:txEl>
+                                          </p:spTgt>
+                                        </p:tgtEl>
+                                        <p:attrNameLst>
+                                          <p:attrName>style.visibility</p:attrName>
+                                        </p:attrNameLst>
+                                      </p:cBhvr>
+                                      <p:to>
+                                        <p:strVal val="visible"/>
+                                      </p:to>
+                                    </p:set>
+                                  </p:childTnLst>
+                                </p:cTn>
+                              </p:par>
+                            </p:childTnLst>
+                          </p:cTn>
+                        </p:par>
+                      </p:childTnLst>
+                    </p:cTn>
+                  </p:par>
+                  <p:par>
+                    <p:cTn id="15" fill="hold">
+                      <p:stCondLst>
+                        <p:cond delay="indefinite"/>
+                      </p:stCondLst>
+                      <p:childTnLst>
+                        <p:par>
+                          <p:cTn id="16" fill="hold">
+                            <p:stCondLst>
+                              <p:cond delay="0"/>
+                            </p:stCondLst>
+                            <p:childTnLst>
+                              <p:par>
+                                <p:cTn id="17" presetID="1" presetClass="entr" presetSubtype="0" fill="hold" grpId="0" nodeType="clickEffect">
+                                  <p:stCondLst>
+                                    <p:cond delay="0"/>
+                                  </p:stCondLst>
+                                  <p:childTnLst>
+                                    <p:set>
+                                      <p:cBhvr>
+                                        <p:cTn id="18" dur="1" fill="hold">
+                                          <p:stCondLst>
+                                            <p:cond delay="0"/>
+                                          </p:stCondLst>
+                                        </p:cTn>
+                                        <p:tgtEl>
+                                          <p:spTgt spid="5">
+                                            <p:txEl>
+                                              <p:pRg st="1" end="1"/>
+                                            </p:txEl>
+                                          </p:spTgt>
+                                        </p:tgtEl>
+                                        <p:attrNameLst>
+                                          <p:attrName>style.visibility</p:attrName>
+                                        </p:attrNameLst>
+                                      </p:cBhvr>
+                                      <p:to>
+                                        <p:strVal val="visible"/>
+                                      </p:to>
+                                    </p:set>
+                                  </p:childTnLst>
+                                </p:cTn>
+                              </p:par>
+                              <p:par>
+                                <p:cTn id="19" presetID="1" presetClass="entr" presetSubtype="0" fill="hold" grpId="0" nodeType="withEffect">
+                                  <p:stCondLst>
+                                    <p:cond delay="0"/>
+                                  </p:stCondLst>
+                                  <p:childTnLst>
+                                    <p:set>
+                                      <p:cBhvr>
+                                        <p:cTn id="20" dur="1" fill="hold">
+                                          <p:stCondLst>
+                                            <p:cond delay="0"/>
+                                          </p:stCondLst>
+                                        </p:cTn>
+                                        <p:tgtEl>
+                                          <p:spTgt spid="5">
+                                            <p:txEl>
+                                              <p:pRg st="2" end="2"/>
+                                            </p:txEl>
+                                          </p:spTgt>
+                                        </p:tgtEl>
+                                        <p:attrNameLst>
+                                          <p:attrName>style.visibility</p:attrName>
+                                        </p:attrNameLst>
+                                      </p:cBhvr>
+                                      <p:to>
+                                        <p:strVal val="visible"/>
+                                      </p:to>
+                                    </p:set>
+                                  </p:childTnLst>
+                                </p:cTn>
+                              </p:par>
+                            </p:childTnLst>
+                          </p:cTn>
+                        </p:par>
+                      </p:childTnLst>
+                    </p:cTn>
+                  </p:par>
+                  <p:par>
+                    <p:cTn id="21" fill="hold">
+                      <p:stCondLst>
+                        <p:cond delay="indefinite"/>
+                      </p:stCondLst>
+                      <p:childTnLst>
+                        <p:par>
+                          <p:cTn id="22" fill="hold">
+                            <p:stCondLst>
+                              <p:cond delay="0"/>
+                            </p:stCondLst>
+                            <p:childTnLst>
+                              <p:par>
+                                <p:cTn id="23" presetID="1" presetClass="entr" presetSubtype="0" fill="hold" grpId="0" nodeType="clickEffect">
+                                  <p:stCondLst>
+                                    <p:cond delay="0"/>
+                                  </p:stCondLst>
+                                  <p:childTnLst>
+                                    <p:set>
+                                      <p:cBhvr>
+                                        <p:cTn id="24" dur="1" fill="hold">
+                                          <p:stCondLst>
+                                            <p:cond delay="0"/>
+                                          </p:stCondLst>
+                                        </p:cTn>
+                                        <p:tgtEl>
+                                          <p:spTgt spid="5">
+                                            <p:txEl>
+                                              <p:pRg st="4" end="4"/>
+                                            </p:txEl>
+                                          </p:spTgt>
+                                        </p:tgtEl>
+                                        <p:attrNameLst>
+                                          <p:attrName>style.visibility</p:attrName>
+                                        </p:attrNameLst>
+                                      </p:cBhvr>
+                                      <p:to>
+                                        <p:strVal val="visible"/>
+                                      </p:to>
+                                    </p:set>
+                                  </p:childTnLst>
+                                </p:cTn>
+                              </p:par>
+                              <p:par>
+                                <p:cTn id="25" presetID="1" presetClass="entr" presetSubtype="0" fill="hold" grpId="0" nodeType="withEffect">
+                                  <p:stCondLst>
+                                    <p:cond delay="0"/>
+                                  </p:stCondLst>
+                                  <p:childTnLst>
+                                    <p:set>
+                                      <p:cBhvr>
+                                        <p:cTn id="26" dur="1" fill="hold">
+                                          <p:stCondLst>
+                                            <p:cond delay="0"/>
+                                          </p:stCondLst>
+                                        </p:cTn>
+                                        <p:tgtEl>
+                                          <p:spTgt spid="5">
+                                            <p:txEl>
+                                              <p:pRg st="5" end="5"/>
+                                            </p:txEl>
+                                          </p:spTgt>
+                                        </p:tgtEl>
+                                        <p:attrNameLst>
+                                          <p:attrName>style.visibility</p:attrName>
+                                        </p:attrNameLst>
+                                      </p:cBhvr>
+                                      <p:to>
+                                        <p:strVal val="visible"/>
+                                      </p:to>
+                                    </p:set>
+                                  </p:childTnLst>
+                                </p:cTn>
+                              </p:par>
+                            </p:childTnLst>
+                          </p:cTn>
+                        </p:par>
+                      </p:childTnLst>
+                    </p:cTn>
+                  </p:par>
+                  <p:par>
+                    <p:cTn id="27" fill="hold">
+                      <p:stCondLst>
+                        <p:cond delay="indefinite"/>
+                      </p:stCondLst>
+                      <p:childTnLst>
+                        <p:par>
+                          <p:cTn id="28" fill="hold">
+                            <p:stCondLst>
+                              <p:cond delay="0"/>
+                            </p:stCondLst>
+                            <p:childTnLst>
+                              <p:par>
+                                <p:cTn id="29" presetID="1" presetClass="entr" presetSubtype="0" fill="hold" grpId="0" nodeType="clickEffect">
+                                  <p:stCondLst>
+                                    <p:cond delay="0"/>
+                                  </p:stCondLst>
+                                  <p:childTnLst>
+                                    <p:set>
+                                      <p:cBhvr>
+                                        <p:cTn id="30" dur="1" fill="hold">
+                                          <p:stCondLst>
+                                            <p:cond delay="0"/>
+                                          </p:stCondLst>
+                                        </p:cTn>
+                                        <p:tgtEl>
+                                          <p:spTgt spid="5">
+                                            <p:txEl>
+                                              <p:pRg st="7" end="7"/>
+                                            </p:txEl>
+                                          </p:spTgt>
+                                        </p:tgtEl>
+                                        <p:attrNameLst>
+                                          <p:attrName>style.visibility</p:attrName>
+                                        </p:attrNameLst>
+                                      </p:cBhvr>
+                                      <p:to>
+                                        <p:strVal val="visible"/>
+                                      </p:to>
+                                    </p:set>
+                                  </p:childTnLst>
+                                </p:cTn>
+                              </p:par>
+                              <p:par>
+                                <p:cTn id="31" presetID="1" presetClass="entr" presetSubtype="0" fill="hold" grpId="0" nodeType="withEffect">
+                                  <p:stCondLst>
+                                    <p:cond delay="0"/>
+                                  </p:stCondLst>
+                                  <p:childTnLst>
+                                    <p:set>
+                                      <p:cBhvr>
+                                        <p:cTn id="32" dur="1" fill="hold">
+                                          <p:stCondLst>
+                                            <p:cond delay="0"/>
+                                          </p:stCondLst>
+                                        </p:cTn>
+                                        <p:tgtEl>
+                                          <p:spTgt spid="5">
+                                            <p:txEl>
+                                              <p:pRg st="8" end="8"/>
+                                            </p:txEl>
+                                          </p:spTgt>
+                                        </p:tgtEl>
+                                        <p:attrNameLst>
+                                          <p:attrName>style.visibility</p:attrName>
+                                        </p:attrNameLst>
+                                      </p:cBhvr>
+                                      <p:to>
+                                        <p:strVal val="visible"/>
+                                      </p:to>
+                                    </p:set>
+                                  </p:childTnLst>
+                                </p:cTn>
+                              </p:par>
+                              <p:par>
+                                <p:cTn id="33" presetID="1" presetClass="entr" presetSubtype="0" fill="hold" nodeType="withEffect">
+                                  <p:stCondLst>
+                                    <p:cond delay="0"/>
+                                  </p:stCondLst>
+                                  <p:childTnLst>
+                                    <p:set>
+                                      <p:cBhvr>
+                                        <p:cTn id="34" dur="1" fill="hold">
+                                          <p:stCondLst>
+                                            <p:cond delay="0"/>
+                                          </p:stCondLst>
+                                        </p:cTn>
+                                        <p:tgtEl>
+                                          <p:spTgt spid="10"/>
+                                        </p:tgtEl>
+                                        <p:attrNameLst>
+                                          <p:attrName>style.visibility</p:attrName>
+                                        </p:attrNameLst>
+                                      </p:cBhvr>
+                                      <p:to>
+                                        <p:strVal val="visible"/>
+                                      </p:to>
+                                    </p:set>
+                                  </p:childTnLst>
+                                </p:cTn>
+                              </p:par>
+                              <p:par>
+                                <p:cTn id="35" presetID="1" presetClass="entr" presetSubtype="0" fill="hold" grpId="0" nodeType="withEffect">
+                                  <p:stCondLst>
+                                    <p:cond delay="0"/>
+                                  </p:stCondLst>
+                                  <p:childTnLst>
+                                    <p:set>
+                                      <p:cBhvr>
+                                        <p:cTn id="36" dur="1" fill="hold">
+                                          <p:stCondLst>
+                                            <p:cond delay="0"/>
+                                          </p:stCondLst>
+                                        </p:cTn>
+                                        <p:tgtEl>
+                                          <p:spTgt spid="6"/>
+                                        </p:tgtEl>
+                                        <p:attrNameLst>
+                                          <p:attrName>style.visibility</p:attrName>
+                                        </p:attrNameLst>
+                                      </p:cBhvr>
+                                      <p:to>
+                                        <p:strVal val="visible"/>
+                                      </p:to>
+                                    </p:set>
+                                  </p:childTnLst>
+                                </p:cTn>
+                              </p:par>
+                            </p:childTnLst>
+                          </p:cTn>
+                        </p:par>
+                      </p:childTnLst>
+                    </p:cTn>
+                  </p:par>
+                </p:childTnLst>
+              </p:cTn>
+              <p:prevCondLst>
+                <p:cond evt="onPrev" delay="0">
+                  <p:tgtEl>
+                    <p:sldTgt/>
+                  </p:tgtEl>
+                </p:cond>
+              </p:prevCondLst>
+              <p:nextCondLst>
+                <p:cond evt="onNext" delay="0">
+                  <p:tgtEl>
+                    <p:sldTgt/>
+                  </p:tgtEl>
+                </p:cond>
+              </p:nextCondLst>
+            </p:seq>
+          </p:childTnLst>
+        </p:cTn>
+      </p:par>
+    </p:tnLst>
+    <p:bldLst>
+      <p:bldP spid="5" grpId="0" build="p"/>
+      <p:bldP spid="6" grpId="0"/>
+      <p:bldP spid="7" grpId="0"/>
+      <p:bldP spid="8" grpId="0"/>
+    </p:bldLst>
+  </p:timing>
 </p:sld>
 </file>
 
@@ -11568,7 +11887,7 @@
             </a:r>
             <a:r>
               <a:rPr lang="en-US" dirty="0"/>
-              <a:t> Impulsiveness Test</a:t>
+              <a:t> Impulsiveness Test (BIT)</a:t>
             </a:r>
           </a:p>
         </p:txBody>
@@ -12012,6 +12331,221 @@
     <p:extLst>
       <p:ext uri="{BB962C8B-B14F-4D97-AF65-F5344CB8AC3E}">
         <p14:creationId xmlns:p14="http://schemas.microsoft.com/office/powerpoint/2010/main" val="2704169296"/>
+      </p:ext>
+    </p:extLst>
+  </p:cSld>
+  <p:clrMapOvr>
+    <a:masterClrMapping/>
+  </p:clrMapOvr>
+</p:sld>
+</file>
+
+<file path=ppt/slides/slide36.xml><?xml version="1.0" encoding="utf-8"?>
+<p:sld xmlns:a="http://schemas.openxmlformats.org/drawingml/2006/main" xmlns:r="http://schemas.openxmlformats.org/officeDocument/2006/relationships" xmlns:p="http://schemas.openxmlformats.org/presentationml/2006/main">
+  <p:cSld>
+    <p:spTree>
+      <p:nvGrpSpPr>
+        <p:cNvPr id="1" name=""/>
+        <p:cNvGrpSpPr/>
+        <p:nvPr/>
+      </p:nvGrpSpPr>
+      <p:grpSpPr>
+        <a:xfrm>
+          <a:off x="0" y="0"/>
+          <a:ext cx="0" cy="0"/>
+          <a:chOff x="0" y="0"/>
+          <a:chExt cx="0" cy="0"/>
+        </a:xfrm>
+      </p:grpSpPr>
+      <p:sp>
+        <p:nvSpPr>
+          <p:cNvPr id="5" name="Title 1">
+            <a:extLst>
+              <a:ext uri="{FF2B5EF4-FFF2-40B4-BE49-F238E27FC236}">
+                <a16:creationId xmlns:a16="http://schemas.microsoft.com/office/drawing/2014/main" id="{8D9E793D-C624-470B-9338-FB9CC5DD29C3}"/>
+              </a:ext>
+            </a:extLst>
+          </p:cNvPr>
+          <p:cNvSpPr>
+            <a:spLocks noGrp="1"/>
+          </p:cNvSpPr>
+          <p:nvPr>
+            <p:ph type="title"/>
+          </p:nvPr>
+        </p:nvSpPr>
+        <p:spPr>
+          <a:xfrm>
+            <a:off x="109728" y="-126969"/>
+            <a:ext cx="2717800" cy="1325563"/>
+          </a:xfrm>
+        </p:spPr>
+        <p:txBody>
+          <a:bodyPr>
+            <a:normAutofit/>
+          </a:bodyPr>
+          <a:lstStyle/>
+          <a:p>
+            <a:r>
+              <a:rPr lang="en-US" sz="2400" dirty="0"/>
+              <a:t>ACF constants for each participant</a:t>
+            </a:r>
+          </a:p>
+        </p:txBody>
+      </p:sp>
+      <p:pic>
+        <p:nvPicPr>
+          <p:cNvPr id="6" name="Picture 5">
+            <a:extLst>
+              <a:ext uri="{FF2B5EF4-FFF2-40B4-BE49-F238E27FC236}">
+                <a16:creationId xmlns:a16="http://schemas.microsoft.com/office/drawing/2014/main" id="{F0D18526-D151-4CE7-BF97-67DCF5607260}"/>
+              </a:ext>
+            </a:extLst>
+          </p:cNvPr>
+          <p:cNvPicPr>
+            <a:picLocks noChangeAspect="1"/>
+          </p:cNvPicPr>
+          <p:nvPr/>
+        </p:nvPicPr>
+        <p:blipFill>
+          <a:blip r:embed="rId2"/>
+          <a:stretch>
+            <a:fillRect/>
+          </a:stretch>
+        </p:blipFill>
+        <p:spPr>
+          <a:xfrm>
+            <a:off x="7683818" y="3672023"/>
+            <a:ext cx="3942410" cy="2887458"/>
+          </a:xfrm>
+          <a:prstGeom prst="rect">
+            <a:avLst/>
+          </a:prstGeom>
+        </p:spPr>
+      </p:pic>
+      <p:pic>
+        <p:nvPicPr>
+          <p:cNvPr id="7" name="Picture 6">
+            <a:extLst>
+              <a:ext uri="{FF2B5EF4-FFF2-40B4-BE49-F238E27FC236}">
+                <a16:creationId xmlns:a16="http://schemas.microsoft.com/office/drawing/2014/main" id="{A494C709-1064-49B8-8663-1A90F080B1ED}"/>
+              </a:ext>
+            </a:extLst>
+          </p:cNvPr>
+          <p:cNvPicPr>
+            <a:picLocks noChangeAspect="1"/>
+          </p:cNvPicPr>
+          <p:nvPr/>
+        </p:nvPicPr>
+        <p:blipFill>
+          <a:blip r:embed="rId3"/>
+          <a:stretch>
+            <a:fillRect/>
+          </a:stretch>
+        </p:blipFill>
+        <p:spPr>
+          <a:xfrm>
+            <a:off x="3978107" y="3926797"/>
+            <a:ext cx="3506082" cy="2567887"/>
+          </a:xfrm>
+          <a:prstGeom prst="rect">
+            <a:avLst/>
+          </a:prstGeom>
+        </p:spPr>
+      </p:pic>
+      <p:pic>
+        <p:nvPicPr>
+          <p:cNvPr id="8" name="Picture 7">
+            <a:extLst>
+              <a:ext uri="{FF2B5EF4-FFF2-40B4-BE49-F238E27FC236}">
+                <a16:creationId xmlns:a16="http://schemas.microsoft.com/office/drawing/2014/main" id="{61D128D0-CC50-415F-90D7-9E1B09529FF2}"/>
+              </a:ext>
+            </a:extLst>
+          </p:cNvPr>
+          <p:cNvPicPr>
+            <a:picLocks noChangeAspect="1"/>
+          </p:cNvPicPr>
+          <p:nvPr/>
+        </p:nvPicPr>
+        <p:blipFill>
+          <a:blip r:embed="rId4"/>
+          <a:stretch>
+            <a:fillRect/>
+          </a:stretch>
+        </p:blipFill>
+        <p:spPr>
+          <a:xfrm>
+            <a:off x="154620" y="3862001"/>
+            <a:ext cx="3683022" cy="2697480"/>
+          </a:xfrm>
+          <a:prstGeom prst="rect">
+            <a:avLst/>
+          </a:prstGeom>
+        </p:spPr>
+      </p:pic>
+      <p:pic>
+        <p:nvPicPr>
+          <p:cNvPr id="9" name="Picture 8">
+            <a:extLst>
+              <a:ext uri="{FF2B5EF4-FFF2-40B4-BE49-F238E27FC236}">
+                <a16:creationId xmlns:a16="http://schemas.microsoft.com/office/drawing/2014/main" id="{CF26346A-4172-471A-ABA0-B5728A73B82E}"/>
+              </a:ext>
+            </a:extLst>
+          </p:cNvPr>
+          <p:cNvPicPr>
+            <a:picLocks noChangeAspect="1"/>
+          </p:cNvPicPr>
+          <p:nvPr/>
+        </p:nvPicPr>
+        <p:blipFill>
+          <a:blip r:embed="rId5"/>
+          <a:stretch>
+            <a:fillRect/>
+          </a:stretch>
+        </p:blipFill>
+        <p:spPr>
+          <a:xfrm>
+            <a:off x="5878748" y="784564"/>
+            <a:ext cx="3942410" cy="2887459"/>
+          </a:xfrm>
+          <a:prstGeom prst="rect">
+            <a:avLst/>
+          </a:prstGeom>
+        </p:spPr>
+      </p:pic>
+      <p:pic>
+        <p:nvPicPr>
+          <p:cNvPr id="10" name="Picture 9">
+            <a:extLst>
+              <a:ext uri="{FF2B5EF4-FFF2-40B4-BE49-F238E27FC236}">
+                <a16:creationId xmlns:a16="http://schemas.microsoft.com/office/drawing/2014/main" id="{1E5FB52E-A074-4A8E-8F07-48F6D718871E}"/>
+              </a:ext>
+            </a:extLst>
+          </p:cNvPr>
+          <p:cNvPicPr>
+            <a:picLocks noChangeAspect="1"/>
+          </p:cNvPicPr>
+          <p:nvPr/>
+        </p:nvPicPr>
+        <p:blipFill>
+          <a:blip r:embed="rId6"/>
+          <a:stretch>
+            <a:fillRect/>
+          </a:stretch>
+        </p:blipFill>
+        <p:spPr>
+          <a:xfrm>
+            <a:off x="1027144" y="832058"/>
+            <a:ext cx="3812718" cy="2792470"/>
+          </a:xfrm>
+          <a:prstGeom prst="rect">
+            <a:avLst/>
+          </a:prstGeom>
+        </p:spPr>
+      </p:pic>
+    </p:spTree>
+    <p:extLst>
+      <p:ext uri="{BB962C8B-B14F-4D97-AF65-F5344CB8AC3E}">
+        <p14:creationId xmlns:p14="http://schemas.microsoft.com/office/powerpoint/2010/main" val="4020130970"/>
       </p:ext>
     </p:extLst>
   </p:cSld>

--- a/ShenhavLabMeeting10.29.pptx
+++ b/ShenhavLabMeeting10.29.pptx
@@ -5,7 +5,7 @@
     <p:sldMasterId id="2147483648" r:id="rId1"/>
   </p:sldMasterIdLst>
   <p:notesMasterIdLst>
-    <p:notesMasterId r:id="rId38"/>
+    <p:notesMasterId r:id="rId41"/>
   </p:notesMasterIdLst>
   <p:sldIdLst>
     <p:sldId id="256" r:id="rId2"/>
@@ -33,17 +33,20 @@
     <p:sldId id="277" r:id="rId24"/>
     <p:sldId id="286" r:id="rId25"/>
     <p:sldId id="292" r:id="rId26"/>
-    <p:sldId id="287" r:id="rId27"/>
-    <p:sldId id="278" r:id="rId28"/>
-    <p:sldId id="282" r:id="rId29"/>
-    <p:sldId id="284" r:id="rId30"/>
-    <p:sldId id="285" r:id="rId31"/>
-    <p:sldId id="293" r:id="rId32"/>
-    <p:sldId id="269" r:id="rId33"/>
-    <p:sldId id="294" r:id="rId34"/>
-    <p:sldId id="295" r:id="rId35"/>
-    <p:sldId id="271" r:id="rId36"/>
-    <p:sldId id="296" r:id="rId37"/>
+    <p:sldId id="299" r:id="rId27"/>
+    <p:sldId id="287" r:id="rId28"/>
+    <p:sldId id="297" r:id="rId29"/>
+    <p:sldId id="298" r:id="rId30"/>
+    <p:sldId id="278" r:id="rId31"/>
+    <p:sldId id="282" r:id="rId32"/>
+    <p:sldId id="284" r:id="rId33"/>
+    <p:sldId id="285" r:id="rId34"/>
+    <p:sldId id="293" r:id="rId35"/>
+    <p:sldId id="269" r:id="rId36"/>
+    <p:sldId id="294" r:id="rId37"/>
+    <p:sldId id="295" r:id="rId38"/>
+    <p:sldId id="271" r:id="rId39"/>
+    <p:sldId id="296" r:id="rId40"/>
   </p:sldIdLst>
   <p:sldSz cx="12192000" cy="6858000"/>
   <p:notesSz cx="6858000" cy="9144000"/>
@@ -232,7 +235,7 @@
           <a:p>
             <a:fld id="{E534A8AF-726B-4E5B-8C1C-EBADF88DE912}" type="datetimeFigureOut">
               <a:rPr lang="en-US" smtClean="0"/>
-              <a:t>10/28/2018</a:t>
+              <a:t>10/29/2018</a:t>
             </a:fld>
             <a:endParaRPr lang="en-US"/>
           </a:p>
@@ -989,7 +992,7 @@
           <a:p>
             <a:fld id="{46B30BCE-83B5-4D36-8240-34FC3A2779A8}" type="slidenum">
               <a:rPr lang="en-US" smtClean="0"/>
-              <a:t>33</a:t>
+              <a:t>36</a:t>
             </a:fld>
             <a:endParaRPr lang="en-US"/>
           </a:p>
@@ -1155,7 +1158,7 @@
           <a:p>
             <a:fld id="{DBC524C0-7FB7-4DC8-A982-E6468AA02D2A}" type="datetimeFigureOut">
               <a:rPr lang="en-US" smtClean="0"/>
-              <a:t>10/28/2018</a:t>
+              <a:t>10/29/2018</a:t>
             </a:fld>
             <a:endParaRPr lang="en-US"/>
           </a:p>
@@ -1353,7 +1356,7 @@
           <a:p>
             <a:fld id="{DBC524C0-7FB7-4DC8-A982-E6468AA02D2A}" type="datetimeFigureOut">
               <a:rPr lang="en-US" smtClean="0"/>
-              <a:t>10/28/2018</a:t>
+              <a:t>10/29/2018</a:t>
             </a:fld>
             <a:endParaRPr lang="en-US"/>
           </a:p>
@@ -1561,7 +1564,7 @@
           <a:p>
             <a:fld id="{DBC524C0-7FB7-4DC8-A982-E6468AA02D2A}" type="datetimeFigureOut">
               <a:rPr lang="en-US" smtClean="0"/>
-              <a:t>10/28/2018</a:t>
+              <a:t>10/29/2018</a:t>
             </a:fld>
             <a:endParaRPr lang="en-US"/>
           </a:p>
@@ -1759,7 +1762,7 @@
           <a:p>
             <a:fld id="{DBC524C0-7FB7-4DC8-A982-E6468AA02D2A}" type="datetimeFigureOut">
               <a:rPr lang="en-US" smtClean="0"/>
-              <a:t>10/28/2018</a:t>
+              <a:t>10/29/2018</a:t>
             </a:fld>
             <a:endParaRPr lang="en-US"/>
           </a:p>
@@ -2034,7 +2037,7 @@
           <a:p>
             <a:fld id="{DBC524C0-7FB7-4DC8-A982-E6468AA02D2A}" type="datetimeFigureOut">
               <a:rPr lang="en-US" smtClean="0"/>
-              <a:t>10/28/2018</a:t>
+              <a:t>10/29/2018</a:t>
             </a:fld>
             <a:endParaRPr lang="en-US"/>
           </a:p>
@@ -2299,7 +2302,7 @@
           <a:p>
             <a:fld id="{DBC524C0-7FB7-4DC8-A982-E6468AA02D2A}" type="datetimeFigureOut">
               <a:rPr lang="en-US" smtClean="0"/>
-              <a:t>10/28/2018</a:t>
+              <a:t>10/29/2018</a:t>
             </a:fld>
             <a:endParaRPr lang="en-US"/>
           </a:p>
@@ -2711,7 +2714,7 @@
           <a:p>
             <a:fld id="{DBC524C0-7FB7-4DC8-A982-E6468AA02D2A}" type="datetimeFigureOut">
               <a:rPr lang="en-US" smtClean="0"/>
-              <a:t>10/28/2018</a:t>
+              <a:t>10/29/2018</a:t>
             </a:fld>
             <a:endParaRPr lang="en-US"/>
           </a:p>
@@ -2852,7 +2855,7 @@
           <a:p>
             <a:fld id="{DBC524C0-7FB7-4DC8-A982-E6468AA02D2A}" type="datetimeFigureOut">
               <a:rPr lang="en-US" smtClean="0"/>
-              <a:t>10/28/2018</a:t>
+              <a:t>10/29/2018</a:t>
             </a:fld>
             <a:endParaRPr lang="en-US"/>
           </a:p>
@@ -2965,7 +2968,7 @@
           <a:p>
             <a:fld id="{DBC524C0-7FB7-4DC8-A982-E6468AA02D2A}" type="datetimeFigureOut">
               <a:rPr lang="en-US" smtClean="0"/>
-              <a:t>10/28/2018</a:t>
+              <a:t>10/29/2018</a:t>
             </a:fld>
             <a:endParaRPr lang="en-US"/>
           </a:p>
@@ -3276,7 +3279,7 @@
           <a:p>
             <a:fld id="{DBC524C0-7FB7-4DC8-A982-E6468AA02D2A}" type="datetimeFigureOut">
               <a:rPr lang="en-US" smtClean="0"/>
-              <a:t>10/28/2018</a:t>
+              <a:t>10/29/2018</a:t>
             </a:fld>
             <a:endParaRPr lang="en-US"/>
           </a:p>
@@ -3564,7 +3567,7 @@
           <a:p>
             <a:fld id="{DBC524C0-7FB7-4DC8-A982-E6468AA02D2A}" type="datetimeFigureOut">
               <a:rPr lang="en-US" smtClean="0"/>
-              <a:t>10/28/2018</a:t>
+              <a:t>10/29/2018</a:t>
             </a:fld>
             <a:endParaRPr lang="en-US"/>
           </a:p>
@@ -3805,7 +3808,7 @@
           <a:p>
             <a:fld id="{DBC524C0-7FB7-4DC8-A982-E6468AA02D2A}" type="datetimeFigureOut">
               <a:rPr lang="en-US" smtClean="0"/>
-              <a:t>10/28/2018</a:t>
+              <a:t>10/29/2018</a:t>
             </a:fld>
             <a:endParaRPr lang="en-US"/>
           </a:p>
@@ -6696,7 +6699,7 @@
           <a:p>
             <a:r>
               <a:rPr lang="en-US" dirty="0"/>
-              <a:t>6 catch trials  </a:t>
+              <a:t>6 catch trials.  </a:t>
             </a:r>
           </a:p>
         </p:txBody>
@@ -6833,6 +6836,33 @@
                                   </p:childTnLst>
                                 </p:cTn>
                               </p:par>
+                              <p:par>
+                                <p:cTn id="11" presetID="1" presetClass="entr" presetSubtype="0" fill="hold" nodeType="withEffect">
+                                  <p:stCondLst>
+                                    <p:cond delay="0"/>
+                                  </p:stCondLst>
+                                  <p:childTnLst>
+                                    <p:set>
+                                      <p:cBhvr>
+                                        <p:cTn id="12" dur="1" fill="hold">
+                                          <p:stCondLst>
+                                            <p:cond delay="0"/>
+                                          </p:stCondLst>
+                                        </p:cTn>
+                                        <p:tgtEl>
+                                          <p:spTgt spid="10"/>
+                                        </p:tgtEl>
+                                        <p:attrNameLst>
+                                          <p:attrName>style.visibility</p:attrName>
+                                        </p:attrNameLst>
+                                      </p:cBhvr>
+                                      <p:to>
+                                        <p:strVal val="visible"/>
+                                      </p:to>
+                                    </p:set>
+                                  </p:childTnLst>
+                                </p:cTn>
+                              </p:par>
                             </p:childTnLst>
                           </p:cTn>
                         </p:par>
@@ -6840,26 +6870,26 @@
                     </p:cTn>
                   </p:par>
                   <p:par>
-                    <p:cTn id="11" fill="hold">
+                    <p:cTn id="13" fill="hold">
                       <p:stCondLst>
                         <p:cond delay="indefinite"/>
                       </p:stCondLst>
                       <p:childTnLst>
                         <p:par>
-                          <p:cTn id="12" fill="hold">
+                          <p:cTn id="14" fill="hold">
                             <p:stCondLst>
                               <p:cond delay="0"/>
                             </p:stCondLst>
                             <p:childTnLst>
                               <p:par>
-                                <p:cTn id="13" presetID="1" presetClass="entr" presetSubtype="0" fill="hold" grpId="0" nodeType="clickEffect">
+                                <p:cTn id="15" presetID="1" presetClass="entr" presetSubtype="0" fill="hold" grpId="0" nodeType="clickEffect">
                                   <p:stCondLst>
                                     <p:cond delay="0"/>
                                   </p:stCondLst>
                                   <p:childTnLst>
                                     <p:set>
                                       <p:cBhvr>
-                                        <p:cTn id="14" dur="1" fill="hold">
+                                        <p:cTn id="16" dur="1" fill="hold">
                                           <p:stCondLst>
                                             <p:cond delay="0"/>
                                           </p:stCondLst>
@@ -6889,26 +6919,26 @@
                     </p:cTn>
                   </p:par>
                   <p:par>
-                    <p:cTn id="15" fill="hold">
+                    <p:cTn id="17" fill="hold">
                       <p:stCondLst>
                         <p:cond delay="indefinite"/>
                       </p:stCondLst>
                       <p:childTnLst>
                         <p:par>
-                          <p:cTn id="16" fill="hold">
+                          <p:cTn id="18" fill="hold">
                             <p:stCondLst>
                               <p:cond delay="0"/>
                             </p:stCondLst>
                             <p:childTnLst>
                               <p:par>
-                                <p:cTn id="17" presetID="1" presetClass="entr" presetSubtype="0" fill="hold" grpId="0" nodeType="clickEffect">
+                                <p:cTn id="19" presetID="1" presetClass="entr" presetSubtype="0" fill="hold" grpId="0" nodeType="clickEffect">
                                   <p:stCondLst>
                                     <p:cond delay="0"/>
                                   </p:stCondLst>
                                   <p:childTnLst>
                                     <p:set>
                                       <p:cBhvr>
-                                        <p:cTn id="18" dur="1" fill="hold">
+                                        <p:cTn id="20" dur="1" fill="hold">
                                           <p:stCondLst>
                                             <p:cond delay="0"/>
                                           </p:stCondLst>
@@ -6932,14 +6962,14 @@
                                 </p:cTn>
                               </p:par>
                               <p:par>
-                                <p:cTn id="19" presetID="1" presetClass="entr" presetSubtype="0" fill="hold" grpId="0" nodeType="withEffect">
+                                <p:cTn id="21" presetID="1" presetClass="entr" presetSubtype="0" fill="hold" grpId="0" nodeType="withEffect">
                                   <p:stCondLst>
                                     <p:cond delay="0"/>
                                   </p:stCondLst>
                                   <p:childTnLst>
                                     <p:set>
                                       <p:cBhvr>
-                                        <p:cTn id="20" dur="1" fill="hold">
+                                        <p:cTn id="22" dur="1" fill="hold">
                                           <p:stCondLst>
                                             <p:cond delay="0"/>
                                           </p:stCondLst>
@@ -6969,26 +6999,26 @@
                     </p:cTn>
                   </p:par>
                   <p:par>
-                    <p:cTn id="21" fill="hold">
+                    <p:cTn id="23" fill="hold">
                       <p:stCondLst>
                         <p:cond delay="indefinite"/>
                       </p:stCondLst>
                       <p:childTnLst>
                         <p:par>
-                          <p:cTn id="22" fill="hold">
+                          <p:cTn id="24" fill="hold">
                             <p:stCondLst>
                               <p:cond delay="0"/>
                             </p:stCondLst>
                             <p:childTnLst>
                               <p:par>
-                                <p:cTn id="23" presetID="1" presetClass="entr" presetSubtype="0" fill="hold" grpId="0" nodeType="clickEffect">
+                                <p:cTn id="25" presetID="1" presetClass="entr" presetSubtype="0" fill="hold" grpId="0" nodeType="clickEffect">
                                   <p:stCondLst>
                                     <p:cond delay="0"/>
                                   </p:stCondLst>
                                   <p:childTnLst>
                                     <p:set>
                                       <p:cBhvr>
-                                        <p:cTn id="24" dur="1" fill="hold">
+                                        <p:cTn id="26" dur="1" fill="hold">
                                           <p:stCondLst>
                                             <p:cond delay="0"/>
                                           </p:stCondLst>
@@ -7012,14 +7042,14 @@
                                 </p:cTn>
                               </p:par>
                               <p:par>
-                                <p:cTn id="25" presetID="1" presetClass="entr" presetSubtype="0" fill="hold" grpId="0" nodeType="withEffect">
+                                <p:cTn id="27" presetID="1" presetClass="entr" presetSubtype="0" fill="hold" grpId="0" nodeType="withEffect">
                                   <p:stCondLst>
                                     <p:cond delay="0"/>
                                   </p:stCondLst>
                                   <p:childTnLst>
                                     <p:set>
                                       <p:cBhvr>
-                                        <p:cTn id="26" dur="1" fill="hold">
+                                        <p:cTn id="28" dur="1" fill="hold">
                                           <p:stCondLst>
                                             <p:cond delay="0"/>
                                           </p:stCondLst>
@@ -7049,26 +7079,26 @@
                     </p:cTn>
                   </p:par>
                   <p:par>
-                    <p:cTn id="27" fill="hold">
+                    <p:cTn id="29" fill="hold">
                       <p:stCondLst>
                         <p:cond delay="indefinite"/>
                       </p:stCondLst>
                       <p:childTnLst>
                         <p:par>
-                          <p:cTn id="28" fill="hold">
+                          <p:cTn id="30" fill="hold">
                             <p:stCondLst>
                               <p:cond delay="0"/>
                             </p:stCondLst>
                             <p:childTnLst>
                               <p:par>
-                                <p:cTn id="29" presetID="1" presetClass="entr" presetSubtype="0" fill="hold" grpId="0" nodeType="clickEffect">
+                                <p:cTn id="31" presetID="1" presetClass="entr" presetSubtype="0" fill="hold" grpId="0" nodeType="clickEffect">
                                   <p:stCondLst>
                                     <p:cond delay="0"/>
                                   </p:stCondLst>
                                   <p:childTnLst>
                                     <p:set>
                                       <p:cBhvr>
-                                        <p:cTn id="30" dur="1" fill="hold">
+                                        <p:cTn id="32" dur="1" fill="hold">
                                           <p:stCondLst>
                                             <p:cond delay="0"/>
                                           </p:stCondLst>
@@ -7092,38 +7122,7 @@
                                 </p:cTn>
                               </p:par>
                               <p:par>
-                                <p:cTn id="31" presetID="1" presetClass="entr" presetSubtype="0" fill="hold" grpId="0" nodeType="withEffect">
-                                  <p:stCondLst>
-                                    <p:cond delay="0"/>
-                                  </p:stCondLst>
-                                  <p:childTnLst>
-                                    <p:set>
-                                      <p:cBhvr>
-                                        <p:cTn id="32" dur="1" fill="hold">
-                                          <p:stCondLst>
-                                            <p:cond delay="0"/>
-                                          </p:stCondLst>
-                                        </p:cTn>
-                                        <p:tgtEl>
-                                          <p:spTgt spid="5">
-                                            <p:txEl>
-                                              <p:pRg st="8" end="8"/>
-                                            </p:txEl>
-                                          </p:spTgt>
-                                        </p:tgtEl>
-                                        <p:attrNameLst>
-                                          <p:attrName>style.visibility</p:attrName>
-                                        </p:attrNameLst>
-                                      </p:cBhvr>
-                                      <p:to>
-                                        <p:strVal val="visible"/>
-                                      </p:to>
-                                    </p:set>
-                                  </p:childTnLst>
-                                </p:cTn>
-                              </p:par>
-                              <p:par>
-                                <p:cTn id="33" presetID="1" presetClass="entr" presetSubtype="0" fill="hold" nodeType="withEffect">
+                                <p:cTn id="33" presetID="1" presetClass="entr" presetSubtype="0" fill="hold" grpId="0" nodeType="withEffect">
                                   <p:stCondLst>
                                     <p:cond delay="0"/>
                                   </p:stCondLst>
@@ -7136,7 +7135,11 @@
                                           </p:stCondLst>
                                         </p:cTn>
                                         <p:tgtEl>
-                                          <p:spTgt spid="10"/>
+                                          <p:spTgt spid="5">
+                                            <p:txEl>
+                                              <p:pRg st="8" end="8"/>
+                                            </p:txEl>
+                                          </p:spTgt>
                                         </p:tgtEl>
                                         <p:attrNameLst>
                                           <p:attrName>style.visibility</p:attrName>
@@ -7429,7 +7432,7 @@
         </p:blipFill>
         <p:spPr>
           <a:xfrm>
-            <a:off x="398012" y="3454823"/>
+            <a:off x="532124" y="3454823"/>
             <a:ext cx="4373140" cy="3273977"/>
           </a:xfrm>
           <a:prstGeom prst="rect">
@@ -9052,47 +9055,12 @@
           <a:chExt cx="0" cy="0"/>
         </a:xfrm>
       </p:grpSpPr>
-      <p:sp>
-        <p:nvSpPr>
-          <p:cNvPr id="2" name="Title 1">
-            <a:extLst>
-              <a:ext uri="{FF2B5EF4-FFF2-40B4-BE49-F238E27FC236}">
-                <a16:creationId xmlns:a16="http://schemas.microsoft.com/office/drawing/2014/main" id="{AD584A5A-8240-4177-827B-788B43A7CF95}"/>
-              </a:ext>
-            </a:extLst>
-          </p:cNvPr>
-          <p:cNvSpPr>
-            <a:spLocks noGrp="1"/>
-          </p:cNvSpPr>
-          <p:nvPr>
-            <p:ph type="title"/>
-          </p:nvPr>
-        </p:nvSpPr>
-        <p:spPr>
-          <a:xfrm>
-            <a:off x="410362" y="180567"/>
-            <a:ext cx="11334225" cy="868057"/>
-          </a:xfrm>
-        </p:spPr>
-        <p:txBody>
-          <a:bodyPr>
-            <a:normAutofit/>
-          </a:bodyPr>
-          <a:lstStyle/>
-          <a:p>
-            <a:r>
-              <a:rPr lang="en-US" sz="2400" dirty="0"/>
-              <a:t>Participants who failed any number of catch trials (n=82)</a:t>
-            </a:r>
-          </a:p>
-        </p:txBody>
-      </p:sp>
       <p:pic>
         <p:nvPicPr>
-          <p:cNvPr id="8" name="Picture 7">
-            <a:extLst>
-              <a:ext uri="{FF2B5EF4-FFF2-40B4-BE49-F238E27FC236}">
-                <a16:creationId xmlns:a16="http://schemas.microsoft.com/office/drawing/2014/main" id="{2BC986BB-FA52-46E2-B852-A20B2D04F3B3}"/>
+          <p:cNvPr id="4" name="Picture 3">
+            <a:extLst>
+              <a:ext uri="{FF2B5EF4-FFF2-40B4-BE49-F238E27FC236}">
+                <a16:creationId xmlns:a16="http://schemas.microsoft.com/office/drawing/2014/main" id="{5421B70F-7E64-43AD-917F-36970BE1E066}"/>
               </a:ext>
             </a:extLst>
           </p:cNvPr>
@@ -9109,98 +9077,8 @@
         </p:blipFill>
         <p:spPr>
           <a:xfrm>
-            <a:off x="410362" y="3793405"/>
-            <a:ext cx="5572280" cy="2966667"/>
-          </a:xfrm>
-          <a:prstGeom prst="rect">
-            <a:avLst/>
-          </a:prstGeom>
-        </p:spPr>
-      </p:pic>
-      <p:pic>
-        <p:nvPicPr>
-          <p:cNvPr id="9" name="Picture 8">
-            <a:extLst>
-              <a:ext uri="{FF2B5EF4-FFF2-40B4-BE49-F238E27FC236}">
-                <a16:creationId xmlns:a16="http://schemas.microsoft.com/office/drawing/2014/main" id="{3E65ACCC-2470-4984-9CF9-EA50C298BCBB}"/>
-              </a:ext>
-            </a:extLst>
-          </p:cNvPr>
-          <p:cNvPicPr>
-            <a:picLocks noChangeAspect="1"/>
-          </p:cNvPicPr>
-          <p:nvPr/>
-        </p:nvPicPr>
-        <p:blipFill>
-          <a:blip r:embed="rId3"/>
-          <a:stretch>
-            <a:fillRect/>
-          </a:stretch>
-        </p:blipFill>
-        <p:spPr>
-          <a:xfrm>
-            <a:off x="447413" y="928911"/>
-            <a:ext cx="5380368" cy="2864494"/>
-          </a:xfrm>
-          <a:prstGeom prst="rect">
-            <a:avLst/>
-          </a:prstGeom>
-        </p:spPr>
-      </p:pic>
-      <p:pic>
-        <p:nvPicPr>
-          <p:cNvPr id="11" name="Picture 10">
-            <a:extLst>
-              <a:ext uri="{FF2B5EF4-FFF2-40B4-BE49-F238E27FC236}">
-                <a16:creationId xmlns:a16="http://schemas.microsoft.com/office/drawing/2014/main" id="{72C4B924-35F8-491B-AE2C-C2EF6C61E972}"/>
-              </a:ext>
-            </a:extLst>
-          </p:cNvPr>
-          <p:cNvPicPr>
-            <a:picLocks noChangeAspect="1"/>
-          </p:cNvPicPr>
-          <p:nvPr/>
-        </p:nvPicPr>
-        <p:blipFill>
-          <a:blip r:embed="rId4"/>
-          <a:stretch>
-            <a:fillRect/>
-          </a:stretch>
-        </p:blipFill>
-        <p:spPr>
-          <a:xfrm>
-            <a:off x="6062756" y="3895578"/>
-            <a:ext cx="5380368" cy="2864494"/>
-          </a:xfrm>
-          <a:prstGeom prst="rect">
-            <a:avLst/>
-          </a:prstGeom>
-        </p:spPr>
-      </p:pic>
-      <p:pic>
-        <p:nvPicPr>
-          <p:cNvPr id="12" name="Picture 11">
-            <a:extLst>
-              <a:ext uri="{FF2B5EF4-FFF2-40B4-BE49-F238E27FC236}">
-                <a16:creationId xmlns:a16="http://schemas.microsoft.com/office/drawing/2014/main" id="{68974461-EF92-465D-95DC-6DF1491F4A13}"/>
-              </a:ext>
-            </a:extLst>
-          </p:cNvPr>
-          <p:cNvPicPr>
-            <a:picLocks noChangeAspect="1"/>
-          </p:cNvPicPr>
-          <p:nvPr/>
-        </p:nvPicPr>
-        <p:blipFill>
-          <a:blip r:embed="rId5"/>
-          <a:stretch>
-            <a:fillRect/>
-          </a:stretch>
-        </p:blipFill>
-        <p:spPr>
-          <a:xfrm>
-            <a:off x="5949867" y="898860"/>
-            <a:ext cx="5493257" cy="2924596"/>
+            <a:off x="2026498" y="816864"/>
+            <a:ext cx="7952904" cy="4234105"/>
           </a:xfrm>
           <a:prstGeom prst="rect">
             <a:avLst/>
@@ -9210,7 +9088,7 @@
     </p:spTree>
     <p:extLst>
       <p:ext uri="{BB962C8B-B14F-4D97-AF65-F5344CB8AC3E}">
-        <p14:creationId xmlns:p14="http://schemas.microsoft.com/office/powerpoint/2010/main" val="3434912100"/>
+        <p14:creationId xmlns:p14="http://schemas.microsoft.com/office/powerpoint/2010/main" val="2046026728"/>
       </p:ext>
     </p:extLst>
   </p:cSld>
@@ -9267,17 +9145,17 @@
           <a:p>
             <a:r>
               <a:rPr lang="en-US" sz="2400" dirty="0"/>
-              <a:t>Participants who showed downwards decreasing RT slope, p&lt; .1 (n= 37)</a:t>
+              <a:t>Participants who failed any number of catch trials (n=82)</a:t>
             </a:r>
           </a:p>
         </p:txBody>
       </p:sp>
       <p:pic>
         <p:nvPicPr>
-          <p:cNvPr id="3" name="Picture 2">
-            <a:extLst>
-              <a:ext uri="{FF2B5EF4-FFF2-40B4-BE49-F238E27FC236}">
-                <a16:creationId xmlns:a16="http://schemas.microsoft.com/office/drawing/2014/main" id="{5E7FC64C-E5D5-4D90-B97E-B69C6C5DDD53}"/>
+          <p:cNvPr id="8" name="Picture 7">
+            <a:extLst>
+              <a:ext uri="{FF2B5EF4-FFF2-40B4-BE49-F238E27FC236}">
+                <a16:creationId xmlns:a16="http://schemas.microsoft.com/office/drawing/2014/main" id="{2BC986BB-FA52-46E2-B852-A20B2D04F3B3}"/>
               </a:ext>
             </a:extLst>
           </p:cNvPr>
@@ -9294,8 +9172,8 @@
         </p:blipFill>
         <p:spPr>
           <a:xfrm>
-            <a:off x="117321" y="3835943"/>
-            <a:ext cx="4714324" cy="2509894"/>
+            <a:off x="410362" y="3793405"/>
+            <a:ext cx="5572280" cy="2966667"/>
           </a:xfrm>
           <a:prstGeom prst="rect">
             <a:avLst/>
@@ -9304,10 +9182,10 @@
       </p:pic>
       <p:pic>
         <p:nvPicPr>
-          <p:cNvPr id="4" name="Picture 3">
-            <a:extLst>
-              <a:ext uri="{FF2B5EF4-FFF2-40B4-BE49-F238E27FC236}">
-                <a16:creationId xmlns:a16="http://schemas.microsoft.com/office/drawing/2014/main" id="{79D88CB1-C703-4175-9A5F-672A15B5ED55}"/>
+          <p:cNvPr id="9" name="Picture 8">
+            <a:extLst>
+              <a:ext uri="{FF2B5EF4-FFF2-40B4-BE49-F238E27FC236}">
+                <a16:creationId xmlns:a16="http://schemas.microsoft.com/office/drawing/2014/main" id="{3E65ACCC-2470-4984-9CF9-EA50C298BCBB}"/>
               </a:ext>
             </a:extLst>
           </p:cNvPr>
@@ -9324,8 +9202,8 @@
         </p:blipFill>
         <p:spPr>
           <a:xfrm>
-            <a:off x="7001594" y="3917080"/>
-            <a:ext cx="4409524" cy="2347619"/>
+            <a:off x="447413" y="928911"/>
+            <a:ext cx="5380368" cy="2864494"/>
           </a:xfrm>
           <a:prstGeom prst="rect">
             <a:avLst/>
@@ -9334,10 +9212,10 @@
       </p:pic>
       <p:pic>
         <p:nvPicPr>
-          <p:cNvPr id="5" name="Picture 4">
-            <a:extLst>
-              <a:ext uri="{FF2B5EF4-FFF2-40B4-BE49-F238E27FC236}">
-                <a16:creationId xmlns:a16="http://schemas.microsoft.com/office/drawing/2014/main" id="{071547FD-382D-4961-954D-E9B0356378EF}"/>
+          <p:cNvPr id="11" name="Picture 10">
+            <a:extLst>
+              <a:ext uri="{FF2B5EF4-FFF2-40B4-BE49-F238E27FC236}">
+                <a16:creationId xmlns:a16="http://schemas.microsoft.com/office/drawing/2014/main" id="{72C4B924-35F8-491B-AE2C-C2EF6C61E972}"/>
               </a:ext>
             </a:extLst>
           </p:cNvPr>
@@ -9354,8 +9232,8 @@
         </p:blipFill>
         <p:spPr>
           <a:xfrm>
-            <a:off x="410362" y="1515560"/>
-            <a:ext cx="3882711" cy="2067145"/>
+            <a:off x="6062756" y="3895578"/>
+            <a:ext cx="5380368" cy="2864494"/>
           </a:xfrm>
           <a:prstGeom prst="rect">
             <a:avLst/>
@@ -9364,10 +9242,10 @@
       </p:pic>
       <p:pic>
         <p:nvPicPr>
-          <p:cNvPr id="6" name="Picture 5">
-            <a:extLst>
-              <a:ext uri="{FF2B5EF4-FFF2-40B4-BE49-F238E27FC236}">
-                <a16:creationId xmlns:a16="http://schemas.microsoft.com/office/drawing/2014/main" id="{00DC6B5A-220C-40F0-93D3-A186672F496D}"/>
+          <p:cNvPr id="12" name="Picture 11">
+            <a:extLst>
+              <a:ext uri="{FF2B5EF4-FFF2-40B4-BE49-F238E27FC236}">
+                <a16:creationId xmlns:a16="http://schemas.microsoft.com/office/drawing/2014/main" id="{68974461-EF92-465D-95DC-6DF1491F4A13}"/>
               </a:ext>
             </a:extLst>
           </p:cNvPr>
@@ -9384,38 +9262,8 @@
         </p:blipFill>
         <p:spPr>
           <a:xfrm>
-            <a:off x="4047201" y="907460"/>
-            <a:ext cx="3347021" cy="2675245"/>
-          </a:xfrm>
-          <a:prstGeom prst="rect">
-            <a:avLst/>
-          </a:prstGeom>
-        </p:spPr>
-      </p:pic>
-      <p:pic>
-        <p:nvPicPr>
-          <p:cNvPr id="10" name="Picture 9">
-            <a:extLst>
-              <a:ext uri="{FF2B5EF4-FFF2-40B4-BE49-F238E27FC236}">
-                <a16:creationId xmlns:a16="http://schemas.microsoft.com/office/drawing/2014/main" id="{5234803E-52CB-43ED-BB37-E451B695F5BE}"/>
-              </a:ext>
-            </a:extLst>
-          </p:cNvPr>
-          <p:cNvPicPr>
-            <a:picLocks noChangeAspect="1"/>
-          </p:cNvPicPr>
-          <p:nvPr/>
-        </p:nvPicPr>
-        <p:blipFill>
-          <a:blip r:embed="rId6"/>
-          <a:stretch>
-            <a:fillRect/>
-          </a:stretch>
-        </p:blipFill>
-        <p:spPr>
-          <a:xfrm>
-            <a:off x="7394222" y="1355290"/>
-            <a:ext cx="4183746" cy="2227415"/>
+            <a:off x="5949867" y="898860"/>
+            <a:ext cx="5493257" cy="2924596"/>
           </a:xfrm>
           <a:prstGeom prst="rect">
             <a:avLst/>
@@ -9425,7 +9273,7 @@
     </p:spTree>
     <p:extLst>
       <p:ext uri="{BB962C8B-B14F-4D97-AF65-F5344CB8AC3E}">
-        <p14:creationId xmlns:p14="http://schemas.microsoft.com/office/powerpoint/2010/main" val="528269178"/>
+        <p14:creationId xmlns:p14="http://schemas.microsoft.com/office/powerpoint/2010/main" val="3434912100"/>
       </p:ext>
     </p:extLst>
   </p:cSld>
@@ -9457,7 +9305,7 @@
           <p:cNvPr id="2" name="Title 1">
             <a:extLst>
               <a:ext uri="{FF2B5EF4-FFF2-40B4-BE49-F238E27FC236}">
-                <a16:creationId xmlns:a16="http://schemas.microsoft.com/office/drawing/2014/main" id="{AD584A5A-8240-4177-827B-788B43A7CF95}"/>
+                <a16:creationId xmlns:a16="http://schemas.microsoft.com/office/drawing/2014/main" id="{C11E44E9-3747-4CC3-BCE7-A90783974B03}"/>
               </a:ext>
             </a:extLst>
           </p:cNvPr>
@@ -9470,8 +9318,8 @@
         </p:nvSpPr>
         <p:spPr>
           <a:xfrm>
-            <a:off x="410362" y="180567"/>
-            <a:ext cx="11334225" cy="868057"/>
+            <a:off x="0" y="-227999"/>
+            <a:ext cx="1373659" cy="1031189"/>
           </a:xfrm>
         </p:spPr>
         <p:txBody>
@@ -9481,26 +9329,123 @@
           <a:lstStyle/>
           <a:p>
             <a:r>
-              <a:rPr lang="en-US" sz="2400" dirty="0"/>
-              <a:t>Participants who showed </a:t>
-            </a:r>
-            <a:r>
-              <a:rPr lang="en-US" sz="2400" dirty="0" err="1"/>
-              <a:t>gambleRamp</a:t>
-            </a:r>
-            <a:r>
-              <a:rPr lang="en-US" sz="2400" dirty="0"/>
-              <a:t> p&lt;.1 (n=18)</a:t>
+              <a:rPr lang="en-US" sz="1800" dirty="0"/>
+              <a:t>Magnitude</a:t>
+            </a:r>
+          </a:p>
+        </p:txBody>
+      </p:sp>
+      <p:sp>
+        <p:nvSpPr>
+          <p:cNvPr id="6" name="TextBox 5">
+            <a:extLst>
+              <a:ext uri="{FF2B5EF4-FFF2-40B4-BE49-F238E27FC236}">
+                <a16:creationId xmlns:a16="http://schemas.microsoft.com/office/drawing/2014/main" id="{A56FCF1F-B52A-4DD3-BAAC-4A350B3468E2}"/>
+              </a:ext>
+            </a:extLst>
+          </p:cNvPr>
+          <p:cNvSpPr txBox="1"/>
+          <p:nvPr/>
+        </p:nvSpPr>
+        <p:spPr>
+          <a:xfrm>
+            <a:off x="1422607" y="704528"/>
+            <a:ext cx="568489" cy="369332"/>
+          </a:xfrm>
+          <a:prstGeom prst="rect">
+            <a:avLst/>
+          </a:prstGeom>
+          <a:noFill/>
+        </p:spPr>
+        <p:txBody>
+          <a:bodyPr wrap="none" rtlCol="0">
+            <a:spAutoFit/>
+          </a:bodyPr>
+          <a:lstStyle/>
+          <a:p>
+            <a:r>
+              <a:rPr lang="en-US" dirty="0"/>
+              <a:t>Low</a:t>
+            </a:r>
+          </a:p>
+        </p:txBody>
+      </p:sp>
+      <p:sp>
+        <p:nvSpPr>
+          <p:cNvPr id="7" name="TextBox 6">
+            <a:extLst>
+              <a:ext uri="{FF2B5EF4-FFF2-40B4-BE49-F238E27FC236}">
+                <a16:creationId xmlns:a16="http://schemas.microsoft.com/office/drawing/2014/main" id="{BA8D18E1-F733-4D1C-878B-EDC0E9DDF863}"/>
+              </a:ext>
+            </a:extLst>
+          </p:cNvPr>
+          <p:cNvSpPr txBox="1"/>
+          <p:nvPr/>
+        </p:nvSpPr>
+        <p:spPr>
+          <a:xfrm>
+            <a:off x="5382193" y="710595"/>
+            <a:ext cx="556563" cy="369332"/>
+          </a:xfrm>
+          <a:prstGeom prst="rect">
+            <a:avLst/>
+          </a:prstGeom>
+          <a:noFill/>
+        </p:spPr>
+        <p:txBody>
+          <a:bodyPr wrap="none" rtlCol="0">
+            <a:spAutoFit/>
+          </a:bodyPr>
+          <a:lstStyle/>
+          <a:p>
+            <a:r>
+              <a:rPr lang="en-US" dirty="0"/>
+              <a:t>Mid</a:t>
+            </a:r>
+          </a:p>
+        </p:txBody>
+      </p:sp>
+      <p:sp>
+        <p:nvSpPr>
+          <p:cNvPr id="8" name="TextBox 7">
+            <a:extLst>
+              <a:ext uri="{FF2B5EF4-FFF2-40B4-BE49-F238E27FC236}">
+                <a16:creationId xmlns:a16="http://schemas.microsoft.com/office/drawing/2014/main" id="{B13999CD-0E53-4FFA-A8A9-0F9B79A30A1D}"/>
+              </a:ext>
+            </a:extLst>
+          </p:cNvPr>
+          <p:cNvSpPr txBox="1"/>
+          <p:nvPr/>
+        </p:nvSpPr>
+        <p:spPr>
+          <a:xfrm>
+            <a:off x="9374425" y="704528"/>
+            <a:ext cx="612668" cy="369332"/>
+          </a:xfrm>
+          <a:prstGeom prst="rect">
+            <a:avLst/>
+          </a:prstGeom>
+          <a:noFill/>
+        </p:spPr>
+        <p:txBody>
+          <a:bodyPr wrap="none" rtlCol="0">
+            <a:spAutoFit/>
+          </a:bodyPr>
+          <a:lstStyle/>
+          <a:p>
+            <a:r>
+              <a:rPr lang="en-US" dirty="0"/>
+              <a:t>High</a:t>
             </a:r>
           </a:p>
         </p:txBody>
       </p:sp>
       <p:pic>
         <p:nvPicPr>
-          <p:cNvPr id="7" name="Picture 6">
-            <a:extLst>
-              <a:ext uri="{FF2B5EF4-FFF2-40B4-BE49-F238E27FC236}">
-                <a16:creationId xmlns:a16="http://schemas.microsoft.com/office/drawing/2014/main" id="{D98027C0-1E2A-4F14-8E6D-C3379E05D6AC}"/>
+          <p:cNvPr id="3" name="Picture 2">
+            <a:extLst>
+              <a:ext uri="{FF2B5EF4-FFF2-40B4-BE49-F238E27FC236}">
+                <a16:creationId xmlns:a16="http://schemas.microsoft.com/office/drawing/2014/main" id="{0F32F586-AAD4-4248-9817-42F0F3C4BFA8}"/>
               </a:ext>
             </a:extLst>
           </p:cNvPr>
@@ -9517,8 +9462,8 @@
         </p:blipFill>
         <p:spPr>
           <a:xfrm>
-            <a:off x="569155" y="1048624"/>
-            <a:ext cx="3383588" cy="2824453"/>
+            <a:off x="206378" y="4004292"/>
+            <a:ext cx="3431629" cy="2513358"/>
           </a:xfrm>
           <a:prstGeom prst="rect">
             <a:avLst/>
@@ -9527,10 +9472,10 @@
       </p:pic>
       <p:pic>
         <p:nvPicPr>
-          <p:cNvPr id="8" name="Picture 7">
-            <a:extLst>
-              <a:ext uri="{FF2B5EF4-FFF2-40B4-BE49-F238E27FC236}">
-                <a16:creationId xmlns:a16="http://schemas.microsoft.com/office/drawing/2014/main" id="{C92C6883-D8A9-4AB8-8B6C-A6B7F7C93B90}"/>
+          <p:cNvPr id="4" name="Picture 3">
+            <a:extLst>
+              <a:ext uri="{FF2B5EF4-FFF2-40B4-BE49-F238E27FC236}">
+                <a16:creationId xmlns:a16="http://schemas.microsoft.com/office/drawing/2014/main" id="{DA1C2531-3EED-4DE5-9B6C-612D8984C26B}"/>
               </a:ext>
             </a:extLst>
           </p:cNvPr>
@@ -9547,8 +9492,8 @@
         </p:blipFill>
         <p:spPr>
           <a:xfrm>
-            <a:off x="3952743" y="1013817"/>
-            <a:ext cx="3383589" cy="2824454"/>
+            <a:off x="132397" y="1319295"/>
+            <a:ext cx="3387510" cy="2481044"/>
           </a:xfrm>
           <a:prstGeom prst="rect">
             <a:avLst/>
@@ -9557,10 +9502,10 @@
       </p:pic>
       <p:pic>
         <p:nvPicPr>
-          <p:cNvPr id="9" name="Picture 8">
-            <a:extLst>
-              <a:ext uri="{FF2B5EF4-FFF2-40B4-BE49-F238E27FC236}">
-                <a16:creationId xmlns:a16="http://schemas.microsoft.com/office/drawing/2014/main" id="{189F79A9-1644-4359-9A09-5E85534C422D}"/>
+          <p:cNvPr id="5" name="Picture 4">
+            <a:extLst>
+              <a:ext uri="{FF2B5EF4-FFF2-40B4-BE49-F238E27FC236}">
+                <a16:creationId xmlns:a16="http://schemas.microsoft.com/office/drawing/2014/main" id="{BBF4E85D-C5DF-4CB0-A3D2-AE851888B042}"/>
               </a:ext>
             </a:extLst>
           </p:cNvPr>
@@ -9577,8 +9522,8 @@
         </p:blipFill>
         <p:spPr>
           <a:xfrm>
-            <a:off x="505402" y="3803463"/>
-            <a:ext cx="5590598" cy="2976419"/>
+            <a:off x="3966718" y="1398876"/>
+            <a:ext cx="3387511" cy="2481045"/>
           </a:xfrm>
           <a:prstGeom prst="rect">
             <a:avLst/>
@@ -9587,10 +9532,10 @@
       </p:pic>
       <p:pic>
         <p:nvPicPr>
-          <p:cNvPr id="10" name="Picture 9">
-            <a:extLst>
-              <a:ext uri="{FF2B5EF4-FFF2-40B4-BE49-F238E27FC236}">
-                <a16:creationId xmlns:a16="http://schemas.microsoft.com/office/drawing/2014/main" id="{9979FDA7-68CF-49A5-9ACE-45713BF2C9BB}"/>
+          <p:cNvPr id="15" name="Picture 14">
+            <a:extLst>
+              <a:ext uri="{FF2B5EF4-FFF2-40B4-BE49-F238E27FC236}">
+                <a16:creationId xmlns:a16="http://schemas.microsoft.com/office/drawing/2014/main" id="{2773BFFA-90CF-49DD-8C5C-2FAACEC97AC0}"/>
               </a:ext>
             </a:extLst>
           </p:cNvPr>
@@ -9607,8 +9552,8 @@
         </p:blipFill>
         <p:spPr>
           <a:xfrm>
-            <a:off x="6994694" y="3943458"/>
-            <a:ext cx="5048829" cy="2687983"/>
+            <a:off x="3966718" y="4004292"/>
+            <a:ext cx="3623709" cy="2654038"/>
           </a:xfrm>
           <a:prstGeom prst="rect">
             <a:avLst/>
@@ -9617,10 +9562,10 @@
       </p:pic>
       <p:pic>
         <p:nvPicPr>
-          <p:cNvPr id="12" name="Picture 11">
-            <a:extLst>
-              <a:ext uri="{FF2B5EF4-FFF2-40B4-BE49-F238E27FC236}">
-                <a16:creationId xmlns:a16="http://schemas.microsoft.com/office/drawing/2014/main" id="{70DADBCA-298D-483B-9E45-089018078DC7}"/>
+          <p:cNvPr id="16" name="Picture 15">
+            <a:extLst>
+              <a:ext uri="{FF2B5EF4-FFF2-40B4-BE49-F238E27FC236}">
+                <a16:creationId xmlns:a16="http://schemas.microsoft.com/office/drawing/2014/main" id="{451DDC94-15DC-47BA-AA81-844285B4372F}"/>
               </a:ext>
             </a:extLst>
           </p:cNvPr>
@@ -9637,8 +9582,38 @@
         </p:blipFill>
         <p:spPr>
           <a:xfrm>
-            <a:off x="7340509" y="1119001"/>
-            <a:ext cx="4467831" cy="2378662"/>
+            <a:off x="8067443" y="1398877"/>
+            <a:ext cx="3387510" cy="2481044"/>
+          </a:xfrm>
+          <a:prstGeom prst="rect">
+            <a:avLst/>
+          </a:prstGeom>
+        </p:spPr>
+      </p:pic>
+      <p:pic>
+        <p:nvPicPr>
+          <p:cNvPr id="17" name="Picture 16">
+            <a:extLst>
+              <a:ext uri="{FF2B5EF4-FFF2-40B4-BE49-F238E27FC236}">
+                <a16:creationId xmlns:a16="http://schemas.microsoft.com/office/drawing/2014/main" id="{7BA84C98-F530-4467-825A-3529A50C4D39}"/>
+              </a:ext>
+            </a:extLst>
+          </p:cNvPr>
+          <p:cNvPicPr>
+            <a:picLocks noChangeAspect="1"/>
+          </p:cNvPicPr>
+          <p:nvPr/>
+        </p:nvPicPr>
+        <p:blipFill>
+          <a:blip r:embed="rId7"/>
+          <a:stretch>
+            <a:fillRect/>
+          </a:stretch>
+        </p:blipFill>
+        <p:spPr>
+          <a:xfrm>
+            <a:off x="8067443" y="3921935"/>
+            <a:ext cx="3431629" cy="2513357"/>
           </a:xfrm>
           <a:prstGeom prst="rect">
             <a:avLst/>
@@ -9648,7 +9623,7 @@
     </p:spTree>
     <p:extLst>
       <p:ext uri="{BB962C8B-B14F-4D97-AF65-F5344CB8AC3E}">
-        <p14:creationId xmlns:p14="http://schemas.microsoft.com/office/powerpoint/2010/main" val="283925598"/>
+        <p14:creationId xmlns:p14="http://schemas.microsoft.com/office/powerpoint/2010/main" val="556133664"/>
       </p:ext>
     </p:extLst>
   </p:cSld>
@@ -9680,7 +9655,7 @@
           <p:cNvPr id="2" name="Title 1">
             <a:extLst>
               <a:ext uri="{FF2B5EF4-FFF2-40B4-BE49-F238E27FC236}">
-                <a16:creationId xmlns:a16="http://schemas.microsoft.com/office/drawing/2014/main" id="{AD584A5A-8240-4177-827B-788B43A7CF95}"/>
+                <a16:creationId xmlns:a16="http://schemas.microsoft.com/office/drawing/2014/main" id="{C11E44E9-3747-4CC3-BCE7-A90783974B03}"/>
               </a:ext>
             </a:extLst>
           </p:cNvPr>
@@ -9693,8 +9668,8 @@
         </p:nvSpPr>
         <p:spPr>
           <a:xfrm>
-            <a:off x="410362" y="180567"/>
-            <a:ext cx="11334225" cy="868057"/>
+            <a:off x="0" y="-227999"/>
+            <a:ext cx="1373659" cy="1031189"/>
           </a:xfrm>
         </p:spPr>
         <p:txBody>
@@ -9704,18 +9679,18 @@
           <a:lstStyle/>
           <a:p>
             <a:r>
-              <a:rPr lang="en-US" sz="2400" dirty="0"/>
-              <a:t>Upper quartile of logical gamblers split (n=36)</a:t>
+              <a:rPr lang="en-US" sz="1800" dirty="0"/>
+              <a:t>Value</a:t>
             </a:r>
           </a:p>
         </p:txBody>
       </p:sp>
       <p:sp>
         <p:nvSpPr>
-          <p:cNvPr id="14" name="TextBox 13">
-            <a:extLst>
-              <a:ext uri="{FF2B5EF4-FFF2-40B4-BE49-F238E27FC236}">
-                <a16:creationId xmlns:a16="http://schemas.microsoft.com/office/drawing/2014/main" id="{57218FB8-E4C4-4B0D-8830-CD95572FE4A4}"/>
+          <p:cNvPr id="6" name="TextBox 5">
+            <a:extLst>
+              <a:ext uri="{FF2B5EF4-FFF2-40B4-BE49-F238E27FC236}">
+                <a16:creationId xmlns:a16="http://schemas.microsoft.com/office/drawing/2014/main" id="{A56FCF1F-B52A-4DD3-BAAC-4A350B3468E2}"/>
               </a:ext>
             </a:extLst>
           </p:cNvPr>
@@ -9724,8 +9699,8 @@
         </p:nvSpPr>
         <p:spPr>
           <a:xfrm>
-            <a:off x="8407598" y="5855769"/>
-            <a:ext cx="3527184" cy="646331"/>
+            <a:off x="1581953" y="675124"/>
+            <a:ext cx="568489" cy="369332"/>
           </a:xfrm>
           <a:prstGeom prst="rect">
             <a:avLst/>
@@ -9738,35 +9713,89 @@
           </a:bodyPr>
           <a:lstStyle/>
           <a:p>
-            <a:pPr algn="ctr"/>
             <a:r>
               <a:rPr lang="en-US" dirty="0"/>
-              <a:t>This plot shows only </a:t>
-            </a:r>
-            <a:r>
-              <a:rPr lang="en-US" dirty="0" err="1"/>
-              <a:t>midValue</a:t>
-            </a:r>
+              <a:t>Low</a:t>
+            </a:r>
+          </a:p>
+        </p:txBody>
+      </p:sp>
+      <p:sp>
+        <p:nvSpPr>
+          <p:cNvPr id="7" name="TextBox 6">
+            <a:extLst>
+              <a:ext uri="{FF2B5EF4-FFF2-40B4-BE49-F238E27FC236}">
+                <a16:creationId xmlns:a16="http://schemas.microsoft.com/office/drawing/2014/main" id="{BA8D18E1-F733-4D1C-878B-EDC0E9DDF863}"/>
+              </a:ext>
+            </a:extLst>
+          </p:cNvPr>
+          <p:cNvSpPr txBox="1"/>
+          <p:nvPr/>
+        </p:nvSpPr>
+        <p:spPr>
+          <a:xfrm>
+            <a:off x="5432907" y="675124"/>
+            <a:ext cx="556563" cy="369332"/>
+          </a:xfrm>
+          <a:prstGeom prst="rect">
+            <a:avLst/>
+          </a:prstGeom>
+          <a:noFill/>
+        </p:spPr>
+        <p:txBody>
+          <a:bodyPr wrap="none" rtlCol="0">
+            <a:spAutoFit/>
+          </a:bodyPr>
+          <a:lstStyle/>
+          <a:p>
             <a:r>
               <a:rPr lang="en-US" dirty="0"/>
-              <a:t> trials</a:t>
-            </a:r>
-          </a:p>
-          <a:p>
-            <a:pPr algn="ctr"/>
+              <a:t>Mid</a:t>
+            </a:r>
+          </a:p>
+        </p:txBody>
+      </p:sp>
+      <p:sp>
+        <p:nvSpPr>
+          <p:cNvPr id="8" name="TextBox 7">
+            <a:extLst>
+              <a:ext uri="{FF2B5EF4-FFF2-40B4-BE49-F238E27FC236}">
+                <a16:creationId xmlns:a16="http://schemas.microsoft.com/office/drawing/2014/main" id="{B13999CD-0E53-4FFA-A8A9-0F9B79A30A1D}"/>
+              </a:ext>
+            </a:extLst>
+          </p:cNvPr>
+          <p:cNvSpPr txBox="1"/>
+          <p:nvPr/>
+        </p:nvSpPr>
+        <p:spPr>
+          <a:xfrm>
+            <a:off x="9743605" y="675124"/>
+            <a:ext cx="612668" cy="369332"/>
+          </a:xfrm>
+          <a:prstGeom prst="rect">
+            <a:avLst/>
+          </a:prstGeom>
+          <a:noFill/>
+        </p:spPr>
+        <p:txBody>
+          <a:bodyPr wrap="none" rtlCol="0">
+            <a:spAutoFit/>
+          </a:bodyPr>
+          <a:lstStyle/>
+          <a:p>
             <a:r>
               <a:rPr lang="en-US" dirty="0"/>
-              <a:t>for logical gamblers</a:t>
+              <a:t>High</a:t>
             </a:r>
           </a:p>
         </p:txBody>
       </p:sp>
       <p:pic>
         <p:nvPicPr>
-          <p:cNvPr id="3" name="Picture 2">
-            <a:extLst>
-              <a:ext uri="{FF2B5EF4-FFF2-40B4-BE49-F238E27FC236}">
-                <a16:creationId xmlns:a16="http://schemas.microsoft.com/office/drawing/2014/main" id="{34744A6D-2144-4B23-8AC9-CE392A393D70}"/>
+          <p:cNvPr id="9" name="Picture 8">
+            <a:extLst>
+              <a:ext uri="{FF2B5EF4-FFF2-40B4-BE49-F238E27FC236}">
+                <a16:creationId xmlns:a16="http://schemas.microsoft.com/office/drawing/2014/main" id="{A368F28C-A583-4F15-91E7-EA654BF91AC9}"/>
               </a:ext>
             </a:extLst>
           </p:cNvPr>
@@ -9783,8 +9812,8 @@
         </p:blipFill>
         <p:spPr>
           <a:xfrm>
-            <a:off x="257218" y="3898044"/>
-            <a:ext cx="3811682" cy="2029329"/>
+            <a:off x="190529" y="1304544"/>
+            <a:ext cx="3623942" cy="2654209"/>
           </a:xfrm>
           <a:prstGeom prst="rect">
             <a:avLst/>
@@ -9793,10 +9822,10 @@
       </p:pic>
       <p:pic>
         <p:nvPicPr>
-          <p:cNvPr id="5" name="Picture 4">
-            <a:extLst>
-              <a:ext uri="{FF2B5EF4-FFF2-40B4-BE49-F238E27FC236}">
-                <a16:creationId xmlns:a16="http://schemas.microsoft.com/office/drawing/2014/main" id="{5529BA52-351C-40B4-99B3-90E870D8940A}"/>
+          <p:cNvPr id="10" name="Picture 9">
+            <a:extLst>
+              <a:ext uri="{FF2B5EF4-FFF2-40B4-BE49-F238E27FC236}">
+                <a16:creationId xmlns:a16="http://schemas.microsoft.com/office/drawing/2014/main" id="{A87F3ABE-23BD-4E78-9962-6CFA01A9D705}"/>
               </a:ext>
             </a:extLst>
           </p:cNvPr>
@@ -9813,8 +9842,8 @@
         </p:blipFill>
         <p:spPr>
           <a:xfrm>
-            <a:off x="4277483" y="3898045"/>
-            <a:ext cx="3811682" cy="2029329"/>
+            <a:off x="239739" y="4020771"/>
+            <a:ext cx="3614315" cy="2647158"/>
           </a:xfrm>
           <a:prstGeom prst="rect">
             <a:avLst/>
@@ -9823,10 +9852,10 @@
       </p:pic>
       <p:pic>
         <p:nvPicPr>
-          <p:cNvPr id="6" name="Picture 5">
-            <a:extLst>
-              <a:ext uri="{FF2B5EF4-FFF2-40B4-BE49-F238E27FC236}">
-                <a16:creationId xmlns:a16="http://schemas.microsoft.com/office/drawing/2014/main" id="{D099AFFD-66BD-4F0F-825D-24D746AA168D}"/>
+          <p:cNvPr id="11" name="Picture 10">
+            <a:extLst>
+              <a:ext uri="{FF2B5EF4-FFF2-40B4-BE49-F238E27FC236}">
+                <a16:creationId xmlns:a16="http://schemas.microsoft.com/office/drawing/2014/main" id="{47538618-3F49-4E6A-95B3-F1F1274745A8}"/>
               </a:ext>
             </a:extLst>
           </p:cNvPr>
@@ -9843,8 +9872,8 @@
         </p:blipFill>
         <p:spPr>
           <a:xfrm>
-            <a:off x="155525" y="1246329"/>
-            <a:ext cx="4228902" cy="2251456"/>
+            <a:off x="3987732" y="4038337"/>
+            <a:ext cx="3590330" cy="2629592"/>
           </a:xfrm>
           <a:prstGeom prst="rect">
             <a:avLst/>
@@ -9853,10 +9882,10 @@
       </p:pic>
       <p:pic>
         <p:nvPicPr>
-          <p:cNvPr id="7" name="Picture 6">
-            <a:extLst>
-              <a:ext uri="{FF2B5EF4-FFF2-40B4-BE49-F238E27FC236}">
-                <a16:creationId xmlns:a16="http://schemas.microsoft.com/office/drawing/2014/main" id="{A36BA7C7-B698-4273-AF54-3C772FD83286}"/>
+          <p:cNvPr id="12" name="Picture 11">
+            <a:extLst>
+              <a:ext uri="{FF2B5EF4-FFF2-40B4-BE49-F238E27FC236}">
+                <a16:creationId xmlns:a16="http://schemas.microsoft.com/office/drawing/2014/main" id="{EF4BE897-268B-458D-93D4-42BDE76A2210}"/>
               </a:ext>
             </a:extLst>
           </p:cNvPr>
@@ -9873,8 +9902,8 @@
         </p:blipFill>
         <p:spPr>
           <a:xfrm>
-            <a:off x="4486120" y="1108114"/>
-            <a:ext cx="2507966" cy="2518271"/>
+            <a:off x="3854054" y="1304544"/>
+            <a:ext cx="3708618" cy="2716227"/>
           </a:xfrm>
           <a:prstGeom prst="rect">
             <a:avLst/>
@@ -9883,10 +9912,10 @@
       </p:pic>
       <p:pic>
         <p:nvPicPr>
-          <p:cNvPr id="8" name="Picture 7">
-            <a:extLst>
-              <a:ext uri="{FF2B5EF4-FFF2-40B4-BE49-F238E27FC236}">
-                <a16:creationId xmlns:a16="http://schemas.microsoft.com/office/drawing/2014/main" id="{0080E602-A7FD-4D22-AEF3-58675C89EB5E}"/>
+          <p:cNvPr id="13" name="Picture 12">
+            <a:extLst>
+              <a:ext uri="{FF2B5EF4-FFF2-40B4-BE49-F238E27FC236}">
+                <a16:creationId xmlns:a16="http://schemas.microsoft.com/office/drawing/2014/main" id="{48B258D9-3B14-487D-AFAC-0859A2FE2DA6}"/>
               </a:ext>
             </a:extLst>
           </p:cNvPr>
@@ -9903,8 +9932,8 @@
         </p:blipFill>
         <p:spPr>
           <a:xfrm>
-            <a:off x="7170487" y="1168991"/>
-            <a:ext cx="4865988" cy="2590640"/>
+            <a:off x="8142712" y="4154058"/>
+            <a:ext cx="3590330" cy="2629591"/>
           </a:xfrm>
           <a:prstGeom prst="rect">
             <a:avLst/>
@@ -9913,10 +9942,10 @@
       </p:pic>
       <p:pic>
         <p:nvPicPr>
-          <p:cNvPr id="15" name="Picture 14">
-            <a:extLst>
-              <a:ext uri="{FF2B5EF4-FFF2-40B4-BE49-F238E27FC236}">
-                <a16:creationId xmlns:a16="http://schemas.microsoft.com/office/drawing/2014/main" id="{235E453C-70C7-411D-82BB-8994587E9D4F}"/>
+          <p:cNvPr id="14" name="Picture 13">
+            <a:extLst>
+              <a:ext uri="{FF2B5EF4-FFF2-40B4-BE49-F238E27FC236}">
+                <a16:creationId xmlns:a16="http://schemas.microsoft.com/office/drawing/2014/main" id="{43F01B66-9D5C-477E-BA69-D54763891A47}"/>
               </a:ext>
             </a:extLst>
           </p:cNvPr>
@@ -9933,8 +9962,8 @@
         </p:blipFill>
         <p:spPr>
           <a:xfrm>
-            <a:off x="8086891" y="3879998"/>
-            <a:ext cx="3703331" cy="1971644"/>
+            <a:off x="8030650" y="1161792"/>
+            <a:ext cx="3814454" cy="2793742"/>
           </a:xfrm>
           <a:prstGeom prst="rect">
             <a:avLst/>
@@ -9944,7 +9973,7 @@
     </p:spTree>
     <p:extLst>
       <p:ext uri="{BB962C8B-B14F-4D97-AF65-F5344CB8AC3E}">
-        <p14:creationId xmlns:p14="http://schemas.microsoft.com/office/powerpoint/2010/main" val="2088590608"/>
+        <p14:creationId xmlns:p14="http://schemas.microsoft.com/office/powerpoint/2010/main" val="1977471603"/>
       </p:ext>
     </p:extLst>
   </p:cSld>
@@ -11123,17 +11152,17 @@
           <a:p>
             <a:r>
               <a:rPr lang="en-US" sz="2400" dirty="0"/>
-              <a:t>Participants who gambled more than 60% of time (n=45)</a:t>
+              <a:t>Participants who showed downwards decreasing RT slope, p&lt; .1 (n= 37)</a:t>
             </a:r>
           </a:p>
         </p:txBody>
       </p:sp>
       <p:pic>
         <p:nvPicPr>
-          <p:cNvPr id="4" name="Picture 3">
-            <a:extLst>
-              <a:ext uri="{FF2B5EF4-FFF2-40B4-BE49-F238E27FC236}">
-                <a16:creationId xmlns:a16="http://schemas.microsoft.com/office/drawing/2014/main" id="{F8E096CC-72F5-48EE-8981-0FD622D984D6}"/>
+          <p:cNvPr id="3" name="Picture 2">
+            <a:extLst>
+              <a:ext uri="{FF2B5EF4-FFF2-40B4-BE49-F238E27FC236}">
+                <a16:creationId xmlns:a16="http://schemas.microsoft.com/office/drawing/2014/main" id="{5E7FC64C-E5D5-4D90-B97E-B69C6C5DDD53}"/>
               </a:ext>
             </a:extLst>
           </p:cNvPr>
@@ -11150,8 +11179,8 @@
         </p:blipFill>
         <p:spPr>
           <a:xfrm>
-            <a:off x="79022" y="4022200"/>
-            <a:ext cx="4028574" cy="2144802"/>
+            <a:off x="117321" y="3835943"/>
+            <a:ext cx="4714324" cy="2509894"/>
           </a:xfrm>
           <a:prstGeom prst="rect">
             <a:avLst/>
@@ -11160,10 +11189,10 @@
       </p:pic>
       <p:pic>
         <p:nvPicPr>
-          <p:cNvPr id="9" name="Picture 8">
-            <a:extLst>
-              <a:ext uri="{FF2B5EF4-FFF2-40B4-BE49-F238E27FC236}">
-                <a16:creationId xmlns:a16="http://schemas.microsoft.com/office/drawing/2014/main" id="{582F7F64-F10F-45BF-B367-97EA53D02728}"/>
+          <p:cNvPr id="4" name="Picture 3">
+            <a:extLst>
+              <a:ext uri="{FF2B5EF4-FFF2-40B4-BE49-F238E27FC236}">
+                <a16:creationId xmlns:a16="http://schemas.microsoft.com/office/drawing/2014/main" id="{79D88CB1-C703-4175-9A5F-672A15B5ED55}"/>
               </a:ext>
             </a:extLst>
           </p:cNvPr>
@@ -11180,8 +11209,8 @@
         </p:blipFill>
         <p:spPr>
           <a:xfrm>
-            <a:off x="4069645" y="3996416"/>
-            <a:ext cx="4349823" cy="2315835"/>
+            <a:off x="7001594" y="3917080"/>
+            <a:ext cx="4409524" cy="2347619"/>
           </a:xfrm>
           <a:prstGeom prst="rect">
             <a:avLst/>
@@ -11190,10 +11219,10 @@
       </p:pic>
       <p:pic>
         <p:nvPicPr>
-          <p:cNvPr id="10" name="Picture 9">
-            <a:extLst>
-              <a:ext uri="{FF2B5EF4-FFF2-40B4-BE49-F238E27FC236}">
-                <a16:creationId xmlns:a16="http://schemas.microsoft.com/office/drawing/2014/main" id="{7E765F45-E9DD-4D7E-B426-E75C581C4A58}"/>
+          <p:cNvPr id="5" name="Picture 4">
+            <a:extLst>
+              <a:ext uri="{FF2B5EF4-FFF2-40B4-BE49-F238E27FC236}">
+                <a16:creationId xmlns:a16="http://schemas.microsoft.com/office/drawing/2014/main" id="{071547FD-382D-4961-954D-E9B0356378EF}"/>
               </a:ext>
             </a:extLst>
           </p:cNvPr>
@@ -11210,8 +11239,8 @@
         </p:blipFill>
         <p:spPr>
           <a:xfrm>
-            <a:off x="254768" y="1222988"/>
-            <a:ext cx="4409524" cy="2347619"/>
+            <a:off x="410362" y="1515560"/>
+            <a:ext cx="3882711" cy="2067145"/>
           </a:xfrm>
           <a:prstGeom prst="rect">
             <a:avLst/>
@@ -11220,10 +11249,10 @@
       </p:pic>
       <p:pic>
         <p:nvPicPr>
-          <p:cNvPr id="11" name="Picture 10">
-            <a:extLst>
-              <a:ext uri="{FF2B5EF4-FFF2-40B4-BE49-F238E27FC236}">
-                <a16:creationId xmlns:a16="http://schemas.microsoft.com/office/drawing/2014/main" id="{3713FD5F-8E66-43DB-BDB2-451182D7F90A}"/>
+          <p:cNvPr id="6" name="Picture 5">
+            <a:extLst>
+              <a:ext uri="{FF2B5EF4-FFF2-40B4-BE49-F238E27FC236}">
+                <a16:creationId xmlns:a16="http://schemas.microsoft.com/office/drawing/2014/main" id="{00DC6B5A-220C-40F0-93D3-A186672F496D}"/>
               </a:ext>
             </a:extLst>
           </p:cNvPr>
@@ -11240,8 +11269,8 @@
         </p:blipFill>
         <p:spPr>
           <a:xfrm>
-            <a:off x="4600845" y="1186691"/>
-            <a:ext cx="2953257" cy="2347619"/>
+            <a:off x="4047201" y="907460"/>
+            <a:ext cx="3347021" cy="2675245"/>
           </a:xfrm>
           <a:prstGeom prst="rect">
             <a:avLst/>
@@ -11250,10 +11279,10 @@
       </p:pic>
       <p:pic>
         <p:nvPicPr>
-          <p:cNvPr id="12" name="Picture 11">
-            <a:extLst>
-              <a:ext uri="{FF2B5EF4-FFF2-40B4-BE49-F238E27FC236}">
-                <a16:creationId xmlns:a16="http://schemas.microsoft.com/office/drawing/2014/main" id="{488BDB2A-8C44-42F0-ABE2-270F81D05591}"/>
+          <p:cNvPr id="10" name="Picture 9">
+            <a:extLst>
+              <a:ext uri="{FF2B5EF4-FFF2-40B4-BE49-F238E27FC236}">
+                <a16:creationId xmlns:a16="http://schemas.microsoft.com/office/drawing/2014/main" id="{5234803E-52CB-43ED-BB37-E451B695F5BE}"/>
               </a:ext>
             </a:extLst>
           </p:cNvPr>
@@ -11270,83 +11299,18 @@
         </p:blipFill>
         <p:spPr>
           <a:xfrm>
-            <a:off x="7867371" y="1322875"/>
-            <a:ext cx="4221907" cy="2247732"/>
+            <a:off x="7394222" y="1355290"/>
+            <a:ext cx="4183746" cy="2227415"/>
           </a:xfrm>
           <a:prstGeom prst="rect">
             <a:avLst/>
           </a:prstGeom>
         </p:spPr>
       </p:pic>
-      <p:pic>
-        <p:nvPicPr>
-          <p:cNvPr id="13" name="Picture 12">
-            <a:extLst>
-              <a:ext uri="{FF2B5EF4-FFF2-40B4-BE49-F238E27FC236}">
-                <a16:creationId xmlns:a16="http://schemas.microsoft.com/office/drawing/2014/main" id="{175F6753-22FC-401B-A2B3-82B584EFAB06}"/>
-              </a:ext>
-            </a:extLst>
-          </p:cNvPr>
-          <p:cNvPicPr>
-            <a:picLocks noChangeAspect="1"/>
-          </p:cNvPicPr>
-          <p:nvPr/>
-        </p:nvPicPr>
-        <p:blipFill>
-          <a:blip r:embed="rId7"/>
-          <a:stretch>
-            <a:fillRect/>
-          </a:stretch>
-        </p:blipFill>
-        <p:spPr>
-          <a:xfrm>
-            <a:off x="8272510" y="4122347"/>
-            <a:ext cx="3840468" cy="2044655"/>
-          </a:xfrm>
-          <a:prstGeom prst="rect">
-            <a:avLst/>
-          </a:prstGeom>
-        </p:spPr>
-      </p:pic>
-      <p:sp>
-        <p:nvSpPr>
-          <p:cNvPr id="14" name="TextBox 13">
-            <a:extLst>
-              <a:ext uri="{FF2B5EF4-FFF2-40B4-BE49-F238E27FC236}">
-                <a16:creationId xmlns:a16="http://schemas.microsoft.com/office/drawing/2014/main" id="{ECEC88B8-BAA0-41AD-884E-F6AAC6E7C9B2}"/>
-              </a:ext>
-            </a:extLst>
-          </p:cNvPr>
-          <p:cNvSpPr txBox="1"/>
-          <p:nvPr/>
-        </p:nvSpPr>
-        <p:spPr>
-          <a:xfrm>
-            <a:off x="8750808" y="6167002"/>
-            <a:ext cx="3030830" cy="369332"/>
-          </a:xfrm>
-          <a:prstGeom prst="rect">
-            <a:avLst/>
-          </a:prstGeom>
-          <a:noFill/>
-        </p:spPr>
-        <p:txBody>
-          <a:bodyPr wrap="none" rtlCol="0">
-            <a:spAutoFit/>
-          </a:bodyPr>
-          <a:lstStyle/>
-          <a:p>
-            <a:r>
-              <a:rPr lang="en-US" dirty="0"/>
-              <a:t>Participants who passed Catch</a:t>
-            </a:r>
-          </a:p>
-        </p:txBody>
-      </p:sp>
     </p:spTree>
     <p:extLst>
       <p:ext uri="{BB962C8B-B14F-4D97-AF65-F5344CB8AC3E}">
-        <p14:creationId xmlns:p14="http://schemas.microsoft.com/office/powerpoint/2010/main" val="922448665"/>
+        <p14:creationId xmlns:p14="http://schemas.microsoft.com/office/powerpoint/2010/main" val="528269178"/>
       </p:ext>
     </p:extLst>
   </p:cSld>
@@ -11375,6 +11339,805 @@
       </p:grpSpPr>
       <p:sp>
         <p:nvSpPr>
+          <p:cNvPr id="2" name="Title 1">
+            <a:extLst>
+              <a:ext uri="{FF2B5EF4-FFF2-40B4-BE49-F238E27FC236}">
+                <a16:creationId xmlns:a16="http://schemas.microsoft.com/office/drawing/2014/main" id="{AD584A5A-8240-4177-827B-788B43A7CF95}"/>
+              </a:ext>
+            </a:extLst>
+          </p:cNvPr>
+          <p:cNvSpPr>
+            <a:spLocks noGrp="1"/>
+          </p:cNvSpPr>
+          <p:nvPr>
+            <p:ph type="title"/>
+          </p:nvPr>
+        </p:nvSpPr>
+        <p:spPr>
+          <a:xfrm>
+            <a:off x="410362" y="180567"/>
+            <a:ext cx="11334225" cy="868057"/>
+          </a:xfrm>
+        </p:spPr>
+        <p:txBody>
+          <a:bodyPr>
+            <a:normAutofit/>
+          </a:bodyPr>
+          <a:lstStyle/>
+          <a:p>
+            <a:r>
+              <a:rPr lang="en-US" sz="2400" dirty="0"/>
+              <a:t>Participants who showed </a:t>
+            </a:r>
+            <a:r>
+              <a:rPr lang="en-US" sz="2400" dirty="0" err="1"/>
+              <a:t>gambleRamp</a:t>
+            </a:r>
+            <a:r>
+              <a:rPr lang="en-US" sz="2400" dirty="0"/>
+              <a:t> p&lt;.1 (n=18)</a:t>
+            </a:r>
+          </a:p>
+        </p:txBody>
+      </p:sp>
+      <p:pic>
+        <p:nvPicPr>
+          <p:cNvPr id="7" name="Picture 6">
+            <a:extLst>
+              <a:ext uri="{FF2B5EF4-FFF2-40B4-BE49-F238E27FC236}">
+                <a16:creationId xmlns:a16="http://schemas.microsoft.com/office/drawing/2014/main" id="{D98027C0-1E2A-4F14-8E6D-C3379E05D6AC}"/>
+              </a:ext>
+            </a:extLst>
+          </p:cNvPr>
+          <p:cNvPicPr>
+            <a:picLocks noChangeAspect="1"/>
+          </p:cNvPicPr>
+          <p:nvPr/>
+        </p:nvPicPr>
+        <p:blipFill>
+          <a:blip r:embed="rId2"/>
+          <a:stretch>
+            <a:fillRect/>
+          </a:stretch>
+        </p:blipFill>
+        <p:spPr>
+          <a:xfrm>
+            <a:off x="569155" y="1048624"/>
+            <a:ext cx="3383588" cy="2824453"/>
+          </a:xfrm>
+          <a:prstGeom prst="rect">
+            <a:avLst/>
+          </a:prstGeom>
+        </p:spPr>
+      </p:pic>
+      <p:pic>
+        <p:nvPicPr>
+          <p:cNvPr id="8" name="Picture 7">
+            <a:extLst>
+              <a:ext uri="{FF2B5EF4-FFF2-40B4-BE49-F238E27FC236}">
+                <a16:creationId xmlns:a16="http://schemas.microsoft.com/office/drawing/2014/main" id="{C92C6883-D8A9-4AB8-8B6C-A6B7F7C93B90}"/>
+              </a:ext>
+            </a:extLst>
+          </p:cNvPr>
+          <p:cNvPicPr>
+            <a:picLocks noChangeAspect="1"/>
+          </p:cNvPicPr>
+          <p:nvPr/>
+        </p:nvPicPr>
+        <p:blipFill>
+          <a:blip r:embed="rId3"/>
+          <a:stretch>
+            <a:fillRect/>
+          </a:stretch>
+        </p:blipFill>
+        <p:spPr>
+          <a:xfrm>
+            <a:off x="3952743" y="1013817"/>
+            <a:ext cx="3383589" cy="2824454"/>
+          </a:xfrm>
+          <a:prstGeom prst="rect">
+            <a:avLst/>
+          </a:prstGeom>
+        </p:spPr>
+      </p:pic>
+      <p:pic>
+        <p:nvPicPr>
+          <p:cNvPr id="9" name="Picture 8">
+            <a:extLst>
+              <a:ext uri="{FF2B5EF4-FFF2-40B4-BE49-F238E27FC236}">
+                <a16:creationId xmlns:a16="http://schemas.microsoft.com/office/drawing/2014/main" id="{189F79A9-1644-4359-9A09-5E85534C422D}"/>
+              </a:ext>
+            </a:extLst>
+          </p:cNvPr>
+          <p:cNvPicPr>
+            <a:picLocks noChangeAspect="1"/>
+          </p:cNvPicPr>
+          <p:nvPr/>
+        </p:nvPicPr>
+        <p:blipFill>
+          <a:blip r:embed="rId4"/>
+          <a:stretch>
+            <a:fillRect/>
+          </a:stretch>
+        </p:blipFill>
+        <p:spPr>
+          <a:xfrm>
+            <a:off x="505402" y="3803463"/>
+            <a:ext cx="5590598" cy="2976419"/>
+          </a:xfrm>
+          <a:prstGeom prst="rect">
+            <a:avLst/>
+          </a:prstGeom>
+        </p:spPr>
+      </p:pic>
+      <p:pic>
+        <p:nvPicPr>
+          <p:cNvPr id="10" name="Picture 9">
+            <a:extLst>
+              <a:ext uri="{FF2B5EF4-FFF2-40B4-BE49-F238E27FC236}">
+                <a16:creationId xmlns:a16="http://schemas.microsoft.com/office/drawing/2014/main" id="{9979FDA7-68CF-49A5-9ACE-45713BF2C9BB}"/>
+              </a:ext>
+            </a:extLst>
+          </p:cNvPr>
+          <p:cNvPicPr>
+            <a:picLocks noChangeAspect="1"/>
+          </p:cNvPicPr>
+          <p:nvPr/>
+        </p:nvPicPr>
+        <p:blipFill>
+          <a:blip r:embed="rId5"/>
+          <a:stretch>
+            <a:fillRect/>
+          </a:stretch>
+        </p:blipFill>
+        <p:spPr>
+          <a:xfrm>
+            <a:off x="6994694" y="3943458"/>
+            <a:ext cx="5048829" cy="2687983"/>
+          </a:xfrm>
+          <a:prstGeom prst="rect">
+            <a:avLst/>
+          </a:prstGeom>
+        </p:spPr>
+      </p:pic>
+      <p:pic>
+        <p:nvPicPr>
+          <p:cNvPr id="12" name="Picture 11">
+            <a:extLst>
+              <a:ext uri="{FF2B5EF4-FFF2-40B4-BE49-F238E27FC236}">
+                <a16:creationId xmlns:a16="http://schemas.microsoft.com/office/drawing/2014/main" id="{70DADBCA-298D-483B-9E45-089018078DC7}"/>
+              </a:ext>
+            </a:extLst>
+          </p:cNvPr>
+          <p:cNvPicPr>
+            <a:picLocks noChangeAspect="1"/>
+          </p:cNvPicPr>
+          <p:nvPr/>
+        </p:nvPicPr>
+        <p:blipFill>
+          <a:blip r:embed="rId6"/>
+          <a:stretch>
+            <a:fillRect/>
+          </a:stretch>
+        </p:blipFill>
+        <p:spPr>
+          <a:xfrm>
+            <a:off x="7340509" y="1119001"/>
+            <a:ext cx="4467831" cy="2378662"/>
+          </a:xfrm>
+          <a:prstGeom prst="rect">
+            <a:avLst/>
+          </a:prstGeom>
+        </p:spPr>
+      </p:pic>
+    </p:spTree>
+    <p:extLst>
+      <p:ext uri="{BB962C8B-B14F-4D97-AF65-F5344CB8AC3E}">
+        <p14:creationId xmlns:p14="http://schemas.microsoft.com/office/powerpoint/2010/main" val="283925598"/>
+      </p:ext>
+    </p:extLst>
+  </p:cSld>
+  <p:clrMapOvr>
+    <a:masterClrMapping/>
+  </p:clrMapOvr>
+</p:sld>
+</file>
+
+<file path=ppt/slides/slide32.xml><?xml version="1.0" encoding="utf-8"?>
+<p:sld xmlns:a="http://schemas.openxmlformats.org/drawingml/2006/main" xmlns:r="http://schemas.openxmlformats.org/officeDocument/2006/relationships" xmlns:p="http://schemas.openxmlformats.org/presentationml/2006/main">
+  <p:cSld>
+    <p:spTree>
+      <p:nvGrpSpPr>
+        <p:cNvPr id="1" name=""/>
+        <p:cNvGrpSpPr/>
+        <p:nvPr/>
+      </p:nvGrpSpPr>
+      <p:grpSpPr>
+        <a:xfrm>
+          <a:off x="0" y="0"/>
+          <a:ext cx="0" cy="0"/>
+          <a:chOff x="0" y="0"/>
+          <a:chExt cx="0" cy="0"/>
+        </a:xfrm>
+      </p:grpSpPr>
+      <p:sp>
+        <p:nvSpPr>
+          <p:cNvPr id="2" name="Title 1">
+            <a:extLst>
+              <a:ext uri="{FF2B5EF4-FFF2-40B4-BE49-F238E27FC236}">
+                <a16:creationId xmlns:a16="http://schemas.microsoft.com/office/drawing/2014/main" id="{AD584A5A-8240-4177-827B-788B43A7CF95}"/>
+              </a:ext>
+            </a:extLst>
+          </p:cNvPr>
+          <p:cNvSpPr>
+            <a:spLocks noGrp="1"/>
+          </p:cNvSpPr>
+          <p:nvPr>
+            <p:ph type="title"/>
+          </p:nvPr>
+        </p:nvSpPr>
+        <p:spPr>
+          <a:xfrm>
+            <a:off x="410362" y="180567"/>
+            <a:ext cx="11334225" cy="868057"/>
+          </a:xfrm>
+        </p:spPr>
+        <p:txBody>
+          <a:bodyPr>
+            <a:normAutofit/>
+          </a:bodyPr>
+          <a:lstStyle/>
+          <a:p>
+            <a:r>
+              <a:rPr lang="en-US" sz="2400" dirty="0"/>
+              <a:t>Upper quartile of logical gamblers split (n=36)</a:t>
+            </a:r>
+          </a:p>
+        </p:txBody>
+      </p:sp>
+      <p:sp>
+        <p:nvSpPr>
+          <p:cNvPr id="14" name="TextBox 13">
+            <a:extLst>
+              <a:ext uri="{FF2B5EF4-FFF2-40B4-BE49-F238E27FC236}">
+                <a16:creationId xmlns:a16="http://schemas.microsoft.com/office/drawing/2014/main" id="{57218FB8-E4C4-4B0D-8830-CD95572FE4A4}"/>
+              </a:ext>
+            </a:extLst>
+          </p:cNvPr>
+          <p:cNvSpPr txBox="1"/>
+          <p:nvPr/>
+        </p:nvSpPr>
+        <p:spPr>
+          <a:xfrm>
+            <a:off x="8407598" y="5855769"/>
+            <a:ext cx="3527184" cy="646331"/>
+          </a:xfrm>
+          <a:prstGeom prst="rect">
+            <a:avLst/>
+          </a:prstGeom>
+          <a:noFill/>
+        </p:spPr>
+        <p:txBody>
+          <a:bodyPr wrap="none" rtlCol="0">
+            <a:spAutoFit/>
+          </a:bodyPr>
+          <a:lstStyle/>
+          <a:p>
+            <a:pPr algn="ctr"/>
+            <a:r>
+              <a:rPr lang="en-US" dirty="0"/>
+              <a:t>This plot shows only </a:t>
+            </a:r>
+            <a:r>
+              <a:rPr lang="en-US" dirty="0" err="1"/>
+              <a:t>midValue</a:t>
+            </a:r>
+            <a:r>
+              <a:rPr lang="en-US" dirty="0"/>
+              <a:t> trials</a:t>
+            </a:r>
+          </a:p>
+          <a:p>
+            <a:pPr algn="ctr"/>
+            <a:r>
+              <a:rPr lang="en-US" dirty="0"/>
+              <a:t>for logical gamblers</a:t>
+            </a:r>
+          </a:p>
+        </p:txBody>
+      </p:sp>
+      <p:pic>
+        <p:nvPicPr>
+          <p:cNvPr id="3" name="Picture 2">
+            <a:extLst>
+              <a:ext uri="{FF2B5EF4-FFF2-40B4-BE49-F238E27FC236}">
+                <a16:creationId xmlns:a16="http://schemas.microsoft.com/office/drawing/2014/main" id="{34744A6D-2144-4B23-8AC9-CE392A393D70}"/>
+              </a:ext>
+            </a:extLst>
+          </p:cNvPr>
+          <p:cNvPicPr>
+            <a:picLocks noChangeAspect="1"/>
+          </p:cNvPicPr>
+          <p:nvPr/>
+        </p:nvPicPr>
+        <p:blipFill>
+          <a:blip r:embed="rId2"/>
+          <a:stretch>
+            <a:fillRect/>
+          </a:stretch>
+        </p:blipFill>
+        <p:spPr>
+          <a:xfrm>
+            <a:off x="257218" y="3898044"/>
+            <a:ext cx="3811682" cy="2029329"/>
+          </a:xfrm>
+          <a:prstGeom prst="rect">
+            <a:avLst/>
+          </a:prstGeom>
+        </p:spPr>
+      </p:pic>
+      <p:pic>
+        <p:nvPicPr>
+          <p:cNvPr id="5" name="Picture 4">
+            <a:extLst>
+              <a:ext uri="{FF2B5EF4-FFF2-40B4-BE49-F238E27FC236}">
+                <a16:creationId xmlns:a16="http://schemas.microsoft.com/office/drawing/2014/main" id="{5529BA52-351C-40B4-99B3-90E870D8940A}"/>
+              </a:ext>
+            </a:extLst>
+          </p:cNvPr>
+          <p:cNvPicPr>
+            <a:picLocks noChangeAspect="1"/>
+          </p:cNvPicPr>
+          <p:nvPr/>
+        </p:nvPicPr>
+        <p:blipFill>
+          <a:blip r:embed="rId3"/>
+          <a:stretch>
+            <a:fillRect/>
+          </a:stretch>
+        </p:blipFill>
+        <p:spPr>
+          <a:xfrm>
+            <a:off x="4277483" y="3898045"/>
+            <a:ext cx="3811682" cy="2029329"/>
+          </a:xfrm>
+          <a:prstGeom prst="rect">
+            <a:avLst/>
+          </a:prstGeom>
+        </p:spPr>
+      </p:pic>
+      <p:pic>
+        <p:nvPicPr>
+          <p:cNvPr id="6" name="Picture 5">
+            <a:extLst>
+              <a:ext uri="{FF2B5EF4-FFF2-40B4-BE49-F238E27FC236}">
+                <a16:creationId xmlns:a16="http://schemas.microsoft.com/office/drawing/2014/main" id="{D099AFFD-66BD-4F0F-825D-24D746AA168D}"/>
+              </a:ext>
+            </a:extLst>
+          </p:cNvPr>
+          <p:cNvPicPr>
+            <a:picLocks noChangeAspect="1"/>
+          </p:cNvPicPr>
+          <p:nvPr/>
+        </p:nvPicPr>
+        <p:blipFill>
+          <a:blip r:embed="rId4"/>
+          <a:stretch>
+            <a:fillRect/>
+          </a:stretch>
+        </p:blipFill>
+        <p:spPr>
+          <a:xfrm>
+            <a:off x="155525" y="1246329"/>
+            <a:ext cx="4228902" cy="2251456"/>
+          </a:xfrm>
+          <a:prstGeom prst="rect">
+            <a:avLst/>
+          </a:prstGeom>
+        </p:spPr>
+      </p:pic>
+      <p:pic>
+        <p:nvPicPr>
+          <p:cNvPr id="7" name="Picture 6">
+            <a:extLst>
+              <a:ext uri="{FF2B5EF4-FFF2-40B4-BE49-F238E27FC236}">
+                <a16:creationId xmlns:a16="http://schemas.microsoft.com/office/drawing/2014/main" id="{A36BA7C7-B698-4273-AF54-3C772FD83286}"/>
+              </a:ext>
+            </a:extLst>
+          </p:cNvPr>
+          <p:cNvPicPr>
+            <a:picLocks noChangeAspect="1"/>
+          </p:cNvPicPr>
+          <p:nvPr/>
+        </p:nvPicPr>
+        <p:blipFill>
+          <a:blip r:embed="rId5"/>
+          <a:stretch>
+            <a:fillRect/>
+          </a:stretch>
+        </p:blipFill>
+        <p:spPr>
+          <a:xfrm>
+            <a:off x="4486120" y="1108114"/>
+            <a:ext cx="2507966" cy="2518271"/>
+          </a:xfrm>
+          <a:prstGeom prst="rect">
+            <a:avLst/>
+          </a:prstGeom>
+        </p:spPr>
+      </p:pic>
+      <p:pic>
+        <p:nvPicPr>
+          <p:cNvPr id="8" name="Picture 7">
+            <a:extLst>
+              <a:ext uri="{FF2B5EF4-FFF2-40B4-BE49-F238E27FC236}">
+                <a16:creationId xmlns:a16="http://schemas.microsoft.com/office/drawing/2014/main" id="{0080E602-A7FD-4D22-AEF3-58675C89EB5E}"/>
+              </a:ext>
+            </a:extLst>
+          </p:cNvPr>
+          <p:cNvPicPr>
+            <a:picLocks noChangeAspect="1"/>
+          </p:cNvPicPr>
+          <p:nvPr/>
+        </p:nvPicPr>
+        <p:blipFill>
+          <a:blip r:embed="rId6"/>
+          <a:stretch>
+            <a:fillRect/>
+          </a:stretch>
+        </p:blipFill>
+        <p:spPr>
+          <a:xfrm>
+            <a:off x="7170487" y="1168991"/>
+            <a:ext cx="4865988" cy="2590640"/>
+          </a:xfrm>
+          <a:prstGeom prst="rect">
+            <a:avLst/>
+          </a:prstGeom>
+        </p:spPr>
+      </p:pic>
+      <p:pic>
+        <p:nvPicPr>
+          <p:cNvPr id="15" name="Picture 14">
+            <a:extLst>
+              <a:ext uri="{FF2B5EF4-FFF2-40B4-BE49-F238E27FC236}">
+                <a16:creationId xmlns:a16="http://schemas.microsoft.com/office/drawing/2014/main" id="{235E453C-70C7-411D-82BB-8994587E9D4F}"/>
+              </a:ext>
+            </a:extLst>
+          </p:cNvPr>
+          <p:cNvPicPr>
+            <a:picLocks noChangeAspect="1"/>
+          </p:cNvPicPr>
+          <p:nvPr/>
+        </p:nvPicPr>
+        <p:blipFill>
+          <a:blip r:embed="rId7"/>
+          <a:stretch>
+            <a:fillRect/>
+          </a:stretch>
+        </p:blipFill>
+        <p:spPr>
+          <a:xfrm>
+            <a:off x="8086891" y="3879998"/>
+            <a:ext cx="3703331" cy="1971644"/>
+          </a:xfrm>
+          <a:prstGeom prst="rect">
+            <a:avLst/>
+          </a:prstGeom>
+        </p:spPr>
+      </p:pic>
+    </p:spTree>
+    <p:extLst>
+      <p:ext uri="{BB962C8B-B14F-4D97-AF65-F5344CB8AC3E}">
+        <p14:creationId xmlns:p14="http://schemas.microsoft.com/office/powerpoint/2010/main" val="2088590608"/>
+      </p:ext>
+    </p:extLst>
+  </p:cSld>
+  <p:clrMapOvr>
+    <a:masterClrMapping/>
+  </p:clrMapOvr>
+</p:sld>
+</file>
+
+<file path=ppt/slides/slide33.xml><?xml version="1.0" encoding="utf-8"?>
+<p:sld xmlns:a="http://schemas.openxmlformats.org/drawingml/2006/main" xmlns:r="http://schemas.openxmlformats.org/officeDocument/2006/relationships" xmlns:p="http://schemas.openxmlformats.org/presentationml/2006/main">
+  <p:cSld>
+    <p:spTree>
+      <p:nvGrpSpPr>
+        <p:cNvPr id="1" name=""/>
+        <p:cNvGrpSpPr/>
+        <p:nvPr/>
+      </p:nvGrpSpPr>
+      <p:grpSpPr>
+        <a:xfrm>
+          <a:off x="0" y="0"/>
+          <a:ext cx="0" cy="0"/>
+          <a:chOff x="0" y="0"/>
+          <a:chExt cx="0" cy="0"/>
+        </a:xfrm>
+      </p:grpSpPr>
+      <p:sp>
+        <p:nvSpPr>
+          <p:cNvPr id="2" name="Title 1">
+            <a:extLst>
+              <a:ext uri="{FF2B5EF4-FFF2-40B4-BE49-F238E27FC236}">
+                <a16:creationId xmlns:a16="http://schemas.microsoft.com/office/drawing/2014/main" id="{AD584A5A-8240-4177-827B-788B43A7CF95}"/>
+              </a:ext>
+            </a:extLst>
+          </p:cNvPr>
+          <p:cNvSpPr>
+            <a:spLocks noGrp="1"/>
+          </p:cNvSpPr>
+          <p:nvPr>
+            <p:ph type="title"/>
+          </p:nvPr>
+        </p:nvSpPr>
+        <p:spPr>
+          <a:xfrm>
+            <a:off x="410362" y="180567"/>
+            <a:ext cx="11334225" cy="868057"/>
+          </a:xfrm>
+        </p:spPr>
+        <p:txBody>
+          <a:bodyPr>
+            <a:normAutofit/>
+          </a:bodyPr>
+          <a:lstStyle/>
+          <a:p>
+            <a:r>
+              <a:rPr lang="en-US" sz="2400" dirty="0"/>
+              <a:t>Participants who gambled more than 60% of time (n=45)</a:t>
+            </a:r>
+          </a:p>
+        </p:txBody>
+      </p:sp>
+      <p:pic>
+        <p:nvPicPr>
+          <p:cNvPr id="4" name="Picture 3">
+            <a:extLst>
+              <a:ext uri="{FF2B5EF4-FFF2-40B4-BE49-F238E27FC236}">
+                <a16:creationId xmlns:a16="http://schemas.microsoft.com/office/drawing/2014/main" id="{F8E096CC-72F5-48EE-8981-0FD622D984D6}"/>
+              </a:ext>
+            </a:extLst>
+          </p:cNvPr>
+          <p:cNvPicPr>
+            <a:picLocks noChangeAspect="1"/>
+          </p:cNvPicPr>
+          <p:nvPr/>
+        </p:nvPicPr>
+        <p:blipFill>
+          <a:blip r:embed="rId2"/>
+          <a:stretch>
+            <a:fillRect/>
+          </a:stretch>
+        </p:blipFill>
+        <p:spPr>
+          <a:xfrm>
+            <a:off x="79022" y="4022200"/>
+            <a:ext cx="4028574" cy="2144802"/>
+          </a:xfrm>
+          <a:prstGeom prst="rect">
+            <a:avLst/>
+          </a:prstGeom>
+        </p:spPr>
+      </p:pic>
+      <p:pic>
+        <p:nvPicPr>
+          <p:cNvPr id="9" name="Picture 8">
+            <a:extLst>
+              <a:ext uri="{FF2B5EF4-FFF2-40B4-BE49-F238E27FC236}">
+                <a16:creationId xmlns:a16="http://schemas.microsoft.com/office/drawing/2014/main" id="{582F7F64-F10F-45BF-B367-97EA53D02728}"/>
+              </a:ext>
+            </a:extLst>
+          </p:cNvPr>
+          <p:cNvPicPr>
+            <a:picLocks noChangeAspect="1"/>
+          </p:cNvPicPr>
+          <p:nvPr/>
+        </p:nvPicPr>
+        <p:blipFill>
+          <a:blip r:embed="rId3"/>
+          <a:stretch>
+            <a:fillRect/>
+          </a:stretch>
+        </p:blipFill>
+        <p:spPr>
+          <a:xfrm>
+            <a:off x="4069645" y="3996416"/>
+            <a:ext cx="4349823" cy="2315835"/>
+          </a:xfrm>
+          <a:prstGeom prst="rect">
+            <a:avLst/>
+          </a:prstGeom>
+        </p:spPr>
+      </p:pic>
+      <p:pic>
+        <p:nvPicPr>
+          <p:cNvPr id="10" name="Picture 9">
+            <a:extLst>
+              <a:ext uri="{FF2B5EF4-FFF2-40B4-BE49-F238E27FC236}">
+                <a16:creationId xmlns:a16="http://schemas.microsoft.com/office/drawing/2014/main" id="{7E765F45-E9DD-4D7E-B426-E75C581C4A58}"/>
+              </a:ext>
+            </a:extLst>
+          </p:cNvPr>
+          <p:cNvPicPr>
+            <a:picLocks noChangeAspect="1"/>
+          </p:cNvPicPr>
+          <p:nvPr/>
+        </p:nvPicPr>
+        <p:blipFill>
+          <a:blip r:embed="rId4"/>
+          <a:stretch>
+            <a:fillRect/>
+          </a:stretch>
+        </p:blipFill>
+        <p:spPr>
+          <a:xfrm>
+            <a:off x="254768" y="1222988"/>
+            <a:ext cx="4409524" cy="2347619"/>
+          </a:xfrm>
+          <a:prstGeom prst="rect">
+            <a:avLst/>
+          </a:prstGeom>
+        </p:spPr>
+      </p:pic>
+      <p:pic>
+        <p:nvPicPr>
+          <p:cNvPr id="11" name="Picture 10">
+            <a:extLst>
+              <a:ext uri="{FF2B5EF4-FFF2-40B4-BE49-F238E27FC236}">
+                <a16:creationId xmlns:a16="http://schemas.microsoft.com/office/drawing/2014/main" id="{3713FD5F-8E66-43DB-BDB2-451182D7F90A}"/>
+              </a:ext>
+            </a:extLst>
+          </p:cNvPr>
+          <p:cNvPicPr>
+            <a:picLocks noChangeAspect="1"/>
+          </p:cNvPicPr>
+          <p:nvPr/>
+        </p:nvPicPr>
+        <p:blipFill>
+          <a:blip r:embed="rId5"/>
+          <a:stretch>
+            <a:fillRect/>
+          </a:stretch>
+        </p:blipFill>
+        <p:spPr>
+          <a:xfrm>
+            <a:off x="4600845" y="1186691"/>
+            <a:ext cx="2953257" cy="2347619"/>
+          </a:xfrm>
+          <a:prstGeom prst="rect">
+            <a:avLst/>
+          </a:prstGeom>
+        </p:spPr>
+      </p:pic>
+      <p:pic>
+        <p:nvPicPr>
+          <p:cNvPr id="12" name="Picture 11">
+            <a:extLst>
+              <a:ext uri="{FF2B5EF4-FFF2-40B4-BE49-F238E27FC236}">
+                <a16:creationId xmlns:a16="http://schemas.microsoft.com/office/drawing/2014/main" id="{488BDB2A-8C44-42F0-ABE2-270F81D05591}"/>
+              </a:ext>
+            </a:extLst>
+          </p:cNvPr>
+          <p:cNvPicPr>
+            <a:picLocks noChangeAspect="1"/>
+          </p:cNvPicPr>
+          <p:nvPr/>
+        </p:nvPicPr>
+        <p:blipFill>
+          <a:blip r:embed="rId6"/>
+          <a:stretch>
+            <a:fillRect/>
+          </a:stretch>
+        </p:blipFill>
+        <p:spPr>
+          <a:xfrm>
+            <a:off x="7867371" y="1322875"/>
+            <a:ext cx="4221907" cy="2247732"/>
+          </a:xfrm>
+          <a:prstGeom prst="rect">
+            <a:avLst/>
+          </a:prstGeom>
+        </p:spPr>
+      </p:pic>
+      <p:pic>
+        <p:nvPicPr>
+          <p:cNvPr id="13" name="Picture 12">
+            <a:extLst>
+              <a:ext uri="{FF2B5EF4-FFF2-40B4-BE49-F238E27FC236}">
+                <a16:creationId xmlns:a16="http://schemas.microsoft.com/office/drawing/2014/main" id="{175F6753-22FC-401B-A2B3-82B584EFAB06}"/>
+              </a:ext>
+            </a:extLst>
+          </p:cNvPr>
+          <p:cNvPicPr>
+            <a:picLocks noChangeAspect="1"/>
+          </p:cNvPicPr>
+          <p:nvPr/>
+        </p:nvPicPr>
+        <p:blipFill>
+          <a:blip r:embed="rId7"/>
+          <a:stretch>
+            <a:fillRect/>
+          </a:stretch>
+        </p:blipFill>
+        <p:spPr>
+          <a:xfrm>
+            <a:off x="8272510" y="4122347"/>
+            <a:ext cx="3840468" cy="2044655"/>
+          </a:xfrm>
+          <a:prstGeom prst="rect">
+            <a:avLst/>
+          </a:prstGeom>
+        </p:spPr>
+      </p:pic>
+      <p:sp>
+        <p:nvSpPr>
+          <p:cNvPr id="14" name="TextBox 13">
+            <a:extLst>
+              <a:ext uri="{FF2B5EF4-FFF2-40B4-BE49-F238E27FC236}">
+                <a16:creationId xmlns:a16="http://schemas.microsoft.com/office/drawing/2014/main" id="{ECEC88B8-BAA0-41AD-884E-F6AAC6E7C9B2}"/>
+              </a:ext>
+            </a:extLst>
+          </p:cNvPr>
+          <p:cNvSpPr txBox="1"/>
+          <p:nvPr/>
+        </p:nvSpPr>
+        <p:spPr>
+          <a:xfrm>
+            <a:off x="8750808" y="6167002"/>
+            <a:ext cx="3030830" cy="369332"/>
+          </a:xfrm>
+          <a:prstGeom prst="rect">
+            <a:avLst/>
+          </a:prstGeom>
+          <a:noFill/>
+        </p:spPr>
+        <p:txBody>
+          <a:bodyPr wrap="none" rtlCol="0">
+            <a:spAutoFit/>
+          </a:bodyPr>
+          <a:lstStyle/>
+          <a:p>
+            <a:r>
+              <a:rPr lang="en-US" dirty="0"/>
+              <a:t>Participants who passed Catch</a:t>
+            </a:r>
+          </a:p>
+        </p:txBody>
+      </p:sp>
+    </p:spTree>
+    <p:extLst>
+      <p:ext uri="{BB962C8B-B14F-4D97-AF65-F5344CB8AC3E}">
+        <p14:creationId xmlns:p14="http://schemas.microsoft.com/office/powerpoint/2010/main" val="922448665"/>
+      </p:ext>
+    </p:extLst>
+  </p:cSld>
+  <p:clrMapOvr>
+    <a:masterClrMapping/>
+  </p:clrMapOvr>
+</p:sld>
+</file>
+
+<file path=ppt/slides/slide34.xml><?xml version="1.0" encoding="utf-8"?>
+<p:sld xmlns:a="http://schemas.openxmlformats.org/drawingml/2006/main" xmlns:r="http://schemas.openxmlformats.org/officeDocument/2006/relationships" xmlns:p="http://schemas.openxmlformats.org/presentationml/2006/main">
+  <p:cSld>
+    <p:spTree>
+      <p:nvGrpSpPr>
+        <p:cNvPr id="1" name=""/>
+        <p:cNvGrpSpPr/>
+        <p:nvPr/>
+      </p:nvGrpSpPr>
+      <p:grpSpPr>
+        <a:xfrm>
+          <a:off x="0" y="0"/>
+          <a:ext cx="0" cy="0"/>
+          <a:chOff x="0" y="0"/>
+          <a:chExt cx="0" cy="0"/>
+        </a:xfrm>
+      </p:grpSpPr>
+      <p:sp>
+        <p:nvSpPr>
           <p:cNvPr id="3" name="Content Placeholder 2">
             <a:extLst>
               <a:ext uri="{FF2B5EF4-FFF2-40B4-BE49-F238E27FC236}">
@@ -11438,7 +12201,7 @@
 </p:sld>
 </file>
 
-<file path=ppt/slides/slide32.xml><?xml version="1.0" encoding="utf-8"?>
+<file path=ppt/slides/slide35.xml><?xml version="1.0" encoding="utf-8"?>
 <p:sld xmlns:a="http://schemas.openxmlformats.org/drawingml/2006/main" xmlns:r="http://schemas.openxmlformats.org/officeDocument/2006/relationships" xmlns:p="http://schemas.openxmlformats.org/presentationml/2006/main">
   <p:cSld>
     <p:spTree>
@@ -11762,7 +12525,7 @@
 </p:sld>
 </file>
 
-<file path=ppt/slides/slide33.xml><?xml version="1.0" encoding="utf-8"?>
+<file path=ppt/slides/slide36.xml><?xml version="1.0" encoding="utf-8"?>
 <p:sld xmlns:a="http://schemas.openxmlformats.org/drawingml/2006/main" xmlns:r="http://schemas.openxmlformats.org/officeDocument/2006/relationships" xmlns:p="http://schemas.openxmlformats.org/presentationml/2006/main">
   <p:cSld>
     <p:spTree>
@@ -11905,7 +12668,7 @@
 </p:sld>
 </file>
 
-<file path=ppt/slides/slide34.xml><?xml version="1.0" encoding="utf-8"?>
+<file path=ppt/slides/slide37.xml><?xml version="1.0" encoding="utf-8"?>
 <p:sld xmlns:a="http://schemas.openxmlformats.org/drawingml/2006/main" xmlns:r="http://schemas.openxmlformats.org/officeDocument/2006/relationships" xmlns:p="http://schemas.openxmlformats.org/presentationml/2006/main">
   <p:cSld>
     <p:spTree>
@@ -12095,7 +12858,7 @@
 </p:sld>
 </file>
 
-<file path=ppt/slides/slide35.xml><?xml version="1.0" encoding="utf-8"?>
+<file path=ppt/slides/slide38.xml><?xml version="1.0" encoding="utf-8"?>
 <p:sld xmlns:a="http://schemas.openxmlformats.org/drawingml/2006/main" xmlns:r="http://schemas.openxmlformats.org/officeDocument/2006/relationships" xmlns:p="http://schemas.openxmlformats.org/presentationml/2006/main">
   <p:cSld>
     <p:spTree>
@@ -12340,7 +13103,7 @@
 </p:sld>
 </file>
 
-<file path=ppt/slides/slide36.xml><?xml version="1.0" encoding="utf-8"?>
+<file path=ppt/slides/slide39.xml><?xml version="1.0" encoding="utf-8"?>
 <p:sld xmlns:a="http://schemas.openxmlformats.org/drawingml/2006/main" xmlns:r="http://schemas.openxmlformats.org/officeDocument/2006/relationships" xmlns:p="http://schemas.openxmlformats.org/presentationml/2006/main">
   <p:cSld>
     <p:spTree>
